--- a/doc/Conociendo Java 8.pptx
+++ b/doc/Conociendo Java 8.pptx
@@ -5,29 +5,30 @@
     <p:sldMasterId id="2147483648" r:id="rId1"/>
   </p:sldMasterIdLst>
   <p:notesMasterIdLst>
-    <p:notesMasterId r:id="rId22"/>
+    <p:notesMasterId r:id="rId23"/>
   </p:notesMasterIdLst>
   <p:sldIdLst>
     <p:sldId id="256" r:id="rId2"/>
     <p:sldId id="257" r:id="rId3"/>
-    <p:sldId id="258" r:id="rId4"/>
-    <p:sldId id="259" r:id="rId5"/>
-    <p:sldId id="264" r:id="rId6"/>
-    <p:sldId id="260" r:id="rId7"/>
-    <p:sldId id="261" r:id="rId8"/>
-    <p:sldId id="262" r:id="rId9"/>
-    <p:sldId id="263" r:id="rId10"/>
-    <p:sldId id="267" r:id="rId11"/>
-    <p:sldId id="265" r:id="rId12"/>
-    <p:sldId id="266" r:id="rId13"/>
-    <p:sldId id="275" r:id="rId14"/>
-    <p:sldId id="268" r:id="rId15"/>
-    <p:sldId id="269" r:id="rId16"/>
-    <p:sldId id="270" r:id="rId17"/>
-    <p:sldId id="271" r:id="rId18"/>
-    <p:sldId id="272" r:id="rId19"/>
-    <p:sldId id="273" r:id="rId20"/>
-    <p:sldId id="274" r:id="rId21"/>
+    <p:sldId id="276" r:id="rId4"/>
+    <p:sldId id="258" r:id="rId5"/>
+    <p:sldId id="259" r:id="rId6"/>
+    <p:sldId id="264" r:id="rId7"/>
+    <p:sldId id="260" r:id="rId8"/>
+    <p:sldId id="261" r:id="rId9"/>
+    <p:sldId id="262" r:id="rId10"/>
+    <p:sldId id="263" r:id="rId11"/>
+    <p:sldId id="267" r:id="rId12"/>
+    <p:sldId id="265" r:id="rId13"/>
+    <p:sldId id="266" r:id="rId14"/>
+    <p:sldId id="275" r:id="rId15"/>
+    <p:sldId id="268" r:id="rId16"/>
+    <p:sldId id="269" r:id="rId17"/>
+    <p:sldId id="270" r:id="rId18"/>
+    <p:sldId id="271" r:id="rId19"/>
+    <p:sldId id="272" r:id="rId20"/>
+    <p:sldId id="273" r:id="rId21"/>
+    <p:sldId id="274" r:id="rId22"/>
   </p:sldIdLst>
   <p:sldSz cx="9144000" cy="6858000" type="screen4x3"/>
   <p:notesSz cx="6858000" cy="9144000"/>
@@ -129,6 +130,5680 @@
 </p:presentation>
 </file>
 
+<file path=ppt/diagrams/colors1.xml><?xml version="1.0" encoding="utf-8"?>
+<dgm:colorsDef xmlns:dgm="http://schemas.openxmlformats.org/drawingml/2006/diagram" xmlns:a="http://schemas.openxmlformats.org/drawingml/2006/main" uniqueId="urn:microsoft.com/office/officeart/2005/8/colors/accent1_2">
+  <dgm:title val=""/>
+  <dgm:desc val=""/>
+  <dgm:catLst>
+    <dgm:cat type="accent1" pri="11200"/>
+  </dgm:catLst>
+  <dgm:styleLbl name="node0">
+    <dgm:fillClrLst meth="repeat">
+      <a:schemeClr val="accent1"/>
+    </dgm:fillClrLst>
+    <dgm:linClrLst meth="repeat">
+      <a:schemeClr val="lt1"/>
+    </dgm:linClrLst>
+    <dgm:effectClrLst/>
+    <dgm:txLinClrLst/>
+    <dgm:txFillClrLst/>
+    <dgm:txEffectClrLst/>
+  </dgm:styleLbl>
+  <dgm:styleLbl name="alignNode1">
+    <dgm:fillClrLst meth="repeat">
+      <a:schemeClr val="accent1"/>
+    </dgm:fillClrLst>
+    <dgm:linClrLst meth="repeat">
+      <a:schemeClr val="accent1"/>
+    </dgm:linClrLst>
+    <dgm:effectClrLst/>
+    <dgm:txLinClrLst/>
+    <dgm:txFillClrLst/>
+    <dgm:txEffectClrLst/>
+  </dgm:styleLbl>
+  <dgm:styleLbl name="node1">
+    <dgm:fillClrLst meth="repeat">
+      <a:schemeClr val="accent1"/>
+    </dgm:fillClrLst>
+    <dgm:linClrLst meth="repeat">
+      <a:schemeClr val="lt1"/>
+    </dgm:linClrLst>
+    <dgm:effectClrLst/>
+    <dgm:txLinClrLst/>
+    <dgm:txFillClrLst/>
+    <dgm:txEffectClrLst/>
+  </dgm:styleLbl>
+  <dgm:styleLbl name="lnNode1">
+    <dgm:fillClrLst meth="repeat">
+      <a:schemeClr val="accent1"/>
+    </dgm:fillClrLst>
+    <dgm:linClrLst meth="repeat">
+      <a:schemeClr val="lt1"/>
+    </dgm:linClrLst>
+    <dgm:effectClrLst/>
+    <dgm:txLinClrLst/>
+    <dgm:txFillClrLst/>
+    <dgm:txEffectClrLst/>
+  </dgm:styleLbl>
+  <dgm:styleLbl name="vennNode1">
+    <dgm:fillClrLst meth="repeat">
+      <a:schemeClr val="accent1">
+        <a:alpha val="50000"/>
+      </a:schemeClr>
+    </dgm:fillClrLst>
+    <dgm:linClrLst meth="repeat">
+      <a:schemeClr val="lt1"/>
+    </dgm:linClrLst>
+    <dgm:effectClrLst/>
+    <dgm:txLinClrLst/>
+    <dgm:txFillClrLst/>
+    <dgm:txEffectClrLst/>
+  </dgm:styleLbl>
+  <dgm:styleLbl name="node2">
+    <dgm:fillClrLst meth="repeat">
+      <a:schemeClr val="accent1"/>
+    </dgm:fillClrLst>
+    <dgm:linClrLst meth="repeat">
+      <a:schemeClr val="lt1"/>
+    </dgm:linClrLst>
+    <dgm:effectClrLst/>
+    <dgm:txLinClrLst/>
+    <dgm:txFillClrLst/>
+    <dgm:txEffectClrLst/>
+  </dgm:styleLbl>
+  <dgm:styleLbl name="node3">
+    <dgm:fillClrLst meth="repeat">
+      <a:schemeClr val="accent1"/>
+    </dgm:fillClrLst>
+    <dgm:linClrLst meth="repeat">
+      <a:schemeClr val="lt1"/>
+    </dgm:linClrLst>
+    <dgm:effectClrLst/>
+    <dgm:txLinClrLst/>
+    <dgm:txFillClrLst/>
+    <dgm:txEffectClrLst/>
+  </dgm:styleLbl>
+  <dgm:styleLbl name="node4">
+    <dgm:fillClrLst meth="repeat">
+      <a:schemeClr val="accent1"/>
+    </dgm:fillClrLst>
+    <dgm:linClrLst meth="repeat">
+      <a:schemeClr val="lt1"/>
+    </dgm:linClrLst>
+    <dgm:effectClrLst/>
+    <dgm:txLinClrLst/>
+    <dgm:txFillClrLst/>
+    <dgm:txEffectClrLst/>
+  </dgm:styleLbl>
+  <dgm:styleLbl name="fgImgPlace1">
+    <dgm:fillClrLst meth="repeat">
+      <a:schemeClr val="accent1">
+        <a:tint val="50000"/>
+      </a:schemeClr>
+    </dgm:fillClrLst>
+    <dgm:linClrLst meth="repeat">
+      <a:schemeClr val="lt1"/>
+    </dgm:linClrLst>
+    <dgm:effectClrLst/>
+    <dgm:txLinClrLst/>
+    <dgm:txFillClrLst meth="repeat">
+      <a:schemeClr val="lt1"/>
+    </dgm:txFillClrLst>
+    <dgm:txEffectClrLst/>
+  </dgm:styleLbl>
+  <dgm:styleLbl name="alignImgPlace1">
+    <dgm:fillClrLst meth="repeat">
+      <a:schemeClr val="accent1">
+        <a:tint val="50000"/>
+      </a:schemeClr>
+    </dgm:fillClrLst>
+    <dgm:linClrLst meth="repeat">
+      <a:schemeClr val="lt1"/>
+    </dgm:linClrLst>
+    <dgm:effectClrLst/>
+    <dgm:txLinClrLst/>
+    <dgm:txFillClrLst meth="repeat">
+      <a:schemeClr val="lt1"/>
+    </dgm:txFillClrLst>
+    <dgm:txEffectClrLst/>
+  </dgm:styleLbl>
+  <dgm:styleLbl name="bgImgPlace1">
+    <dgm:fillClrLst meth="repeat">
+      <a:schemeClr val="accent1">
+        <a:tint val="50000"/>
+      </a:schemeClr>
+    </dgm:fillClrLst>
+    <dgm:linClrLst meth="repeat">
+      <a:schemeClr val="lt1"/>
+    </dgm:linClrLst>
+    <dgm:effectClrLst/>
+    <dgm:txLinClrLst/>
+    <dgm:txFillClrLst meth="repeat">
+      <a:schemeClr val="lt1"/>
+    </dgm:txFillClrLst>
+    <dgm:txEffectClrLst/>
+  </dgm:styleLbl>
+  <dgm:styleLbl name="sibTrans2D1">
+    <dgm:fillClrLst meth="repeat">
+      <a:schemeClr val="accent1">
+        <a:tint val="60000"/>
+      </a:schemeClr>
+    </dgm:fillClrLst>
+    <dgm:linClrLst meth="repeat">
+      <a:schemeClr val="accent1">
+        <a:tint val="60000"/>
+      </a:schemeClr>
+    </dgm:linClrLst>
+    <dgm:effectClrLst/>
+    <dgm:txLinClrLst/>
+    <dgm:txFillClrLst/>
+    <dgm:txEffectClrLst/>
+  </dgm:styleLbl>
+  <dgm:styleLbl name="fgSibTrans2D1">
+    <dgm:fillClrLst meth="repeat">
+      <a:schemeClr val="accent1">
+        <a:tint val="60000"/>
+      </a:schemeClr>
+    </dgm:fillClrLst>
+    <dgm:linClrLst meth="repeat">
+      <a:schemeClr val="accent1">
+        <a:tint val="60000"/>
+      </a:schemeClr>
+    </dgm:linClrLst>
+    <dgm:effectClrLst/>
+    <dgm:txLinClrLst/>
+    <dgm:txFillClrLst/>
+    <dgm:txEffectClrLst/>
+  </dgm:styleLbl>
+  <dgm:styleLbl name="bgSibTrans2D1">
+    <dgm:fillClrLst meth="repeat">
+      <a:schemeClr val="accent1">
+        <a:tint val="60000"/>
+      </a:schemeClr>
+    </dgm:fillClrLst>
+    <dgm:linClrLst meth="repeat">
+      <a:schemeClr val="accent1">
+        <a:tint val="60000"/>
+      </a:schemeClr>
+    </dgm:linClrLst>
+    <dgm:effectClrLst/>
+    <dgm:txLinClrLst/>
+    <dgm:txFillClrLst/>
+    <dgm:txEffectClrLst/>
+  </dgm:styleLbl>
+  <dgm:styleLbl name="sibTrans1D1">
+    <dgm:fillClrLst meth="repeat">
+      <a:schemeClr val="accent1"/>
+    </dgm:fillClrLst>
+    <dgm:linClrLst meth="repeat">
+      <a:schemeClr val="accent1"/>
+    </dgm:linClrLst>
+    <dgm:effectClrLst/>
+    <dgm:txLinClrLst/>
+    <dgm:txFillClrLst meth="repeat">
+      <a:schemeClr val="tx1"/>
+    </dgm:txFillClrLst>
+    <dgm:txEffectClrLst/>
+  </dgm:styleLbl>
+  <dgm:styleLbl name="callout">
+    <dgm:fillClrLst meth="repeat">
+      <a:schemeClr val="accent1"/>
+    </dgm:fillClrLst>
+    <dgm:linClrLst meth="repeat">
+      <a:schemeClr val="accent1">
+        <a:tint val="50000"/>
+      </a:schemeClr>
+    </dgm:linClrLst>
+    <dgm:effectClrLst/>
+    <dgm:txLinClrLst/>
+    <dgm:txFillClrLst meth="repeat">
+      <a:schemeClr val="tx1"/>
+    </dgm:txFillClrLst>
+    <dgm:txEffectClrLst/>
+  </dgm:styleLbl>
+  <dgm:styleLbl name="asst0">
+    <dgm:fillClrLst meth="repeat">
+      <a:schemeClr val="accent1"/>
+    </dgm:fillClrLst>
+    <dgm:linClrLst meth="repeat">
+      <a:schemeClr val="lt1"/>
+    </dgm:linClrLst>
+    <dgm:effectClrLst/>
+    <dgm:txLinClrLst/>
+    <dgm:txFillClrLst/>
+    <dgm:txEffectClrLst/>
+  </dgm:styleLbl>
+  <dgm:styleLbl name="asst1">
+    <dgm:fillClrLst meth="repeat">
+      <a:schemeClr val="accent1"/>
+    </dgm:fillClrLst>
+    <dgm:linClrLst meth="repeat">
+      <a:schemeClr val="lt1"/>
+    </dgm:linClrLst>
+    <dgm:effectClrLst/>
+    <dgm:txLinClrLst/>
+    <dgm:txFillClrLst/>
+    <dgm:txEffectClrLst/>
+  </dgm:styleLbl>
+  <dgm:styleLbl name="asst2">
+    <dgm:fillClrLst meth="repeat">
+      <a:schemeClr val="accent1"/>
+    </dgm:fillClrLst>
+    <dgm:linClrLst meth="repeat">
+      <a:schemeClr val="lt1"/>
+    </dgm:linClrLst>
+    <dgm:effectClrLst/>
+    <dgm:txLinClrLst/>
+    <dgm:txFillClrLst/>
+    <dgm:txEffectClrLst/>
+  </dgm:styleLbl>
+  <dgm:styleLbl name="asst3">
+    <dgm:fillClrLst meth="repeat">
+      <a:schemeClr val="accent1"/>
+    </dgm:fillClrLst>
+    <dgm:linClrLst meth="repeat">
+      <a:schemeClr val="lt1"/>
+    </dgm:linClrLst>
+    <dgm:effectClrLst/>
+    <dgm:txLinClrLst/>
+    <dgm:txFillClrLst/>
+    <dgm:txEffectClrLst/>
+  </dgm:styleLbl>
+  <dgm:styleLbl name="asst4">
+    <dgm:fillClrLst meth="repeat">
+      <a:schemeClr val="accent1"/>
+    </dgm:fillClrLst>
+    <dgm:linClrLst meth="repeat">
+      <a:schemeClr val="lt1"/>
+    </dgm:linClrLst>
+    <dgm:effectClrLst/>
+    <dgm:txLinClrLst/>
+    <dgm:txFillClrLst/>
+    <dgm:txEffectClrLst/>
+  </dgm:styleLbl>
+  <dgm:styleLbl name="parChTrans2D1">
+    <dgm:fillClrLst meth="repeat">
+      <a:schemeClr val="accent1">
+        <a:tint val="60000"/>
+      </a:schemeClr>
+    </dgm:fillClrLst>
+    <dgm:linClrLst meth="repeat">
+      <a:schemeClr val="accent1">
+        <a:tint val="60000"/>
+      </a:schemeClr>
+    </dgm:linClrLst>
+    <dgm:effectClrLst/>
+    <dgm:txLinClrLst/>
+    <dgm:txFillClrLst meth="repeat">
+      <a:schemeClr val="lt1"/>
+    </dgm:txFillClrLst>
+    <dgm:txEffectClrLst/>
+  </dgm:styleLbl>
+  <dgm:styleLbl name="parChTrans2D2">
+    <dgm:fillClrLst meth="repeat">
+      <a:schemeClr val="accent1"/>
+    </dgm:fillClrLst>
+    <dgm:linClrLst meth="repeat">
+      <a:schemeClr val="accent1"/>
+    </dgm:linClrLst>
+    <dgm:effectClrLst/>
+    <dgm:txLinClrLst/>
+    <dgm:txFillClrLst meth="repeat">
+      <a:schemeClr val="lt1"/>
+    </dgm:txFillClrLst>
+    <dgm:txEffectClrLst/>
+  </dgm:styleLbl>
+  <dgm:styleLbl name="parChTrans2D3">
+    <dgm:fillClrLst meth="repeat">
+      <a:schemeClr val="accent1"/>
+    </dgm:fillClrLst>
+    <dgm:linClrLst meth="repeat">
+      <a:schemeClr val="accent1"/>
+    </dgm:linClrLst>
+    <dgm:effectClrLst/>
+    <dgm:txLinClrLst/>
+    <dgm:txFillClrLst meth="repeat">
+      <a:schemeClr val="lt1"/>
+    </dgm:txFillClrLst>
+    <dgm:txEffectClrLst/>
+  </dgm:styleLbl>
+  <dgm:styleLbl name="parChTrans2D4">
+    <dgm:fillClrLst meth="repeat">
+      <a:schemeClr val="accent1"/>
+    </dgm:fillClrLst>
+    <dgm:linClrLst meth="repeat">
+      <a:schemeClr val="accent1"/>
+    </dgm:linClrLst>
+    <dgm:effectClrLst/>
+    <dgm:txLinClrLst/>
+    <dgm:txFillClrLst meth="repeat">
+      <a:schemeClr val="lt1"/>
+    </dgm:txFillClrLst>
+    <dgm:txEffectClrLst/>
+  </dgm:styleLbl>
+  <dgm:styleLbl name="parChTrans1D1">
+    <dgm:fillClrLst meth="repeat">
+      <a:schemeClr val="accent1"/>
+    </dgm:fillClrLst>
+    <dgm:linClrLst meth="repeat">
+      <a:schemeClr val="accent1">
+        <a:shade val="60000"/>
+      </a:schemeClr>
+    </dgm:linClrLst>
+    <dgm:effectClrLst/>
+    <dgm:txLinClrLst/>
+    <dgm:txFillClrLst meth="repeat">
+      <a:schemeClr val="tx1"/>
+    </dgm:txFillClrLst>
+    <dgm:txEffectClrLst/>
+  </dgm:styleLbl>
+  <dgm:styleLbl name="parChTrans1D2">
+    <dgm:fillClrLst meth="repeat">
+      <a:schemeClr val="accent1"/>
+    </dgm:fillClrLst>
+    <dgm:linClrLst meth="repeat">
+      <a:schemeClr val="accent1">
+        <a:shade val="60000"/>
+      </a:schemeClr>
+    </dgm:linClrLst>
+    <dgm:effectClrLst/>
+    <dgm:txLinClrLst/>
+    <dgm:txFillClrLst meth="repeat">
+      <a:schemeClr val="tx1"/>
+    </dgm:txFillClrLst>
+    <dgm:txEffectClrLst/>
+  </dgm:styleLbl>
+  <dgm:styleLbl name="parChTrans1D3">
+    <dgm:fillClrLst meth="repeat">
+      <a:schemeClr val="accent1"/>
+    </dgm:fillClrLst>
+    <dgm:linClrLst meth="repeat">
+      <a:schemeClr val="accent1">
+        <a:shade val="80000"/>
+      </a:schemeClr>
+    </dgm:linClrLst>
+    <dgm:effectClrLst/>
+    <dgm:txLinClrLst/>
+    <dgm:txFillClrLst meth="repeat">
+      <a:schemeClr val="tx1"/>
+    </dgm:txFillClrLst>
+    <dgm:txEffectClrLst/>
+  </dgm:styleLbl>
+  <dgm:styleLbl name="parChTrans1D4">
+    <dgm:fillClrLst meth="repeat">
+      <a:schemeClr val="accent1"/>
+    </dgm:fillClrLst>
+    <dgm:linClrLst meth="repeat">
+      <a:schemeClr val="accent1">
+        <a:shade val="80000"/>
+      </a:schemeClr>
+    </dgm:linClrLst>
+    <dgm:effectClrLst/>
+    <dgm:txLinClrLst/>
+    <dgm:txFillClrLst meth="repeat">
+      <a:schemeClr val="tx1"/>
+    </dgm:txFillClrLst>
+    <dgm:txEffectClrLst/>
+  </dgm:styleLbl>
+  <dgm:styleLbl name="fgAcc1">
+    <dgm:fillClrLst meth="repeat">
+      <a:schemeClr val="lt1">
+        <a:alpha val="90000"/>
+      </a:schemeClr>
+    </dgm:fillClrLst>
+    <dgm:linClrLst meth="repeat">
+      <a:schemeClr val="accent1"/>
+    </dgm:linClrLst>
+    <dgm:effectClrLst/>
+    <dgm:txLinClrLst/>
+    <dgm:txFillClrLst meth="repeat">
+      <a:schemeClr val="dk1"/>
+    </dgm:txFillClrLst>
+    <dgm:txEffectClrLst/>
+  </dgm:styleLbl>
+  <dgm:styleLbl name="conFgAcc1">
+    <dgm:fillClrLst meth="repeat">
+      <a:schemeClr val="lt1">
+        <a:alpha val="90000"/>
+      </a:schemeClr>
+    </dgm:fillClrLst>
+    <dgm:linClrLst meth="repeat">
+      <a:schemeClr val="accent1"/>
+    </dgm:linClrLst>
+    <dgm:effectClrLst/>
+    <dgm:txLinClrLst/>
+    <dgm:txFillClrLst meth="repeat">
+      <a:schemeClr val="dk1"/>
+    </dgm:txFillClrLst>
+    <dgm:txEffectClrLst/>
+  </dgm:styleLbl>
+  <dgm:styleLbl name="alignAcc1">
+    <dgm:fillClrLst meth="repeat">
+      <a:schemeClr val="lt1">
+        <a:alpha val="90000"/>
+      </a:schemeClr>
+    </dgm:fillClrLst>
+    <dgm:linClrLst meth="repeat">
+      <a:schemeClr val="accent1"/>
+    </dgm:linClrLst>
+    <dgm:effectClrLst/>
+    <dgm:txLinClrLst/>
+    <dgm:txFillClrLst meth="repeat">
+      <a:schemeClr val="dk1"/>
+    </dgm:txFillClrLst>
+    <dgm:txEffectClrLst/>
+  </dgm:styleLbl>
+  <dgm:styleLbl name="trAlignAcc1">
+    <dgm:fillClrLst meth="repeat">
+      <a:schemeClr val="lt1">
+        <a:alpha val="40000"/>
+      </a:schemeClr>
+    </dgm:fillClrLst>
+    <dgm:linClrLst meth="repeat">
+      <a:schemeClr val="accent1"/>
+    </dgm:linClrLst>
+    <dgm:effectClrLst/>
+    <dgm:txLinClrLst/>
+    <dgm:txFillClrLst meth="repeat">
+      <a:schemeClr val="dk1"/>
+    </dgm:txFillClrLst>
+    <dgm:txEffectClrLst/>
+  </dgm:styleLbl>
+  <dgm:styleLbl name="bgAcc1">
+    <dgm:fillClrLst meth="repeat">
+      <a:schemeClr val="lt1">
+        <a:alpha val="90000"/>
+      </a:schemeClr>
+    </dgm:fillClrLst>
+    <dgm:linClrLst meth="repeat">
+      <a:schemeClr val="accent1"/>
+    </dgm:linClrLst>
+    <dgm:effectClrLst/>
+    <dgm:txLinClrLst/>
+    <dgm:txFillClrLst meth="repeat">
+      <a:schemeClr val="dk1"/>
+    </dgm:txFillClrLst>
+    <dgm:txEffectClrLst/>
+  </dgm:styleLbl>
+  <dgm:styleLbl name="solidFgAcc1">
+    <dgm:fillClrLst meth="repeat">
+      <a:schemeClr val="lt1"/>
+    </dgm:fillClrLst>
+    <dgm:linClrLst meth="repeat">
+      <a:schemeClr val="accent1"/>
+    </dgm:linClrLst>
+    <dgm:effectClrLst/>
+    <dgm:txLinClrLst/>
+    <dgm:txFillClrLst meth="repeat">
+      <a:schemeClr val="dk1"/>
+    </dgm:txFillClrLst>
+    <dgm:txEffectClrLst/>
+  </dgm:styleLbl>
+  <dgm:styleLbl name="solidAlignAcc1">
+    <dgm:fillClrLst meth="repeat">
+      <a:schemeClr val="lt1"/>
+    </dgm:fillClrLst>
+    <dgm:linClrLst meth="repeat">
+      <a:schemeClr val="accent1"/>
+    </dgm:linClrLst>
+    <dgm:effectClrLst/>
+    <dgm:txLinClrLst/>
+    <dgm:txFillClrLst meth="repeat">
+      <a:schemeClr val="dk1"/>
+    </dgm:txFillClrLst>
+    <dgm:txEffectClrLst/>
+  </dgm:styleLbl>
+  <dgm:styleLbl name="solidBgAcc1">
+    <dgm:fillClrLst meth="repeat">
+      <a:schemeClr val="lt1"/>
+    </dgm:fillClrLst>
+    <dgm:linClrLst meth="repeat">
+      <a:schemeClr val="accent1"/>
+    </dgm:linClrLst>
+    <dgm:effectClrLst/>
+    <dgm:txLinClrLst/>
+    <dgm:txFillClrLst meth="repeat">
+      <a:schemeClr val="dk1"/>
+    </dgm:txFillClrLst>
+    <dgm:txEffectClrLst/>
+  </dgm:styleLbl>
+  <dgm:styleLbl name="fgAccFollowNode1">
+    <dgm:fillClrLst meth="repeat">
+      <a:schemeClr val="accent1">
+        <a:alpha val="90000"/>
+        <a:tint val="40000"/>
+      </a:schemeClr>
+    </dgm:fillClrLst>
+    <dgm:linClrLst meth="repeat">
+      <a:schemeClr val="accent1">
+        <a:alpha val="90000"/>
+        <a:tint val="40000"/>
+      </a:schemeClr>
+    </dgm:linClrLst>
+    <dgm:effectClrLst/>
+    <dgm:txLinClrLst/>
+    <dgm:txFillClrLst meth="repeat">
+      <a:schemeClr val="dk1"/>
+    </dgm:txFillClrLst>
+    <dgm:txEffectClrLst/>
+  </dgm:styleLbl>
+  <dgm:styleLbl name="alignAccFollowNode1">
+    <dgm:fillClrLst meth="repeat">
+      <a:schemeClr val="accent1">
+        <a:alpha val="90000"/>
+        <a:tint val="40000"/>
+      </a:schemeClr>
+    </dgm:fillClrLst>
+    <dgm:linClrLst meth="repeat">
+      <a:schemeClr val="accent1">
+        <a:alpha val="90000"/>
+        <a:tint val="40000"/>
+      </a:schemeClr>
+    </dgm:linClrLst>
+    <dgm:effectClrLst/>
+    <dgm:txLinClrLst/>
+    <dgm:txFillClrLst meth="repeat">
+      <a:schemeClr val="dk1"/>
+    </dgm:txFillClrLst>
+    <dgm:txEffectClrLst/>
+  </dgm:styleLbl>
+  <dgm:styleLbl name="bgAccFollowNode1">
+    <dgm:fillClrLst meth="repeat">
+      <a:schemeClr val="accent1">
+        <a:alpha val="90000"/>
+        <a:tint val="40000"/>
+      </a:schemeClr>
+    </dgm:fillClrLst>
+    <dgm:linClrLst meth="repeat">
+      <a:schemeClr val="accent1">
+        <a:alpha val="90000"/>
+        <a:tint val="40000"/>
+      </a:schemeClr>
+    </dgm:linClrLst>
+    <dgm:effectClrLst/>
+    <dgm:txLinClrLst/>
+    <dgm:txFillClrLst meth="repeat">
+      <a:schemeClr val="dk1"/>
+    </dgm:txFillClrLst>
+    <dgm:txEffectClrLst/>
+  </dgm:styleLbl>
+  <dgm:styleLbl name="fgAcc0">
+    <dgm:fillClrLst meth="repeat">
+      <a:schemeClr val="lt1">
+        <a:alpha val="90000"/>
+      </a:schemeClr>
+    </dgm:fillClrLst>
+    <dgm:linClrLst meth="repeat">
+      <a:schemeClr val="accent1"/>
+    </dgm:linClrLst>
+    <dgm:effectClrLst/>
+    <dgm:txLinClrLst/>
+    <dgm:txFillClrLst meth="repeat">
+      <a:schemeClr val="dk1"/>
+    </dgm:txFillClrLst>
+    <dgm:txEffectClrLst/>
+  </dgm:styleLbl>
+  <dgm:styleLbl name="fgAcc2">
+    <dgm:fillClrLst meth="repeat">
+      <a:schemeClr val="lt1">
+        <a:alpha val="90000"/>
+      </a:schemeClr>
+    </dgm:fillClrLst>
+    <dgm:linClrLst meth="repeat">
+      <a:schemeClr val="accent1"/>
+    </dgm:linClrLst>
+    <dgm:effectClrLst/>
+    <dgm:txLinClrLst/>
+    <dgm:txFillClrLst meth="repeat">
+      <a:schemeClr val="dk1"/>
+    </dgm:txFillClrLst>
+    <dgm:txEffectClrLst/>
+  </dgm:styleLbl>
+  <dgm:styleLbl name="fgAcc3">
+    <dgm:fillClrLst meth="repeat">
+      <a:schemeClr val="lt1">
+        <a:alpha val="90000"/>
+      </a:schemeClr>
+    </dgm:fillClrLst>
+    <dgm:linClrLst meth="repeat">
+      <a:schemeClr val="accent1"/>
+    </dgm:linClrLst>
+    <dgm:effectClrLst/>
+    <dgm:txLinClrLst/>
+    <dgm:txFillClrLst meth="repeat">
+      <a:schemeClr val="dk1"/>
+    </dgm:txFillClrLst>
+    <dgm:txEffectClrLst/>
+  </dgm:styleLbl>
+  <dgm:styleLbl name="fgAcc4">
+    <dgm:fillClrLst meth="repeat">
+      <a:schemeClr val="lt1">
+        <a:alpha val="90000"/>
+      </a:schemeClr>
+    </dgm:fillClrLst>
+    <dgm:linClrLst meth="repeat">
+      <a:schemeClr val="accent1"/>
+    </dgm:linClrLst>
+    <dgm:effectClrLst/>
+    <dgm:txLinClrLst/>
+    <dgm:txFillClrLst meth="repeat">
+      <a:schemeClr val="dk1"/>
+    </dgm:txFillClrLst>
+    <dgm:txEffectClrLst/>
+  </dgm:styleLbl>
+  <dgm:styleLbl name="bgShp">
+    <dgm:fillClrLst meth="repeat">
+      <a:schemeClr val="accent1">
+        <a:tint val="40000"/>
+      </a:schemeClr>
+    </dgm:fillClrLst>
+    <dgm:linClrLst meth="repeat">
+      <a:schemeClr val="accent1"/>
+    </dgm:linClrLst>
+    <dgm:effectClrLst/>
+    <dgm:txLinClrLst/>
+    <dgm:txFillClrLst meth="repeat">
+      <a:schemeClr val="dk1"/>
+    </dgm:txFillClrLst>
+    <dgm:txEffectClrLst/>
+  </dgm:styleLbl>
+  <dgm:styleLbl name="dkBgShp">
+    <dgm:fillClrLst meth="repeat">
+      <a:schemeClr val="accent1">
+        <a:shade val="80000"/>
+      </a:schemeClr>
+    </dgm:fillClrLst>
+    <dgm:linClrLst meth="repeat">
+      <a:schemeClr val="accent1"/>
+    </dgm:linClrLst>
+    <dgm:effectClrLst/>
+    <dgm:txLinClrLst/>
+    <dgm:txFillClrLst meth="repeat">
+      <a:schemeClr val="lt1"/>
+    </dgm:txFillClrLst>
+    <dgm:txEffectClrLst/>
+  </dgm:styleLbl>
+  <dgm:styleLbl name="trBgShp">
+    <dgm:fillClrLst meth="repeat">
+      <a:schemeClr val="accent1">
+        <a:tint val="50000"/>
+        <a:alpha val="40000"/>
+      </a:schemeClr>
+    </dgm:fillClrLst>
+    <dgm:linClrLst meth="repeat">
+      <a:schemeClr val="accent1"/>
+    </dgm:linClrLst>
+    <dgm:effectClrLst/>
+    <dgm:txLinClrLst/>
+    <dgm:txFillClrLst meth="repeat">
+      <a:schemeClr val="lt1"/>
+    </dgm:txFillClrLst>
+    <dgm:txEffectClrLst/>
+  </dgm:styleLbl>
+  <dgm:styleLbl name="fgShp">
+    <dgm:fillClrLst meth="repeat">
+      <a:schemeClr val="accent1">
+        <a:tint val="60000"/>
+      </a:schemeClr>
+    </dgm:fillClrLst>
+    <dgm:linClrLst meth="repeat">
+      <a:schemeClr val="lt1"/>
+    </dgm:linClrLst>
+    <dgm:effectClrLst/>
+    <dgm:txLinClrLst/>
+    <dgm:txFillClrLst meth="repeat">
+      <a:schemeClr val="dk1"/>
+    </dgm:txFillClrLst>
+    <dgm:txEffectClrLst/>
+  </dgm:styleLbl>
+  <dgm:styleLbl name="revTx">
+    <dgm:fillClrLst meth="repeat">
+      <a:schemeClr val="lt1">
+        <a:alpha val="0"/>
+      </a:schemeClr>
+    </dgm:fillClrLst>
+    <dgm:linClrLst meth="repeat">
+      <a:schemeClr val="dk1">
+        <a:alpha val="0"/>
+      </a:schemeClr>
+    </dgm:linClrLst>
+    <dgm:effectClrLst/>
+    <dgm:txLinClrLst/>
+    <dgm:txFillClrLst meth="repeat">
+      <a:schemeClr val="tx1"/>
+    </dgm:txFillClrLst>
+    <dgm:txEffectClrLst/>
+  </dgm:styleLbl>
+</dgm:colorsDef>
+</file>
+
+<file path=ppt/diagrams/colors2.xml><?xml version="1.0" encoding="utf-8"?>
+<dgm:colorsDef xmlns:dgm="http://schemas.openxmlformats.org/drawingml/2006/diagram" xmlns:a="http://schemas.openxmlformats.org/drawingml/2006/main" uniqueId="urn:microsoft.com/office/officeart/2005/8/colors/accent1_2">
+  <dgm:title val=""/>
+  <dgm:desc val=""/>
+  <dgm:catLst>
+    <dgm:cat type="accent1" pri="11200"/>
+  </dgm:catLst>
+  <dgm:styleLbl name="node0">
+    <dgm:fillClrLst meth="repeat">
+      <a:schemeClr val="accent1"/>
+    </dgm:fillClrLst>
+    <dgm:linClrLst meth="repeat">
+      <a:schemeClr val="lt1"/>
+    </dgm:linClrLst>
+    <dgm:effectClrLst/>
+    <dgm:txLinClrLst/>
+    <dgm:txFillClrLst/>
+    <dgm:txEffectClrLst/>
+  </dgm:styleLbl>
+  <dgm:styleLbl name="alignNode1">
+    <dgm:fillClrLst meth="repeat">
+      <a:schemeClr val="accent1"/>
+    </dgm:fillClrLst>
+    <dgm:linClrLst meth="repeat">
+      <a:schemeClr val="accent1"/>
+    </dgm:linClrLst>
+    <dgm:effectClrLst/>
+    <dgm:txLinClrLst/>
+    <dgm:txFillClrLst/>
+    <dgm:txEffectClrLst/>
+  </dgm:styleLbl>
+  <dgm:styleLbl name="node1">
+    <dgm:fillClrLst meth="repeat">
+      <a:schemeClr val="accent1"/>
+    </dgm:fillClrLst>
+    <dgm:linClrLst meth="repeat">
+      <a:schemeClr val="lt1"/>
+    </dgm:linClrLst>
+    <dgm:effectClrLst/>
+    <dgm:txLinClrLst/>
+    <dgm:txFillClrLst/>
+    <dgm:txEffectClrLst/>
+  </dgm:styleLbl>
+  <dgm:styleLbl name="lnNode1">
+    <dgm:fillClrLst meth="repeat">
+      <a:schemeClr val="accent1"/>
+    </dgm:fillClrLst>
+    <dgm:linClrLst meth="repeat">
+      <a:schemeClr val="lt1"/>
+    </dgm:linClrLst>
+    <dgm:effectClrLst/>
+    <dgm:txLinClrLst/>
+    <dgm:txFillClrLst/>
+    <dgm:txEffectClrLst/>
+  </dgm:styleLbl>
+  <dgm:styleLbl name="vennNode1">
+    <dgm:fillClrLst meth="repeat">
+      <a:schemeClr val="accent1">
+        <a:alpha val="50000"/>
+      </a:schemeClr>
+    </dgm:fillClrLst>
+    <dgm:linClrLst meth="repeat">
+      <a:schemeClr val="lt1"/>
+    </dgm:linClrLst>
+    <dgm:effectClrLst/>
+    <dgm:txLinClrLst/>
+    <dgm:txFillClrLst/>
+    <dgm:txEffectClrLst/>
+  </dgm:styleLbl>
+  <dgm:styleLbl name="node2">
+    <dgm:fillClrLst meth="repeat">
+      <a:schemeClr val="accent1"/>
+    </dgm:fillClrLst>
+    <dgm:linClrLst meth="repeat">
+      <a:schemeClr val="lt1"/>
+    </dgm:linClrLst>
+    <dgm:effectClrLst/>
+    <dgm:txLinClrLst/>
+    <dgm:txFillClrLst/>
+    <dgm:txEffectClrLst/>
+  </dgm:styleLbl>
+  <dgm:styleLbl name="node3">
+    <dgm:fillClrLst meth="repeat">
+      <a:schemeClr val="accent1"/>
+    </dgm:fillClrLst>
+    <dgm:linClrLst meth="repeat">
+      <a:schemeClr val="lt1"/>
+    </dgm:linClrLst>
+    <dgm:effectClrLst/>
+    <dgm:txLinClrLst/>
+    <dgm:txFillClrLst/>
+    <dgm:txEffectClrLst/>
+  </dgm:styleLbl>
+  <dgm:styleLbl name="node4">
+    <dgm:fillClrLst meth="repeat">
+      <a:schemeClr val="accent1"/>
+    </dgm:fillClrLst>
+    <dgm:linClrLst meth="repeat">
+      <a:schemeClr val="lt1"/>
+    </dgm:linClrLst>
+    <dgm:effectClrLst/>
+    <dgm:txLinClrLst/>
+    <dgm:txFillClrLst/>
+    <dgm:txEffectClrLst/>
+  </dgm:styleLbl>
+  <dgm:styleLbl name="fgImgPlace1">
+    <dgm:fillClrLst meth="repeat">
+      <a:schemeClr val="accent1">
+        <a:tint val="50000"/>
+      </a:schemeClr>
+    </dgm:fillClrLst>
+    <dgm:linClrLst meth="repeat">
+      <a:schemeClr val="lt1"/>
+    </dgm:linClrLst>
+    <dgm:effectClrLst/>
+    <dgm:txLinClrLst/>
+    <dgm:txFillClrLst meth="repeat">
+      <a:schemeClr val="lt1"/>
+    </dgm:txFillClrLst>
+    <dgm:txEffectClrLst/>
+  </dgm:styleLbl>
+  <dgm:styleLbl name="alignImgPlace1">
+    <dgm:fillClrLst meth="repeat">
+      <a:schemeClr val="accent1">
+        <a:tint val="50000"/>
+      </a:schemeClr>
+    </dgm:fillClrLst>
+    <dgm:linClrLst meth="repeat">
+      <a:schemeClr val="lt1"/>
+    </dgm:linClrLst>
+    <dgm:effectClrLst/>
+    <dgm:txLinClrLst/>
+    <dgm:txFillClrLst meth="repeat">
+      <a:schemeClr val="lt1"/>
+    </dgm:txFillClrLst>
+    <dgm:txEffectClrLst/>
+  </dgm:styleLbl>
+  <dgm:styleLbl name="bgImgPlace1">
+    <dgm:fillClrLst meth="repeat">
+      <a:schemeClr val="accent1">
+        <a:tint val="50000"/>
+      </a:schemeClr>
+    </dgm:fillClrLst>
+    <dgm:linClrLst meth="repeat">
+      <a:schemeClr val="lt1"/>
+    </dgm:linClrLst>
+    <dgm:effectClrLst/>
+    <dgm:txLinClrLst/>
+    <dgm:txFillClrLst meth="repeat">
+      <a:schemeClr val="lt1"/>
+    </dgm:txFillClrLst>
+    <dgm:txEffectClrLst/>
+  </dgm:styleLbl>
+  <dgm:styleLbl name="sibTrans2D1">
+    <dgm:fillClrLst meth="repeat">
+      <a:schemeClr val="accent1">
+        <a:tint val="60000"/>
+      </a:schemeClr>
+    </dgm:fillClrLst>
+    <dgm:linClrLst meth="repeat">
+      <a:schemeClr val="accent1">
+        <a:tint val="60000"/>
+      </a:schemeClr>
+    </dgm:linClrLst>
+    <dgm:effectClrLst/>
+    <dgm:txLinClrLst/>
+    <dgm:txFillClrLst/>
+    <dgm:txEffectClrLst/>
+  </dgm:styleLbl>
+  <dgm:styleLbl name="fgSibTrans2D1">
+    <dgm:fillClrLst meth="repeat">
+      <a:schemeClr val="accent1">
+        <a:tint val="60000"/>
+      </a:schemeClr>
+    </dgm:fillClrLst>
+    <dgm:linClrLst meth="repeat">
+      <a:schemeClr val="accent1">
+        <a:tint val="60000"/>
+      </a:schemeClr>
+    </dgm:linClrLst>
+    <dgm:effectClrLst/>
+    <dgm:txLinClrLst/>
+    <dgm:txFillClrLst/>
+    <dgm:txEffectClrLst/>
+  </dgm:styleLbl>
+  <dgm:styleLbl name="bgSibTrans2D1">
+    <dgm:fillClrLst meth="repeat">
+      <a:schemeClr val="accent1">
+        <a:tint val="60000"/>
+      </a:schemeClr>
+    </dgm:fillClrLst>
+    <dgm:linClrLst meth="repeat">
+      <a:schemeClr val="accent1">
+        <a:tint val="60000"/>
+      </a:schemeClr>
+    </dgm:linClrLst>
+    <dgm:effectClrLst/>
+    <dgm:txLinClrLst/>
+    <dgm:txFillClrLst/>
+    <dgm:txEffectClrLst/>
+  </dgm:styleLbl>
+  <dgm:styleLbl name="sibTrans1D1">
+    <dgm:fillClrLst meth="repeat">
+      <a:schemeClr val="accent1"/>
+    </dgm:fillClrLst>
+    <dgm:linClrLst meth="repeat">
+      <a:schemeClr val="accent1"/>
+    </dgm:linClrLst>
+    <dgm:effectClrLst/>
+    <dgm:txLinClrLst/>
+    <dgm:txFillClrLst meth="repeat">
+      <a:schemeClr val="tx1"/>
+    </dgm:txFillClrLst>
+    <dgm:txEffectClrLst/>
+  </dgm:styleLbl>
+  <dgm:styleLbl name="callout">
+    <dgm:fillClrLst meth="repeat">
+      <a:schemeClr val="accent1"/>
+    </dgm:fillClrLst>
+    <dgm:linClrLst meth="repeat">
+      <a:schemeClr val="accent1">
+        <a:tint val="50000"/>
+      </a:schemeClr>
+    </dgm:linClrLst>
+    <dgm:effectClrLst/>
+    <dgm:txLinClrLst/>
+    <dgm:txFillClrLst meth="repeat">
+      <a:schemeClr val="tx1"/>
+    </dgm:txFillClrLst>
+    <dgm:txEffectClrLst/>
+  </dgm:styleLbl>
+  <dgm:styleLbl name="asst0">
+    <dgm:fillClrLst meth="repeat">
+      <a:schemeClr val="accent1"/>
+    </dgm:fillClrLst>
+    <dgm:linClrLst meth="repeat">
+      <a:schemeClr val="lt1"/>
+    </dgm:linClrLst>
+    <dgm:effectClrLst/>
+    <dgm:txLinClrLst/>
+    <dgm:txFillClrLst/>
+    <dgm:txEffectClrLst/>
+  </dgm:styleLbl>
+  <dgm:styleLbl name="asst1">
+    <dgm:fillClrLst meth="repeat">
+      <a:schemeClr val="accent1"/>
+    </dgm:fillClrLst>
+    <dgm:linClrLst meth="repeat">
+      <a:schemeClr val="lt1"/>
+    </dgm:linClrLst>
+    <dgm:effectClrLst/>
+    <dgm:txLinClrLst/>
+    <dgm:txFillClrLst/>
+    <dgm:txEffectClrLst/>
+  </dgm:styleLbl>
+  <dgm:styleLbl name="asst2">
+    <dgm:fillClrLst meth="repeat">
+      <a:schemeClr val="accent1"/>
+    </dgm:fillClrLst>
+    <dgm:linClrLst meth="repeat">
+      <a:schemeClr val="lt1"/>
+    </dgm:linClrLst>
+    <dgm:effectClrLst/>
+    <dgm:txLinClrLst/>
+    <dgm:txFillClrLst/>
+    <dgm:txEffectClrLst/>
+  </dgm:styleLbl>
+  <dgm:styleLbl name="asst3">
+    <dgm:fillClrLst meth="repeat">
+      <a:schemeClr val="accent1"/>
+    </dgm:fillClrLst>
+    <dgm:linClrLst meth="repeat">
+      <a:schemeClr val="lt1"/>
+    </dgm:linClrLst>
+    <dgm:effectClrLst/>
+    <dgm:txLinClrLst/>
+    <dgm:txFillClrLst/>
+    <dgm:txEffectClrLst/>
+  </dgm:styleLbl>
+  <dgm:styleLbl name="asst4">
+    <dgm:fillClrLst meth="repeat">
+      <a:schemeClr val="accent1"/>
+    </dgm:fillClrLst>
+    <dgm:linClrLst meth="repeat">
+      <a:schemeClr val="lt1"/>
+    </dgm:linClrLst>
+    <dgm:effectClrLst/>
+    <dgm:txLinClrLst/>
+    <dgm:txFillClrLst/>
+    <dgm:txEffectClrLst/>
+  </dgm:styleLbl>
+  <dgm:styleLbl name="parChTrans2D1">
+    <dgm:fillClrLst meth="repeat">
+      <a:schemeClr val="accent1">
+        <a:tint val="60000"/>
+      </a:schemeClr>
+    </dgm:fillClrLst>
+    <dgm:linClrLst meth="repeat">
+      <a:schemeClr val="accent1">
+        <a:tint val="60000"/>
+      </a:schemeClr>
+    </dgm:linClrLst>
+    <dgm:effectClrLst/>
+    <dgm:txLinClrLst/>
+    <dgm:txFillClrLst meth="repeat">
+      <a:schemeClr val="lt1"/>
+    </dgm:txFillClrLst>
+    <dgm:txEffectClrLst/>
+  </dgm:styleLbl>
+  <dgm:styleLbl name="parChTrans2D2">
+    <dgm:fillClrLst meth="repeat">
+      <a:schemeClr val="accent1"/>
+    </dgm:fillClrLst>
+    <dgm:linClrLst meth="repeat">
+      <a:schemeClr val="accent1"/>
+    </dgm:linClrLst>
+    <dgm:effectClrLst/>
+    <dgm:txLinClrLst/>
+    <dgm:txFillClrLst meth="repeat">
+      <a:schemeClr val="lt1"/>
+    </dgm:txFillClrLst>
+    <dgm:txEffectClrLst/>
+  </dgm:styleLbl>
+  <dgm:styleLbl name="parChTrans2D3">
+    <dgm:fillClrLst meth="repeat">
+      <a:schemeClr val="accent1"/>
+    </dgm:fillClrLst>
+    <dgm:linClrLst meth="repeat">
+      <a:schemeClr val="accent1"/>
+    </dgm:linClrLst>
+    <dgm:effectClrLst/>
+    <dgm:txLinClrLst/>
+    <dgm:txFillClrLst meth="repeat">
+      <a:schemeClr val="lt1"/>
+    </dgm:txFillClrLst>
+    <dgm:txEffectClrLst/>
+  </dgm:styleLbl>
+  <dgm:styleLbl name="parChTrans2D4">
+    <dgm:fillClrLst meth="repeat">
+      <a:schemeClr val="accent1"/>
+    </dgm:fillClrLst>
+    <dgm:linClrLst meth="repeat">
+      <a:schemeClr val="accent1"/>
+    </dgm:linClrLst>
+    <dgm:effectClrLst/>
+    <dgm:txLinClrLst/>
+    <dgm:txFillClrLst meth="repeat">
+      <a:schemeClr val="lt1"/>
+    </dgm:txFillClrLst>
+    <dgm:txEffectClrLst/>
+  </dgm:styleLbl>
+  <dgm:styleLbl name="parChTrans1D1">
+    <dgm:fillClrLst meth="repeat">
+      <a:schemeClr val="accent1"/>
+    </dgm:fillClrLst>
+    <dgm:linClrLst meth="repeat">
+      <a:schemeClr val="accent1">
+        <a:shade val="60000"/>
+      </a:schemeClr>
+    </dgm:linClrLst>
+    <dgm:effectClrLst/>
+    <dgm:txLinClrLst/>
+    <dgm:txFillClrLst meth="repeat">
+      <a:schemeClr val="tx1"/>
+    </dgm:txFillClrLst>
+    <dgm:txEffectClrLst/>
+  </dgm:styleLbl>
+  <dgm:styleLbl name="parChTrans1D2">
+    <dgm:fillClrLst meth="repeat">
+      <a:schemeClr val="accent1"/>
+    </dgm:fillClrLst>
+    <dgm:linClrLst meth="repeat">
+      <a:schemeClr val="accent1">
+        <a:shade val="60000"/>
+      </a:schemeClr>
+    </dgm:linClrLst>
+    <dgm:effectClrLst/>
+    <dgm:txLinClrLst/>
+    <dgm:txFillClrLst meth="repeat">
+      <a:schemeClr val="tx1"/>
+    </dgm:txFillClrLst>
+    <dgm:txEffectClrLst/>
+  </dgm:styleLbl>
+  <dgm:styleLbl name="parChTrans1D3">
+    <dgm:fillClrLst meth="repeat">
+      <a:schemeClr val="accent1"/>
+    </dgm:fillClrLst>
+    <dgm:linClrLst meth="repeat">
+      <a:schemeClr val="accent1">
+        <a:shade val="80000"/>
+      </a:schemeClr>
+    </dgm:linClrLst>
+    <dgm:effectClrLst/>
+    <dgm:txLinClrLst/>
+    <dgm:txFillClrLst meth="repeat">
+      <a:schemeClr val="tx1"/>
+    </dgm:txFillClrLst>
+    <dgm:txEffectClrLst/>
+  </dgm:styleLbl>
+  <dgm:styleLbl name="parChTrans1D4">
+    <dgm:fillClrLst meth="repeat">
+      <a:schemeClr val="accent1"/>
+    </dgm:fillClrLst>
+    <dgm:linClrLst meth="repeat">
+      <a:schemeClr val="accent1">
+        <a:shade val="80000"/>
+      </a:schemeClr>
+    </dgm:linClrLst>
+    <dgm:effectClrLst/>
+    <dgm:txLinClrLst/>
+    <dgm:txFillClrLst meth="repeat">
+      <a:schemeClr val="tx1"/>
+    </dgm:txFillClrLst>
+    <dgm:txEffectClrLst/>
+  </dgm:styleLbl>
+  <dgm:styleLbl name="fgAcc1">
+    <dgm:fillClrLst meth="repeat">
+      <a:schemeClr val="lt1">
+        <a:alpha val="90000"/>
+      </a:schemeClr>
+    </dgm:fillClrLst>
+    <dgm:linClrLst meth="repeat">
+      <a:schemeClr val="accent1"/>
+    </dgm:linClrLst>
+    <dgm:effectClrLst/>
+    <dgm:txLinClrLst/>
+    <dgm:txFillClrLst meth="repeat">
+      <a:schemeClr val="dk1"/>
+    </dgm:txFillClrLst>
+    <dgm:txEffectClrLst/>
+  </dgm:styleLbl>
+  <dgm:styleLbl name="conFgAcc1">
+    <dgm:fillClrLst meth="repeat">
+      <a:schemeClr val="lt1">
+        <a:alpha val="90000"/>
+      </a:schemeClr>
+    </dgm:fillClrLst>
+    <dgm:linClrLst meth="repeat">
+      <a:schemeClr val="accent1"/>
+    </dgm:linClrLst>
+    <dgm:effectClrLst/>
+    <dgm:txLinClrLst/>
+    <dgm:txFillClrLst meth="repeat">
+      <a:schemeClr val="dk1"/>
+    </dgm:txFillClrLst>
+    <dgm:txEffectClrLst/>
+  </dgm:styleLbl>
+  <dgm:styleLbl name="alignAcc1">
+    <dgm:fillClrLst meth="repeat">
+      <a:schemeClr val="lt1">
+        <a:alpha val="90000"/>
+      </a:schemeClr>
+    </dgm:fillClrLst>
+    <dgm:linClrLst meth="repeat">
+      <a:schemeClr val="accent1"/>
+    </dgm:linClrLst>
+    <dgm:effectClrLst/>
+    <dgm:txLinClrLst/>
+    <dgm:txFillClrLst meth="repeat">
+      <a:schemeClr val="dk1"/>
+    </dgm:txFillClrLst>
+    <dgm:txEffectClrLst/>
+  </dgm:styleLbl>
+  <dgm:styleLbl name="trAlignAcc1">
+    <dgm:fillClrLst meth="repeat">
+      <a:schemeClr val="lt1">
+        <a:alpha val="40000"/>
+      </a:schemeClr>
+    </dgm:fillClrLst>
+    <dgm:linClrLst meth="repeat">
+      <a:schemeClr val="accent1"/>
+    </dgm:linClrLst>
+    <dgm:effectClrLst/>
+    <dgm:txLinClrLst/>
+    <dgm:txFillClrLst meth="repeat">
+      <a:schemeClr val="dk1"/>
+    </dgm:txFillClrLst>
+    <dgm:txEffectClrLst/>
+  </dgm:styleLbl>
+  <dgm:styleLbl name="bgAcc1">
+    <dgm:fillClrLst meth="repeat">
+      <a:schemeClr val="lt1">
+        <a:alpha val="90000"/>
+      </a:schemeClr>
+    </dgm:fillClrLst>
+    <dgm:linClrLst meth="repeat">
+      <a:schemeClr val="accent1"/>
+    </dgm:linClrLst>
+    <dgm:effectClrLst/>
+    <dgm:txLinClrLst/>
+    <dgm:txFillClrLst meth="repeat">
+      <a:schemeClr val="dk1"/>
+    </dgm:txFillClrLst>
+    <dgm:txEffectClrLst/>
+  </dgm:styleLbl>
+  <dgm:styleLbl name="solidFgAcc1">
+    <dgm:fillClrLst meth="repeat">
+      <a:schemeClr val="lt1"/>
+    </dgm:fillClrLst>
+    <dgm:linClrLst meth="repeat">
+      <a:schemeClr val="accent1"/>
+    </dgm:linClrLst>
+    <dgm:effectClrLst/>
+    <dgm:txLinClrLst/>
+    <dgm:txFillClrLst meth="repeat">
+      <a:schemeClr val="dk1"/>
+    </dgm:txFillClrLst>
+    <dgm:txEffectClrLst/>
+  </dgm:styleLbl>
+  <dgm:styleLbl name="solidAlignAcc1">
+    <dgm:fillClrLst meth="repeat">
+      <a:schemeClr val="lt1"/>
+    </dgm:fillClrLst>
+    <dgm:linClrLst meth="repeat">
+      <a:schemeClr val="accent1"/>
+    </dgm:linClrLst>
+    <dgm:effectClrLst/>
+    <dgm:txLinClrLst/>
+    <dgm:txFillClrLst meth="repeat">
+      <a:schemeClr val="dk1"/>
+    </dgm:txFillClrLst>
+    <dgm:txEffectClrLst/>
+  </dgm:styleLbl>
+  <dgm:styleLbl name="solidBgAcc1">
+    <dgm:fillClrLst meth="repeat">
+      <a:schemeClr val="lt1"/>
+    </dgm:fillClrLst>
+    <dgm:linClrLst meth="repeat">
+      <a:schemeClr val="accent1"/>
+    </dgm:linClrLst>
+    <dgm:effectClrLst/>
+    <dgm:txLinClrLst/>
+    <dgm:txFillClrLst meth="repeat">
+      <a:schemeClr val="dk1"/>
+    </dgm:txFillClrLst>
+    <dgm:txEffectClrLst/>
+  </dgm:styleLbl>
+  <dgm:styleLbl name="fgAccFollowNode1">
+    <dgm:fillClrLst meth="repeat">
+      <a:schemeClr val="accent1">
+        <a:alpha val="90000"/>
+        <a:tint val="40000"/>
+      </a:schemeClr>
+    </dgm:fillClrLst>
+    <dgm:linClrLst meth="repeat">
+      <a:schemeClr val="accent1">
+        <a:alpha val="90000"/>
+        <a:tint val="40000"/>
+      </a:schemeClr>
+    </dgm:linClrLst>
+    <dgm:effectClrLst/>
+    <dgm:txLinClrLst/>
+    <dgm:txFillClrLst meth="repeat">
+      <a:schemeClr val="dk1"/>
+    </dgm:txFillClrLst>
+    <dgm:txEffectClrLst/>
+  </dgm:styleLbl>
+  <dgm:styleLbl name="alignAccFollowNode1">
+    <dgm:fillClrLst meth="repeat">
+      <a:schemeClr val="accent1">
+        <a:alpha val="90000"/>
+        <a:tint val="40000"/>
+      </a:schemeClr>
+    </dgm:fillClrLst>
+    <dgm:linClrLst meth="repeat">
+      <a:schemeClr val="accent1">
+        <a:alpha val="90000"/>
+        <a:tint val="40000"/>
+      </a:schemeClr>
+    </dgm:linClrLst>
+    <dgm:effectClrLst/>
+    <dgm:txLinClrLst/>
+    <dgm:txFillClrLst meth="repeat">
+      <a:schemeClr val="dk1"/>
+    </dgm:txFillClrLst>
+    <dgm:txEffectClrLst/>
+  </dgm:styleLbl>
+  <dgm:styleLbl name="bgAccFollowNode1">
+    <dgm:fillClrLst meth="repeat">
+      <a:schemeClr val="accent1">
+        <a:alpha val="90000"/>
+        <a:tint val="40000"/>
+      </a:schemeClr>
+    </dgm:fillClrLst>
+    <dgm:linClrLst meth="repeat">
+      <a:schemeClr val="accent1">
+        <a:alpha val="90000"/>
+        <a:tint val="40000"/>
+      </a:schemeClr>
+    </dgm:linClrLst>
+    <dgm:effectClrLst/>
+    <dgm:txLinClrLst/>
+    <dgm:txFillClrLst meth="repeat">
+      <a:schemeClr val="dk1"/>
+    </dgm:txFillClrLst>
+    <dgm:txEffectClrLst/>
+  </dgm:styleLbl>
+  <dgm:styleLbl name="fgAcc0">
+    <dgm:fillClrLst meth="repeat">
+      <a:schemeClr val="lt1">
+        <a:alpha val="90000"/>
+      </a:schemeClr>
+    </dgm:fillClrLst>
+    <dgm:linClrLst meth="repeat">
+      <a:schemeClr val="accent1"/>
+    </dgm:linClrLst>
+    <dgm:effectClrLst/>
+    <dgm:txLinClrLst/>
+    <dgm:txFillClrLst meth="repeat">
+      <a:schemeClr val="dk1"/>
+    </dgm:txFillClrLst>
+    <dgm:txEffectClrLst/>
+  </dgm:styleLbl>
+  <dgm:styleLbl name="fgAcc2">
+    <dgm:fillClrLst meth="repeat">
+      <a:schemeClr val="lt1">
+        <a:alpha val="90000"/>
+      </a:schemeClr>
+    </dgm:fillClrLst>
+    <dgm:linClrLst meth="repeat">
+      <a:schemeClr val="accent1"/>
+    </dgm:linClrLst>
+    <dgm:effectClrLst/>
+    <dgm:txLinClrLst/>
+    <dgm:txFillClrLst meth="repeat">
+      <a:schemeClr val="dk1"/>
+    </dgm:txFillClrLst>
+    <dgm:txEffectClrLst/>
+  </dgm:styleLbl>
+  <dgm:styleLbl name="fgAcc3">
+    <dgm:fillClrLst meth="repeat">
+      <a:schemeClr val="lt1">
+        <a:alpha val="90000"/>
+      </a:schemeClr>
+    </dgm:fillClrLst>
+    <dgm:linClrLst meth="repeat">
+      <a:schemeClr val="accent1"/>
+    </dgm:linClrLst>
+    <dgm:effectClrLst/>
+    <dgm:txLinClrLst/>
+    <dgm:txFillClrLst meth="repeat">
+      <a:schemeClr val="dk1"/>
+    </dgm:txFillClrLst>
+    <dgm:txEffectClrLst/>
+  </dgm:styleLbl>
+  <dgm:styleLbl name="fgAcc4">
+    <dgm:fillClrLst meth="repeat">
+      <a:schemeClr val="lt1">
+        <a:alpha val="90000"/>
+      </a:schemeClr>
+    </dgm:fillClrLst>
+    <dgm:linClrLst meth="repeat">
+      <a:schemeClr val="accent1"/>
+    </dgm:linClrLst>
+    <dgm:effectClrLst/>
+    <dgm:txLinClrLst/>
+    <dgm:txFillClrLst meth="repeat">
+      <a:schemeClr val="dk1"/>
+    </dgm:txFillClrLst>
+    <dgm:txEffectClrLst/>
+  </dgm:styleLbl>
+  <dgm:styleLbl name="bgShp">
+    <dgm:fillClrLst meth="repeat">
+      <a:schemeClr val="accent1">
+        <a:tint val="40000"/>
+      </a:schemeClr>
+    </dgm:fillClrLst>
+    <dgm:linClrLst meth="repeat">
+      <a:schemeClr val="accent1"/>
+    </dgm:linClrLst>
+    <dgm:effectClrLst/>
+    <dgm:txLinClrLst/>
+    <dgm:txFillClrLst meth="repeat">
+      <a:schemeClr val="dk1"/>
+    </dgm:txFillClrLst>
+    <dgm:txEffectClrLst/>
+  </dgm:styleLbl>
+  <dgm:styleLbl name="dkBgShp">
+    <dgm:fillClrLst meth="repeat">
+      <a:schemeClr val="accent1">
+        <a:shade val="80000"/>
+      </a:schemeClr>
+    </dgm:fillClrLst>
+    <dgm:linClrLst meth="repeat">
+      <a:schemeClr val="accent1"/>
+    </dgm:linClrLst>
+    <dgm:effectClrLst/>
+    <dgm:txLinClrLst/>
+    <dgm:txFillClrLst meth="repeat">
+      <a:schemeClr val="lt1"/>
+    </dgm:txFillClrLst>
+    <dgm:txEffectClrLst/>
+  </dgm:styleLbl>
+  <dgm:styleLbl name="trBgShp">
+    <dgm:fillClrLst meth="repeat">
+      <a:schemeClr val="accent1">
+        <a:tint val="50000"/>
+        <a:alpha val="40000"/>
+      </a:schemeClr>
+    </dgm:fillClrLst>
+    <dgm:linClrLst meth="repeat">
+      <a:schemeClr val="accent1"/>
+    </dgm:linClrLst>
+    <dgm:effectClrLst/>
+    <dgm:txLinClrLst/>
+    <dgm:txFillClrLst meth="repeat">
+      <a:schemeClr val="lt1"/>
+    </dgm:txFillClrLst>
+    <dgm:txEffectClrLst/>
+  </dgm:styleLbl>
+  <dgm:styleLbl name="fgShp">
+    <dgm:fillClrLst meth="repeat">
+      <a:schemeClr val="accent1">
+        <a:tint val="60000"/>
+      </a:schemeClr>
+    </dgm:fillClrLst>
+    <dgm:linClrLst meth="repeat">
+      <a:schemeClr val="lt1"/>
+    </dgm:linClrLst>
+    <dgm:effectClrLst/>
+    <dgm:txLinClrLst/>
+    <dgm:txFillClrLst meth="repeat">
+      <a:schemeClr val="dk1"/>
+    </dgm:txFillClrLst>
+    <dgm:txEffectClrLst/>
+  </dgm:styleLbl>
+  <dgm:styleLbl name="revTx">
+    <dgm:fillClrLst meth="repeat">
+      <a:schemeClr val="lt1">
+        <a:alpha val="0"/>
+      </a:schemeClr>
+    </dgm:fillClrLst>
+    <dgm:linClrLst meth="repeat">
+      <a:schemeClr val="dk1">
+        <a:alpha val="0"/>
+      </a:schemeClr>
+    </dgm:linClrLst>
+    <dgm:effectClrLst/>
+    <dgm:txLinClrLst/>
+    <dgm:txFillClrLst meth="repeat">
+      <a:schemeClr val="tx1"/>
+    </dgm:txFillClrLst>
+    <dgm:txEffectClrLst/>
+  </dgm:styleLbl>
+</dgm:colorsDef>
+</file>
+
+<file path=ppt/diagrams/data1.xml><?xml version="1.0" encoding="utf-8"?>
+<dgm:dataModel xmlns:dgm="http://schemas.openxmlformats.org/drawingml/2006/diagram" xmlns:a="http://schemas.openxmlformats.org/drawingml/2006/main">
+  <dgm:ptLst>
+    <dgm:pt modelId="{0332EA83-73C8-4D21-9C8D-20A8FE74C761}" type="doc">
+      <dgm:prSet loTypeId="urn:microsoft.com/office/officeart/2005/8/layout/vList5" loCatId="list" qsTypeId="urn:microsoft.com/office/officeart/2005/8/quickstyle/3d1" qsCatId="3D" csTypeId="urn:microsoft.com/office/officeart/2005/8/colors/accent1_2" csCatId="accent1" phldr="1"/>
+      <dgm:spPr/>
+      <dgm:t>
+        <a:bodyPr/>
+        <a:lstStyle/>
+        <a:p>
+          <a:endParaRPr lang="es-ES"/>
+        </a:p>
+      </dgm:t>
+    </dgm:pt>
+    <dgm:pt modelId="{3C87DA50-F9D5-402D-867E-611400C09A5D}">
+      <dgm:prSet custT="1"/>
+      <dgm:spPr>
+        <a:solidFill>
+          <a:schemeClr val="accent3">
+            <a:lumMod val="50000"/>
+          </a:schemeClr>
+        </a:solidFill>
+      </dgm:spPr>
+      <dgm:t>
+        <a:bodyPr/>
+        <a:lstStyle/>
+        <a:p>
+          <a:pPr rtl="0"/>
+          <a:r>
+            <a:rPr lang="es-MX" sz="1800" dirty="0" smtClean="0">
+              <a:latin typeface="Agency FB" pitchFamily="34" charset="0"/>
+            </a:rPr>
+            <a:t>Paradigma Funcional</a:t>
+          </a:r>
+          <a:endParaRPr lang="es-ES" sz="1800" dirty="0">
+            <a:latin typeface="Agency FB" pitchFamily="34" charset="0"/>
+          </a:endParaRPr>
+        </a:p>
+      </dgm:t>
+    </dgm:pt>
+    <dgm:pt modelId="{1EC09CF9-7BED-4DEA-BF3C-016168192A44}" type="parTrans" cxnId="{5224DFA9-F06F-435F-AA6B-C99FDCC9ABD5}">
+      <dgm:prSet/>
+      <dgm:spPr/>
+      <dgm:t>
+        <a:bodyPr/>
+        <a:lstStyle/>
+        <a:p>
+          <a:endParaRPr lang="es-ES" sz="2000">
+            <a:latin typeface="Agency FB" pitchFamily="34" charset="0"/>
+          </a:endParaRPr>
+        </a:p>
+      </dgm:t>
+    </dgm:pt>
+    <dgm:pt modelId="{DA23D589-8577-467A-9649-3FA7D68EE64D}" type="sibTrans" cxnId="{5224DFA9-F06F-435F-AA6B-C99FDCC9ABD5}">
+      <dgm:prSet/>
+      <dgm:spPr/>
+      <dgm:t>
+        <a:bodyPr/>
+        <a:lstStyle/>
+        <a:p>
+          <a:endParaRPr lang="es-ES" sz="2000">
+            <a:latin typeface="Agency FB" pitchFamily="34" charset="0"/>
+          </a:endParaRPr>
+        </a:p>
+      </dgm:t>
+    </dgm:pt>
+    <dgm:pt modelId="{0941BC5E-9760-488B-9725-FC55E4A76D86}">
+      <dgm:prSet custT="1"/>
+      <dgm:spPr>
+        <a:solidFill>
+          <a:schemeClr val="accent3">
+            <a:lumMod val="50000"/>
+          </a:schemeClr>
+        </a:solidFill>
+      </dgm:spPr>
+      <dgm:t>
+        <a:bodyPr/>
+        <a:lstStyle/>
+        <a:p>
+          <a:pPr rtl="0"/>
+          <a:r>
+            <a:rPr lang="es-MX" sz="1800" dirty="0" err="1" smtClean="0">
+              <a:latin typeface="Agency FB" pitchFamily="34" charset="0"/>
+            </a:rPr>
+            <a:t>Expresiiones</a:t>
+          </a:r>
+          <a:r>
+            <a:rPr lang="es-MX" sz="1800" dirty="0" smtClean="0">
+              <a:latin typeface="Agency FB" pitchFamily="34" charset="0"/>
+            </a:rPr>
+            <a:t> Lambda</a:t>
+          </a:r>
+          <a:endParaRPr lang="es-ES" sz="1800" dirty="0">
+            <a:latin typeface="Agency FB" pitchFamily="34" charset="0"/>
+          </a:endParaRPr>
+        </a:p>
+      </dgm:t>
+    </dgm:pt>
+    <dgm:pt modelId="{04C307F3-EC1E-44D2-8591-3418C1296526}" type="parTrans" cxnId="{DC8D54B3-63B2-4C03-ABEC-B9D86B5B7632}">
+      <dgm:prSet/>
+      <dgm:spPr/>
+      <dgm:t>
+        <a:bodyPr/>
+        <a:lstStyle/>
+        <a:p>
+          <a:endParaRPr lang="es-ES" sz="2000">
+            <a:latin typeface="Agency FB" pitchFamily="34" charset="0"/>
+          </a:endParaRPr>
+        </a:p>
+      </dgm:t>
+    </dgm:pt>
+    <dgm:pt modelId="{EE200E29-F5B3-4447-8A12-014B2FCEA2FE}" type="sibTrans" cxnId="{DC8D54B3-63B2-4C03-ABEC-B9D86B5B7632}">
+      <dgm:prSet/>
+      <dgm:spPr/>
+      <dgm:t>
+        <a:bodyPr/>
+        <a:lstStyle/>
+        <a:p>
+          <a:endParaRPr lang="es-ES" sz="2000">
+            <a:latin typeface="Agency FB" pitchFamily="34" charset="0"/>
+          </a:endParaRPr>
+        </a:p>
+      </dgm:t>
+    </dgm:pt>
+    <dgm:pt modelId="{5E0BD301-239F-4BB9-9514-4F82C5593F77}">
+      <dgm:prSet custT="1"/>
+      <dgm:spPr>
+        <a:solidFill>
+          <a:schemeClr val="accent3">
+            <a:lumMod val="50000"/>
+          </a:schemeClr>
+        </a:solidFill>
+      </dgm:spPr>
+      <dgm:t>
+        <a:bodyPr/>
+        <a:lstStyle/>
+        <a:p>
+          <a:pPr rtl="0"/>
+          <a:r>
+            <a:rPr lang="es-MX" sz="1800" dirty="0" smtClean="0">
+              <a:latin typeface="Agency FB" pitchFamily="34" charset="0"/>
+            </a:rPr>
+            <a:t>Sintaxis Lambda</a:t>
+          </a:r>
+          <a:endParaRPr lang="es-ES" sz="1800" dirty="0">
+            <a:latin typeface="Agency FB" pitchFamily="34" charset="0"/>
+          </a:endParaRPr>
+        </a:p>
+      </dgm:t>
+    </dgm:pt>
+    <dgm:pt modelId="{D158BC9D-D56F-4285-B721-997C097296D5}" type="parTrans" cxnId="{B40F893B-CB96-4C67-9A6D-8E21D371428B}">
+      <dgm:prSet/>
+      <dgm:spPr/>
+      <dgm:t>
+        <a:bodyPr/>
+        <a:lstStyle/>
+        <a:p>
+          <a:endParaRPr lang="es-ES" sz="2000">
+            <a:latin typeface="Agency FB" pitchFamily="34" charset="0"/>
+          </a:endParaRPr>
+        </a:p>
+      </dgm:t>
+    </dgm:pt>
+    <dgm:pt modelId="{CFBDD874-6BFB-4BBE-9841-02B27F277BEB}" type="sibTrans" cxnId="{B40F893B-CB96-4C67-9A6D-8E21D371428B}">
+      <dgm:prSet/>
+      <dgm:spPr/>
+      <dgm:t>
+        <a:bodyPr/>
+        <a:lstStyle/>
+        <a:p>
+          <a:endParaRPr lang="es-ES" sz="2000">
+            <a:latin typeface="Agency FB" pitchFamily="34" charset="0"/>
+          </a:endParaRPr>
+        </a:p>
+      </dgm:t>
+    </dgm:pt>
+    <dgm:pt modelId="{DD1207E8-AA9C-4C35-A1C3-04145CB676EB}">
+      <dgm:prSet custT="1"/>
+      <dgm:spPr>
+        <a:solidFill>
+          <a:schemeClr val="accent3">
+            <a:lumMod val="50000"/>
+          </a:schemeClr>
+        </a:solidFill>
+      </dgm:spPr>
+      <dgm:t>
+        <a:bodyPr/>
+        <a:lstStyle/>
+        <a:p>
+          <a:pPr rtl="0"/>
+          <a:r>
+            <a:rPr lang="es-MX" sz="1800" dirty="0" smtClean="0">
+              <a:latin typeface="Agency FB" pitchFamily="34" charset="0"/>
+            </a:rPr>
+            <a:t>Lambda </a:t>
+          </a:r>
+          <a:r>
+            <a:rPr lang="es-MX" sz="1800" dirty="0" err="1" smtClean="0">
+              <a:latin typeface="Agency FB" pitchFamily="34" charset="0"/>
+            </a:rPr>
+            <a:t>Scopes</a:t>
+          </a:r>
+          <a:endParaRPr lang="es-MX" sz="1800" dirty="0">
+            <a:latin typeface="Agency FB" pitchFamily="34" charset="0"/>
+          </a:endParaRPr>
+        </a:p>
+      </dgm:t>
+    </dgm:pt>
+    <dgm:pt modelId="{D0DD1647-7581-426B-B424-B33B0871EC53}" type="parTrans" cxnId="{30C86A95-0813-45C4-BAA8-CFF7E5B8BC16}">
+      <dgm:prSet/>
+      <dgm:spPr/>
+      <dgm:t>
+        <a:bodyPr/>
+        <a:lstStyle/>
+        <a:p>
+          <a:endParaRPr lang="es-ES" sz="2000">
+            <a:latin typeface="Agency FB" pitchFamily="34" charset="0"/>
+          </a:endParaRPr>
+        </a:p>
+      </dgm:t>
+    </dgm:pt>
+    <dgm:pt modelId="{B8BFD81D-A658-44A1-A505-ADC2A03AFA75}" type="sibTrans" cxnId="{30C86A95-0813-45C4-BAA8-CFF7E5B8BC16}">
+      <dgm:prSet/>
+      <dgm:spPr/>
+      <dgm:t>
+        <a:bodyPr/>
+        <a:lstStyle/>
+        <a:p>
+          <a:endParaRPr lang="es-ES" sz="2000">
+            <a:latin typeface="Agency FB" pitchFamily="34" charset="0"/>
+          </a:endParaRPr>
+        </a:p>
+      </dgm:t>
+    </dgm:pt>
+    <dgm:pt modelId="{0EDD78F6-A98D-402D-82B9-8660D9717582}">
+      <dgm:prSet custT="1"/>
+      <dgm:spPr>
+        <a:solidFill>
+          <a:schemeClr val="tx2">
+            <a:lumMod val="75000"/>
+          </a:schemeClr>
+        </a:solidFill>
+      </dgm:spPr>
+      <dgm:t>
+        <a:bodyPr/>
+        <a:lstStyle/>
+        <a:p>
+          <a:pPr rtl="0"/>
+          <a:r>
+            <a:rPr lang="es-MX" sz="1800" dirty="0" smtClean="0">
+              <a:latin typeface="Agency FB" pitchFamily="34" charset="0"/>
+            </a:rPr>
+            <a:t>Interfaces con Métodos por Defecto</a:t>
+          </a:r>
+          <a:endParaRPr lang="es-ES" sz="1800" dirty="0">
+            <a:latin typeface="Agency FB" pitchFamily="34" charset="0"/>
+          </a:endParaRPr>
+        </a:p>
+      </dgm:t>
+    </dgm:pt>
+    <dgm:pt modelId="{06C89848-704F-4EC2-95D3-541F456461F4}" type="parTrans" cxnId="{E177F234-339B-413E-9C46-7FC1DB4DF353}">
+      <dgm:prSet/>
+      <dgm:spPr/>
+      <dgm:t>
+        <a:bodyPr/>
+        <a:lstStyle/>
+        <a:p>
+          <a:endParaRPr lang="es-ES" sz="2000">
+            <a:latin typeface="Agency FB" pitchFamily="34" charset="0"/>
+          </a:endParaRPr>
+        </a:p>
+      </dgm:t>
+    </dgm:pt>
+    <dgm:pt modelId="{666A4451-DF1E-4532-9746-C3A1C9A4581D}" type="sibTrans" cxnId="{E177F234-339B-413E-9C46-7FC1DB4DF353}">
+      <dgm:prSet/>
+      <dgm:spPr/>
+      <dgm:t>
+        <a:bodyPr/>
+        <a:lstStyle/>
+        <a:p>
+          <a:endParaRPr lang="es-ES" sz="2000">
+            <a:latin typeface="Agency FB" pitchFamily="34" charset="0"/>
+          </a:endParaRPr>
+        </a:p>
+      </dgm:t>
+    </dgm:pt>
+    <dgm:pt modelId="{F6D47F02-6D9E-4B7C-870E-763A2AB13DE0}">
+      <dgm:prSet custT="1"/>
+      <dgm:spPr>
+        <a:solidFill>
+          <a:schemeClr val="tx2">
+            <a:lumMod val="75000"/>
+          </a:schemeClr>
+        </a:solidFill>
+      </dgm:spPr>
+      <dgm:t>
+        <a:bodyPr/>
+        <a:lstStyle/>
+        <a:p>
+          <a:pPr rtl="0"/>
+          <a:r>
+            <a:rPr lang="es-MX" sz="1800" dirty="0" smtClean="0">
+              <a:latin typeface="Agency FB" pitchFamily="34" charset="0"/>
+            </a:rPr>
+            <a:t>Interfaces Funcionales</a:t>
+          </a:r>
+          <a:endParaRPr lang="es-ES" sz="1800" dirty="0">
+            <a:latin typeface="Agency FB" pitchFamily="34" charset="0"/>
+          </a:endParaRPr>
+        </a:p>
+      </dgm:t>
+    </dgm:pt>
+    <dgm:pt modelId="{9A2866C9-14BA-4EF0-A7C8-FA1503051040}" type="parTrans" cxnId="{E94F5720-3D1D-4220-94B2-686053C42AAE}">
+      <dgm:prSet/>
+      <dgm:spPr/>
+      <dgm:t>
+        <a:bodyPr/>
+        <a:lstStyle/>
+        <a:p>
+          <a:endParaRPr lang="es-ES" sz="2000">
+            <a:latin typeface="Agency FB" pitchFamily="34" charset="0"/>
+          </a:endParaRPr>
+        </a:p>
+      </dgm:t>
+    </dgm:pt>
+    <dgm:pt modelId="{0FB5AB4F-F557-48AA-8DC8-41A2E6BF7D30}" type="sibTrans" cxnId="{E94F5720-3D1D-4220-94B2-686053C42AAE}">
+      <dgm:prSet/>
+      <dgm:spPr/>
+      <dgm:t>
+        <a:bodyPr/>
+        <a:lstStyle/>
+        <a:p>
+          <a:endParaRPr lang="es-ES" sz="2000">
+            <a:latin typeface="Agency FB" pitchFamily="34" charset="0"/>
+          </a:endParaRPr>
+        </a:p>
+      </dgm:t>
+    </dgm:pt>
+    <dgm:pt modelId="{B9ADE365-B1F5-4A33-938D-0EB3ED2339B1}">
+      <dgm:prSet custT="1"/>
+      <dgm:spPr>
+        <a:solidFill>
+          <a:schemeClr val="tx2">
+            <a:lumMod val="75000"/>
+          </a:schemeClr>
+        </a:solidFill>
+      </dgm:spPr>
+      <dgm:t>
+        <a:bodyPr/>
+        <a:lstStyle/>
+        <a:p>
+          <a:pPr rtl="0"/>
+          <a:r>
+            <a:rPr lang="es-MX" sz="1800" dirty="0" smtClean="0">
+              <a:latin typeface="Agency FB" pitchFamily="34" charset="0"/>
+            </a:rPr>
+            <a:t>Métodos Referenciados</a:t>
+          </a:r>
+          <a:endParaRPr lang="es-ES" sz="1800" dirty="0">
+            <a:latin typeface="Agency FB" pitchFamily="34" charset="0"/>
+          </a:endParaRPr>
+        </a:p>
+      </dgm:t>
+    </dgm:pt>
+    <dgm:pt modelId="{F29625EA-A84B-4981-851E-A934DC94E944}" type="parTrans" cxnId="{C088642A-E365-401E-8CCE-EAB4F1C91740}">
+      <dgm:prSet/>
+      <dgm:spPr/>
+      <dgm:t>
+        <a:bodyPr/>
+        <a:lstStyle/>
+        <a:p>
+          <a:endParaRPr lang="es-ES" sz="2000">
+            <a:latin typeface="Agency FB" pitchFamily="34" charset="0"/>
+          </a:endParaRPr>
+        </a:p>
+      </dgm:t>
+    </dgm:pt>
+    <dgm:pt modelId="{955DB37D-6312-48FB-B9B7-53E97836024B}" type="sibTrans" cxnId="{C088642A-E365-401E-8CCE-EAB4F1C91740}">
+      <dgm:prSet/>
+      <dgm:spPr/>
+      <dgm:t>
+        <a:bodyPr/>
+        <a:lstStyle/>
+        <a:p>
+          <a:endParaRPr lang="es-ES" sz="2000">
+            <a:latin typeface="Agency FB" pitchFamily="34" charset="0"/>
+          </a:endParaRPr>
+        </a:p>
+      </dgm:t>
+    </dgm:pt>
+    <dgm:pt modelId="{E4C23685-D1D0-45A9-9364-EB9011D1B7B4}">
+      <dgm:prSet custT="1"/>
+      <dgm:spPr>
+        <a:solidFill>
+          <a:schemeClr val="accent2">
+            <a:lumMod val="75000"/>
+          </a:schemeClr>
+        </a:solidFill>
+      </dgm:spPr>
+      <dgm:t>
+        <a:bodyPr/>
+        <a:lstStyle/>
+        <a:p>
+          <a:pPr rtl="0"/>
+          <a:r>
+            <a:rPr lang="es-MX" sz="1800" dirty="0" err="1" smtClean="0">
+              <a:latin typeface="Agency FB" pitchFamily="34" charset="0"/>
+            </a:rPr>
+            <a:t>Streams</a:t>
+          </a:r>
+          <a:r>
+            <a:rPr lang="es-MX" sz="1800" dirty="0" smtClean="0">
+              <a:latin typeface="Agency FB" pitchFamily="34" charset="0"/>
+            </a:rPr>
+            <a:t> Secuenciales</a:t>
+          </a:r>
+          <a:endParaRPr lang="es-ES" sz="1800" dirty="0">
+            <a:latin typeface="Agency FB" pitchFamily="34" charset="0"/>
+          </a:endParaRPr>
+        </a:p>
+      </dgm:t>
+    </dgm:pt>
+    <dgm:pt modelId="{1FE7B6BD-1C6E-48F9-9BDF-46C07D73D48C}" type="parTrans" cxnId="{05C79022-8F72-45E5-92D7-6F959A4BD62D}">
+      <dgm:prSet/>
+      <dgm:spPr/>
+      <dgm:t>
+        <a:bodyPr/>
+        <a:lstStyle/>
+        <a:p>
+          <a:endParaRPr lang="es-ES" sz="2000">
+            <a:latin typeface="Agency FB" pitchFamily="34" charset="0"/>
+          </a:endParaRPr>
+        </a:p>
+      </dgm:t>
+    </dgm:pt>
+    <dgm:pt modelId="{D3B9D4F4-4BE2-418D-8602-8F92F3913D41}" type="sibTrans" cxnId="{05C79022-8F72-45E5-92D7-6F959A4BD62D}">
+      <dgm:prSet/>
+      <dgm:spPr/>
+      <dgm:t>
+        <a:bodyPr/>
+        <a:lstStyle/>
+        <a:p>
+          <a:endParaRPr lang="es-ES" sz="2000">
+            <a:latin typeface="Agency FB" pitchFamily="34" charset="0"/>
+          </a:endParaRPr>
+        </a:p>
+      </dgm:t>
+    </dgm:pt>
+    <dgm:pt modelId="{D4853660-B076-482C-8895-98F6B0726F57}">
+      <dgm:prSet custT="1"/>
+      <dgm:spPr>
+        <a:solidFill>
+          <a:schemeClr val="accent2">
+            <a:lumMod val="75000"/>
+          </a:schemeClr>
+        </a:solidFill>
+      </dgm:spPr>
+      <dgm:t>
+        <a:bodyPr/>
+        <a:lstStyle/>
+        <a:p>
+          <a:pPr rtl="0"/>
+          <a:r>
+            <a:rPr lang="es-MX" sz="1800" dirty="0" err="1" smtClean="0">
+              <a:latin typeface="Agency FB" pitchFamily="34" charset="0"/>
+            </a:rPr>
+            <a:t>Streams</a:t>
+          </a:r>
+          <a:r>
+            <a:rPr lang="es-MX" sz="1800" dirty="0" smtClean="0">
+              <a:latin typeface="Agency FB" pitchFamily="34" charset="0"/>
+            </a:rPr>
+            <a:t> Paralelos</a:t>
+          </a:r>
+          <a:endParaRPr lang="es-ES" sz="1800" dirty="0">
+            <a:latin typeface="Agency FB" pitchFamily="34" charset="0"/>
+          </a:endParaRPr>
+        </a:p>
+      </dgm:t>
+    </dgm:pt>
+    <dgm:pt modelId="{2D279066-C0DC-4D15-9DCA-2F1396F9D0CD}" type="parTrans" cxnId="{3A9B1587-D594-4AD7-9035-660FFB1B8FA2}">
+      <dgm:prSet/>
+      <dgm:spPr/>
+      <dgm:t>
+        <a:bodyPr/>
+        <a:lstStyle/>
+        <a:p>
+          <a:endParaRPr lang="es-ES" sz="2000">
+            <a:latin typeface="Agency FB" pitchFamily="34" charset="0"/>
+          </a:endParaRPr>
+        </a:p>
+      </dgm:t>
+    </dgm:pt>
+    <dgm:pt modelId="{27FFA4C7-EB69-4A76-9669-FDD68DE30B04}" type="sibTrans" cxnId="{3A9B1587-D594-4AD7-9035-660FFB1B8FA2}">
+      <dgm:prSet/>
+      <dgm:spPr/>
+      <dgm:t>
+        <a:bodyPr/>
+        <a:lstStyle/>
+        <a:p>
+          <a:endParaRPr lang="es-ES" sz="2000">
+            <a:latin typeface="Agency FB" pitchFamily="34" charset="0"/>
+          </a:endParaRPr>
+        </a:p>
+      </dgm:t>
+    </dgm:pt>
+    <dgm:pt modelId="{138E44AD-3D73-42B3-8808-0D8683E128C2}">
+      <dgm:prSet custT="1"/>
+      <dgm:spPr>
+        <a:solidFill>
+          <a:schemeClr val="accent2">
+            <a:lumMod val="75000"/>
+          </a:schemeClr>
+        </a:solidFill>
+      </dgm:spPr>
+      <dgm:t>
+        <a:bodyPr/>
+        <a:lstStyle/>
+        <a:p>
+          <a:pPr rtl="0"/>
+          <a:r>
+            <a:rPr lang="es-MX" sz="1800" dirty="0" err="1" smtClean="0">
+              <a:latin typeface="Agency FB" pitchFamily="34" charset="0"/>
+            </a:rPr>
+            <a:t>Map</a:t>
+          </a:r>
+          <a:endParaRPr lang="es-MX" sz="1800" dirty="0">
+            <a:latin typeface="Agency FB" pitchFamily="34" charset="0"/>
+          </a:endParaRPr>
+        </a:p>
+      </dgm:t>
+    </dgm:pt>
+    <dgm:pt modelId="{8A827F40-F767-494E-BD92-4FA013EFCE30}" type="parTrans" cxnId="{91797AB9-E3EB-40AA-B82B-76FE28F7643C}">
+      <dgm:prSet/>
+      <dgm:spPr/>
+      <dgm:t>
+        <a:bodyPr/>
+        <a:lstStyle/>
+        <a:p>
+          <a:endParaRPr lang="es-ES" sz="2000">
+            <a:latin typeface="Agency FB" pitchFamily="34" charset="0"/>
+          </a:endParaRPr>
+        </a:p>
+      </dgm:t>
+    </dgm:pt>
+    <dgm:pt modelId="{1580F77C-B371-44AA-B842-9666BC40EE2D}" type="sibTrans" cxnId="{91797AB9-E3EB-40AA-B82B-76FE28F7643C}">
+      <dgm:prSet/>
+      <dgm:spPr/>
+      <dgm:t>
+        <a:bodyPr/>
+        <a:lstStyle/>
+        <a:p>
+          <a:endParaRPr lang="es-ES" sz="2000">
+            <a:latin typeface="Agency FB" pitchFamily="34" charset="0"/>
+          </a:endParaRPr>
+        </a:p>
+      </dgm:t>
+    </dgm:pt>
+    <dgm:pt modelId="{EA482A8A-BADD-4D75-8CB1-78ABF52A297D}">
+      <dgm:prSet custT="1"/>
+      <dgm:spPr>
+        <a:solidFill>
+          <a:schemeClr val="accent2">
+            <a:lumMod val="75000"/>
+          </a:schemeClr>
+        </a:solidFill>
+      </dgm:spPr>
+      <dgm:t>
+        <a:bodyPr/>
+        <a:lstStyle/>
+        <a:p>
+          <a:pPr rtl="0"/>
+          <a:r>
+            <a:rPr lang="es-MX" sz="1800" dirty="0" smtClean="0">
+              <a:latin typeface="Agency FB" pitchFamily="34" charset="0"/>
+            </a:rPr>
+            <a:t>Anotaciones</a:t>
+          </a:r>
+          <a:endParaRPr lang="es-ES" sz="1800" dirty="0">
+            <a:latin typeface="Agency FB" pitchFamily="34" charset="0"/>
+          </a:endParaRPr>
+        </a:p>
+      </dgm:t>
+    </dgm:pt>
+    <dgm:pt modelId="{276F0E36-8825-4824-B02B-9370A6FE1940}" type="parTrans" cxnId="{1A3F23F0-B737-4F3D-BCE1-8A7C202623D1}">
+      <dgm:prSet/>
+      <dgm:spPr/>
+      <dgm:t>
+        <a:bodyPr/>
+        <a:lstStyle/>
+        <a:p>
+          <a:endParaRPr lang="es-ES" sz="2000">
+            <a:latin typeface="Agency FB" pitchFamily="34" charset="0"/>
+          </a:endParaRPr>
+        </a:p>
+      </dgm:t>
+    </dgm:pt>
+    <dgm:pt modelId="{B630683C-831F-4D8A-82DD-E0788D083B7B}" type="sibTrans" cxnId="{1A3F23F0-B737-4F3D-BCE1-8A7C202623D1}">
+      <dgm:prSet/>
+      <dgm:spPr/>
+      <dgm:t>
+        <a:bodyPr/>
+        <a:lstStyle/>
+        <a:p>
+          <a:endParaRPr lang="es-ES" sz="2000">
+            <a:latin typeface="Agency FB" pitchFamily="34" charset="0"/>
+          </a:endParaRPr>
+        </a:p>
+      </dgm:t>
+    </dgm:pt>
+    <dgm:pt modelId="{39983D29-BFE3-49AC-94D5-9C0E89958AAB}">
+      <dgm:prSet custT="1"/>
+      <dgm:spPr>
+        <a:solidFill>
+          <a:schemeClr val="accent2">
+            <a:lumMod val="75000"/>
+          </a:schemeClr>
+        </a:solidFill>
+      </dgm:spPr>
+      <dgm:t>
+        <a:bodyPr/>
+        <a:lstStyle/>
+        <a:p>
+          <a:pPr rtl="0"/>
+          <a:r>
+            <a:rPr lang="es-MX" sz="1800" dirty="0" smtClean="0">
+              <a:latin typeface="Agency FB" pitchFamily="34" charset="0"/>
+            </a:rPr>
+            <a:t>Date API</a:t>
+          </a:r>
+          <a:endParaRPr lang="es-ES" sz="1800" dirty="0">
+            <a:latin typeface="Agency FB" pitchFamily="34" charset="0"/>
+          </a:endParaRPr>
+        </a:p>
+      </dgm:t>
+    </dgm:pt>
+    <dgm:pt modelId="{DD01B2C2-5642-498E-A92E-E68CA94949FA}" type="parTrans" cxnId="{122EBEE0-4B58-4ADC-94AE-5D6639363D7D}">
+      <dgm:prSet/>
+      <dgm:spPr/>
+      <dgm:t>
+        <a:bodyPr/>
+        <a:lstStyle/>
+        <a:p>
+          <a:endParaRPr lang="es-ES" sz="2000">
+            <a:latin typeface="Agency FB" pitchFamily="34" charset="0"/>
+          </a:endParaRPr>
+        </a:p>
+      </dgm:t>
+    </dgm:pt>
+    <dgm:pt modelId="{78464C65-44B5-4022-BD66-FAE595AE7DB3}" type="sibTrans" cxnId="{122EBEE0-4B58-4ADC-94AE-5D6639363D7D}">
+      <dgm:prSet/>
+      <dgm:spPr/>
+      <dgm:t>
+        <a:bodyPr/>
+        <a:lstStyle/>
+        <a:p>
+          <a:endParaRPr lang="es-ES" sz="2000">
+            <a:latin typeface="Agency FB" pitchFamily="34" charset="0"/>
+          </a:endParaRPr>
+        </a:p>
+      </dgm:t>
+    </dgm:pt>
+    <dgm:pt modelId="{1FFC85DE-B415-4A8B-93E0-341AC51C4910}">
+      <dgm:prSet custT="1"/>
+      <dgm:spPr>
+        <a:solidFill>
+          <a:schemeClr val="tx2">
+            <a:lumMod val="75000"/>
+          </a:schemeClr>
+        </a:solidFill>
+      </dgm:spPr>
+      <dgm:t>
+        <a:bodyPr/>
+        <a:lstStyle/>
+        <a:p>
+          <a:pPr rtl="0"/>
+          <a:r>
+            <a:rPr lang="es-MX" sz="1800" dirty="0" smtClean="0">
+              <a:latin typeface="Agency FB" pitchFamily="34" charset="0"/>
+            </a:rPr>
+            <a:t>Funciones de Alto Orden</a:t>
+          </a:r>
+          <a:endParaRPr lang="es-ES" sz="1800" dirty="0">
+            <a:latin typeface="Agency FB" pitchFamily="34" charset="0"/>
+          </a:endParaRPr>
+        </a:p>
+      </dgm:t>
+    </dgm:pt>
+    <dgm:pt modelId="{FF613B79-38B7-4CFD-A46E-560C7A323244}" type="parTrans" cxnId="{527341CE-96CF-4944-834A-FB7A9745373F}">
+      <dgm:prSet/>
+      <dgm:spPr/>
+      <dgm:t>
+        <a:bodyPr/>
+        <a:lstStyle/>
+        <a:p>
+          <a:endParaRPr lang="es-ES" sz="2000">
+            <a:latin typeface="Agency FB" pitchFamily="34" charset="0"/>
+          </a:endParaRPr>
+        </a:p>
+      </dgm:t>
+    </dgm:pt>
+    <dgm:pt modelId="{AB357930-A0DA-40DB-9A99-014BB88832EE}" type="sibTrans" cxnId="{527341CE-96CF-4944-834A-FB7A9745373F}">
+      <dgm:prSet/>
+      <dgm:spPr/>
+      <dgm:t>
+        <a:bodyPr/>
+        <a:lstStyle/>
+        <a:p>
+          <a:endParaRPr lang="es-ES" sz="2000">
+            <a:latin typeface="Agency FB" pitchFamily="34" charset="0"/>
+          </a:endParaRPr>
+        </a:p>
+      </dgm:t>
+    </dgm:pt>
+    <dgm:pt modelId="{5773FF08-7019-4F73-B3F7-A662E877A610}">
+      <dgm:prSet custT="1"/>
+      <dgm:spPr>
+        <a:solidFill>
+          <a:schemeClr val="bg1">
+            <a:lumMod val="50000"/>
+          </a:schemeClr>
+        </a:solidFill>
+      </dgm:spPr>
+      <dgm:t>
+        <a:bodyPr/>
+        <a:lstStyle/>
+        <a:p>
+          <a:pPr rtl="0"/>
+          <a:r>
+            <a:rPr lang="es-MX" sz="1800" dirty="0" smtClean="0">
+              <a:latin typeface="Agency FB" pitchFamily="34" charset="0"/>
+            </a:rPr>
+            <a:t>Introducción </a:t>
+          </a:r>
+          <a:r>
+            <a:rPr lang="es-MX" sz="1800" smtClean="0">
+              <a:latin typeface="Agency FB" pitchFamily="34" charset="0"/>
+            </a:rPr>
+            <a:t>a Java 8</a:t>
+          </a:r>
+          <a:endParaRPr lang="es-ES" sz="1800" dirty="0">
+            <a:latin typeface="Agency FB" pitchFamily="34" charset="0"/>
+          </a:endParaRPr>
+        </a:p>
+      </dgm:t>
+    </dgm:pt>
+    <dgm:pt modelId="{D60F5097-6A6E-45E9-9C16-85964710216D}" type="parTrans" cxnId="{4F60BEC7-45B4-46C1-A223-4663C481B001}">
+      <dgm:prSet/>
+      <dgm:spPr/>
+      <dgm:t>
+        <a:bodyPr/>
+        <a:lstStyle/>
+        <a:p>
+          <a:endParaRPr lang="es-ES" sz="2000">
+            <a:latin typeface="Agency FB" pitchFamily="34" charset="0"/>
+          </a:endParaRPr>
+        </a:p>
+      </dgm:t>
+    </dgm:pt>
+    <dgm:pt modelId="{EBB0481C-8A75-4BD5-BBA3-9CFC620D14C8}" type="sibTrans" cxnId="{4F60BEC7-45B4-46C1-A223-4663C481B001}">
+      <dgm:prSet/>
+      <dgm:spPr/>
+      <dgm:t>
+        <a:bodyPr/>
+        <a:lstStyle/>
+        <a:p>
+          <a:endParaRPr lang="es-ES" sz="2000">
+            <a:latin typeface="Agency FB" pitchFamily="34" charset="0"/>
+          </a:endParaRPr>
+        </a:p>
+      </dgm:t>
+    </dgm:pt>
+    <dgm:pt modelId="{2C39DC35-168F-4EE2-95A9-6744A472868C}" type="pres">
+      <dgm:prSet presAssocID="{0332EA83-73C8-4D21-9C8D-20A8FE74C761}" presName="Name0" presStyleCnt="0">
+        <dgm:presLayoutVars>
+          <dgm:dir/>
+          <dgm:animLvl val="lvl"/>
+          <dgm:resizeHandles val="exact"/>
+        </dgm:presLayoutVars>
+      </dgm:prSet>
+      <dgm:spPr/>
+    </dgm:pt>
+    <dgm:pt modelId="{8C8C87C9-54E5-4563-AADA-CC180E7E63C0}" type="pres">
+      <dgm:prSet presAssocID="{5773FF08-7019-4F73-B3F7-A662E877A610}" presName="linNode" presStyleCnt="0"/>
+      <dgm:spPr/>
+    </dgm:pt>
+    <dgm:pt modelId="{5B317E40-218D-46B0-B67F-B2101E68133C}" type="pres">
+      <dgm:prSet presAssocID="{5773FF08-7019-4F73-B3F7-A662E877A610}" presName="parentText" presStyleLbl="node1" presStyleIdx="0" presStyleCnt="14" custLinFactY="29293" custLinFactNeighborX="-72975" custLinFactNeighborY="100000">
+        <dgm:presLayoutVars>
+          <dgm:chMax val="1"/>
+          <dgm:bulletEnabled val="1"/>
+        </dgm:presLayoutVars>
+      </dgm:prSet>
+      <dgm:spPr/>
+      <dgm:t>
+        <a:bodyPr/>
+        <a:lstStyle/>
+        <a:p>
+          <a:endParaRPr lang="es-ES"/>
+        </a:p>
+      </dgm:t>
+    </dgm:pt>
+    <dgm:pt modelId="{5646E16F-0735-419A-AFF2-E745E6774777}" type="pres">
+      <dgm:prSet presAssocID="{EBB0481C-8A75-4BD5-BBA3-9CFC620D14C8}" presName="sp" presStyleCnt="0"/>
+      <dgm:spPr/>
+    </dgm:pt>
+    <dgm:pt modelId="{6F6B1F5E-D961-4EED-9D8F-F2B4CCB4E4CA}" type="pres">
+      <dgm:prSet presAssocID="{3C87DA50-F9D5-402D-867E-611400C09A5D}" presName="linNode" presStyleCnt="0"/>
+      <dgm:spPr/>
+    </dgm:pt>
+    <dgm:pt modelId="{DF1A02A0-E00A-428E-9887-618B3DBDCE1C}" type="pres">
+      <dgm:prSet presAssocID="{3C87DA50-F9D5-402D-867E-611400C09A5D}" presName="parentText" presStyleLbl="node1" presStyleIdx="1" presStyleCnt="14" custLinFactY="29293" custLinFactNeighborX="-72975" custLinFactNeighborY="100000">
+        <dgm:presLayoutVars>
+          <dgm:chMax val="1"/>
+          <dgm:bulletEnabled val="1"/>
+        </dgm:presLayoutVars>
+      </dgm:prSet>
+      <dgm:spPr/>
+    </dgm:pt>
+    <dgm:pt modelId="{4E2A5669-0B89-4491-A493-A3417B7195A3}" type="pres">
+      <dgm:prSet presAssocID="{DA23D589-8577-467A-9649-3FA7D68EE64D}" presName="sp" presStyleCnt="0"/>
+      <dgm:spPr/>
+    </dgm:pt>
+    <dgm:pt modelId="{1DA46EA0-A843-404D-8960-01A3D7F598CF}" type="pres">
+      <dgm:prSet presAssocID="{0941BC5E-9760-488B-9725-FC55E4A76D86}" presName="linNode" presStyleCnt="0"/>
+      <dgm:spPr/>
+    </dgm:pt>
+    <dgm:pt modelId="{89F14C83-7DB9-4B0D-83F4-4169301EC4F7}" type="pres">
+      <dgm:prSet presAssocID="{0941BC5E-9760-488B-9725-FC55E4A76D86}" presName="parentText" presStyleLbl="node1" presStyleIdx="2" presStyleCnt="14" custLinFactY="29293" custLinFactNeighborX="-72975" custLinFactNeighborY="100000">
+        <dgm:presLayoutVars>
+          <dgm:chMax val="1"/>
+          <dgm:bulletEnabled val="1"/>
+        </dgm:presLayoutVars>
+      </dgm:prSet>
+      <dgm:spPr/>
+    </dgm:pt>
+    <dgm:pt modelId="{21E1AD28-D002-4B6F-B70F-CA9B791B40C3}" type="pres">
+      <dgm:prSet presAssocID="{EE200E29-F5B3-4447-8A12-014B2FCEA2FE}" presName="sp" presStyleCnt="0"/>
+      <dgm:spPr/>
+    </dgm:pt>
+    <dgm:pt modelId="{2B6177EA-EAE7-48C7-974C-AB61529CAD7C}" type="pres">
+      <dgm:prSet presAssocID="{5E0BD301-239F-4BB9-9514-4F82C5593F77}" presName="linNode" presStyleCnt="0"/>
+      <dgm:spPr/>
+    </dgm:pt>
+    <dgm:pt modelId="{75167DCF-B1E3-4A19-9D1F-BA3E6CCDBDEF}" type="pres">
+      <dgm:prSet presAssocID="{5E0BD301-239F-4BB9-9514-4F82C5593F77}" presName="parentText" presStyleLbl="node1" presStyleIdx="3" presStyleCnt="14" custLinFactY="29293" custLinFactNeighborX="-72975" custLinFactNeighborY="100000">
+        <dgm:presLayoutVars>
+          <dgm:chMax val="1"/>
+          <dgm:bulletEnabled val="1"/>
+        </dgm:presLayoutVars>
+      </dgm:prSet>
+      <dgm:spPr/>
+    </dgm:pt>
+    <dgm:pt modelId="{BE61CBFB-171A-4E74-95A9-95D7CD9D7A44}" type="pres">
+      <dgm:prSet presAssocID="{CFBDD874-6BFB-4BBE-9841-02B27F277BEB}" presName="sp" presStyleCnt="0"/>
+      <dgm:spPr/>
+    </dgm:pt>
+    <dgm:pt modelId="{76FD4C09-57CB-4FE6-88B0-6DA609FEC642}" type="pres">
+      <dgm:prSet presAssocID="{DD1207E8-AA9C-4C35-A1C3-04145CB676EB}" presName="linNode" presStyleCnt="0"/>
+      <dgm:spPr/>
+    </dgm:pt>
+    <dgm:pt modelId="{4487720D-A6F0-4B82-A7E8-539BC7DBE277}" type="pres">
+      <dgm:prSet presAssocID="{DD1207E8-AA9C-4C35-A1C3-04145CB676EB}" presName="parentText" presStyleLbl="node1" presStyleIdx="4" presStyleCnt="14" custLinFactY="29293" custLinFactNeighborX="-72975" custLinFactNeighborY="100000">
+        <dgm:presLayoutVars>
+          <dgm:chMax val="1"/>
+          <dgm:bulletEnabled val="1"/>
+        </dgm:presLayoutVars>
+      </dgm:prSet>
+      <dgm:spPr/>
+    </dgm:pt>
+    <dgm:pt modelId="{6E849C4A-217E-4E30-91B1-4CDDEFFFE731}" type="pres">
+      <dgm:prSet presAssocID="{B8BFD81D-A658-44A1-A505-ADC2A03AFA75}" presName="sp" presStyleCnt="0"/>
+      <dgm:spPr/>
+    </dgm:pt>
+    <dgm:pt modelId="{2F5C2EA3-3A79-4E7B-A18D-65D955E2236E}" type="pres">
+      <dgm:prSet presAssocID="{0EDD78F6-A98D-402D-82B9-8660D9717582}" presName="linNode" presStyleCnt="0"/>
+      <dgm:spPr/>
+    </dgm:pt>
+    <dgm:pt modelId="{BC5C9D5C-37A8-45FB-A38C-2F4BE508A31A}" type="pres">
+      <dgm:prSet presAssocID="{0EDD78F6-A98D-402D-82B9-8660D9717582}" presName="parentText" presStyleLbl="node1" presStyleIdx="5" presStyleCnt="14" custLinFactY="29293" custLinFactNeighborX="-72975" custLinFactNeighborY="100000">
+        <dgm:presLayoutVars>
+          <dgm:chMax val="1"/>
+          <dgm:bulletEnabled val="1"/>
+        </dgm:presLayoutVars>
+      </dgm:prSet>
+      <dgm:spPr/>
+    </dgm:pt>
+    <dgm:pt modelId="{D4D28944-C16A-4C02-9F07-92F4557C9184}" type="pres">
+      <dgm:prSet presAssocID="{666A4451-DF1E-4532-9746-C3A1C9A4581D}" presName="sp" presStyleCnt="0"/>
+      <dgm:spPr/>
+    </dgm:pt>
+    <dgm:pt modelId="{53ECA59C-9758-40AD-AAA0-B93464C965A6}" type="pres">
+      <dgm:prSet presAssocID="{F6D47F02-6D9E-4B7C-870E-763A2AB13DE0}" presName="linNode" presStyleCnt="0"/>
+      <dgm:spPr/>
+    </dgm:pt>
+    <dgm:pt modelId="{A0452E83-BDDA-4001-A0E2-0A163FF1AEE0}" type="pres">
+      <dgm:prSet presAssocID="{F6D47F02-6D9E-4B7C-870E-763A2AB13DE0}" presName="parentText" presStyleLbl="node1" presStyleIdx="6" presStyleCnt="14" custLinFactY="29293" custLinFactNeighborX="-72975" custLinFactNeighborY="100000">
+        <dgm:presLayoutVars>
+          <dgm:chMax val="1"/>
+          <dgm:bulletEnabled val="1"/>
+        </dgm:presLayoutVars>
+      </dgm:prSet>
+      <dgm:spPr/>
+    </dgm:pt>
+    <dgm:pt modelId="{5B68FD51-F38C-4D0A-AF58-1C2F6E86780A}" type="pres">
+      <dgm:prSet presAssocID="{0FB5AB4F-F557-48AA-8DC8-41A2E6BF7D30}" presName="sp" presStyleCnt="0"/>
+      <dgm:spPr/>
+    </dgm:pt>
+    <dgm:pt modelId="{A4B98F2B-6D59-47B0-8A5C-164F908EBBEF}" type="pres">
+      <dgm:prSet presAssocID="{B9ADE365-B1F5-4A33-938D-0EB3ED2339B1}" presName="linNode" presStyleCnt="0"/>
+      <dgm:spPr/>
+    </dgm:pt>
+    <dgm:pt modelId="{47CE066C-3304-4BE5-B976-49A55E1F1AF9}" type="pres">
+      <dgm:prSet presAssocID="{B9ADE365-B1F5-4A33-938D-0EB3ED2339B1}" presName="parentText" presStyleLbl="node1" presStyleIdx="7" presStyleCnt="14" custLinFactY="-300000" custLinFactNeighborX="42766" custLinFactNeighborY="-305707">
+        <dgm:presLayoutVars>
+          <dgm:chMax val="1"/>
+          <dgm:bulletEnabled val="1"/>
+        </dgm:presLayoutVars>
+      </dgm:prSet>
+      <dgm:spPr/>
+    </dgm:pt>
+    <dgm:pt modelId="{8F173E8C-7989-44D3-BFC1-A6DB9A3401E1}" type="pres">
+      <dgm:prSet presAssocID="{955DB37D-6312-48FB-B9B7-53E97836024B}" presName="sp" presStyleCnt="0"/>
+      <dgm:spPr/>
+    </dgm:pt>
+    <dgm:pt modelId="{323CC210-327C-4261-B568-A102BCF9507F}" type="pres">
+      <dgm:prSet presAssocID="{E4C23685-D1D0-45A9-9364-EB9011D1B7B4}" presName="linNode" presStyleCnt="0"/>
+      <dgm:spPr/>
+    </dgm:pt>
+    <dgm:pt modelId="{251B9029-92F0-4DC2-AB1A-082F747ECDE5}" type="pres">
+      <dgm:prSet presAssocID="{E4C23685-D1D0-45A9-9364-EB9011D1B7B4}" presName="parentText" presStyleLbl="node1" presStyleIdx="8" presStyleCnt="14" custLinFactY="-300000" custLinFactNeighborX="42766" custLinFactNeighborY="-305707">
+        <dgm:presLayoutVars>
+          <dgm:chMax val="1"/>
+          <dgm:bulletEnabled val="1"/>
+        </dgm:presLayoutVars>
+      </dgm:prSet>
+      <dgm:spPr/>
+    </dgm:pt>
+    <dgm:pt modelId="{36B3FBBE-CF2D-474A-B725-0D209655ABB7}" type="pres">
+      <dgm:prSet presAssocID="{D3B9D4F4-4BE2-418D-8602-8F92F3913D41}" presName="sp" presStyleCnt="0"/>
+      <dgm:spPr/>
+    </dgm:pt>
+    <dgm:pt modelId="{F53E8E72-8BA1-434C-BC73-428E6B6A87DA}" type="pres">
+      <dgm:prSet presAssocID="{D4853660-B076-482C-8895-98F6B0726F57}" presName="linNode" presStyleCnt="0"/>
+      <dgm:spPr/>
+    </dgm:pt>
+    <dgm:pt modelId="{55CC2127-9EC9-4FD6-8193-CA2D9CA5740A}" type="pres">
+      <dgm:prSet presAssocID="{D4853660-B076-482C-8895-98F6B0726F57}" presName="parentText" presStyleLbl="node1" presStyleIdx="9" presStyleCnt="14" custLinFactY="-300000" custLinFactNeighborX="42766" custLinFactNeighborY="-305707">
+        <dgm:presLayoutVars>
+          <dgm:chMax val="1"/>
+          <dgm:bulletEnabled val="1"/>
+        </dgm:presLayoutVars>
+      </dgm:prSet>
+      <dgm:spPr/>
+    </dgm:pt>
+    <dgm:pt modelId="{5D710649-A58D-4C5A-99AB-4564B033599E}" type="pres">
+      <dgm:prSet presAssocID="{27FFA4C7-EB69-4A76-9669-FDD68DE30B04}" presName="sp" presStyleCnt="0"/>
+      <dgm:spPr/>
+    </dgm:pt>
+    <dgm:pt modelId="{CFAAD1FB-BB94-4B8B-9FAC-95C319E31959}" type="pres">
+      <dgm:prSet presAssocID="{138E44AD-3D73-42B3-8808-0D8683E128C2}" presName="linNode" presStyleCnt="0"/>
+      <dgm:spPr/>
+    </dgm:pt>
+    <dgm:pt modelId="{9473C6C1-3F1E-46E3-8274-45F4DA07FC15}" type="pres">
+      <dgm:prSet presAssocID="{138E44AD-3D73-42B3-8808-0D8683E128C2}" presName="parentText" presStyleLbl="node1" presStyleIdx="10" presStyleCnt="14" custLinFactY="-300000" custLinFactNeighborX="42766" custLinFactNeighborY="-305707">
+        <dgm:presLayoutVars>
+          <dgm:chMax val="1"/>
+          <dgm:bulletEnabled val="1"/>
+        </dgm:presLayoutVars>
+      </dgm:prSet>
+      <dgm:spPr/>
+    </dgm:pt>
+    <dgm:pt modelId="{19611163-FD5A-48CE-8BAF-D6E9A5C405A4}" type="pres">
+      <dgm:prSet presAssocID="{1580F77C-B371-44AA-B842-9666BC40EE2D}" presName="sp" presStyleCnt="0"/>
+      <dgm:spPr/>
+    </dgm:pt>
+    <dgm:pt modelId="{756FA3F6-B9D1-49B1-AF81-B22893EA2F27}" type="pres">
+      <dgm:prSet presAssocID="{EA482A8A-BADD-4D75-8CB1-78ABF52A297D}" presName="linNode" presStyleCnt="0"/>
+      <dgm:spPr/>
+    </dgm:pt>
+    <dgm:pt modelId="{075F837C-D1A8-41B9-BD4D-F645D086AD0E}" type="pres">
+      <dgm:prSet presAssocID="{EA482A8A-BADD-4D75-8CB1-78ABF52A297D}" presName="parentText" presStyleLbl="node1" presStyleIdx="11" presStyleCnt="14" custLinFactY="-300000" custLinFactNeighborX="42766" custLinFactNeighborY="-305707">
+        <dgm:presLayoutVars>
+          <dgm:chMax val="1"/>
+          <dgm:bulletEnabled val="1"/>
+        </dgm:presLayoutVars>
+      </dgm:prSet>
+      <dgm:spPr/>
+    </dgm:pt>
+    <dgm:pt modelId="{9404047E-948F-4CEE-849B-A164BC1DFBED}" type="pres">
+      <dgm:prSet presAssocID="{B630683C-831F-4D8A-82DD-E0788D083B7B}" presName="sp" presStyleCnt="0"/>
+      <dgm:spPr/>
+    </dgm:pt>
+    <dgm:pt modelId="{A6072437-444C-4216-A0BC-81FAF0CC23F2}" type="pres">
+      <dgm:prSet presAssocID="{39983D29-BFE3-49AC-94D5-9C0E89958AAB}" presName="linNode" presStyleCnt="0"/>
+      <dgm:spPr/>
+    </dgm:pt>
+    <dgm:pt modelId="{14EF9A3C-ED93-4FBA-AF91-FD8CBF3D7185}" type="pres">
+      <dgm:prSet presAssocID="{39983D29-BFE3-49AC-94D5-9C0E89958AAB}" presName="parentText" presStyleLbl="node1" presStyleIdx="12" presStyleCnt="14" custLinFactY="-300000" custLinFactNeighborX="42766" custLinFactNeighborY="-305707">
+        <dgm:presLayoutVars>
+          <dgm:chMax val="1"/>
+          <dgm:bulletEnabled val="1"/>
+        </dgm:presLayoutVars>
+      </dgm:prSet>
+      <dgm:spPr/>
+    </dgm:pt>
+    <dgm:pt modelId="{C16C6690-C5F5-46DF-915F-010A0EC8C82B}" type="pres">
+      <dgm:prSet presAssocID="{78464C65-44B5-4022-BD66-FAE595AE7DB3}" presName="sp" presStyleCnt="0"/>
+      <dgm:spPr/>
+    </dgm:pt>
+    <dgm:pt modelId="{42D4E86E-87D4-46A4-97A3-B91F79BB5495}" type="pres">
+      <dgm:prSet presAssocID="{1FFC85DE-B415-4A8B-93E0-341AC51C4910}" presName="linNode" presStyleCnt="0"/>
+      <dgm:spPr/>
+    </dgm:pt>
+    <dgm:pt modelId="{BED64662-45D4-4173-ADE1-4990253BF9B9}" type="pres">
+      <dgm:prSet presAssocID="{1FFC85DE-B415-4A8B-93E0-341AC51C4910}" presName="parentText" presStyleLbl="node1" presStyleIdx="13" presStyleCnt="14" custLinFactY="-300000" custLinFactNeighborX="42766" custLinFactNeighborY="-305707">
+        <dgm:presLayoutVars>
+          <dgm:chMax val="1"/>
+          <dgm:bulletEnabled val="1"/>
+        </dgm:presLayoutVars>
+      </dgm:prSet>
+      <dgm:spPr/>
+    </dgm:pt>
+  </dgm:ptLst>
+  <dgm:cxnLst>
+    <dgm:cxn modelId="{C088642A-E365-401E-8CCE-EAB4F1C91740}" srcId="{0332EA83-73C8-4D21-9C8D-20A8FE74C761}" destId="{B9ADE365-B1F5-4A33-938D-0EB3ED2339B1}" srcOrd="7" destOrd="0" parTransId="{F29625EA-A84B-4981-851E-A934DC94E944}" sibTransId="{955DB37D-6312-48FB-B9B7-53E97836024B}"/>
+    <dgm:cxn modelId="{E94F5720-3D1D-4220-94B2-686053C42AAE}" srcId="{0332EA83-73C8-4D21-9C8D-20A8FE74C761}" destId="{F6D47F02-6D9E-4B7C-870E-763A2AB13DE0}" srcOrd="6" destOrd="0" parTransId="{9A2866C9-14BA-4EF0-A7C8-FA1503051040}" sibTransId="{0FB5AB4F-F557-48AA-8DC8-41A2E6BF7D30}"/>
+    <dgm:cxn modelId="{7C8F3BBC-3A27-4D08-864D-91CC87A47C36}" type="presOf" srcId="{138E44AD-3D73-42B3-8808-0D8683E128C2}" destId="{9473C6C1-3F1E-46E3-8274-45F4DA07FC15}" srcOrd="0" destOrd="0" presId="urn:microsoft.com/office/officeart/2005/8/layout/vList5"/>
+    <dgm:cxn modelId="{1B574BB4-535E-470C-AA94-1723672E0470}" type="presOf" srcId="{D4853660-B076-482C-8895-98F6B0726F57}" destId="{55CC2127-9EC9-4FD6-8193-CA2D9CA5740A}" srcOrd="0" destOrd="0" presId="urn:microsoft.com/office/officeart/2005/8/layout/vList5"/>
+    <dgm:cxn modelId="{B6A1E21C-ABB0-444D-AE9B-97DC7EEC62C9}" type="presOf" srcId="{EA482A8A-BADD-4D75-8CB1-78ABF52A297D}" destId="{075F837C-D1A8-41B9-BD4D-F645D086AD0E}" srcOrd="0" destOrd="0" presId="urn:microsoft.com/office/officeart/2005/8/layout/vList5"/>
+    <dgm:cxn modelId="{527341CE-96CF-4944-834A-FB7A9745373F}" srcId="{0332EA83-73C8-4D21-9C8D-20A8FE74C761}" destId="{1FFC85DE-B415-4A8B-93E0-341AC51C4910}" srcOrd="13" destOrd="0" parTransId="{FF613B79-38B7-4CFD-A46E-560C7A323244}" sibTransId="{AB357930-A0DA-40DB-9A99-014BB88832EE}"/>
+    <dgm:cxn modelId="{F5F7E458-8E24-45E8-9EDA-85C05956FE2D}" type="presOf" srcId="{1FFC85DE-B415-4A8B-93E0-341AC51C4910}" destId="{BED64662-45D4-4173-ADE1-4990253BF9B9}" srcOrd="0" destOrd="0" presId="urn:microsoft.com/office/officeart/2005/8/layout/vList5"/>
+    <dgm:cxn modelId="{964D75E4-9414-431E-B0BE-E89DC9AE54B2}" type="presOf" srcId="{5773FF08-7019-4F73-B3F7-A662E877A610}" destId="{5B317E40-218D-46B0-B67F-B2101E68133C}" srcOrd="0" destOrd="0" presId="urn:microsoft.com/office/officeart/2005/8/layout/vList5"/>
+    <dgm:cxn modelId="{B40F893B-CB96-4C67-9A6D-8E21D371428B}" srcId="{0332EA83-73C8-4D21-9C8D-20A8FE74C761}" destId="{5E0BD301-239F-4BB9-9514-4F82C5593F77}" srcOrd="3" destOrd="0" parTransId="{D158BC9D-D56F-4285-B721-997C097296D5}" sibTransId="{CFBDD874-6BFB-4BBE-9841-02B27F277BEB}"/>
+    <dgm:cxn modelId="{D1B3A941-782E-4D4D-9C4F-F7789EA605EE}" type="presOf" srcId="{E4C23685-D1D0-45A9-9364-EB9011D1B7B4}" destId="{251B9029-92F0-4DC2-AB1A-082F747ECDE5}" srcOrd="0" destOrd="0" presId="urn:microsoft.com/office/officeart/2005/8/layout/vList5"/>
+    <dgm:cxn modelId="{D44A33CA-9FB1-454D-A76F-1470D2488E70}" type="presOf" srcId="{0332EA83-73C8-4D21-9C8D-20A8FE74C761}" destId="{2C39DC35-168F-4EE2-95A9-6744A472868C}" srcOrd="0" destOrd="0" presId="urn:microsoft.com/office/officeart/2005/8/layout/vList5"/>
+    <dgm:cxn modelId="{05C79022-8F72-45E5-92D7-6F959A4BD62D}" srcId="{0332EA83-73C8-4D21-9C8D-20A8FE74C761}" destId="{E4C23685-D1D0-45A9-9364-EB9011D1B7B4}" srcOrd="8" destOrd="0" parTransId="{1FE7B6BD-1C6E-48F9-9BDF-46C07D73D48C}" sibTransId="{D3B9D4F4-4BE2-418D-8602-8F92F3913D41}"/>
+    <dgm:cxn modelId="{02CE930F-D4BE-4567-A662-B8CD05518409}" type="presOf" srcId="{3C87DA50-F9D5-402D-867E-611400C09A5D}" destId="{DF1A02A0-E00A-428E-9887-618B3DBDCE1C}" srcOrd="0" destOrd="0" presId="urn:microsoft.com/office/officeart/2005/8/layout/vList5"/>
+    <dgm:cxn modelId="{122EBEE0-4B58-4ADC-94AE-5D6639363D7D}" srcId="{0332EA83-73C8-4D21-9C8D-20A8FE74C761}" destId="{39983D29-BFE3-49AC-94D5-9C0E89958AAB}" srcOrd="12" destOrd="0" parTransId="{DD01B2C2-5642-498E-A92E-E68CA94949FA}" sibTransId="{78464C65-44B5-4022-BD66-FAE595AE7DB3}"/>
+    <dgm:cxn modelId="{5EAFEEB8-AFE3-432F-871B-39C3AC8E7B1E}" type="presOf" srcId="{0EDD78F6-A98D-402D-82B9-8660D9717582}" destId="{BC5C9D5C-37A8-45FB-A38C-2F4BE508A31A}" srcOrd="0" destOrd="0" presId="urn:microsoft.com/office/officeart/2005/8/layout/vList5"/>
+    <dgm:cxn modelId="{526A9812-A56C-4A98-9568-83F738DEE3A6}" type="presOf" srcId="{0941BC5E-9760-488B-9725-FC55E4A76D86}" destId="{89F14C83-7DB9-4B0D-83F4-4169301EC4F7}" srcOrd="0" destOrd="0" presId="urn:microsoft.com/office/officeart/2005/8/layout/vList5"/>
+    <dgm:cxn modelId="{338AAB00-76A8-4724-8502-3CCB225F768C}" type="presOf" srcId="{F6D47F02-6D9E-4B7C-870E-763A2AB13DE0}" destId="{A0452E83-BDDA-4001-A0E2-0A163FF1AEE0}" srcOrd="0" destOrd="0" presId="urn:microsoft.com/office/officeart/2005/8/layout/vList5"/>
+    <dgm:cxn modelId="{1A3F23F0-B737-4F3D-BCE1-8A7C202623D1}" srcId="{0332EA83-73C8-4D21-9C8D-20A8FE74C761}" destId="{EA482A8A-BADD-4D75-8CB1-78ABF52A297D}" srcOrd="11" destOrd="0" parTransId="{276F0E36-8825-4824-B02B-9370A6FE1940}" sibTransId="{B630683C-831F-4D8A-82DD-E0788D083B7B}"/>
+    <dgm:cxn modelId="{5224DFA9-F06F-435F-AA6B-C99FDCC9ABD5}" srcId="{0332EA83-73C8-4D21-9C8D-20A8FE74C761}" destId="{3C87DA50-F9D5-402D-867E-611400C09A5D}" srcOrd="1" destOrd="0" parTransId="{1EC09CF9-7BED-4DEA-BF3C-016168192A44}" sibTransId="{DA23D589-8577-467A-9649-3FA7D68EE64D}"/>
+    <dgm:cxn modelId="{E177F234-339B-413E-9C46-7FC1DB4DF353}" srcId="{0332EA83-73C8-4D21-9C8D-20A8FE74C761}" destId="{0EDD78F6-A98D-402D-82B9-8660D9717582}" srcOrd="5" destOrd="0" parTransId="{06C89848-704F-4EC2-95D3-541F456461F4}" sibTransId="{666A4451-DF1E-4532-9746-C3A1C9A4581D}"/>
+    <dgm:cxn modelId="{3A9B1587-D594-4AD7-9035-660FFB1B8FA2}" srcId="{0332EA83-73C8-4D21-9C8D-20A8FE74C761}" destId="{D4853660-B076-482C-8895-98F6B0726F57}" srcOrd="9" destOrd="0" parTransId="{2D279066-C0DC-4D15-9DCA-2F1396F9D0CD}" sibTransId="{27FFA4C7-EB69-4A76-9669-FDD68DE30B04}"/>
+    <dgm:cxn modelId="{DC8D54B3-63B2-4C03-ABEC-B9D86B5B7632}" srcId="{0332EA83-73C8-4D21-9C8D-20A8FE74C761}" destId="{0941BC5E-9760-488B-9725-FC55E4A76D86}" srcOrd="2" destOrd="0" parTransId="{04C307F3-EC1E-44D2-8591-3418C1296526}" sibTransId="{EE200E29-F5B3-4447-8A12-014B2FCEA2FE}"/>
+    <dgm:cxn modelId="{30C86A95-0813-45C4-BAA8-CFF7E5B8BC16}" srcId="{0332EA83-73C8-4D21-9C8D-20A8FE74C761}" destId="{DD1207E8-AA9C-4C35-A1C3-04145CB676EB}" srcOrd="4" destOrd="0" parTransId="{D0DD1647-7581-426B-B424-B33B0871EC53}" sibTransId="{B8BFD81D-A658-44A1-A505-ADC2A03AFA75}"/>
+    <dgm:cxn modelId="{5F958276-2595-48B5-8DA6-7F19BAB273F7}" type="presOf" srcId="{39983D29-BFE3-49AC-94D5-9C0E89958AAB}" destId="{14EF9A3C-ED93-4FBA-AF91-FD8CBF3D7185}" srcOrd="0" destOrd="0" presId="urn:microsoft.com/office/officeart/2005/8/layout/vList5"/>
+    <dgm:cxn modelId="{E47849B6-B36D-4A27-8EF1-0D0ED871BCC3}" type="presOf" srcId="{B9ADE365-B1F5-4A33-938D-0EB3ED2339B1}" destId="{47CE066C-3304-4BE5-B976-49A55E1F1AF9}" srcOrd="0" destOrd="0" presId="urn:microsoft.com/office/officeart/2005/8/layout/vList5"/>
+    <dgm:cxn modelId="{60F2A519-6D99-475B-BC17-9D7C6E789E3F}" type="presOf" srcId="{5E0BD301-239F-4BB9-9514-4F82C5593F77}" destId="{75167DCF-B1E3-4A19-9D1F-BA3E6CCDBDEF}" srcOrd="0" destOrd="0" presId="urn:microsoft.com/office/officeart/2005/8/layout/vList5"/>
+    <dgm:cxn modelId="{DF5E8055-F1E5-473D-B454-6853658E2AD8}" type="presOf" srcId="{DD1207E8-AA9C-4C35-A1C3-04145CB676EB}" destId="{4487720D-A6F0-4B82-A7E8-539BC7DBE277}" srcOrd="0" destOrd="0" presId="urn:microsoft.com/office/officeart/2005/8/layout/vList5"/>
+    <dgm:cxn modelId="{4F60BEC7-45B4-46C1-A223-4663C481B001}" srcId="{0332EA83-73C8-4D21-9C8D-20A8FE74C761}" destId="{5773FF08-7019-4F73-B3F7-A662E877A610}" srcOrd="0" destOrd="0" parTransId="{D60F5097-6A6E-45E9-9C16-85964710216D}" sibTransId="{EBB0481C-8A75-4BD5-BBA3-9CFC620D14C8}"/>
+    <dgm:cxn modelId="{91797AB9-E3EB-40AA-B82B-76FE28F7643C}" srcId="{0332EA83-73C8-4D21-9C8D-20A8FE74C761}" destId="{138E44AD-3D73-42B3-8808-0D8683E128C2}" srcOrd="10" destOrd="0" parTransId="{8A827F40-F767-494E-BD92-4FA013EFCE30}" sibTransId="{1580F77C-B371-44AA-B842-9666BC40EE2D}"/>
+    <dgm:cxn modelId="{E5769C47-A7DB-4425-A5FE-965DD7292951}" type="presParOf" srcId="{2C39DC35-168F-4EE2-95A9-6744A472868C}" destId="{8C8C87C9-54E5-4563-AADA-CC180E7E63C0}" srcOrd="0" destOrd="0" presId="urn:microsoft.com/office/officeart/2005/8/layout/vList5"/>
+    <dgm:cxn modelId="{8B427DD9-5B19-432C-ADDB-B54125149CF3}" type="presParOf" srcId="{8C8C87C9-54E5-4563-AADA-CC180E7E63C0}" destId="{5B317E40-218D-46B0-B67F-B2101E68133C}" srcOrd="0" destOrd="0" presId="urn:microsoft.com/office/officeart/2005/8/layout/vList5"/>
+    <dgm:cxn modelId="{F9DF8E50-449E-4EDE-B5CE-50F956C61EE2}" type="presParOf" srcId="{2C39DC35-168F-4EE2-95A9-6744A472868C}" destId="{5646E16F-0735-419A-AFF2-E745E6774777}" srcOrd="1" destOrd="0" presId="urn:microsoft.com/office/officeart/2005/8/layout/vList5"/>
+    <dgm:cxn modelId="{60211F1E-8CE1-4643-99A0-93957273179E}" type="presParOf" srcId="{2C39DC35-168F-4EE2-95A9-6744A472868C}" destId="{6F6B1F5E-D961-4EED-9D8F-F2B4CCB4E4CA}" srcOrd="2" destOrd="0" presId="urn:microsoft.com/office/officeart/2005/8/layout/vList5"/>
+    <dgm:cxn modelId="{708644B3-A602-47F7-9952-C36F573BD66C}" type="presParOf" srcId="{6F6B1F5E-D961-4EED-9D8F-F2B4CCB4E4CA}" destId="{DF1A02A0-E00A-428E-9887-618B3DBDCE1C}" srcOrd="0" destOrd="0" presId="urn:microsoft.com/office/officeart/2005/8/layout/vList5"/>
+    <dgm:cxn modelId="{DD17F182-B011-4297-90A0-A18E0BDAF444}" type="presParOf" srcId="{2C39DC35-168F-4EE2-95A9-6744A472868C}" destId="{4E2A5669-0B89-4491-A493-A3417B7195A3}" srcOrd="3" destOrd="0" presId="urn:microsoft.com/office/officeart/2005/8/layout/vList5"/>
+    <dgm:cxn modelId="{693D4184-1BC1-4046-A9DB-8B4C16816BD0}" type="presParOf" srcId="{2C39DC35-168F-4EE2-95A9-6744A472868C}" destId="{1DA46EA0-A843-404D-8960-01A3D7F598CF}" srcOrd="4" destOrd="0" presId="urn:microsoft.com/office/officeart/2005/8/layout/vList5"/>
+    <dgm:cxn modelId="{DD1B759D-74B9-43F3-8CEA-EACE491393D9}" type="presParOf" srcId="{1DA46EA0-A843-404D-8960-01A3D7F598CF}" destId="{89F14C83-7DB9-4B0D-83F4-4169301EC4F7}" srcOrd="0" destOrd="0" presId="urn:microsoft.com/office/officeart/2005/8/layout/vList5"/>
+    <dgm:cxn modelId="{4A8CE680-A183-4152-9046-14DE5FE043A2}" type="presParOf" srcId="{2C39DC35-168F-4EE2-95A9-6744A472868C}" destId="{21E1AD28-D002-4B6F-B70F-CA9B791B40C3}" srcOrd="5" destOrd="0" presId="urn:microsoft.com/office/officeart/2005/8/layout/vList5"/>
+    <dgm:cxn modelId="{1E6A3AB9-55D3-41EC-96C3-F55AFF505652}" type="presParOf" srcId="{2C39DC35-168F-4EE2-95A9-6744A472868C}" destId="{2B6177EA-EAE7-48C7-974C-AB61529CAD7C}" srcOrd="6" destOrd="0" presId="urn:microsoft.com/office/officeart/2005/8/layout/vList5"/>
+    <dgm:cxn modelId="{C4593E98-4B14-496E-9759-ACE7B97E63AD}" type="presParOf" srcId="{2B6177EA-EAE7-48C7-974C-AB61529CAD7C}" destId="{75167DCF-B1E3-4A19-9D1F-BA3E6CCDBDEF}" srcOrd="0" destOrd="0" presId="urn:microsoft.com/office/officeart/2005/8/layout/vList5"/>
+    <dgm:cxn modelId="{C796957E-5054-4F08-BE95-507078C80022}" type="presParOf" srcId="{2C39DC35-168F-4EE2-95A9-6744A472868C}" destId="{BE61CBFB-171A-4E74-95A9-95D7CD9D7A44}" srcOrd="7" destOrd="0" presId="urn:microsoft.com/office/officeart/2005/8/layout/vList5"/>
+    <dgm:cxn modelId="{D6F89B80-E8B2-49CF-9FF9-7D699E010CC2}" type="presParOf" srcId="{2C39DC35-168F-4EE2-95A9-6744A472868C}" destId="{76FD4C09-57CB-4FE6-88B0-6DA609FEC642}" srcOrd="8" destOrd="0" presId="urn:microsoft.com/office/officeart/2005/8/layout/vList5"/>
+    <dgm:cxn modelId="{6E52C537-8076-42FA-AA17-CB2E349E4A8D}" type="presParOf" srcId="{76FD4C09-57CB-4FE6-88B0-6DA609FEC642}" destId="{4487720D-A6F0-4B82-A7E8-539BC7DBE277}" srcOrd="0" destOrd="0" presId="urn:microsoft.com/office/officeart/2005/8/layout/vList5"/>
+    <dgm:cxn modelId="{678C41B4-5462-4B3B-BD59-87967A75856B}" type="presParOf" srcId="{2C39DC35-168F-4EE2-95A9-6744A472868C}" destId="{6E849C4A-217E-4E30-91B1-4CDDEFFFE731}" srcOrd="9" destOrd="0" presId="urn:microsoft.com/office/officeart/2005/8/layout/vList5"/>
+    <dgm:cxn modelId="{A1E37F2B-C191-4D96-AF9E-6752B31B43F1}" type="presParOf" srcId="{2C39DC35-168F-4EE2-95A9-6744A472868C}" destId="{2F5C2EA3-3A79-4E7B-A18D-65D955E2236E}" srcOrd="10" destOrd="0" presId="urn:microsoft.com/office/officeart/2005/8/layout/vList5"/>
+    <dgm:cxn modelId="{2BEC75AE-1F08-4034-93E4-B83383712953}" type="presParOf" srcId="{2F5C2EA3-3A79-4E7B-A18D-65D955E2236E}" destId="{BC5C9D5C-37A8-45FB-A38C-2F4BE508A31A}" srcOrd="0" destOrd="0" presId="urn:microsoft.com/office/officeart/2005/8/layout/vList5"/>
+    <dgm:cxn modelId="{47EA0290-6733-4D76-BA01-73654D580777}" type="presParOf" srcId="{2C39DC35-168F-4EE2-95A9-6744A472868C}" destId="{D4D28944-C16A-4C02-9F07-92F4557C9184}" srcOrd="11" destOrd="0" presId="urn:microsoft.com/office/officeart/2005/8/layout/vList5"/>
+    <dgm:cxn modelId="{D873875C-1BDD-4AE1-802A-FF81B709923E}" type="presParOf" srcId="{2C39DC35-168F-4EE2-95A9-6744A472868C}" destId="{53ECA59C-9758-40AD-AAA0-B93464C965A6}" srcOrd="12" destOrd="0" presId="urn:microsoft.com/office/officeart/2005/8/layout/vList5"/>
+    <dgm:cxn modelId="{67DADB0C-8AFF-4A00-BB5D-8E5B56B98564}" type="presParOf" srcId="{53ECA59C-9758-40AD-AAA0-B93464C965A6}" destId="{A0452E83-BDDA-4001-A0E2-0A163FF1AEE0}" srcOrd="0" destOrd="0" presId="urn:microsoft.com/office/officeart/2005/8/layout/vList5"/>
+    <dgm:cxn modelId="{5DB882B4-BFA8-4C5E-9D7B-3ABF1E1317CF}" type="presParOf" srcId="{2C39DC35-168F-4EE2-95A9-6744A472868C}" destId="{5B68FD51-F38C-4D0A-AF58-1C2F6E86780A}" srcOrd="13" destOrd="0" presId="urn:microsoft.com/office/officeart/2005/8/layout/vList5"/>
+    <dgm:cxn modelId="{26B8E006-A5C1-44B2-A3B6-984A568C567C}" type="presParOf" srcId="{2C39DC35-168F-4EE2-95A9-6744A472868C}" destId="{A4B98F2B-6D59-47B0-8A5C-164F908EBBEF}" srcOrd="14" destOrd="0" presId="urn:microsoft.com/office/officeart/2005/8/layout/vList5"/>
+    <dgm:cxn modelId="{DC1C4C6E-4722-4108-80D2-5311C99D51F4}" type="presParOf" srcId="{A4B98F2B-6D59-47B0-8A5C-164F908EBBEF}" destId="{47CE066C-3304-4BE5-B976-49A55E1F1AF9}" srcOrd="0" destOrd="0" presId="urn:microsoft.com/office/officeart/2005/8/layout/vList5"/>
+    <dgm:cxn modelId="{D35B87CD-2E05-4D3F-A12C-AC820C18225B}" type="presParOf" srcId="{2C39DC35-168F-4EE2-95A9-6744A472868C}" destId="{8F173E8C-7989-44D3-BFC1-A6DB9A3401E1}" srcOrd="15" destOrd="0" presId="urn:microsoft.com/office/officeart/2005/8/layout/vList5"/>
+    <dgm:cxn modelId="{1C0179E2-53D3-4D11-8425-EE0E2748D060}" type="presParOf" srcId="{2C39DC35-168F-4EE2-95A9-6744A472868C}" destId="{323CC210-327C-4261-B568-A102BCF9507F}" srcOrd="16" destOrd="0" presId="urn:microsoft.com/office/officeart/2005/8/layout/vList5"/>
+    <dgm:cxn modelId="{DE2B09C2-9804-4A96-A946-1E6856B51DAC}" type="presParOf" srcId="{323CC210-327C-4261-B568-A102BCF9507F}" destId="{251B9029-92F0-4DC2-AB1A-082F747ECDE5}" srcOrd="0" destOrd="0" presId="urn:microsoft.com/office/officeart/2005/8/layout/vList5"/>
+    <dgm:cxn modelId="{A57E036A-2099-4659-9176-66DF3F850EFC}" type="presParOf" srcId="{2C39DC35-168F-4EE2-95A9-6744A472868C}" destId="{36B3FBBE-CF2D-474A-B725-0D209655ABB7}" srcOrd="17" destOrd="0" presId="urn:microsoft.com/office/officeart/2005/8/layout/vList5"/>
+    <dgm:cxn modelId="{A630D5B6-334E-4F40-974F-A788969B39DC}" type="presParOf" srcId="{2C39DC35-168F-4EE2-95A9-6744A472868C}" destId="{F53E8E72-8BA1-434C-BC73-428E6B6A87DA}" srcOrd="18" destOrd="0" presId="urn:microsoft.com/office/officeart/2005/8/layout/vList5"/>
+    <dgm:cxn modelId="{E9AA518E-3786-42FF-B688-B0539399E8AF}" type="presParOf" srcId="{F53E8E72-8BA1-434C-BC73-428E6B6A87DA}" destId="{55CC2127-9EC9-4FD6-8193-CA2D9CA5740A}" srcOrd="0" destOrd="0" presId="urn:microsoft.com/office/officeart/2005/8/layout/vList5"/>
+    <dgm:cxn modelId="{A9734916-0D2C-4399-992E-F1F07B74710E}" type="presParOf" srcId="{2C39DC35-168F-4EE2-95A9-6744A472868C}" destId="{5D710649-A58D-4C5A-99AB-4564B033599E}" srcOrd="19" destOrd="0" presId="urn:microsoft.com/office/officeart/2005/8/layout/vList5"/>
+    <dgm:cxn modelId="{CEC3E674-9B3B-4DF4-8E6D-B09BC9B14A08}" type="presParOf" srcId="{2C39DC35-168F-4EE2-95A9-6744A472868C}" destId="{CFAAD1FB-BB94-4B8B-9FAC-95C319E31959}" srcOrd="20" destOrd="0" presId="urn:microsoft.com/office/officeart/2005/8/layout/vList5"/>
+    <dgm:cxn modelId="{7DD2C555-F62A-42BC-95C4-028D2E6701F7}" type="presParOf" srcId="{CFAAD1FB-BB94-4B8B-9FAC-95C319E31959}" destId="{9473C6C1-3F1E-46E3-8274-45F4DA07FC15}" srcOrd="0" destOrd="0" presId="urn:microsoft.com/office/officeart/2005/8/layout/vList5"/>
+    <dgm:cxn modelId="{276F7FF9-FBEF-4FCE-84AE-40911261D7FA}" type="presParOf" srcId="{2C39DC35-168F-4EE2-95A9-6744A472868C}" destId="{19611163-FD5A-48CE-8BAF-D6E9A5C405A4}" srcOrd="21" destOrd="0" presId="urn:microsoft.com/office/officeart/2005/8/layout/vList5"/>
+    <dgm:cxn modelId="{AB92035E-EEB2-4C1F-8FDF-A6419422B447}" type="presParOf" srcId="{2C39DC35-168F-4EE2-95A9-6744A472868C}" destId="{756FA3F6-B9D1-49B1-AF81-B22893EA2F27}" srcOrd="22" destOrd="0" presId="urn:microsoft.com/office/officeart/2005/8/layout/vList5"/>
+    <dgm:cxn modelId="{94691FD2-A47D-408D-8357-596E5B51302B}" type="presParOf" srcId="{756FA3F6-B9D1-49B1-AF81-B22893EA2F27}" destId="{075F837C-D1A8-41B9-BD4D-F645D086AD0E}" srcOrd="0" destOrd="0" presId="urn:microsoft.com/office/officeart/2005/8/layout/vList5"/>
+    <dgm:cxn modelId="{BADF7F83-5D43-4579-AE2A-62701C82F645}" type="presParOf" srcId="{2C39DC35-168F-4EE2-95A9-6744A472868C}" destId="{9404047E-948F-4CEE-849B-A164BC1DFBED}" srcOrd="23" destOrd="0" presId="urn:microsoft.com/office/officeart/2005/8/layout/vList5"/>
+    <dgm:cxn modelId="{C668F08A-463C-4C09-B087-15EB9356C4A9}" type="presParOf" srcId="{2C39DC35-168F-4EE2-95A9-6744A472868C}" destId="{A6072437-444C-4216-A0BC-81FAF0CC23F2}" srcOrd="24" destOrd="0" presId="urn:microsoft.com/office/officeart/2005/8/layout/vList5"/>
+    <dgm:cxn modelId="{A0D19E5D-88C4-4ED9-BB0D-774226C4AFFB}" type="presParOf" srcId="{A6072437-444C-4216-A0BC-81FAF0CC23F2}" destId="{14EF9A3C-ED93-4FBA-AF91-FD8CBF3D7185}" srcOrd="0" destOrd="0" presId="urn:microsoft.com/office/officeart/2005/8/layout/vList5"/>
+    <dgm:cxn modelId="{8138713C-7325-41A5-8C79-C2E7DE60D3D6}" type="presParOf" srcId="{2C39DC35-168F-4EE2-95A9-6744A472868C}" destId="{C16C6690-C5F5-46DF-915F-010A0EC8C82B}" srcOrd="25" destOrd="0" presId="urn:microsoft.com/office/officeart/2005/8/layout/vList5"/>
+    <dgm:cxn modelId="{63B35330-E997-4136-B81A-D6D36E18AB4C}" type="presParOf" srcId="{2C39DC35-168F-4EE2-95A9-6744A472868C}" destId="{42D4E86E-87D4-46A4-97A3-B91F79BB5495}" srcOrd="26" destOrd="0" presId="urn:microsoft.com/office/officeart/2005/8/layout/vList5"/>
+    <dgm:cxn modelId="{B3671767-2680-41C2-A7D0-8EA9484471B0}" type="presParOf" srcId="{42D4E86E-87D4-46A4-97A3-B91F79BB5495}" destId="{BED64662-45D4-4173-ADE1-4990253BF9B9}" srcOrd="0" destOrd="0" presId="urn:microsoft.com/office/officeart/2005/8/layout/vList5"/>
+  </dgm:cxnLst>
+  <dgm:bg/>
+  <dgm:whole/>
+</dgm:dataModel>
+</file>
+
+<file path=ppt/diagrams/data2.xml><?xml version="1.0" encoding="utf-8"?>
+<dgm:dataModel xmlns:dgm="http://schemas.openxmlformats.org/drawingml/2006/diagram" xmlns:a="http://schemas.openxmlformats.org/drawingml/2006/main">
+  <dgm:ptLst>
+    <dgm:pt modelId="{9ABA6670-9E6A-463A-809C-00C7E48A6259}" type="doc">
+      <dgm:prSet loTypeId="urn:microsoft.com/office/officeart/2005/8/layout/hList1" loCatId="list" qsTypeId="urn:microsoft.com/office/officeart/2005/8/quickstyle/3d1" qsCatId="3D" csTypeId="urn:microsoft.com/office/officeart/2005/8/colors/accent1_2" csCatId="accent1" phldr="1"/>
+      <dgm:spPr/>
+      <dgm:t>
+        <a:bodyPr/>
+        <a:lstStyle/>
+        <a:p>
+          <a:endParaRPr lang="es-ES"/>
+        </a:p>
+      </dgm:t>
+    </dgm:pt>
+    <dgm:pt modelId="{79BA1E5D-DF2D-43AA-A349-6C278D072876}">
+      <dgm:prSet phldrT="[Texto]"/>
+      <dgm:spPr>
+        <a:solidFill>
+          <a:schemeClr val="bg1">
+            <a:lumMod val="50000"/>
+          </a:schemeClr>
+        </a:solidFill>
+      </dgm:spPr>
+      <dgm:t>
+        <a:bodyPr/>
+        <a:lstStyle/>
+        <a:p>
+          <a:r>
+            <a:rPr lang="es-MX" dirty="0" smtClean="0">
+              <a:latin typeface="Agency FB" pitchFamily="34" charset="0"/>
+            </a:rPr>
+            <a:t>Teoría</a:t>
+          </a:r>
+          <a:endParaRPr lang="es-ES" dirty="0">
+            <a:latin typeface="Agency FB" pitchFamily="34" charset="0"/>
+          </a:endParaRPr>
+        </a:p>
+      </dgm:t>
+    </dgm:pt>
+    <dgm:pt modelId="{B1D36F81-5028-4C89-A413-945DD7D82935}" type="parTrans" cxnId="{CB8F125E-A2A6-4EFD-96E3-46F156683E01}">
+      <dgm:prSet/>
+      <dgm:spPr/>
+      <dgm:t>
+        <a:bodyPr/>
+        <a:lstStyle/>
+        <a:p>
+          <a:endParaRPr lang="es-ES">
+            <a:latin typeface="Agency FB" pitchFamily="34" charset="0"/>
+          </a:endParaRPr>
+        </a:p>
+      </dgm:t>
+    </dgm:pt>
+    <dgm:pt modelId="{17F9687B-4B54-4026-8FFB-ABF2F85FCCB1}" type="sibTrans" cxnId="{CB8F125E-A2A6-4EFD-96E3-46F156683E01}">
+      <dgm:prSet/>
+      <dgm:spPr/>
+      <dgm:t>
+        <a:bodyPr/>
+        <a:lstStyle/>
+        <a:p>
+          <a:endParaRPr lang="es-ES">
+            <a:latin typeface="Agency FB" pitchFamily="34" charset="0"/>
+          </a:endParaRPr>
+        </a:p>
+      </dgm:t>
+    </dgm:pt>
+    <dgm:pt modelId="{A811B4C5-9076-414B-8AE3-4CEA21565993}">
+      <dgm:prSet phldrT="[Texto]"/>
+      <dgm:spPr>
+        <a:solidFill>
+          <a:schemeClr val="accent3">
+            <a:lumMod val="50000"/>
+          </a:schemeClr>
+        </a:solidFill>
+      </dgm:spPr>
+      <dgm:t>
+        <a:bodyPr/>
+        <a:lstStyle/>
+        <a:p>
+          <a:r>
+            <a:rPr lang="es-MX" dirty="0" smtClean="0">
+              <a:latin typeface="Agency FB" pitchFamily="34" charset="0"/>
+            </a:rPr>
+            <a:t>Nuevo Paradigma</a:t>
+          </a:r>
+          <a:endParaRPr lang="es-ES" dirty="0">
+            <a:latin typeface="Agency FB" pitchFamily="34" charset="0"/>
+          </a:endParaRPr>
+        </a:p>
+      </dgm:t>
+    </dgm:pt>
+    <dgm:pt modelId="{39E9EB88-192C-4D95-933F-860C693DD23A}" type="parTrans" cxnId="{8EABD960-DF54-45A2-88B1-5D08C7A10674}">
+      <dgm:prSet/>
+      <dgm:spPr/>
+      <dgm:t>
+        <a:bodyPr/>
+        <a:lstStyle/>
+        <a:p>
+          <a:endParaRPr lang="es-ES">
+            <a:latin typeface="Agency FB" pitchFamily="34" charset="0"/>
+          </a:endParaRPr>
+        </a:p>
+      </dgm:t>
+    </dgm:pt>
+    <dgm:pt modelId="{77D1D595-F6C2-4BBF-A750-7D7A40125792}" type="sibTrans" cxnId="{8EABD960-DF54-45A2-88B1-5D08C7A10674}">
+      <dgm:prSet/>
+      <dgm:spPr/>
+      <dgm:t>
+        <a:bodyPr/>
+        <a:lstStyle/>
+        <a:p>
+          <a:endParaRPr lang="es-ES">
+            <a:latin typeface="Agency FB" pitchFamily="34" charset="0"/>
+          </a:endParaRPr>
+        </a:p>
+      </dgm:t>
+    </dgm:pt>
+    <dgm:pt modelId="{74D6C7F5-5E19-406B-B8F1-9B69B32F3104}">
+      <dgm:prSet phldrT="[Texto]"/>
+      <dgm:spPr>
+        <a:solidFill>
+          <a:schemeClr val="tx2">
+            <a:lumMod val="75000"/>
+          </a:schemeClr>
+        </a:solidFill>
+      </dgm:spPr>
+      <dgm:t>
+        <a:bodyPr/>
+        <a:lstStyle/>
+        <a:p>
+          <a:r>
+            <a:rPr lang="es-MX" dirty="0" smtClean="0">
+              <a:latin typeface="Agency FB" pitchFamily="34" charset="0"/>
+            </a:rPr>
+            <a:t>Nuevas Técnicas</a:t>
+          </a:r>
+          <a:endParaRPr lang="es-ES" dirty="0">
+            <a:latin typeface="Agency FB" pitchFamily="34" charset="0"/>
+          </a:endParaRPr>
+        </a:p>
+      </dgm:t>
+    </dgm:pt>
+    <dgm:pt modelId="{55CB6767-0F96-4361-B26B-E27A9BE7432A}" type="parTrans" cxnId="{850ED541-DD82-4D55-8D77-671D40B5E0B2}">
+      <dgm:prSet/>
+      <dgm:spPr/>
+      <dgm:t>
+        <a:bodyPr/>
+        <a:lstStyle/>
+        <a:p>
+          <a:endParaRPr lang="es-ES">
+            <a:latin typeface="Agency FB" pitchFamily="34" charset="0"/>
+          </a:endParaRPr>
+        </a:p>
+      </dgm:t>
+    </dgm:pt>
+    <dgm:pt modelId="{F4D3B163-D846-45D7-BEF7-64ECB0E3D355}" type="sibTrans" cxnId="{850ED541-DD82-4D55-8D77-671D40B5E0B2}">
+      <dgm:prSet/>
+      <dgm:spPr/>
+      <dgm:t>
+        <a:bodyPr/>
+        <a:lstStyle/>
+        <a:p>
+          <a:endParaRPr lang="es-ES">
+            <a:latin typeface="Agency FB" pitchFamily="34" charset="0"/>
+          </a:endParaRPr>
+        </a:p>
+      </dgm:t>
+    </dgm:pt>
+    <dgm:pt modelId="{7B8E0AF3-21A0-4186-BCEA-5F6E5806BE8C}">
+      <dgm:prSet phldrT="[Texto]"/>
+      <dgm:spPr>
+        <a:solidFill>
+          <a:schemeClr val="accent2">
+            <a:lumMod val="75000"/>
+          </a:schemeClr>
+        </a:solidFill>
+      </dgm:spPr>
+      <dgm:t>
+        <a:bodyPr/>
+        <a:lstStyle/>
+        <a:p>
+          <a:r>
+            <a:rPr lang="es-MX" dirty="0" smtClean="0">
+              <a:latin typeface="Agency FB" pitchFamily="34" charset="0"/>
+            </a:rPr>
+            <a:t>Nuevos Comportamientos</a:t>
+          </a:r>
+          <a:endParaRPr lang="es-ES" dirty="0">
+            <a:latin typeface="Agency FB" pitchFamily="34" charset="0"/>
+          </a:endParaRPr>
+        </a:p>
+      </dgm:t>
+    </dgm:pt>
+    <dgm:pt modelId="{2EC604BB-2913-418B-906C-8AD7995D71EE}" type="parTrans" cxnId="{94F077C7-701A-4DF7-B308-3529E10C9FAD}">
+      <dgm:prSet/>
+      <dgm:spPr/>
+      <dgm:t>
+        <a:bodyPr/>
+        <a:lstStyle/>
+        <a:p>
+          <a:endParaRPr lang="es-ES">
+            <a:latin typeface="Agency FB" pitchFamily="34" charset="0"/>
+          </a:endParaRPr>
+        </a:p>
+      </dgm:t>
+    </dgm:pt>
+    <dgm:pt modelId="{25FD074F-B6FA-435E-ADB8-30F25724B2A5}" type="sibTrans" cxnId="{94F077C7-701A-4DF7-B308-3529E10C9FAD}">
+      <dgm:prSet/>
+      <dgm:spPr/>
+      <dgm:t>
+        <a:bodyPr/>
+        <a:lstStyle/>
+        <a:p>
+          <a:endParaRPr lang="es-ES">
+            <a:latin typeface="Agency FB" pitchFamily="34" charset="0"/>
+          </a:endParaRPr>
+        </a:p>
+      </dgm:t>
+    </dgm:pt>
+    <dgm:pt modelId="{8B12F765-5D19-41E4-94A8-C8CECCB4BD82}" type="pres">
+      <dgm:prSet presAssocID="{9ABA6670-9E6A-463A-809C-00C7E48A6259}" presName="Name0" presStyleCnt="0">
+        <dgm:presLayoutVars>
+          <dgm:dir/>
+          <dgm:animLvl val="lvl"/>
+          <dgm:resizeHandles val="exact"/>
+        </dgm:presLayoutVars>
+      </dgm:prSet>
+      <dgm:spPr/>
+    </dgm:pt>
+    <dgm:pt modelId="{88A2D69B-E1C7-4803-8AD8-AFBB5B45B999}" type="pres">
+      <dgm:prSet presAssocID="{79BA1E5D-DF2D-43AA-A349-6C278D072876}" presName="composite" presStyleCnt="0"/>
+      <dgm:spPr/>
+    </dgm:pt>
+    <dgm:pt modelId="{67ACC358-F4DB-4220-8AE4-DF1A7CCC4A08}" type="pres">
+      <dgm:prSet presAssocID="{79BA1E5D-DF2D-43AA-A349-6C278D072876}" presName="parTx" presStyleLbl="alignNode1" presStyleIdx="0" presStyleCnt="4">
+        <dgm:presLayoutVars>
+          <dgm:chMax val="0"/>
+          <dgm:chPref val="0"/>
+          <dgm:bulletEnabled val="1"/>
+        </dgm:presLayoutVars>
+      </dgm:prSet>
+      <dgm:spPr/>
+      <dgm:t>
+        <a:bodyPr/>
+        <a:lstStyle/>
+        <a:p>
+          <a:endParaRPr lang="es-ES"/>
+        </a:p>
+      </dgm:t>
+    </dgm:pt>
+    <dgm:pt modelId="{ABBEF56B-FCD6-4B27-B2F3-BE619BC281A4}" type="pres">
+      <dgm:prSet presAssocID="{79BA1E5D-DF2D-43AA-A349-6C278D072876}" presName="desTx" presStyleLbl="alignAccFollowNode1" presStyleIdx="0" presStyleCnt="4" custFlipVert="0" custScaleY="20534">
+        <dgm:presLayoutVars>
+          <dgm:bulletEnabled val="1"/>
+        </dgm:presLayoutVars>
+      </dgm:prSet>
+      <dgm:spPr/>
+      <dgm:t>
+        <a:bodyPr/>
+        <a:lstStyle/>
+        <a:p>
+          <a:endParaRPr lang="es-ES"/>
+        </a:p>
+      </dgm:t>
+    </dgm:pt>
+    <dgm:pt modelId="{9F1DFEBD-3E8A-47EE-AFF7-951421FC22D8}" type="pres">
+      <dgm:prSet presAssocID="{17F9687B-4B54-4026-8FFB-ABF2F85FCCB1}" presName="space" presStyleCnt="0"/>
+      <dgm:spPr/>
+    </dgm:pt>
+    <dgm:pt modelId="{570DA9D2-5917-4ED5-AE8C-B5B4317FE096}" type="pres">
+      <dgm:prSet presAssocID="{A811B4C5-9076-414B-8AE3-4CEA21565993}" presName="composite" presStyleCnt="0"/>
+      <dgm:spPr/>
+    </dgm:pt>
+    <dgm:pt modelId="{A8A56638-3BB7-499B-AA8D-EA2B70380087}" type="pres">
+      <dgm:prSet presAssocID="{A811B4C5-9076-414B-8AE3-4CEA21565993}" presName="parTx" presStyleLbl="alignNode1" presStyleIdx="1" presStyleCnt="4">
+        <dgm:presLayoutVars>
+          <dgm:chMax val="0"/>
+          <dgm:chPref val="0"/>
+          <dgm:bulletEnabled val="1"/>
+        </dgm:presLayoutVars>
+      </dgm:prSet>
+      <dgm:spPr/>
+      <dgm:t>
+        <a:bodyPr/>
+        <a:lstStyle/>
+        <a:p>
+          <a:endParaRPr lang="es-ES"/>
+        </a:p>
+      </dgm:t>
+    </dgm:pt>
+    <dgm:pt modelId="{6394D243-9B9C-4AC5-8582-B2F3CF15C7A0}" type="pres">
+      <dgm:prSet presAssocID="{A811B4C5-9076-414B-8AE3-4CEA21565993}" presName="desTx" presStyleLbl="alignAccFollowNode1" presStyleIdx="1" presStyleCnt="4" custFlipVert="0" custScaleY="20534">
+        <dgm:presLayoutVars>
+          <dgm:bulletEnabled val="1"/>
+        </dgm:presLayoutVars>
+      </dgm:prSet>
+      <dgm:spPr/>
+    </dgm:pt>
+    <dgm:pt modelId="{750546D5-3892-4013-9E5F-6654CF3187A0}" type="pres">
+      <dgm:prSet presAssocID="{77D1D595-F6C2-4BBF-A750-7D7A40125792}" presName="space" presStyleCnt="0"/>
+      <dgm:spPr/>
+    </dgm:pt>
+    <dgm:pt modelId="{AC962F3F-AAB7-445B-A66B-E0013CD87716}" type="pres">
+      <dgm:prSet presAssocID="{74D6C7F5-5E19-406B-B8F1-9B69B32F3104}" presName="composite" presStyleCnt="0"/>
+      <dgm:spPr/>
+    </dgm:pt>
+    <dgm:pt modelId="{C399B942-2251-4067-8EE9-67BBB1EF112C}" type="pres">
+      <dgm:prSet presAssocID="{74D6C7F5-5E19-406B-B8F1-9B69B32F3104}" presName="parTx" presStyleLbl="alignNode1" presStyleIdx="2" presStyleCnt="4">
+        <dgm:presLayoutVars>
+          <dgm:chMax val="0"/>
+          <dgm:chPref val="0"/>
+          <dgm:bulletEnabled val="1"/>
+        </dgm:presLayoutVars>
+      </dgm:prSet>
+      <dgm:spPr/>
+      <dgm:t>
+        <a:bodyPr/>
+        <a:lstStyle/>
+        <a:p>
+          <a:endParaRPr lang="es-ES"/>
+        </a:p>
+      </dgm:t>
+    </dgm:pt>
+    <dgm:pt modelId="{A96F5C3C-500A-4688-A888-23A1995C3332}" type="pres">
+      <dgm:prSet presAssocID="{74D6C7F5-5E19-406B-B8F1-9B69B32F3104}" presName="desTx" presStyleLbl="alignAccFollowNode1" presStyleIdx="2" presStyleCnt="4" custFlipVert="0" custScaleY="20534">
+        <dgm:presLayoutVars>
+          <dgm:bulletEnabled val="1"/>
+        </dgm:presLayoutVars>
+      </dgm:prSet>
+      <dgm:spPr/>
+    </dgm:pt>
+    <dgm:pt modelId="{28010E5A-4459-4DC4-9E78-FA1817259736}" type="pres">
+      <dgm:prSet presAssocID="{F4D3B163-D846-45D7-BEF7-64ECB0E3D355}" presName="space" presStyleCnt="0"/>
+      <dgm:spPr/>
+    </dgm:pt>
+    <dgm:pt modelId="{33BC2135-89BF-42DB-BB0A-C721CDCFD19A}" type="pres">
+      <dgm:prSet presAssocID="{7B8E0AF3-21A0-4186-BCEA-5F6E5806BE8C}" presName="composite" presStyleCnt="0"/>
+      <dgm:spPr/>
+    </dgm:pt>
+    <dgm:pt modelId="{B6C82555-C519-4BB6-B2A2-1FB60112840D}" type="pres">
+      <dgm:prSet presAssocID="{7B8E0AF3-21A0-4186-BCEA-5F6E5806BE8C}" presName="parTx" presStyleLbl="alignNode1" presStyleIdx="3" presStyleCnt="4">
+        <dgm:presLayoutVars>
+          <dgm:chMax val="0"/>
+          <dgm:chPref val="0"/>
+          <dgm:bulletEnabled val="1"/>
+        </dgm:presLayoutVars>
+      </dgm:prSet>
+      <dgm:spPr/>
+      <dgm:t>
+        <a:bodyPr/>
+        <a:lstStyle/>
+        <a:p>
+          <a:endParaRPr lang="es-ES"/>
+        </a:p>
+      </dgm:t>
+    </dgm:pt>
+    <dgm:pt modelId="{5CE7E870-A5B2-42D4-BCFC-9C9507ADEE80}" type="pres">
+      <dgm:prSet presAssocID="{7B8E0AF3-21A0-4186-BCEA-5F6E5806BE8C}" presName="desTx" presStyleLbl="alignAccFollowNode1" presStyleIdx="3" presStyleCnt="4" custFlipVert="0" custScaleY="20534">
+        <dgm:presLayoutVars>
+          <dgm:bulletEnabled val="1"/>
+        </dgm:presLayoutVars>
+      </dgm:prSet>
+      <dgm:spPr/>
+    </dgm:pt>
+  </dgm:ptLst>
+  <dgm:cxnLst>
+    <dgm:cxn modelId="{A732D272-16F4-45E0-9890-1C0CDDD2E3CF}" type="presOf" srcId="{9ABA6670-9E6A-463A-809C-00C7E48A6259}" destId="{8B12F765-5D19-41E4-94A8-C8CECCB4BD82}" srcOrd="0" destOrd="0" presId="urn:microsoft.com/office/officeart/2005/8/layout/hList1"/>
+    <dgm:cxn modelId="{98A4D6C9-1E12-4591-84FB-553A81ED4C27}" type="presOf" srcId="{79BA1E5D-DF2D-43AA-A349-6C278D072876}" destId="{67ACC358-F4DB-4220-8AE4-DF1A7CCC4A08}" srcOrd="0" destOrd="0" presId="urn:microsoft.com/office/officeart/2005/8/layout/hList1"/>
+    <dgm:cxn modelId="{8EABD960-DF54-45A2-88B1-5D08C7A10674}" srcId="{9ABA6670-9E6A-463A-809C-00C7E48A6259}" destId="{A811B4C5-9076-414B-8AE3-4CEA21565993}" srcOrd="1" destOrd="0" parTransId="{39E9EB88-192C-4D95-933F-860C693DD23A}" sibTransId="{77D1D595-F6C2-4BBF-A750-7D7A40125792}"/>
+    <dgm:cxn modelId="{850ED541-DD82-4D55-8D77-671D40B5E0B2}" srcId="{9ABA6670-9E6A-463A-809C-00C7E48A6259}" destId="{74D6C7F5-5E19-406B-B8F1-9B69B32F3104}" srcOrd="2" destOrd="0" parTransId="{55CB6767-0F96-4361-B26B-E27A9BE7432A}" sibTransId="{F4D3B163-D846-45D7-BEF7-64ECB0E3D355}"/>
+    <dgm:cxn modelId="{94F077C7-701A-4DF7-B308-3529E10C9FAD}" srcId="{9ABA6670-9E6A-463A-809C-00C7E48A6259}" destId="{7B8E0AF3-21A0-4186-BCEA-5F6E5806BE8C}" srcOrd="3" destOrd="0" parTransId="{2EC604BB-2913-418B-906C-8AD7995D71EE}" sibTransId="{25FD074F-B6FA-435E-ADB8-30F25724B2A5}"/>
+    <dgm:cxn modelId="{CB8F125E-A2A6-4EFD-96E3-46F156683E01}" srcId="{9ABA6670-9E6A-463A-809C-00C7E48A6259}" destId="{79BA1E5D-DF2D-43AA-A349-6C278D072876}" srcOrd="0" destOrd="0" parTransId="{B1D36F81-5028-4C89-A413-945DD7D82935}" sibTransId="{17F9687B-4B54-4026-8FFB-ABF2F85FCCB1}"/>
+    <dgm:cxn modelId="{629A9DEF-0DC4-469E-A4CB-4F391073FD03}" type="presOf" srcId="{A811B4C5-9076-414B-8AE3-4CEA21565993}" destId="{A8A56638-3BB7-499B-AA8D-EA2B70380087}" srcOrd="0" destOrd="0" presId="urn:microsoft.com/office/officeart/2005/8/layout/hList1"/>
+    <dgm:cxn modelId="{AEAAB479-ACAE-4C46-B84E-7B9EDE0855B6}" type="presOf" srcId="{74D6C7F5-5E19-406B-B8F1-9B69B32F3104}" destId="{C399B942-2251-4067-8EE9-67BBB1EF112C}" srcOrd="0" destOrd="0" presId="urn:microsoft.com/office/officeart/2005/8/layout/hList1"/>
+    <dgm:cxn modelId="{4A5B0A94-4DB3-4607-9E4D-3F693D7CAEF0}" type="presOf" srcId="{7B8E0AF3-21A0-4186-BCEA-5F6E5806BE8C}" destId="{B6C82555-C519-4BB6-B2A2-1FB60112840D}" srcOrd="0" destOrd="0" presId="urn:microsoft.com/office/officeart/2005/8/layout/hList1"/>
+    <dgm:cxn modelId="{C9F2A60E-0FB4-4314-A039-76A29CFB7A3A}" type="presParOf" srcId="{8B12F765-5D19-41E4-94A8-C8CECCB4BD82}" destId="{88A2D69B-E1C7-4803-8AD8-AFBB5B45B999}" srcOrd="0" destOrd="0" presId="urn:microsoft.com/office/officeart/2005/8/layout/hList1"/>
+    <dgm:cxn modelId="{0E30B763-6FB5-4D93-A56E-DFC458834B4F}" type="presParOf" srcId="{88A2D69B-E1C7-4803-8AD8-AFBB5B45B999}" destId="{67ACC358-F4DB-4220-8AE4-DF1A7CCC4A08}" srcOrd="0" destOrd="0" presId="urn:microsoft.com/office/officeart/2005/8/layout/hList1"/>
+    <dgm:cxn modelId="{B5D0C53F-5585-4183-A99D-4975190E9B64}" type="presParOf" srcId="{88A2D69B-E1C7-4803-8AD8-AFBB5B45B999}" destId="{ABBEF56B-FCD6-4B27-B2F3-BE619BC281A4}" srcOrd="1" destOrd="0" presId="urn:microsoft.com/office/officeart/2005/8/layout/hList1"/>
+    <dgm:cxn modelId="{484C5E6A-F3D2-431B-9562-73E4DAF6A3AA}" type="presParOf" srcId="{8B12F765-5D19-41E4-94A8-C8CECCB4BD82}" destId="{9F1DFEBD-3E8A-47EE-AFF7-951421FC22D8}" srcOrd="1" destOrd="0" presId="urn:microsoft.com/office/officeart/2005/8/layout/hList1"/>
+    <dgm:cxn modelId="{43ED6F3B-A87E-421F-929C-628D4577B42E}" type="presParOf" srcId="{8B12F765-5D19-41E4-94A8-C8CECCB4BD82}" destId="{570DA9D2-5917-4ED5-AE8C-B5B4317FE096}" srcOrd="2" destOrd="0" presId="urn:microsoft.com/office/officeart/2005/8/layout/hList1"/>
+    <dgm:cxn modelId="{80DC8B70-6A24-40C9-93D3-400EDAC367ED}" type="presParOf" srcId="{570DA9D2-5917-4ED5-AE8C-B5B4317FE096}" destId="{A8A56638-3BB7-499B-AA8D-EA2B70380087}" srcOrd="0" destOrd="0" presId="urn:microsoft.com/office/officeart/2005/8/layout/hList1"/>
+    <dgm:cxn modelId="{3D8B37D6-4F2B-4D2B-97A3-AE5DF2733D4D}" type="presParOf" srcId="{570DA9D2-5917-4ED5-AE8C-B5B4317FE096}" destId="{6394D243-9B9C-4AC5-8582-B2F3CF15C7A0}" srcOrd="1" destOrd="0" presId="urn:microsoft.com/office/officeart/2005/8/layout/hList1"/>
+    <dgm:cxn modelId="{C5FE4032-5229-4F28-909B-BA9375FE3716}" type="presParOf" srcId="{8B12F765-5D19-41E4-94A8-C8CECCB4BD82}" destId="{750546D5-3892-4013-9E5F-6654CF3187A0}" srcOrd="3" destOrd="0" presId="urn:microsoft.com/office/officeart/2005/8/layout/hList1"/>
+    <dgm:cxn modelId="{0B405751-57B9-4A51-A7AA-C6E19388E3B9}" type="presParOf" srcId="{8B12F765-5D19-41E4-94A8-C8CECCB4BD82}" destId="{AC962F3F-AAB7-445B-A66B-E0013CD87716}" srcOrd="4" destOrd="0" presId="urn:microsoft.com/office/officeart/2005/8/layout/hList1"/>
+    <dgm:cxn modelId="{378C3395-206C-47FF-B0F8-4C1CFF65E708}" type="presParOf" srcId="{AC962F3F-AAB7-445B-A66B-E0013CD87716}" destId="{C399B942-2251-4067-8EE9-67BBB1EF112C}" srcOrd="0" destOrd="0" presId="urn:microsoft.com/office/officeart/2005/8/layout/hList1"/>
+    <dgm:cxn modelId="{1EA64483-90D5-40F5-BC29-252E197356E8}" type="presParOf" srcId="{AC962F3F-AAB7-445B-A66B-E0013CD87716}" destId="{A96F5C3C-500A-4688-A888-23A1995C3332}" srcOrd="1" destOrd="0" presId="urn:microsoft.com/office/officeart/2005/8/layout/hList1"/>
+    <dgm:cxn modelId="{EF38BF39-4395-4B55-85E6-511999B7B1DB}" type="presParOf" srcId="{8B12F765-5D19-41E4-94A8-C8CECCB4BD82}" destId="{28010E5A-4459-4DC4-9E78-FA1817259736}" srcOrd="5" destOrd="0" presId="urn:microsoft.com/office/officeart/2005/8/layout/hList1"/>
+    <dgm:cxn modelId="{91F7AEBB-03FA-4A29-8603-489D3242E897}" type="presParOf" srcId="{8B12F765-5D19-41E4-94A8-C8CECCB4BD82}" destId="{33BC2135-89BF-42DB-BB0A-C721CDCFD19A}" srcOrd="6" destOrd="0" presId="urn:microsoft.com/office/officeart/2005/8/layout/hList1"/>
+    <dgm:cxn modelId="{BF1A26D2-5977-4677-AB96-544E7CB6C66E}" type="presParOf" srcId="{33BC2135-89BF-42DB-BB0A-C721CDCFD19A}" destId="{B6C82555-C519-4BB6-B2A2-1FB60112840D}" srcOrd="0" destOrd="0" presId="urn:microsoft.com/office/officeart/2005/8/layout/hList1"/>
+    <dgm:cxn modelId="{A3A6AF1C-62A9-4A8C-809B-7B570D845B5E}" type="presParOf" srcId="{33BC2135-89BF-42DB-BB0A-C721CDCFD19A}" destId="{5CE7E870-A5B2-42D4-BCFC-9C9507ADEE80}" srcOrd="1" destOrd="0" presId="urn:microsoft.com/office/officeart/2005/8/layout/hList1"/>
+  </dgm:cxnLst>
+  <dgm:bg/>
+  <dgm:whole/>
+</dgm:dataModel>
+</file>
+
+<file path=ppt/diagrams/layout1.xml><?xml version="1.0" encoding="utf-8"?>
+<dgm:layoutDef xmlns:dgm="http://schemas.openxmlformats.org/drawingml/2006/diagram" xmlns:a="http://schemas.openxmlformats.org/drawingml/2006/main" uniqueId="urn:microsoft.com/office/officeart/2005/8/layout/vList5">
+  <dgm:title val=""/>
+  <dgm:desc val=""/>
+  <dgm:catLst>
+    <dgm:cat type="list" pri="15000"/>
+    <dgm:cat type="convert" pri="2000"/>
+  </dgm:catLst>
+  <dgm:sampData>
+    <dgm:dataModel>
+      <dgm:ptLst>
+        <dgm:pt modelId="0" type="doc"/>
+        <dgm:pt modelId="1">
+          <dgm:prSet phldr="1"/>
+        </dgm:pt>
+        <dgm:pt modelId="11">
+          <dgm:prSet phldr="1"/>
+        </dgm:pt>
+        <dgm:pt modelId="12">
+          <dgm:prSet phldr="1"/>
+        </dgm:pt>
+        <dgm:pt modelId="2">
+          <dgm:prSet phldr="1"/>
+        </dgm:pt>
+        <dgm:pt modelId="21">
+          <dgm:prSet phldr="1"/>
+        </dgm:pt>
+        <dgm:pt modelId="22">
+          <dgm:prSet phldr="1"/>
+        </dgm:pt>
+        <dgm:pt modelId="3">
+          <dgm:prSet phldr="1"/>
+        </dgm:pt>
+        <dgm:pt modelId="31">
+          <dgm:prSet phldr="1"/>
+        </dgm:pt>
+        <dgm:pt modelId="32">
+          <dgm:prSet phldr="1"/>
+        </dgm:pt>
+      </dgm:ptLst>
+      <dgm:cxnLst>
+        <dgm:cxn modelId="4" srcId="0" destId="1" srcOrd="0" destOrd="0"/>
+        <dgm:cxn modelId="5" srcId="0" destId="2" srcOrd="1" destOrd="0"/>
+        <dgm:cxn modelId="6" srcId="0" destId="3" srcOrd="2" destOrd="0"/>
+        <dgm:cxn modelId="13" srcId="1" destId="11" srcOrd="0" destOrd="0"/>
+        <dgm:cxn modelId="14" srcId="1" destId="12" srcOrd="1" destOrd="0"/>
+        <dgm:cxn modelId="23" srcId="2" destId="21" srcOrd="0" destOrd="0"/>
+        <dgm:cxn modelId="24" srcId="2" destId="22" srcOrd="1" destOrd="0"/>
+        <dgm:cxn modelId="33" srcId="3" destId="31" srcOrd="0" destOrd="0"/>
+        <dgm:cxn modelId="34" srcId="3" destId="32" srcOrd="1" destOrd="0"/>
+      </dgm:cxnLst>
+      <dgm:bg/>
+      <dgm:whole/>
+    </dgm:dataModel>
+  </dgm:sampData>
+  <dgm:styleData>
+    <dgm:dataModel>
+      <dgm:ptLst>
+        <dgm:pt modelId="0" type="doc"/>
+        <dgm:pt modelId="1"/>
+        <dgm:pt modelId="11"/>
+        <dgm:pt modelId="2"/>
+        <dgm:pt modelId="21"/>
+      </dgm:ptLst>
+      <dgm:cxnLst>
+        <dgm:cxn modelId="4" srcId="0" destId="1" srcOrd="0" destOrd="0"/>
+        <dgm:cxn modelId="5" srcId="0" destId="2" srcOrd="1" destOrd="0"/>
+        <dgm:cxn modelId="13" srcId="1" destId="11" srcOrd="0" destOrd="0"/>
+        <dgm:cxn modelId="23" srcId="2" destId="21" srcOrd="0" destOrd="0"/>
+      </dgm:cxnLst>
+      <dgm:bg/>
+      <dgm:whole/>
+    </dgm:dataModel>
+  </dgm:styleData>
+  <dgm:clrData>
+    <dgm:dataModel>
+      <dgm:ptLst>
+        <dgm:pt modelId="0" type="doc"/>
+        <dgm:pt modelId="1"/>
+        <dgm:pt modelId="11"/>
+        <dgm:pt modelId="2"/>
+        <dgm:pt modelId="21"/>
+        <dgm:pt modelId="3"/>
+        <dgm:pt modelId="31"/>
+        <dgm:pt modelId="4"/>
+        <dgm:pt modelId="41"/>
+      </dgm:ptLst>
+      <dgm:cxnLst>
+        <dgm:cxn modelId="5" srcId="0" destId="1" srcOrd="0" destOrd="0"/>
+        <dgm:cxn modelId="6" srcId="0" destId="2" srcOrd="1" destOrd="0"/>
+        <dgm:cxn modelId="7" srcId="0" destId="3" srcOrd="2" destOrd="0"/>
+        <dgm:cxn modelId="8" srcId="0" destId="4" srcOrd="3" destOrd="0"/>
+        <dgm:cxn modelId="13" srcId="1" destId="11" srcOrd="0" destOrd="0"/>
+        <dgm:cxn modelId="23" srcId="2" destId="21" srcOrd="0" destOrd="0"/>
+        <dgm:cxn modelId="33" srcId="3" destId="31" srcOrd="0" destOrd="0"/>
+        <dgm:cxn modelId="43" srcId="4" destId="41" srcOrd="0" destOrd="0"/>
+      </dgm:cxnLst>
+      <dgm:bg/>
+      <dgm:whole/>
+    </dgm:dataModel>
+  </dgm:clrData>
+  <dgm:layoutNode name="Name0">
+    <dgm:varLst>
+      <dgm:dir/>
+      <dgm:animLvl val="lvl"/>
+      <dgm:resizeHandles val="exact"/>
+    </dgm:varLst>
+    <dgm:choose name="Name1">
+      <dgm:if name="Name2" func="var" arg="dir" op="equ" val="norm">
+        <dgm:alg type="lin">
+          <dgm:param type="linDir" val="fromT"/>
+          <dgm:param type="nodeHorzAlign" val="l"/>
+        </dgm:alg>
+      </dgm:if>
+      <dgm:else name="Name3">
+        <dgm:alg type="lin">
+          <dgm:param type="linDir" val="fromT"/>
+          <dgm:param type="nodeHorzAlign" val="r"/>
+        </dgm:alg>
+      </dgm:else>
+    </dgm:choose>
+    <dgm:shape xmlns:r="http://schemas.openxmlformats.org/officeDocument/2006/relationships" r:blip="">
+      <dgm:adjLst/>
+    </dgm:shape>
+    <dgm:presOf/>
+    <dgm:constrLst>
+      <dgm:constr type="h" for="ch" forName="linNode" refType="h"/>
+      <dgm:constr type="w" for="ch" forName="linNode" refType="w"/>
+      <dgm:constr type="h" for="ch" forName="sp" refType="h" fact="0.05"/>
+      <dgm:constr type="primFontSz" for="des" forName="parentText" op="equ" val="65"/>
+      <dgm:constr type="secFontSz" for="des" forName="descendantText" op="equ"/>
+    </dgm:constrLst>
+    <dgm:ruleLst/>
+    <dgm:forEach name="Name4" axis="ch" ptType="node">
+      <dgm:layoutNode name="linNode">
+        <dgm:choose name="Name5">
+          <dgm:if name="Name6" func="var" arg="dir" op="equ" val="norm">
+            <dgm:alg type="lin">
+              <dgm:param type="linDir" val="fromL"/>
+            </dgm:alg>
+          </dgm:if>
+          <dgm:else name="Name7">
+            <dgm:alg type="lin">
+              <dgm:param type="linDir" val="fromR"/>
+            </dgm:alg>
+          </dgm:else>
+        </dgm:choose>
+        <dgm:shape xmlns:r="http://schemas.openxmlformats.org/officeDocument/2006/relationships" r:blip="">
+          <dgm:adjLst/>
+        </dgm:shape>
+        <dgm:presOf/>
+        <dgm:constrLst>
+          <dgm:constr type="w" for="ch" forName="parentText" refType="w" fact="0.36"/>
+          <dgm:constr type="w" for="ch" forName="descendantText" refType="w" fact="0.64"/>
+          <dgm:constr type="h" for="ch" forName="parentText" refType="h"/>
+          <dgm:constr type="h" for="ch" forName="descendantText" refType="h" refFor="ch" refForName="parentText" fact="0.8"/>
+        </dgm:constrLst>
+        <dgm:ruleLst/>
+        <dgm:layoutNode name="parentText">
+          <dgm:varLst>
+            <dgm:chMax val="1"/>
+            <dgm:bulletEnabled val="1"/>
+          </dgm:varLst>
+          <dgm:alg type="tx"/>
+          <dgm:shape xmlns:r="http://schemas.openxmlformats.org/officeDocument/2006/relationships" type="roundRect" r:blip="" zOrderOff="3">
+            <dgm:adjLst/>
+          </dgm:shape>
+          <dgm:presOf axis="self" ptType="node"/>
+          <dgm:constrLst>
+            <dgm:constr type="tMarg" refType="primFontSz" fact="0.15"/>
+            <dgm:constr type="bMarg" refType="primFontSz" fact="0.15"/>
+            <dgm:constr type="lMarg" refType="primFontSz" fact="0.3"/>
+            <dgm:constr type="rMarg" refType="primFontSz" fact="0.3"/>
+          </dgm:constrLst>
+          <dgm:ruleLst>
+            <dgm:rule type="primFontSz" val="5" fact="NaN" max="NaN"/>
+          </dgm:ruleLst>
+        </dgm:layoutNode>
+        <dgm:choose name="Name8">
+          <dgm:if name="Name9" axis="ch" ptType="node" func="cnt" op="gte" val="1">
+            <dgm:layoutNode name="descendantText" styleLbl="alignAccFollowNode1">
+              <dgm:varLst>
+                <dgm:bulletEnabled val="1"/>
+              </dgm:varLst>
+              <dgm:alg type="tx">
+                <dgm:param type="stBulletLvl" val="1"/>
+                <dgm:param type="txAnchorVertCh" val="mid"/>
+              </dgm:alg>
+              <dgm:choose name="Name10">
+                <dgm:if name="Name11" func="var" arg="dir" op="equ" val="norm">
+                  <dgm:shape xmlns:r="http://schemas.openxmlformats.org/officeDocument/2006/relationships" rot="90" type="round2SameRect" r:blip="">
+                    <dgm:adjLst/>
+                  </dgm:shape>
+                </dgm:if>
+                <dgm:else name="Name12">
+                  <dgm:shape xmlns:r="http://schemas.openxmlformats.org/officeDocument/2006/relationships" rot="-90" type="round2SameRect" r:blip="">
+                    <dgm:adjLst/>
+                  </dgm:shape>
+                </dgm:else>
+              </dgm:choose>
+              <dgm:presOf axis="des" ptType="node"/>
+              <dgm:constrLst>
+                <dgm:constr type="secFontSz" val="65"/>
+                <dgm:constr type="primFontSz" refType="secFontSz"/>
+                <dgm:constr type="lMarg" refType="secFontSz" fact="0.3"/>
+                <dgm:constr type="rMarg" refType="secFontSz" fact="0.3"/>
+                <dgm:constr type="tMarg" refType="secFontSz" fact="0.15"/>
+                <dgm:constr type="bMarg" refType="secFontSz" fact="0.15"/>
+              </dgm:constrLst>
+              <dgm:ruleLst>
+                <dgm:rule type="secFontSz" val="5" fact="NaN" max="NaN"/>
+              </dgm:ruleLst>
+            </dgm:layoutNode>
+          </dgm:if>
+          <dgm:else name="Name13"/>
+        </dgm:choose>
+      </dgm:layoutNode>
+      <dgm:forEach name="Name14" axis="followSib" ptType="sibTrans" cnt="1">
+        <dgm:layoutNode name="sp">
+          <dgm:alg type="sp"/>
+          <dgm:shape xmlns:r="http://schemas.openxmlformats.org/officeDocument/2006/relationships" r:blip="">
+            <dgm:adjLst/>
+          </dgm:shape>
+          <dgm:presOf/>
+          <dgm:constrLst/>
+          <dgm:ruleLst/>
+        </dgm:layoutNode>
+      </dgm:forEach>
+    </dgm:forEach>
+  </dgm:layoutNode>
+</dgm:layoutDef>
+</file>
+
+<file path=ppt/diagrams/layout2.xml><?xml version="1.0" encoding="utf-8"?>
+<dgm:layoutDef xmlns:dgm="http://schemas.openxmlformats.org/drawingml/2006/diagram" xmlns:a="http://schemas.openxmlformats.org/drawingml/2006/main" uniqueId="urn:microsoft.com/office/officeart/2005/8/layout/hList1">
+  <dgm:title val=""/>
+  <dgm:desc val=""/>
+  <dgm:catLst>
+    <dgm:cat type="list" pri="5000"/>
+    <dgm:cat type="convert" pri="5000"/>
+  </dgm:catLst>
+  <dgm:sampData>
+    <dgm:dataModel>
+      <dgm:ptLst>
+        <dgm:pt modelId="0" type="doc"/>
+        <dgm:pt modelId="1">
+          <dgm:prSet phldr="1"/>
+        </dgm:pt>
+        <dgm:pt modelId="11">
+          <dgm:prSet phldr="1"/>
+        </dgm:pt>
+        <dgm:pt modelId="12">
+          <dgm:prSet phldr="1"/>
+        </dgm:pt>
+        <dgm:pt modelId="2">
+          <dgm:prSet phldr="1"/>
+        </dgm:pt>
+        <dgm:pt modelId="21">
+          <dgm:prSet phldr="1"/>
+        </dgm:pt>
+        <dgm:pt modelId="22">
+          <dgm:prSet phldr="1"/>
+        </dgm:pt>
+        <dgm:pt modelId="3">
+          <dgm:prSet phldr="1"/>
+        </dgm:pt>
+        <dgm:pt modelId="31">
+          <dgm:prSet phldr="1"/>
+        </dgm:pt>
+        <dgm:pt modelId="32">
+          <dgm:prSet phldr="1"/>
+        </dgm:pt>
+      </dgm:ptLst>
+      <dgm:cxnLst>
+        <dgm:cxn modelId="4" srcId="0" destId="1" srcOrd="0" destOrd="0"/>
+        <dgm:cxn modelId="5" srcId="0" destId="2" srcOrd="1" destOrd="0"/>
+        <dgm:cxn modelId="6" srcId="0" destId="3" srcOrd="2" destOrd="0"/>
+        <dgm:cxn modelId="13" srcId="1" destId="11" srcOrd="0" destOrd="0"/>
+        <dgm:cxn modelId="14" srcId="1" destId="12" srcOrd="1" destOrd="0"/>
+        <dgm:cxn modelId="23" srcId="2" destId="21" srcOrd="0" destOrd="0"/>
+        <dgm:cxn modelId="24" srcId="2" destId="22" srcOrd="1" destOrd="0"/>
+        <dgm:cxn modelId="33" srcId="3" destId="31" srcOrd="0" destOrd="0"/>
+        <dgm:cxn modelId="34" srcId="3" destId="32" srcOrd="1" destOrd="0"/>
+      </dgm:cxnLst>
+      <dgm:bg/>
+      <dgm:whole/>
+    </dgm:dataModel>
+  </dgm:sampData>
+  <dgm:styleData>
+    <dgm:dataModel>
+      <dgm:ptLst>
+        <dgm:pt modelId="0" type="doc"/>
+        <dgm:pt modelId="1">
+          <dgm:prSet phldr="1"/>
+        </dgm:pt>
+        <dgm:pt modelId="2">
+          <dgm:prSet phldr="1"/>
+        </dgm:pt>
+      </dgm:ptLst>
+      <dgm:cxnLst>
+        <dgm:cxn modelId="3" srcId="0" destId="1" srcOrd="0" destOrd="0"/>
+        <dgm:cxn modelId="4" srcId="0" destId="2" srcOrd="1" destOrd="0"/>
+      </dgm:cxnLst>
+      <dgm:bg/>
+      <dgm:whole/>
+    </dgm:dataModel>
+  </dgm:styleData>
+  <dgm:clrData>
+    <dgm:dataModel>
+      <dgm:ptLst>
+        <dgm:pt modelId="0" type="doc"/>
+        <dgm:pt modelId="1">
+          <dgm:prSet phldr="1"/>
+        </dgm:pt>
+        <dgm:pt modelId="2">
+          <dgm:prSet phldr="1"/>
+        </dgm:pt>
+        <dgm:pt modelId="3">
+          <dgm:prSet phldr="1"/>
+        </dgm:pt>
+        <dgm:pt modelId="4">
+          <dgm:prSet phldr="1"/>
+        </dgm:pt>
+      </dgm:ptLst>
+      <dgm:cxnLst>
+        <dgm:cxn modelId="5" srcId="0" destId="1" srcOrd="0" destOrd="0"/>
+        <dgm:cxn modelId="6" srcId="0" destId="2" srcOrd="1" destOrd="0"/>
+        <dgm:cxn modelId="7" srcId="0" destId="3" srcOrd="2" destOrd="0"/>
+        <dgm:cxn modelId="8" srcId="0" destId="4" srcOrd="3" destOrd="0"/>
+      </dgm:cxnLst>
+      <dgm:bg/>
+      <dgm:whole/>
+    </dgm:dataModel>
+  </dgm:clrData>
+  <dgm:layoutNode name="Name0">
+    <dgm:varLst>
+      <dgm:dir/>
+      <dgm:animLvl val="lvl"/>
+      <dgm:resizeHandles val="exact"/>
+    </dgm:varLst>
+    <dgm:choose name="Name1">
+      <dgm:if name="Name2" func="var" arg="dir" op="equ" val="norm">
+        <dgm:alg type="lin"/>
+      </dgm:if>
+      <dgm:else name="Name3">
+        <dgm:alg type="lin">
+          <dgm:param type="linDir" val="fromR"/>
+        </dgm:alg>
+      </dgm:else>
+    </dgm:choose>
+    <dgm:shape xmlns:r="http://schemas.openxmlformats.org/officeDocument/2006/relationships" r:blip="">
+      <dgm:adjLst/>
+    </dgm:shape>
+    <dgm:presOf/>
+    <dgm:constrLst>
+      <dgm:constr type="h" for="ch" forName="composite" refType="h"/>
+      <dgm:constr type="w" for="ch" forName="composite" refType="w"/>
+      <dgm:constr type="w" for="des" forName="parTx"/>
+      <dgm:constr type="h" for="des" forName="parTx" op="equ"/>
+      <dgm:constr type="w" for="des" forName="desTx"/>
+      <dgm:constr type="h" for="des" forName="desTx" op="equ"/>
+      <dgm:constr type="primFontSz" for="des" forName="parTx" val="65"/>
+      <dgm:constr type="secFontSz" for="des" forName="desTx" refType="primFontSz" refFor="des" refForName="parTx" op="equ"/>
+      <dgm:constr type="h" for="des" forName="parTx" refType="primFontSz" refFor="des" refForName="parTx" fact="0.8"/>
+      <dgm:constr type="h" for="des" forName="desTx" refType="primFontSz" refFor="des" refForName="parTx" fact="1.22"/>
+      <dgm:constr type="w" for="ch" forName="space" refType="w" refFor="ch" refForName="composite" op="equ" fact="0.14"/>
+    </dgm:constrLst>
+    <dgm:ruleLst>
+      <dgm:rule type="w" for="ch" forName="composite" val="0" fact="NaN" max="NaN"/>
+      <dgm:rule type="primFontSz" for="des" forName="parTx" val="5" fact="NaN" max="NaN"/>
+    </dgm:ruleLst>
+    <dgm:forEach name="Name4" axis="ch" ptType="node">
+      <dgm:layoutNode name="composite">
+        <dgm:alg type="composite"/>
+        <dgm:shape xmlns:r="http://schemas.openxmlformats.org/officeDocument/2006/relationships" r:blip="">
+          <dgm:adjLst/>
+        </dgm:shape>
+        <dgm:presOf/>
+        <dgm:constrLst>
+          <dgm:constr type="l" for="ch" forName="parTx"/>
+          <dgm:constr type="w" for="ch" forName="parTx" refType="w"/>
+          <dgm:constr type="t" for="ch" forName="parTx"/>
+          <dgm:constr type="l" for="ch" forName="desTx"/>
+          <dgm:constr type="w" for="ch" forName="desTx" refType="w" refFor="ch" refForName="parTx"/>
+          <dgm:constr type="t" for="ch" forName="desTx" refType="h" refFor="ch" refForName="parTx"/>
+        </dgm:constrLst>
+        <dgm:ruleLst>
+          <dgm:rule type="h" val="INF" fact="NaN" max="NaN"/>
+        </dgm:ruleLst>
+        <dgm:layoutNode name="parTx" styleLbl="alignNode1">
+          <dgm:varLst>
+            <dgm:chMax val="0"/>
+            <dgm:chPref val="0"/>
+            <dgm:bulletEnabled val="1"/>
+          </dgm:varLst>
+          <dgm:alg type="tx"/>
+          <dgm:shape xmlns:r="http://schemas.openxmlformats.org/officeDocument/2006/relationships" type="rect" r:blip="">
+            <dgm:adjLst/>
+          </dgm:shape>
+          <dgm:presOf axis="self" ptType="node"/>
+          <dgm:constrLst>
+            <dgm:constr type="h" refType="w" op="lte" fact="0.4"/>
+            <dgm:constr type="h"/>
+            <dgm:constr type="tMarg" refType="primFontSz" fact="0.32"/>
+            <dgm:constr type="bMarg" refType="primFontSz" fact="0.32"/>
+          </dgm:constrLst>
+          <dgm:ruleLst>
+            <dgm:rule type="h" val="INF" fact="NaN" max="NaN"/>
+          </dgm:ruleLst>
+        </dgm:layoutNode>
+        <dgm:layoutNode name="desTx" styleLbl="alignAccFollowNode1">
+          <dgm:varLst>
+            <dgm:bulletEnabled val="1"/>
+          </dgm:varLst>
+          <dgm:alg type="tx">
+            <dgm:param type="stBulletLvl" val="1"/>
+          </dgm:alg>
+          <dgm:shape xmlns:r="http://schemas.openxmlformats.org/officeDocument/2006/relationships" type="rect" r:blip="">
+            <dgm:adjLst/>
+          </dgm:shape>
+          <dgm:presOf axis="des" ptType="node"/>
+          <dgm:constrLst>
+            <dgm:constr type="secFontSz" val="65"/>
+            <dgm:constr type="primFontSz" refType="secFontSz"/>
+            <dgm:constr type="h"/>
+            <dgm:constr type="lMarg" refType="primFontSz" fact="0.42"/>
+            <dgm:constr type="tMarg" refType="primFontSz" fact="0.42"/>
+            <dgm:constr type="bMarg" refType="primFontSz" fact="0.63"/>
+          </dgm:constrLst>
+          <dgm:ruleLst>
+            <dgm:rule type="h" val="INF" fact="NaN" max="NaN"/>
+          </dgm:ruleLst>
+        </dgm:layoutNode>
+      </dgm:layoutNode>
+      <dgm:forEach name="Name5" axis="followSib" ptType="sibTrans" cnt="1">
+        <dgm:layoutNode name="space">
+          <dgm:alg type="sp"/>
+          <dgm:shape xmlns:r="http://schemas.openxmlformats.org/officeDocument/2006/relationships" r:blip="">
+            <dgm:adjLst/>
+          </dgm:shape>
+          <dgm:presOf/>
+          <dgm:constrLst/>
+          <dgm:ruleLst/>
+        </dgm:layoutNode>
+      </dgm:forEach>
+    </dgm:forEach>
+  </dgm:layoutNode>
+</dgm:layoutDef>
+</file>
+
+<file path=ppt/diagrams/quickStyle1.xml><?xml version="1.0" encoding="utf-8"?>
+<dgm:styleDef xmlns:dgm="http://schemas.openxmlformats.org/drawingml/2006/diagram" xmlns:a="http://schemas.openxmlformats.org/drawingml/2006/main" uniqueId="urn:microsoft.com/office/officeart/2005/8/quickstyle/3d1">
+  <dgm:title val=""/>
+  <dgm:desc val=""/>
+  <dgm:catLst>
+    <dgm:cat type="3D" pri="11100"/>
+  </dgm:catLst>
+  <dgm:scene3d>
+    <a:camera prst="orthographicFront"/>
+    <a:lightRig rig="threePt" dir="t"/>
+  </dgm:scene3d>
+  <dgm:styleLbl name="node0">
+    <dgm:scene3d>
+      <a:camera prst="orthographicFront"/>
+      <a:lightRig rig="flat" dir="t"/>
+    </dgm:scene3d>
+    <dgm:sp3d prstMaterial="plastic">
+      <a:bevelT w="120900" h="88900"/>
+      <a:bevelB w="88900" h="31750" prst="angle"/>
+    </dgm:sp3d>
+    <dgm:txPr/>
+    <dgm:style>
+      <a:lnRef idx="0">
+        <a:scrgbClr r="0" g="0" b="0"/>
+      </a:lnRef>
+      <a:fillRef idx="3">
+        <a:scrgbClr r="0" g="0" b="0"/>
+      </a:fillRef>
+      <a:effectRef idx="2">
+        <a:scrgbClr r="0" g="0" b="0"/>
+      </a:effectRef>
+      <a:fontRef idx="minor">
+        <a:schemeClr val="lt1"/>
+      </a:fontRef>
+    </dgm:style>
+  </dgm:styleLbl>
+  <dgm:styleLbl name="lnNode1">
+    <dgm:scene3d>
+      <a:camera prst="orthographicFront"/>
+      <a:lightRig rig="flat" dir="t"/>
+    </dgm:scene3d>
+    <dgm:sp3d prstMaterial="plastic">
+      <a:bevelT w="120900" h="88900"/>
+      <a:bevelB w="88900" h="31750" prst="angle"/>
+    </dgm:sp3d>
+    <dgm:txPr/>
+    <dgm:style>
+      <a:lnRef idx="0">
+        <a:scrgbClr r="0" g="0" b="0"/>
+      </a:lnRef>
+      <a:fillRef idx="3">
+        <a:scrgbClr r="0" g="0" b="0"/>
+      </a:fillRef>
+      <a:effectRef idx="1">
+        <a:scrgbClr r="0" g="0" b="0"/>
+      </a:effectRef>
+      <a:fontRef idx="minor">
+        <a:schemeClr val="lt1"/>
+      </a:fontRef>
+    </dgm:style>
+  </dgm:styleLbl>
+  <dgm:styleLbl name="vennNode1">
+    <dgm:scene3d>
+      <a:camera prst="orthographicFront"/>
+      <a:lightRig rig="flat" dir="t"/>
+    </dgm:scene3d>
+    <dgm:sp3d prstMaterial="plastic">
+      <a:bevelT w="120900" h="88900"/>
+      <a:bevelB w="88900" h="31750" prst="angle"/>
+    </dgm:sp3d>
+    <dgm:txPr/>
+    <dgm:style>
+      <a:lnRef idx="0">
+        <a:scrgbClr r="0" g="0" b="0"/>
+      </a:lnRef>
+      <a:fillRef idx="1">
+        <a:scrgbClr r="0" g="0" b="0"/>
+      </a:fillRef>
+      <a:effectRef idx="1">
+        <a:scrgbClr r="0" g="0" b="0"/>
+      </a:effectRef>
+      <a:fontRef idx="minor">
+        <a:schemeClr val="tx1"/>
+      </a:fontRef>
+    </dgm:style>
+  </dgm:styleLbl>
+  <dgm:styleLbl name="alignNode1">
+    <dgm:scene3d>
+      <a:camera prst="orthographicFront"/>
+      <a:lightRig rig="flat" dir="t"/>
+    </dgm:scene3d>
+    <dgm:sp3d prstMaterial="plastic">
+      <a:bevelT w="120900" h="88900"/>
+      <a:bevelB w="88900" h="31750" prst="angle"/>
+    </dgm:sp3d>
+    <dgm:txPr/>
+    <dgm:style>
+      <a:lnRef idx="1">
+        <a:scrgbClr r="0" g="0" b="0"/>
+      </a:lnRef>
+      <a:fillRef idx="3">
+        <a:scrgbClr r="0" g="0" b="0"/>
+      </a:fillRef>
+      <a:effectRef idx="2">
+        <a:scrgbClr r="0" g="0" b="0"/>
+      </a:effectRef>
+      <a:fontRef idx="minor">
+        <a:schemeClr val="lt1"/>
+      </a:fontRef>
+    </dgm:style>
+  </dgm:styleLbl>
+  <dgm:styleLbl name="node1">
+    <dgm:scene3d>
+      <a:camera prst="orthographicFront"/>
+      <a:lightRig rig="flat" dir="t"/>
+    </dgm:scene3d>
+    <dgm:sp3d prstMaterial="plastic">
+      <a:bevelT w="120900" h="88900"/>
+      <a:bevelB w="88900" h="31750" prst="angle"/>
+    </dgm:sp3d>
+    <dgm:txPr/>
+    <dgm:style>
+      <a:lnRef idx="0">
+        <a:scrgbClr r="0" g="0" b="0"/>
+      </a:lnRef>
+      <a:fillRef idx="3">
+        <a:scrgbClr r="0" g="0" b="0"/>
+      </a:fillRef>
+      <a:effectRef idx="2">
+        <a:scrgbClr r="0" g="0" b="0"/>
+      </a:effectRef>
+      <a:fontRef idx="minor">
+        <a:schemeClr val="lt1"/>
+      </a:fontRef>
+    </dgm:style>
+  </dgm:styleLbl>
+  <dgm:styleLbl name="node2">
+    <dgm:scene3d>
+      <a:camera prst="orthographicFront"/>
+      <a:lightRig rig="flat" dir="t"/>
+    </dgm:scene3d>
+    <dgm:sp3d prstMaterial="plastic">
+      <a:bevelT w="120900" h="88900"/>
+      <a:bevelB w="88900" h="31750" prst="angle"/>
+    </dgm:sp3d>
+    <dgm:txPr/>
+    <dgm:style>
+      <a:lnRef idx="0">
+        <a:scrgbClr r="0" g="0" b="0"/>
+      </a:lnRef>
+      <a:fillRef idx="3">
+        <a:scrgbClr r="0" g="0" b="0"/>
+      </a:fillRef>
+      <a:effectRef idx="1">
+        <a:scrgbClr r="0" g="0" b="0"/>
+      </a:effectRef>
+      <a:fontRef idx="minor">
+        <a:schemeClr val="lt1"/>
+      </a:fontRef>
+    </dgm:style>
+  </dgm:styleLbl>
+  <dgm:styleLbl name="node3">
+    <dgm:scene3d>
+      <a:camera prst="orthographicFront"/>
+      <a:lightRig rig="flat" dir="t"/>
+    </dgm:scene3d>
+    <dgm:sp3d prstMaterial="plastic">
+      <a:bevelT w="120900" h="88900"/>
+      <a:bevelB w="88900" h="31750" prst="angle"/>
+    </dgm:sp3d>
+    <dgm:txPr/>
+    <dgm:style>
+      <a:lnRef idx="0">
+        <a:scrgbClr r="0" g="0" b="0"/>
+      </a:lnRef>
+      <a:fillRef idx="3">
+        <a:scrgbClr r="0" g="0" b="0"/>
+      </a:fillRef>
+      <a:effectRef idx="1">
+        <a:scrgbClr r="0" g="0" b="0"/>
+      </a:effectRef>
+      <a:fontRef idx="minor">
+        <a:schemeClr val="lt1"/>
+      </a:fontRef>
+    </dgm:style>
+  </dgm:styleLbl>
+  <dgm:styleLbl name="node4">
+    <dgm:scene3d>
+      <a:camera prst="orthographicFront"/>
+      <a:lightRig rig="flat" dir="t"/>
+    </dgm:scene3d>
+    <dgm:sp3d prstMaterial="plastic">
+      <a:bevelT w="120900" h="88900"/>
+      <a:bevelB w="88900" h="31750" prst="angle"/>
+    </dgm:sp3d>
+    <dgm:txPr/>
+    <dgm:style>
+      <a:lnRef idx="0">
+        <a:scrgbClr r="0" g="0" b="0"/>
+      </a:lnRef>
+      <a:fillRef idx="3">
+        <a:scrgbClr r="0" g="0" b="0"/>
+      </a:fillRef>
+      <a:effectRef idx="1">
+        <a:scrgbClr r="0" g="0" b="0"/>
+      </a:effectRef>
+      <a:fontRef idx="minor">
+        <a:schemeClr val="lt1"/>
+      </a:fontRef>
+    </dgm:style>
+  </dgm:styleLbl>
+  <dgm:styleLbl name="fgImgPlace1">
+    <dgm:scene3d>
+      <a:camera prst="orthographicFront"/>
+      <a:lightRig rig="flat" dir="t"/>
+    </dgm:scene3d>
+    <dgm:sp3d z="127000" prstMaterial="plastic">
+      <a:bevelT w="88900" h="88900"/>
+      <a:bevelB w="88900" h="31750" prst="angle"/>
+    </dgm:sp3d>
+    <dgm:txPr/>
+    <dgm:style>
+      <a:lnRef idx="0">
+        <a:scrgbClr r="0" g="0" b="0"/>
+      </a:lnRef>
+      <a:fillRef idx="3">
+        <a:scrgbClr r="0" g="0" b="0"/>
+      </a:fillRef>
+      <a:effectRef idx="2">
+        <a:scrgbClr r="0" g="0" b="0"/>
+      </a:effectRef>
+      <a:fontRef idx="minor"/>
+    </dgm:style>
+  </dgm:styleLbl>
+  <dgm:styleLbl name="alignImgPlace1">
+    <dgm:scene3d>
+      <a:camera prst="orthographicFront"/>
+      <a:lightRig rig="flat" dir="t"/>
+    </dgm:scene3d>
+    <dgm:sp3d prstMaterial="plastic">
+      <a:bevelT w="88900" h="88900"/>
+      <a:bevelB w="88900" h="31750" prst="angle"/>
+    </dgm:sp3d>
+    <dgm:txPr/>
+    <dgm:style>
+      <a:lnRef idx="0">
+        <a:scrgbClr r="0" g="0" b="0"/>
+      </a:lnRef>
+      <a:fillRef idx="3">
+        <a:scrgbClr r="0" g="0" b="0"/>
+      </a:fillRef>
+      <a:effectRef idx="2">
+        <a:scrgbClr r="0" g="0" b="0"/>
+      </a:effectRef>
+      <a:fontRef idx="minor"/>
+    </dgm:style>
+  </dgm:styleLbl>
+  <dgm:styleLbl name="bgImgPlace1">
+    <dgm:scene3d>
+      <a:camera prst="orthographicFront"/>
+      <a:lightRig rig="flat" dir="t"/>
+    </dgm:scene3d>
+    <dgm:sp3d z="-190500" prstMaterial="plastic">
+      <a:bevelT w="88900" h="88900"/>
+      <a:bevelB w="88900" h="31750" prst="angle"/>
+    </dgm:sp3d>
+    <dgm:txPr/>
+    <dgm:style>
+      <a:lnRef idx="0">
+        <a:scrgbClr r="0" g="0" b="0"/>
+      </a:lnRef>
+      <a:fillRef idx="3">
+        <a:scrgbClr r="0" g="0" b="0"/>
+      </a:fillRef>
+      <a:effectRef idx="2">
+        <a:scrgbClr r="0" g="0" b="0"/>
+      </a:effectRef>
+      <a:fontRef idx="minor"/>
+    </dgm:style>
+  </dgm:styleLbl>
+  <dgm:styleLbl name="sibTrans2D1">
+    <dgm:scene3d>
+      <a:camera prst="orthographicFront"/>
+      <a:lightRig rig="flat" dir="t"/>
+    </dgm:scene3d>
+    <dgm:sp3d z="-80000" prstMaterial="plastic">
+      <a:bevelT w="50800" h="50800"/>
+      <a:bevelB w="25400" h="25400" prst="angle"/>
+    </dgm:sp3d>
+    <dgm:txPr/>
+    <dgm:style>
+      <a:lnRef idx="0">
+        <a:scrgbClr r="0" g="0" b="0"/>
+      </a:lnRef>
+      <a:fillRef idx="3">
+        <a:scrgbClr r="0" g="0" b="0"/>
+      </a:fillRef>
+      <a:effectRef idx="2">
+        <a:scrgbClr r="0" g="0" b="0"/>
+      </a:effectRef>
+      <a:fontRef idx="minor">
+        <a:schemeClr val="lt1"/>
+      </a:fontRef>
+    </dgm:style>
+  </dgm:styleLbl>
+  <dgm:styleLbl name="fgSibTrans2D1">
+    <dgm:scene3d>
+      <a:camera prst="orthographicFront"/>
+      <a:lightRig rig="flat" dir="t"/>
+    </dgm:scene3d>
+    <dgm:sp3d z="127000" prstMaterial="plastic">
+      <a:bevelT w="50800" h="50800"/>
+      <a:bevelB w="25400" h="25400" prst="angle"/>
+    </dgm:sp3d>
+    <dgm:txPr/>
+    <dgm:style>
+      <a:lnRef idx="0">
+        <a:scrgbClr r="0" g="0" b="0"/>
+      </a:lnRef>
+      <a:fillRef idx="3">
+        <a:scrgbClr r="0" g="0" b="0"/>
+      </a:fillRef>
+      <a:effectRef idx="2">
+        <a:scrgbClr r="0" g="0" b="0"/>
+      </a:effectRef>
+      <a:fontRef idx="minor">
+        <a:schemeClr val="lt1"/>
+      </a:fontRef>
+    </dgm:style>
+  </dgm:styleLbl>
+  <dgm:styleLbl name="bgSibTrans2D1">
+    <dgm:scene3d>
+      <a:camera prst="orthographicFront"/>
+      <a:lightRig rig="flat" dir="t"/>
+    </dgm:scene3d>
+    <dgm:sp3d z="-190500" prstMaterial="plastic">
+      <a:bevelT w="50800" h="50800"/>
+      <a:bevelB w="25400" h="25400" prst="angle"/>
+    </dgm:sp3d>
+    <dgm:txPr/>
+    <dgm:style>
+      <a:lnRef idx="0">
+        <a:scrgbClr r="0" g="0" b="0"/>
+      </a:lnRef>
+      <a:fillRef idx="3">
+        <a:scrgbClr r="0" g="0" b="0"/>
+      </a:fillRef>
+      <a:effectRef idx="2">
+        <a:scrgbClr r="0" g="0" b="0"/>
+      </a:effectRef>
+      <a:fontRef idx="minor">
+        <a:schemeClr val="lt1"/>
+      </a:fontRef>
+    </dgm:style>
+  </dgm:styleLbl>
+  <dgm:styleLbl name="sibTrans1D1">
+    <dgm:scene3d>
+      <a:camera prst="orthographicFront"/>
+      <a:lightRig rig="flat" dir="t"/>
+    </dgm:scene3d>
+    <dgm:sp3d z="-40000" prstMaterial="matte"/>
+    <dgm:txPr/>
+    <dgm:style>
+      <a:lnRef idx="1">
+        <a:scrgbClr r="0" g="0" b="0"/>
+      </a:lnRef>
+      <a:fillRef idx="0">
+        <a:scrgbClr r="0" g="0" b="0"/>
+      </a:fillRef>
+      <a:effectRef idx="0">
+        <a:scrgbClr r="0" g="0" b="0"/>
+      </a:effectRef>
+      <a:fontRef idx="minor"/>
+    </dgm:style>
+  </dgm:styleLbl>
+  <dgm:styleLbl name="callout">
+    <dgm:scene3d>
+      <a:camera prst="orthographicFront"/>
+      <a:lightRig rig="threePt" dir="t"/>
+    </dgm:scene3d>
+    <dgm:sp3d z="127000" prstMaterial="matte"/>
+    <dgm:txPr/>
+    <dgm:style>
+      <a:lnRef idx="2">
+        <a:scrgbClr r="0" g="0" b="0"/>
+      </a:lnRef>
+      <a:fillRef idx="1">
+        <a:scrgbClr r="0" g="0" b="0"/>
+      </a:fillRef>
+      <a:effectRef idx="0">
+        <a:scrgbClr r="0" g="0" b="0"/>
+      </a:effectRef>
+      <a:fontRef idx="minor"/>
+    </dgm:style>
+  </dgm:styleLbl>
+  <dgm:styleLbl name="asst0">
+    <dgm:scene3d>
+      <a:camera prst="orthographicFront"/>
+      <a:lightRig rig="flat" dir="t"/>
+    </dgm:scene3d>
+    <dgm:sp3d prstMaterial="plastic">
+      <a:bevelT w="120900" h="88900"/>
+      <a:bevelB w="88900" h="31750" prst="angle"/>
+    </dgm:sp3d>
+    <dgm:txPr/>
+    <dgm:style>
+      <a:lnRef idx="0">
+        <a:scrgbClr r="0" g="0" b="0"/>
+      </a:lnRef>
+      <a:fillRef idx="3">
+        <a:scrgbClr r="0" g="0" b="0"/>
+      </a:fillRef>
+      <a:effectRef idx="1">
+        <a:scrgbClr r="0" g="0" b="0"/>
+      </a:effectRef>
+      <a:fontRef idx="minor">
+        <a:schemeClr val="lt1"/>
+      </a:fontRef>
+    </dgm:style>
+  </dgm:styleLbl>
+  <dgm:styleLbl name="asst1">
+    <dgm:scene3d>
+      <a:camera prst="orthographicFront"/>
+      <a:lightRig rig="flat" dir="t"/>
+    </dgm:scene3d>
+    <dgm:sp3d prstMaterial="plastic">
+      <a:bevelT w="120900" h="88900"/>
+      <a:bevelB w="88900" h="31750" prst="angle"/>
+    </dgm:sp3d>
+    <dgm:txPr/>
+    <dgm:style>
+      <a:lnRef idx="0">
+        <a:scrgbClr r="0" g="0" b="0"/>
+      </a:lnRef>
+      <a:fillRef idx="3">
+        <a:scrgbClr r="0" g="0" b="0"/>
+      </a:fillRef>
+      <a:effectRef idx="1">
+        <a:scrgbClr r="0" g="0" b="0"/>
+      </a:effectRef>
+      <a:fontRef idx="minor">
+        <a:schemeClr val="lt1"/>
+      </a:fontRef>
+    </dgm:style>
+  </dgm:styleLbl>
+  <dgm:styleLbl name="asst2">
+    <dgm:scene3d>
+      <a:camera prst="orthographicFront"/>
+      <a:lightRig rig="flat" dir="t"/>
+    </dgm:scene3d>
+    <dgm:sp3d prstMaterial="plastic">
+      <a:bevelT w="120900" h="88900"/>
+      <a:bevelB w="88900" h="31750" prst="angle"/>
+    </dgm:sp3d>
+    <dgm:txPr/>
+    <dgm:style>
+      <a:lnRef idx="0">
+        <a:scrgbClr r="0" g="0" b="0"/>
+      </a:lnRef>
+      <a:fillRef idx="3">
+        <a:scrgbClr r="0" g="0" b="0"/>
+      </a:fillRef>
+      <a:effectRef idx="1">
+        <a:scrgbClr r="0" g="0" b="0"/>
+      </a:effectRef>
+      <a:fontRef idx="minor">
+        <a:schemeClr val="lt1"/>
+      </a:fontRef>
+    </dgm:style>
+  </dgm:styleLbl>
+  <dgm:styleLbl name="asst3">
+    <dgm:scene3d>
+      <a:camera prst="orthographicFront"/>
+      <a:lightRig rig="flat" dir="t"/>
+    </dgm:scene3d>
+    <dgm:sp3d prstMaterial="plastic">
+      <a:bevelT w="120900" h="88900"/>
+      <a:bevelB w="88900" h="31750" prst="angle"/>
+    </dgm:sp3d>
+    <dgm:txPr/>
+    <dgm:style>
+      <a:lnRef idx="0">
+        <a:scrgbClr r="0" g="0" b="0"/>
+      </a:lnRef>
+      <a:fillRef idx="3">
+        <a:scrgbClr r="0" g="0" b="0"/>
+      </a:fillRef>
+      <a:effectRef idx="1">
+        <a:scrgbClr r="0" g="0" b="0"/>
+      </a:effectRef>
+      <a:fontRef idx="minor">
+        <a:schemeClr val="lt1"/>
+      </a:fontRef>
+    </dgm:style>
+  </dgm:styleLbl>
+  <dgm:styleLbl name="parChTrans2D1">
+    <dgm:scene3d>
+      <a:camera prst="orthographicFront"/>
+      <a:lightRig rig="flat" dir="t"/>
+    </dgm:scene3d>
+    <dgm:sp3d z="-100000" prstMaterial="plastic">
+      <a:bevelT w="120900" h="88900"/>
+      <a:bevelB w="88900" h="31750" prst="angle"/>
+    </dgm:sp3d>
+    <dgm:txPr/>
+    <dgm:style>
+      <a:lnRef idx="0">
+        <a:scrgbClr r="0" g="0" b="0"/>
+      </a:lnRef>
+      <a:fillRef idx="3">
+        <a:scrgbClr r="0" g="0" b="0"/>
+      </a:fillRef>
+      <a:effectRef idx="1">
+        <a:scrgbClr r="0" g="0" b="0"/>
+      </a:effectRef>
+      <a:fontRef idx="minor">
+        <a:schemeClr val="lt1"/>
+      </a:fontRef>
+    </dgm:style>
+  </dgm:styleLbl>
+  <dgm:styleLbl name="parChTrans2D2">
+    <dgm:scene3d>
+      <a:camera prst="orthographicFront"/>
+      <a:lightRig rig="flat" dir="t"/>
+    </dgm:scene3d>
+    <dgm:sp3d z="-60000" prstMaterial="plastic">
+      <a:bevelT w="120900" h="88900"/>
+      <a:bevelB w="88900" h="31750" prst="angle"/>
+    </dgm:sp3d>
+    <dgm:txPr/>
+    <dgm:style>
+      <a:lnRef idx="0">
+        <a:scrgbClr r="0" g="0" b="0"/>
+      </a:lnRef>
+      <a:fillRef idx="3">
+        <a:scrgbClr r="0" g="0" b="0"/>
+      </a:fillRef>
+      <a:effectRef idx="1">
+        <a:scrgbClr r="0" g="0" b="0"/>
+      </a:effectRef>
+      <a:fontRef idx="minor">
+        <a:schemeClr val="lt1"/>
+      </a:fontRef>
+    </dgm:style>
+  </dgm:styleLbl>
+  <dgm:styleLbl name="parChTrans2D3">
+    <dgm:scene3d>
+      <a:camera prst="orthographicFront"/>
+      <a:lightRig rig="flat" dir="t"/>
+    </dgm:scene3d>
+    <dgm:sp3d z="-60000" prstMaterial="plastic">
+      <a:bevelT w="120900" h="88900"/>
+      <a:bevelB w="88900" h="31750" prst="angle"/>
+    </dgm:sp3d>
+    <dgm:txPr/>
+    <dgm:style>
+      <a:lnRef idx="0">
+        <a:scrgbClr r="0" g="0" b="0"/>
+      </a:lnRef>
+      <a:fillRef idx="3">
+        <a:scrgbClr r="0" g="0" b="0"/>
+      </a:fillRef>
+      <a:effectRef idx="1">
+        <a:scrgbClr r="0" g="0" b="0"/>
+      </a:effectRef>
+      <a:fontRef idx="minor">
+        <a:schemeClr val="lt1"/>
+      </a:fontRef>
+    </dgm:style>
+  </dgm:styleLbl>
+  <dgm:styleLbl name="parChTrans2D4">
+    <dgm:scene3d>
+      <a:camera prst="orthographicFront"/>
+      <a:lightRig rig="flat" dir="t"/>
+    </dgm:scene3d>
+    <dgm:sp3d z="-60000" prstMaterial="plastic">
+      <a:bevelT w="120900" h="88900"/>
+      <a:bevelB w="88900" h="31750" prst="angle"/>
+    </dgm:sp3d>
+    <dgm:txPr/>
+    <dgm:style>
+      <a:lnRef idx="0">
+        <a:scrgbClr r="0" g="0" b="0"/>
+      </a:lnRef>
+      <a:fillRef idx="3">
+        <a:scrgbClr r="0" g="0" b="0"/>
+      </a:fillRef>
+      <a:effectRef idx="1">
+        <a:scrgbClr r="0" g="0" b="0"/>
+      </a:effectRef>
+      <a:fontRef idx="minor">
+        <a:schemeClr val="lt1"/>
+      </a:fontRef>
+    </dgm:style>
+  </dgm:styleLbl>
+  <dgm:styleLbl name="parChTrans1D1">
+    <dgm:scene3d>
+      <a:camera prst="orthographicFront"/>
+      <a:lightRig rig="flat" dir="t"/>
+    </dgm:scene3d>
+    <dgm:sp3d prstMaterial="matte"/>
+    <dgm:txPr/>
+    <dgm:style>
+      <a:lnRef idx="2">
+        <a:scrgbClr r="0" g="0" b="0"/>
+      </a:lnRef>
+      <a:fillRef idx="0">
+        <a:scrgbClr r="0" g="0" b="0"/>
+      </a:fillRef>
+      <a:effectRef idx="0">
+        <a:scrgbClr r="0" g="0" b="0"/>
+      </a:effectRef>
+      <a:fontRef idx="minor"/>
+    </dgm:style>
+  </dgm:styleLbl>
+  <dgm:styleLbl name="parChTrans1D2">
+    <dgm:scene3d>
+      <a:camera prst="orthographicFront"/>
+      <a:lightRig rig="flat" dir="t"/>
+    </dgm:scene3d>
+    <dgm:sp3d prstMaterial="matte"/>
+    <dgm:txPr/>
+    <dgm:style>
+      <a:lnRef idx="2">
+        <a:scrgbClr r="0" g="0" b="0"/>
+      </a:lnRef>
+      <a:fillRef idx="0">
+        <a:scrgbClr r="0" g="0" b="0"/>
+      </a:fillRef>
+      <a:effectRef idx="0">
+        <a:scrgbClr r="0" g="0" b="0"/>
+      </a:effectRef>
+      <a:fontRef idx="minor"/>
+    </dgm:style>
+  </dgm:styleLbl>
+  <dgm:styleLbl name="parChTrans1D3">
+    <dgm:scene3d>
+      <a:camera prst="orthographicFront"/>
+      <a:lightRig rig="flat" dir="t"/>
+    </dgm:scene3d>
+    <dgm:sp3d prstMaterial="matte"/>
+    <dgm:txPr/>
+    <dgm:style>
+      <a:lnRef idx="2">
+        <a:scrgbClr r="0" g="0" b="0"/>
+      </a:lnRef>
+      <a:fillRef idx="0">
+        <a:scrgbClr r="0" g="0" b="0"/>
+      </a:fillRef>
+      <a:effectRef idx="0">
+        <a:scrgbClr r="0" g="0" b="0"/>
+      </a:effectRef>
+      <a:fontRef idx="minor"/>
+    </dgm:style>
+  </dgm:styleLbl>
+  <dgm:styleLbl name="parChTrans1D4">
+    <dgm:scene3d>
+      <a:camera prst="orthographicFront"/>
+      <a:lightRig rig="flat" dir="t"/>
+    </dgm:scene3d>
+    <dgm:sp3d prstMaterial="matte"/>
+    <dgm:txPr/>
+    <dgm:style>
+      <a:lnRef idx="2">
+        <a:scrgbClr r="0" g="0" b="0"/>
+      </a:lnRef>
+      <a:fillRef idx="0">
+        <a:scrgbClr r="0" g="0" b="0"/>
+      </a:fillRef>
+      <a:effectRef idx="0">
+        <a:scrgbClr r="0" g="0" b="0"/>
+      </a:effectRef>
+      <a:fontRef idx="minor"/>
+    </dgm:style>
+  </dgm:styleLbl>
+  <dgm:styleLbl name="fgAcc1">
+    <dgm:scene3d>
+      <a:camera prst="orthographicFront"/>
+      <a:lightRig rig="flat" dir="t"/>
+    </dgm:scene3d>
+    <dgm:sp3d z="190500" extrusionH="12700" prstMaterial="plastic">
+      <a:bevelT w="50800" h="50800"/>
+    </dgm:sp3d>
+    <dgm:txPr/>
+    <dgm:style>
+      <a:lnRef idx="1">
+        <a:scrgbClr r="0" g="0" b="0"/>
+      </a:lnRef>
+      <a:fillRef idx="1">
+        <a:scrgbClr r="0" g="0" b="0"/>
+      </a:fillRef>
+      <a:effectRef idx="2">
+        <a:scrgbClr r="0" g="0" b="0"/>
+      </a:effectRef>
+      <a:fontRef idx="minor"/>
+    </dgm:style>
+  </dgm:styleLbl>
+  <dgm:styleLbl name="conFgAcc1">
+    <dgm:scene3d>
+      <a:camera prst="orthographicFront"/>
+      <a:lightRig rig="flat" dir="t"/>
+    </dgm:scene3d>
+    <dgm:sp3d z="190500" extrusionH="12700" prstMaterial="plastic">
+      <a:bevelT w="50800" h="50800"/>
+    </dgm:sp3d>
+    <dgm:txPr/>
+    <dgm:style>
+      <a:lnRef idx="1">
+        <a:scrgbClr r="0" g="0" b="0"/>
+      </a:lnRef>
+      <a:fillRef idx="1">
+        <a:scrgbClr r="0" g="0" b="0"/>
+      </a:fillRef>
+      <a:effectRef idx="2">
+        <a:scrgbClr r="0" g="0" b="0"/>
+      </a:effectRef>
+      <a:fontRef idx="minor"/>
+    </dgm:style>
+  </dgm:styleLbl>
+  <dgm:styleLbl name="alignAcc1">
+    <dgm:scene3d>
+      <a:camera prst="orthographicFront"/>
+      <a:lightRig rig="flat" dir="t"/>
+    </dgm:scene3d>
+    <dgm:sp3d extrusionH="12700" prstMaterial="plastic">
+      <a:bevelT w="50800" h="50800"/>
+    </dgm:sp3d>
+    <dgm:txPr/>
+    <dgm:style>
+      <a:lnRef idx="1">
+        <a:scrgbClr r="0" g="0" b="0"/>
+      </a:lnRef>
+      <a:fillRef idx="1">
+        <a:scrgbClr r="0" g="0" b="0"/>
+      </a:fillRef>
+      <a:effectRef idx="2">
+        <a:scrgbClr r="0" g="0" b="0"/>
+      </a:effectRef>
+      <a:fontRef idx="minor"/>
+    </dgm:style>
+  </dgm:styleLbl>
+  <dgm:styleLbl name="trAlignAcc1">
+    <dgm:scene3d>
+      <a:camera prst="orthographicFront"/>
+      <a:lightRig rig="flat" dir="t"/>
+    </dgm:scene3d>
+    <dgm:sp3d extrusionH="12700" prstMaterial="plastic">
+      <a:bevelT w="50800" h="50800"/>
+    </dgm:sp3d>
+    <dgm:txPr/>
+    <dgm:style>
+      <a:lnRef idx="1">
+        <a:scrgbClr r="0" g="0" b="0"/>
+      </a:lnRef>
+      <a:fillRef idx="1">
+        <a:scrgbClr r="0" g="0" b="0"/>
+      </a:fillRef>
+      <a:effectRef idx="2">
+        <a:scrgbClr r="0" g="0" b="0"/>
+      </a:effectRef>
+      <a:fontRef idx="minor"/>
+    </dgm:style>
+  </dgm:styleLbl>
+  <dgm:styleLbl name="bgAcc1">
+    <dgm:scene3d>
+      <a:camera prst="orthographicFront"/>
+      <a:lightRig rig="flat" dir="t"/>
+    </dgm:scene3d>
+    <dgm:sp3d z="-190500" extrusionH="12700" prstMaterial="plastic">
+      <a:bevelT w="50800" h="50800"/>
+    </dgm:sp3d>
+    <dgm:txPr/>
+    <dgm:style>
+      <a:lnRef idx="1">
+        <a:scrgbClr r="0" g="0" b="0"/>
+      </a:lnRef>
+      <a:fillRef idx="1">
+        <a:scrgbClr r="0" g="0" b="0"/>
+      </a:fillRef>
+      <a:effectRef idx="2">
+        <a:scrgbClr r="0" g="0" b="0"/>
+      </a:effectRef>
+      <a:fontRef idx="minor"/>
+    </dgm:style>
+  </dgm:styleLbl>
+  <dgm:styleLbl name="solidFgAcc1">
+    <dgm:scene3d>
+      <a:camera prst="orthographicFront"/>
+      <a:lightRig rig="flat" dir="t"/>
+    </dgm:scene3d>
+    <dgm:sp3d z="190500" extrusionH="12700" prstMaterial="plastic">
+      <a:bevelT w="50800" h="50800"/>
+    </dgm:sp3d>
+    <dgm:txPr/>
+    <dgm:style>
+      <a:lnRef idx="1">
+        <a:scrgbClr r="0" g="0" b="0"/>
+      </a:lnRef>
+      <a:fillRef idx="1">
+        <a:scrgbClr r="0" g="0" b="0"/>
+      </a:fillRef>
+      <a:effectRef idx="2">
+        <a:scrgbClr r="0" g="0" b="0"/>
+      </a:effectRef>
+      <a:fontRef idx="minor"/>
+    </dgm:style>
+  </dgm:styleLbl>
+  <dgm:styleLbl name="solidAlignAcc1">
+    <dgm:scene3d>
+      <a:camera prst="orthographicFront"/>
+      <a:lightRig rig="flat" dir="t"/>
+    </dgm:scene3d>
+    <dgm:sp3d extrusionH="12700" prstMaterial="plastic">
+      <a:bevelT w="50800" h="50800"/>
+    </dgm:sp3d>
+    <dgm:txPr/>
+    <dgm:style>
+      <a:lnRef idx="1">
+        <a:scrgbClr r="0" g="0" b="0"/>
+      </a:lnRef>
+      <a:fillRef idx="1">
+        <a:scrgbClr r="0" g="0" b="0"/>
+      </a:fillRef>
+      <a:effectRef idx="2">
+        <a:scrgbClr r="0" g="0" b="0"/>
+      </a:effectRef>
+      <a:fontRef idx="minor"/>
+    </dgm:style>
+  </dgm:styleLbl>
+  <dgm:styleLbl name="solidBgAcc1">
+    <dgm:scene3d>
+      <a:camera prst="orthographicFront"/>
+      <a:lightRig rig="flat" dir="t"/>
+    </dgm:scene3d>
+    <dgm:sp3d z="-190500" extrusionH="12700" prstMaterial="plastic">
+      <a:bevelT w="50800" h="50800"/>
+    </dgm:sp3d>
+    <dgm:txPr/>
+    <dgm:style>
+      <a:lnRef idx="1">
+        <a:scrgbClr r="0" g="0" b="0"/>
+      </a:lnRef>
+      <a:fillRef idx="1">
+        <a:scrgbClr r="0" g="0" b="0"/>
+      </a:fillRef>
+      <a:effectRef idx="2">
+        <a:scrgbClr r="0" g="0" b="0"/>
+      </a:effectRef>
+      <a:fontRef idx="minor"/>
+    </dgm:style>
+  </dgm:styleLbl>
+  <dgm:styleLbl name="fgAccFollowNode1">
+    <dgm:scene3d>
+      <a:camera prst="orthographicFront"/>
+      <a:lightRig rig="flat" dir="t"/>
+    </dgm:scene3d>
+    <dgm:sp3d z="190500" extrusionH="12700" prstMaterial="plastic">
+      <a:bevelT w="50800" h="50800"/>
+    </dgm:sp3d>
+    <dgm:txPr/>
+    <dgm:style>
+      <a:lnRef idx="1">
+        <a:scrgbClr r="0" g="0" b="0"/>
+      </a:lnRef>
+      <a:fillRef idx="1">
+        <a:scrgbClr r="0" g="0" b="0"/>
+      </a:fillRef>
+      <a:effectRef idx="2">
+        <a:scrgbClr r="0" g="0" b="0"/>
+      </a:effectRef>
+      <a:fontRef idx="minor"/>
+    </dgm:style>
+  </dgm:styleLbl>
+  <dgm:styleLbl name="alignAccFollowNode1">
+    <dgm:scene3d>
+      <a:camera prst="orthographicFront"/>
+      <a:lightRig rig="flat" dir="t"/>
+    </dgm:scene3d>
+    <dgm:sp3d extrusionH="12700" prstMaterial="plastic">
+      <a:bevelT w="50800" h="50800"/>
+    </dgm:sp3d>
+    <dgm:txPr/>
+    <dgm:style>
+      <a:lnRef idx="1">
+        <a:scrgbClr r="0" g="0" b="0"/>
+      </a:lnRef>
+      <a:fillRef idx="1">
+        <a:scrgbClr r="0" g="0" b="0"/>
+      </a:fillRef>
+      <a:effectRef idx="2">
+        <a:scrgbClr r="0" g="0" b="0"/>
+      </a:effectRef>
+      <a:fontRef idx="minor"/>
+    </dgm:style>
+  </dgm:styleLbl>
+  <dgm:styleLbl name="bgAccFollowNode1">
+    <dgm:scene3d>
+      <a:camera prst="orthographicFront"/>
+      <a:lightRig rig="flat" dir="t"/>
+    </dgm:scene3d>
+    <dgm:sp3d z="-190500" extrusionH="12700" prstMaterial="plastic">
+      <a:bevelT w="50800" h="50800"/>
+    </dgm:sp3d>
+    <dgm:txPr/>
+    <dgm:style>
+      <a:lnRef idx="1">
+        <a:scrgbClr r="0" g="0" b="0"/>
+      </a:lnRef>
+      <a:fillRef idx="1">
+        <a:scrgbClr r="0" g="0" b="0"/>
+      </a:fillRef>
+      <a:effectRef idx="2">
+        <a:scrgbClr r="0" g="0" b="0"/>
+      </a:effectRef>
+      <a:fontRef idx="minor"/>
+    </dgm:style>
+  </dgm:styleLbl>
+  <dgm:styleLbl name="fgAcc0">
+    <dgm:scene3d>
+      <a:camera prst="orthographicFront"/>
+      <a:lightRig rig="flat" dir="t"/>
+    </dgm:scene3d>
+    <dgm:sp3d z="190500" extrusionH="12700" prstMaterial="plastic">
+      <a:bevelT w="50800" h="50800"/>
+    </dgm:sp3d>
+    <dgm:txPr/>
+    <dgm:style>
+      <a:lnRef idx="1">
+        <a:scrgbClr r="0" g="0" b="0"/>
+      </a:lnRef>
+      <a:fillRef idx="1">
+        <a:scrgbClr r="0" g="0" b="0"/>
+      </a:fillRef>
+      <a:effectRef idx="2">
+        <a:scrgbClr r="0" g="0" b="0"/>
+      </a:effectRef>
+      <a:fontRef idx="minor"/>
+    </dgm:style>
+  </dgm:styleLbl>
+  <dgm:styleLbl name="fgAcc2">
+    <dgm:scene3d>
+      <a:camera prst="orthographicFront"/>
+      <a:lightRig rig="flat" dir="t"/>
+    </dgm:scene3d>
+    <dgm:sp3d z="190500" extrusionH="12700" prstMaterial="plastic">
+      <a:bevelT w="50800" h="50800"/>
+    </dgm:sp3d>
+    <dgm:txPr/>
+    <dgm:style>
+      <a:lnRef idx="1">
+        <a:scrgbClr r="0" g="0" b="0"/>
+      </a:lnRef>
+      <a:fillRef idx="1">
+        <a:scrgbClr r="0" g="0" b="0"/>
+      </a:fillRef>
+      <a:effectRef idx="2">
+        <a:scrgbClr r="0" g="0" b="0"/>
+      </a:effectRef>
+      <a:fontRef idx="minor"/>
+    </dgm:style>
+  </dgm:styleLbl>
+  <dgm:styleLbl name="fgAcc3">
+    <dgm:scene3d>
+      <a:camera prst="orthographicFront"/>
+      <a:lightRig rig="flat" dir="t"/>
+    </dgm:scene3d>
+    <dgm:sp3d z="190500" extrusionH="12700" prstMaterial="plastic">
+      <a:bevelT w="50800" h="50800"/>
+    </dgm:sp3d>
+    <dgm:txPr/>
+    <dgm:style>
+      <a:lnRef idx="1">
+        <a:scrgbClr r="0" g="0" b="0"/>
+      </a:lnRef>
+      <a:fillRef idx="1">
+        <a:scrgbClr r="0" g="0" b="0"/>
+      </a:fillRef>
+      <a:effectRef idx="2">
+        <a:scrgbClr r="0" g="0" b="0"/>
+      </a:effectRef>
+      <a:fontRef idx="minor"/>
+    </dgm:style>
+  </dgm:styleLbl>
+  <dgm:styleLbl name="fgAcc4">
+    <dgm:scene3d>
+      <a:camera prst="orthographicFront"/>
+      <a:lightRig rig="flat" dir="t"/>
+    </dgm:scene3d>
+    <dgm:sp3d z="190500" extrusionH="12700" prstMaterial="plastic">
+      <a:bevelT w="50800" h="50800"/>
+    </dgm:sp3d>
+    <dgm:txPr/>
+    <dgm:style>
+      <a:lnRef idx="1">
+        <a:scrgbClr r="0" g="0" b="0"/>
+      </a:lnRef>
+      <a:fillRef idx="1">
+        <a:scrgbClr r="0" g="0" b="0"/>
+      </a:fillRef>
+      <a:effectRef idx="2">
+        <a:scrgbClr r="0" g="0" b="0"/>
+      </a:effectRef>
+      <a:fontRef idx="minor"/>
+    </dgm:style>
+  </dgm:styleLbl>
+  <dgm:styleLbl name="bgShp">
+    <dgm:scene3d>
+      <a:camera prst="orthographicFront"/>
+      <a:lightRig rig="flat" dir="t"/>
+    </dgm:scene3d>
+    <dgm:sp3d z="-190500" extrusionH="12700" prstMaterial="plastic">
+      <a:bevelT w="50800" h="50800"/>
+    </dgm:sp3d>
+    <dgm:txPr/>
+    <dgm:style>
+      <a:lnRef idx="0">
+        <a:scrgbClr r="0" g="0" b="0"/>
+      </a:lnRef>
+      <a:fillRef idx="3">
+        <a:scrgbClr r="0" g="0" b="0"/>
+      </a:fillRef>
+      <a:effectRef idx="0">
+        <a:scrgbClr r="0" g="0" b="0"/>
+      </a:effectRef>
+      <a:fontRef idx="minor"/>
+    </dgm:style>
+  </dgm:styleLbl>
+  <dgm:styleLbl name="dkBgShp">
+    <dgm:scene3d>
+      <a:camera prst="orthographicFront"/>
+      <a:lightRig rig="flat" dir="t"/>
+    </dgm:scene3d>
+    <dgm:sp3d z="-190500" extrusionH="12700" prstMaterial="plastic">
+      <a:bevelT w="50800" h="50800"/>
+    </dgm:sp3d>
+    <dgm:txPr/>
+    <dgm:style>
+      <a:lnRef idx="0">
+        <a:scrgbClr r="0" g="0" b="0"/>
+      </a:lnRef>
+      <a:fillRef idx="2">
+        <a:scrgbClr r="0" g="0" b="0"/>
+      </a:fillRef>
+      <a:effectRef idx="0">
+        <a:scrgbClr r="0" g="0" b="0"/>
+      </a:effectRef>
+      <a:fontRef idx="minor"/>
+    </dgm:style>
+  </dgm:styleLbl>
+  <dgm:styleLbl name="trBgShp">
+    <dgm:scene3d>
+      <a:camera prst="orthographicFront"/>
+      <a:lightRig rig="flat" dir="t"/>
+    </dgm:scene3d>
+    <dgm:sp3d z="-190500" extrusionH="12700" prstMaterial="matte"/>
+    <dgm:txPr/>
+    <dgm:style>
+      <a:lnRef idx="0">
+        <a:scrgbClr r="0" g="0" b="0"/>
+      </a:lnRef>
+      <a:fillRef idx="1">
+        <a:scrgbClr r="0" g="0" b="0"/>
+      </a:fillRef>
+      <a:effectRef idx="0">
+        <a:scrgbClr r="0" g="0" b="0"/>
+      </a:effectRef>
+      <a:fontRef idx="minor"/>
+    </dgm:style>
+  </dgm:styleLbl>
+  <dgm:styleLbl name="fgShp">
+    <dgm:scene3d>
+      <a:camera prst="orthographicFront"/>
+      <a:lightRig rig="flat" dir="t"/>
+    </dgm:scene3d>
+    <dgm:sp3d z="190500" prstMaterial="plastic">
+      <a:bevelT w="120900" h="88900"/>
+      <a:bevelB w="88900" h="31750" prst="angle"/>
+    </dgm:sp3d>
+    <dgm:txPr/>
+    <dgm:style>
+      <a:lnRef idx="0">
+        <a:scrgbClr r="0" g="0" b="0"/>
+      </a:lnRef>
+      <a:fillRef idx="1">
+        <a:scrgbClr r="0" g="0" b="0"/>
+      </a:fillRef>
+      <a:effectRef idx="3">
+        <a:scrgbClr r="0" g="0" b="0"/>
+      </a:effectRef>
+      <a:fontRef idx="minor">
+        <a:schemeClr val="lt1"/>
+      </a:fontRef>
+    </dgm:style>
+  </dgm:styleLbl>
+  <dgm:styleLbl name="revTx">
+    <dgm:scene3d>
+      <a:camera prst="orthographicFront"/>
+      <a:lightRig rig="threePt" dir="t"/>
+    </dgm:scene3d>
+    <dgm:sp3d/>
+    <dgm:txPr/>
+    <dgm:style>
+      <a:lnRef idx="0">
+        <a:scrgbClr r="0" g="0" b="0"/>
+      </a:lnRef>
+      <a:fillRef idx="0">
+        <a:scrgbClr r="0" g="0" b="0"/>
+      </a:fillRef>
+      <a:effectRef idx="0">
+        <a:scrgbClr r="0" g="0" b="0"/>
+      </a:effectRef>
+      <a:fontRef idx="minor"/>
+    </dgm:style>
+  </dgm:styleLbl>
+</dgm:styleDef>
+</file>
+
+<file path=ppt/diagrams/quickStyle2.xml><?xml version="1.0" encoding="utf-8"?>
+<dgm:styleDef xmlns:dgm="http://schemas.openxmlformats.org/drawingml/2006/diagram" xmlns:a="http://schemas.openxmlformats.org/drawingml/2006/main" uniqueId="urn:microsoft.com/office/officeart/2005/8/quickstyle/3d1">
+  <dgm:title val=""/>
+  <dgm:desc val=""/>
+  <dgm:catLst>
+    <dgm:cat type="3D" pri="11100"/>
+  </dgm:catLst>
+  <dgm:scene3d>
+    <a:camera prst="orthographicFront"/>
+    <a:lightRig rig="threePt" dir="t"/>
+  </dgm:scene3d>
+  <dgm:styleLbl name="node0">
+    <dgm:scene3d>
+      <a:camera prst="orthographicFront"/>
+      <a:lightRig rig="flat" dir="t"/>
+    </dgm:scene3d>
+    <dgm:sp3d prstMaterial="plastic">
+      <a:bevelT w="120900" h="88900"/>
+      <a:bevelB w="88900" h="31750" prst="angle"/>
+    </dgm:sp3d>
+    <dgm:txPr/>
+    <dgm:style>
+      <a:lnRef idx="0">
+        <a:scrgbClr r="0" g="0" b="0"/>
+      </a:lnRef>
+      <a:fillRef idx="3">
+        <a:scrgbClr r="0" g="0" b="0"/>
+      </a:fillRef>
+      <a:effectRef idx="2">
+        <a:scrgbClr r="0" g="0" b="0"/>
+      </a:effectRef>
+      <a:fontRef idx="minor">
+        <a:schemeClr val="lt1"/>
+      </a:fontRef>
+    </dgm:style>
+  </dgm:styleLbl>
+  <dgm:styleLbl name="lnNode1">
+    <dgm:scene3d>
+      <a:camera prst="orthographicFront"/>
+      <a:lightRig rig="flat" dir="t"/>
+    </dgm:scene3d>
+    <dgm:sp3d prstMaterial="plastic">
+      <a:bevelT w="120900" h="88900"/>
+      <a:bevelB w="88900" h="31750" prst="angle"/>
+    </dgm:sp3d>
+    <dgm:txPr/>
+    <dgm:style>
+      <a:lnRef idx="0">
+        <a:scrgbClr r="0" g="0" b="0"/>
+      </a:lnRef>
+      <a:fillRef idx="3">
+        <a:scrgbClr r="0" g="0" b="0"/>
+      </a:fillRef>
+      <a:effectRef idx="1">
+        <a:scrgbClr r="0" g="0" b="0"/>
+      </a:effectRef>
+      <a:fontRef idx="minor">
+        <a:schemeClr val="lt1"/>
+      </a:fontRef>
+    </dgm:style>
+  </dgm:styleLbl>
+  <dgm:styleLbl name="vennNode1">
+    <dgm:scene3d>
+      <a:camera prst="orthographicFront"/>
+      <a:lightRig rig="flat" dir="t"/>
+    </dgm:scene3d>
+    <dgm:sp3d prstMaterial="plastic">
+      <a:bevelT w="120900" h="88900"/>
+      <a:bevelB w="88900" h="31750" prst="angle"/>
+    </dgm:sp3d>
+    <dgm:txPr/>
+    <dgm:style>
+      <a:lnRef idx="0">
+        <a:scrgbClr r="0" g="0" b="0"/>
+      </a:lnRef>
+      <a:fillRef idx="1">
+        <a:scrgbClr r="0" g="0" b="0"/>
+      </a:fillRef>
+      <a:effectRef idx="1">
+        <a:scrgbClr r="0" g="0" b="0"/>
+      </a:effectRef>
+      <a:fontRef idx="minor">
+        <a:schemeClr val="tx1"/>
+      </a:fontRef>
+    </dgm:style>
+  </dgm:styleLbl>
+  <dgm:styleLbl name="alignNode1">
+    <dgm:scene3d>
+      <a:camera prst="orthographicFront"/>
+      <a:lightRig rig="flat" dir="t"/>
+    </dgm:scene3d>
+    <dgm:sp3d prstMaterial="plastic">
+      <a:bevelT w="120900" h="88900"/>
+      <a:bevelB w="88900" h="31750" prst="angle"/>
+    </dgm:sp3d>
+    <dgm:txPr/>
+    <dgm:style>
+      <a:lnRef idx="1">
+        <a:scrgbClr r="0" g="0" b="0"/>
+      </a:lnRef>
+      <a:fillRef idx="3">
+        <a:scrgbClr r="0" g="0" b="0"/>
+      </a:fillRef>
+      <a:effectRef idx="2">
+        <a:scrgbClr r="0" g="0" b="0"/>
+      </a:effectRef>
+      <a:fontRef idx="minor">
+        <a:schemeClr val="lt1"/>
+      </a:fontRef>
+    </dgm:style>
+  </dgm:styleLbl>
+  <dgm:styleLbl name="node1">
+    <dgm:scene3d>
+      <a:camera prst="orthographicFront"/>
+      <a:lightRig rig="flat" dir="t"/>
+    </dgm:scene3d>
+    <dgm:sp3d prstMaterial="plastic">
+      <a:bevelT w="120900" h="88900"/>
+      <a:bevelB w="88900" h="31750" prst="angle"/>
+    </dgm:sp3d>
+    <dgm:txPr/>
+    <dgm:style>
+      <a:lnRef idx="0">
+        <a:scrgbClr r="0" g="0" b="0"/>
+      </a:lnRef>
+      <a:fillRef idx="3">
+        <a:scrgbClr r="0" g="0" b="0"/>
+      </a:fillRef>
+      <a:effectRef idx="2">
+        <a:scrgbClr r="0" g="0" b="0"/>
+      </a:effectRef>
+      <a:fontRef idx="minor">
+        <a:schemeClr val="lt1"/>
+      </a:fontRef>
+    </dgm:style>
+  </dgm:styleLbl>
+  <dgm:styleLbl name="node2">
+    <dgm:scene3d>
+      <a:camera prst="orthographicFront"/>
+      <a:lightRig rig="flat" dir="t"/>
+    </dgm:scene3d>
+    <dgm:sp3d prstMaterial="plastic">
+      <a:bevelT w="120900" h="88900"/>
+      <a:bevelB w="88900" h="31750" prst="angle"/>
+    </dgm:sp3d>
+    <dgm:txPr/>
+    <dgm:style>
+      <a:lnRef idx="0">
+        <a:scrgbClr r="0" g="0" b="0"/>
+      </a:lnRef>
+      <a:fillRef idx="3">
+        <a:scrgbClr r="0" g="0" b="0"/>
+      </a:fillRef>
+      <a:effectRef idx="1">
+        <a:scrgbClr r="0" g="0" b="0"/>
+      </a:effectRef>
+      <a:fontRef idx="minor">
+        <a:schemeClr val="lt1"/>
+      </a:fontRef>
+    </dgm:style>
+  </dgm:styleLbl>
+  <dgm:styleLbl name="node3">
+    <dgm:scene3d>
+      <a:camera prst="orthographicFront"/>
+      <a:lightRig rig="flat" dir="t"/>
+    </dgm:scene3d>
+    <dgm:sp3d prstMaterial="plastic">
+      <a:bevelT w="120900" h="88900"/>
+      <a:bevelB w="88900" h="31750" prst="angle"/>
+    </dgm:sp3d>
+    <dgm:txPr/>
+    <dgm:style>
+      <a:lnRef idx="0">
+        <a:scrgbClr r="0" g="0" b="0"/>
+      </a:lnRef>
+      <a:fillRef idx="3">
+        <a:scrgbClr r="0" g="0" b="0"/>
+      </a:fillRef>
+      <a:effectRef idx="1">
+        <a:scrgbClr r="0" g="0" b="0"/>
+      </a:effectRef>
+      <a:fontRef idx="minor">
+        <a:schemeClr val="lt1"/>
+      </a:fontRef>
+    </dgm:style>
+  </dgm:styleLbl>
+  <dgm:styleLbl name="node4">
+    <dgm:scene3d>
+      <a:camera prst="orthographicFront"/>
+      <a:lightRig rig="flat" dir="t"/>
+    </dgm:scene3d>
+    <dgm:sp3d prstMaterial="plastic">
+      <a:bevelT w="120900" h="88900"/>
+      <a:bevelB w="88900" h="31750" prst="angle"/>
+    </dgm:sp3d>
+    <dgm:txPr/>
+    <dgm:style>
+      <a:lnRef idx="0">
+        <a:scrgbClr r="0" g="0" b="0"/>
+      </a:lnRef>
+      <a:fillRef idx="3">
+        <a:scrgbClr r="0" g="0" b="0"/>
+      </a:fillRef>
+      <a:effectRef idx="1">
+        <a:scrgbClr r="0" g="0" b="0"/>
+      </a:effectRef>
+      <a:fontRef idx="minor">
+        <a:schemeClr val="lt1"/>
+      </a:fontRef>
+    </dgm:style>
+  </dgm:styleLbl>
+  <dgm:styleLbl name="fgImgPlace1">
+    <dgm:scene3d>
+      <a:camera prst="orthographicFront"/>
+      <a:lightRig rig="flat" dir="t"/>
+    </dgm:scene3d>
+    <dgm:sp3d z="127000" prstMaterial="plastic">
+      <a:bevelT w="88900" h="88900"/>
+      <a:bevelB w="88900" h="31750" prst="angle"/>
+    </dgm:sp3d>
+    <dgm:txPr/>
+    <dgm:style>
+      <a:lnRef idx="0">
+        <a:scrgbClr r="0" g="0" b="0"/>
+      </a:lnRef>
+      <a:fillRef idx="3">
+        <a:scrgbClr r="0" g="0" b="0"/>
+      </a:fillRef>
+      <a:effectRef idx="2">
+        <a:scrgbClr r="0" g="0" b="0"/>
+      </a:effectRef>
+      <a:fontRef idx="minor"/>
+    </dgm:style>
+  </dgm:styleLbl>
+  <dgm:styleLbl name="alignImgPlace1">
+    <dgm:scene3d>
+      <a:camera prst="orthographicFront"/>
+      <a:lightRig rig="flat" dir="t"/>
+    </dgm:scene3d>
+    <dgm:sp3d prstMaterial="plastic">
+      <a:bevelT w="88900" h="88900"/>
+      <a:bevelB w="88900" h="31750" prst="angle"/>
+    </dgm:sp3d>
+    <dgm:txPr/>
+    <dgm:style>
+      <a:lnRef idx="0">
+        <a:scrgbClr r="0" g="0" b="0"/>
+      </a:lnRef>
+      <a:fillRef idx="3">
+        <a:scrgbClr r="0" g="0" b="0"/>
+      </a:fillRef>
+      <a:effectRef idx="2">
+        <a:scrgbClr r="0" g="0" b="0"/>
+      </a:effectRef>
+      <a:fontRef idx="minor"/>
+    </dgm:style>
+  </dgm:styleLbl>
+  <dgm:styleLbl name="bgImgPlace1">
+    <dgm:scene3d>
+      <a:camera prst="orthographicFront"/>
+      <a:lightRig rig="flat" dir="t"/>
+    </dgm:scene3d>
+    <dgm:sp3d z="-190500" prstMaterial="plastic">
+      <a:bevelT w="88900" h="88900"/>
+      <a:bevelB w="88900" h="31750" prst="angle"/>
+    </dgm:sp3d>
+    <dgm:txPr/>
+    <dgm:style>
+      <a:lnRef idx="0">
+        <a:scrgbClr r="0" g="0" b="0"/>
+      </a:lnRef>
+      <a:fillRef idx="3">
+        <a:scrgbClr r="0" g="0" b="0"/>
+      </a:fillRef>
+      <a:effectRef idx="2">
+        <a:scrgbClr r="0" g="0" b="0"/>
+      </a:effectRef>
+      <a:fontRef idx="minor"/>
+    </dgm:style>
+  </dgm:styleLbl>
+  <dgm:styleLbl name="sibTrans2D1">
+    <dgm:scene3d>
+      <a:camera prst="orthographicFront"/>
+      <a:lightRig rig="flat" dir="t"/>
+    </dgm:scene3d>
+    <dgm:sp3d z="-80000" prstMaterial="plastic">
+      <a:bevelT w="50800" h="50800"/>
+      <a:bevelB w="25400" h="25400" prst="angle"/>
+    </dgm:sp3d>
+    <dgm:txPr/>
+    <dgm:style>
+      <a:lnRef idx="0">
+        <a:scrgbClr r="0" g="0" b="0"/>
+      </a:lnRef>
+      <a:fillRef idx="3">
+        <a:scrgbClr r="0" g="0" b="0"/>
+      </a:fillRef>
+      <a:effectRef idx="2">
+        <a:scrgbClr r="0" g="0" b="0"/>
+      </a:effectRef>
+      <a:fontRef idx="minor">
+        <a:schemeClr val="lt1"/>
+      </a:fontRef>
+    </dgm:style>
+  </dgm:styleLbl>
+  <dgm:styleLbl name="fgSibTrans2D1">
+    <dgm:scene3d>
+      <a:camera prst="orthographicFront"/>
+      <a:lightRig rig="flat" dir="t"/>
+    </dgm:scene3d>
+    <dgm:sp3d z="127000" prstMaterial="plastic">
+      <a:bevelT w="50800" h="50800"/>
+      <a:bevelB w="25400" h="25400" prst="angle"/>
+    </dgm:sp3d>
+    <dgm:txPr/>
+    <dgm:style>
+      <a:lnRef idx="0">
+        <a:scrgbClr r="0" g="0" b="0"/>
+      </a:lnRef>
+      <a:fillRef idx="3">
+        <a:scrgbClr r="0" g="0" b="0"/>
+      </a:fillRef>
+      <a:effectRef idx="2">
+        <a:scrgbClr r="0" g="0" b="0"/>
+      </a:effectRef>
+      <a:fontRef idx="minor">
+        <a:schemeClr val="lt1"/>
+      </a:fontRef>
+    </dgm:style>
+  </dgm:styleLbl>
+  <dgm:styleLbl name="bgSibTrans2D1">
+    <dgm:scene3d>
+      <a:camera prst="orthographicFront"/>
+      <a:lightRig rig="flat" dir="t"/>
+    </dgm:scene3d>
+    <dgm:sp3d z="-190500" prstMaterial="plastic">
+      <a:bevelT w="50800" h="50800"/>
+      <a:bevelB w="25400" h="25400" prst="angle"/>
+    </dgm:sp3d>
+    <dgm:txPr/>
+    <dgm:style>
+      <a:lnRef idx="0">
+        <a:scrgbClr r="0" g="0" b="0"/>
+      </a:lnRef>
+      <a:fillRef idx="3">
+        <a:scrgbClr r="0" g="0" b="0"/>
+      </a:fillRef>
+      <a:effectRef idx="2">
+        <a:scrgbClr r="0" g="0" b="0"/>
+      </a:effectRef>
+      <a:fontRef idx="minor">
+        <a:schemeClr val="lt1"/>
+      </a:fontRef>
+    </dgm:style>
+  </dgm:styleLbl>
+  <dgm:styleLbl name="sibTrans1D1">
+    <dgm:scene3d>
+      <a:camera prst="orthographicFront"/>
+      <a:lightRig rig="flat" dir="t"/>
+    </dgm:scene3d>
+    <dgm:sp3d z="-40000" prstMaterial="matte"/>
+    <dgm:txPr/>
+    <dgm:style>
+      <a:lnRef idx="1">
+        <a:scrgbClr r="0" g="0" b="0"/>
+      </a:lnRef>
+      <a:fillRef idx="0">
+        <a:scrgbClr r="0" g="0" b="0"/>
+      </a:fillRef>
+      <a:effectRef idx="0">
+        <a:scrgbClr r="0" g="0" b="0"/>
+      </a:effectRef>
+      <a:fontRef idx="minor"/>
+    </dgm:style>
+  </dgm:styleLbl>
+  <dgm:styleLbl name="callout">
+    <dgm:scene3d>
+      <a:camera prst="orthographicFront"/>
+      <a:lightRig rig="threePt" dir="t"/>
+    </dgm:scene3d>
+    <dgm:sp3d z="127000" prstMaterial="matte"/>
+    <dgm:txPr/>
+    <dgm:style>
+      <a:lnRef idx="2">
+        <a:scrgbClr r="0" g="0" b="0"/>
+      </a:lnRef>
+      <a:fillRef idx="1">
+        <a:scrgbClr r="0" g="0" b="0"/>
+      </a:fillRef>
+      <a:effectRef idx="0">
+        <a:scrgbClr r="0" g="0" b="0"/>
+      </a:effectRef>
+      <a:fontRef idx="minor"/>
+    </dgm:style>
+  </dgm:styleLbl>
+  <dgm:styleLbl name="asst0">
+    <dgm:scene3d>
+      <a:camera prst="orthographicFront"/>
+      <a:lightRig rig="flat" dir="t"/>
+    </dgm:scene3d>
+    <dgm:sp3d prstMaterial="plastic">
+      <a:bevelT w="120900" h="88900"/>
+      <a:bevelB w="88900" h="31750" prst="angle"/>
+    </dgm:sp3d>
+    <dgm:txPr/>
+    <dgm:style>
+      <a:lnRef idx="0">
+        <a:scrgbClr r="0" g="0" b="0"/>
+      </a:lnRef>
+      <a:fillRef idx="3">
+        <a:scrgbClr r="0" g="0" b="0"/>
+      </a:fillRef>
+      <a:effectRef idx="1">
+        <a:scrgbClr r="0" g="0" b="0"/>
+      </a:effectRef>
+      <a:fontRef idx="minor">
+        <a:schemeClr val="lt1"/>
+      </a:fontRef>
+    </dgm:style>
+  </dgm:styleLbl>
+  <dgm:styleLbl name="asst1">
+    <dgm:scene3d>
+      <a:camera prst="orthographicFront"/>
+      <a:lightRig rig="flat" dir="t"/>
+    </dgm:scene3d>
+    <dgm:sp3d prstMaterial="plastic">
+      <a:bevelT w="120900" h="88900"/>
+      <a:bevelB w="88900" h="31750" prst="angle"/>
+    </dgm:sp3d>
+    <dgm:txPr/>
+    <dgm:style>
+      <a:lnRef idx="0">
+        <a:scrgbClr r="0" g="0" b="0"/>
+      </a:lnRef>
+      <a:fillRef idx="3">
+        <a:scrgbClr r="0" g="0" b="0"/>
+      </a:fillRef>
+      <a:effectRef idx="1">
+        <a:scrgbClr r="0" g="0" b="0"/>
+      </a:effectRef>
+      <a:fontRef idx="minor">
+        <a:schemeClr val="lt1"/>
+      </a:fontRef>
+    </dgm:style>
+  </dgm:styleLbl>
+  <dgm:styleLbl name="asst2">
+    <dgm:scene3d>
+      <a:camera prst="orthographicFront"/>
+      <a:lightRig rig="flat" dir="t"/>
+    </dgm:scene3d>
+    <dgm:sp3d prstMaterial="plastic">
+      <a:bevelT w="120900" h="88900"/>
+      <a:bevelB w="88900" h="31750" prst="angle"/>
+    </dgm:sp3d>
+    <dgm:txPr/>
+    <dgm:style>
+      <a:lnRef idx="0">
+        <a:scrgbClr r="0" g="0" b="0"/>
+      </a:lnRef>
+      <a:fillRef idx="3">
+        <a:scrgbClr r="0" g="0" b="0"/>
+      </a:fillRef>
+      <a:effectRef idx="1">
+        <a:scrgbClr r="0" g="0" b="0"/>
+      </a:effectRef>
+      <a:fontRef idx="minor">
+        <a:schemeClr val="lt1"/>
+      </a:fontRef>
+    </dgm:style>
+  </dgm:styleLbl>
+  <dgm:styleLbl name="asst3">
+    <dgm:scene3d>
+      <a:camera prst="orthographicFront"/>
+      <a:lightRig rig="flat" dir="t"/>
+    </dgm:scene3d>
+    <dgm:sp3d prstMaterial="plastic">
+      <a:bevelT w="120900" h="88900"/>
+      <a:bevelB w="88900" h="31750" prst="angle"/>
+    </dgm:sp3d>
+    <dgm:txPr/>
+    <dgm:style>
+      <a:lnRef idx="0">
+        <a:scrgbClr r="0" g="0" b="0"/>
+      </a:lnRef>
+      <a:fillRef idx="3">
+        <a:scrgbClr r="0" g="0" b="0"/>
+      </a:fillRef>
+      <a:effectRef idx="1">
+        <a:scrgbClr r="0" g="0" b="0"/>
+      </a:effectRef>
+      <a:fontRef idx="minor">
+        <a:schemeClr val="lt1"/>
+      </a:fontRef>
+    </dgm:style>
+  </dgm:styleLbl>
+  <dgm:styleLbl name="parChTrans2D1">
+    <dgm:scene3d>
+      <a:camera prst="orthographicFront"/>
+      <a:lightRig rig="flat" dir="t"/>
+    </dgm:scene3d>
+    <dgm:sp3d z="-100000" prstMaterial="plastic">
+      <a:bevelT w="120900" h="88900"/>
+      <a:bevelB w="88900" h="31750" prst="angle"/>
+    </dgm:sp3d>
+    <dgm:txPr/>
+    <dgm:style>
+      <a:lnRef idx="0">
+        <a:scrgbClr r="0" g="0" b="0"/>
+      </a:lnRef>
+      <a:fillRef idx="3">
+        <a:scrgbClr r="0" g="0" b="0"/>
+      </a:fillRef>
+      <a:effectRef idx="1">
+        <a:scrgbClr r="0" g="0" b="0"/>
+      </a:effectRef>
+      <a:fontRef idx="minor">
+        <a:schemeClr val="lt1"/>
+      </a:fontRef>
+    </dgm:style>
+  </dgm:styleLbl>
+  <dgm:styleLbl name="parChTrans2D2">
+    <dgm:scene3d>
+      <a:camera prst="orthographicFront"/>
+      <a:lightRig rig="flat" dir="t"/>
+    </dgm:scene3d>
+    <dgm:sp3d z="-60000" prstMaterial="plastic">
+      <a:bevelT w="120900" h="88900"/>
+      <a:bevelB w="88900" h="31750" prst="angle"/>
+    </dgm:sp3d>
+    <dgm:txPr/>
+    <dgm:style>
+      <a:lnRef idx="0">
+        <a:scrgbClr r="0" g="0" b="0"/>
+      </a:lnRef>
+      <a:fillRef idx="3">
+        <a:scrgbClr r="0" g="0" b="0"/>
+      </a:fillRef>
+      <a:effectRef idx="1">
+        <a:scrgbClr r="0" g="0" b="0"/>
+      </a:effectRef>
+      <a:fontRef idx="minor">
+        <a:schemeClr val="lt1"/>
+      </a:fontRef>
+    </dgm:style>
+  </dgm:styleLbl>
+  <dgm:styleLbl name="parChTrans2D3">
+    <dgm:scene3d>
+      <a:camera prst="orthographicFront"/>
+      <a:lightRig rig="flat" dir="t"/>
+    </dgm:scene3d>
+    <dgm:sp3d z="-60000" prstMaterial="plastic">
+      <a:bevelT w="120900" h="88900"/>
+      <a:bevelB w="88900" h="31750" prst="angle"/>
+    </dgm:sp3d>
+    <dgm:txPr/>
+    <dgm:style>
+      <a:lnRef idx="0">
+        <a:scrgbClr r="0" g="0" b="0"/>
+      </a:lnRef>
+      <a:fillRef idx="3">
+        <a:scrgbClr r="0" g="0" b="0"/>
+      </a:fillRef>
+      <a:effectRef idx="1">
+        <a:scrgbClr r="0" g="0" b="0"/>
+      </a:effectRef>
+      <a:fontRef idx="minor">
+        <a:schemeClr val="lt1"/>
+      </a:fontRef>
+    </dgm:style>
+  </dgm:styleLbl>
+  <dgm:styleLbl name="parChTrans2D4">
+    <dgm:scene3d>
+      <a:camera prst="orthographicFront"/>
+      <a:lightRig rig="flat" dir="t"/>
+    </dgm:scene3d>
+    <dgm:sp3d z="-60000" prstMaterial="plastic">
+      <a:bevelT w="120900" h="88900"/>
+      <a:bevelB w="88900" h="31750" prst="angle"/>
+    </dgm:sp3d>
+    <dgm:txPr/>
+    <dgm:style>
+      <a:lnRef idx="0">
+        <a:scrgbClr r="0" g="0" b="0"/>
+      </a:lnRef>
+      <a:fillRef idx="3">
+        <a:scrgbClr r="0" g="0" b="0"/>
+      </a:fillRef>
+      <a:effectRef idx="1">
+        <a:scrgbClr r="0" g="0" b="0"/>
+      </a:effectRef>
+      <a:fontRef idx="minor">
+        <a:schemeClr val="lt1"/>
+      </a:fontRef>
+    </dgm:style>
+  </dgm:styleLbl>
+  <dgm:styleLbl name="parChTrans1D1">
+    <dgm:scene3d>
+      <a:camera prst="orthographicFront"/>
+      <a:lightRig rig="flat" dir="t"/>
+    </dgm:scene3d>
+    <dgm:sp3d prstMaterial="matte"/>
+    <dgm:txPr/>
+    <dgm:style>
+      <a:lnRef idx="2">
+        <a:scrgbClr r="0" g="0" b="0"/>
+      </a:lnRef>
+      <a:fillRef idx="0">
+        <a:scrgbClr r="0" g="0" b="0"/>
+      </a:fillRef>
+      <a:effectRef idx="0">
+        <a:scrgbClr r="0" g="0" b="0"/>
+      </a:effectRef>
+      <a:fontRef idx="minor"/>
+    </dgm:style>
+  </dgm:styleLbl>
+  <dgm:styleLbl name="parChTrans1D2">
+    <dgm:scene3d>
+      <a:camera prst="orthographicFront"/>
+      <a:lightRig rig="flat" dir="t"/>
+    </dgm:scene3d>
+    <dgm:sp3d prstMaterial="matte"/>
+    <dgm:txPr/>
+    <dgm:style>
+      <a:lnRef idx="2">
+        <a:scrgbClr r="0" g="0" b="0"/>
+      </a:lnRef>
+      <a:fillRef idx="0">
+        <a:scrgbClr r="0" g="0" b="0"/>
+      </a:fillRef>
+      <a:effectRef idx="0">
+        <a:scrgbClr r="0" g="0" b="0"/>
+      </a:effectRef>
+      <a:fontRef idx="minor"/>
+    </dgm:style>
+  </dgm:styleLbl>
+  <dgm:styleLbl name="parChTrans1D3">
+    <dgm:scene3d>
+      <a:camera prst="orthographicFront"/>
+      <a:lightRig rig="flat" dir="t"/>
+    </dgm:scene3d>
+    <dgm:sp3d prstMaterial="matte"/>
+    <dgm:txPr/>
+    <dgm:style>
+      <a:lnRef idx="2">
+        <a:scrgbClr r="0" g="0" b="0"/>
+      </a:lnRef>
+      <a:fillRef idx="0">
+        <a:scrgbClr r="0" g="0" b="0"/>
+      </a:fillRef>
+      <a:effectRef idx="0">
+        <a:scrgbClr r="0" g="0" b="0"/>
+      </a:effectRef>
+      <a:fontRef idx="minor"/>
+    </dgm:style>
+  </dgm:styleLbl>
+  <dgm:styleLbl name="parChTrans1D4">
+    <dgm:scene3d>
+      <a:camera prst="orthographicFront"/>
+      <a:lightRig rig="flat" dir="t"/>
+    </dgm:scene3d>
+    <dgm:sp3d prstMaterial="matte"/>
+    <dgm:txPr/>
+    <dgm:style>
+      <a:lnRef idx="2">
+        <a:scrgbClr r="0" g="0" b="0"/>
+      </a:lnRef>
+      <a:fillRef idx="0">
+        <a:scrgbClr r="0" g="0" b="0"/>
+      </a:fillRef>
+      <a:effectRef idx="0">
+        <a:scrgbClr r="0" g="0" b="0"/>
+      </a:effectRef>
+      <a:fontRef idx="minor"/>
+    </dgm:style>
+  </dgm:styleLbl>
+  <dgm:styleLbl name="fgAcc1">
+    <dgm:scene3d>
+      <a:camera prst="orthographicFront"/>
+      <a:lightRig rig="flat" dir="t"/>
+    </dgm:scene3d>
+    <dgm:sp3d z="190500" extrusionH="12700" prstMaterial="plastic">
+      <a:bevelT w="50800" h="50800"/>
+    </dgm:sp3d>
+    <dgm:txPr/>
+    <dgm:style>
+      <a:lnRef idx="1">
+        <a:scrgbClr r="0" g="0" b="0"/>
+      </a:lnRef>
+      <a:fillRef idx="1">
+        <a:scrgbClr r="0" g="0" b="0"/>
+      </a:fillRef>
+      <a:effectRef idx="2">
+        <a:scrgbClr r="0" g="0" b="0"/>
+      </a:effectRef>
+      <a:fontRef idx="minor"/>
+    </dgm:style>
+  </dgm:styleLbl>
+  <dgm:styleLbl name="conFgAcc1">
+    <dgm:scene3d>
+      <a:camera prst="orthographicFront"/>
+      <a:lightRig rig="flat" dir="t"/>
+    </dgm:scene3d>
+    <dgm:sp3d z="190500" extrusionH="12700" prstMaterial="plastic">
+      <a:bevelT w="50800" h="50800"/>
+    </dgm:sp3d>
+    <dgm:txPr/>
+    <dgm:style>
+      <a:lnRef idx="1">
+        <a:scrgbClr r="0" g="0" b="0"/>
+      </a:lnRef>
+      <a:fillRef idx="1">
+        <a:scrgbClr r="0" g="0" b="0"/>
+      </a:fillRef>
+      <a:effectRef idx="2">
+        <a:scrgbClr r="0" g="0" b="0"/>
+      </a:effectRef>
+      <a:fontRef idx="minor"/>
+    </dgm:style>
+  </dgm:styleLbl>
+  <dgm:styleLbl name="alignAcc1">
+    <dgm:scene3d>
+      <a:camera prst="orthographicFront"/>
+      <a:lightRig rig="flat" dir="t"/>
+    </dgm:scene3d>
+    <dgm:sp3d extrusionH="12700" prstMaterial="plastic">
+      <a:bevelT w="50800" h="50800"/>
+    </dgm:sp3d>
+    <dgm:txPr/>
+    <dgm:style>
+      <a:lnRef idx="1">
+        <a:scrgbClr r="0" g="0" b="0"/>
+      </a:lnRef>
+      <a:fillRef idx="1">
+        <a:scrgbClr r="0" g="0" b="0"/>
+      </a:fillRef>
+      <a:effectRef idx="2">
+        <a:scrgbClr r="0" g="0" b="0"/>
+      </a:effectRef>
+      <a:fontRef idx="minor"/>
+    </dgm:style>
+  </dgm:styleLbl>
+  <dgm:styleLbl name="trAlignAcc1">
+    <dgm:scene3d>
+      <a:camera prst="orthographicFront"/>
+      <a:lightRig rig="flat" dir="t"/>
+    </dgm:scene3d>
+    <dgm:sp3d extrusionH="12700" prstMaterial="plastic">
+      <a:bevelT w="50800" h="50800"/>
+    </dgm:sp3d>
+    <dgm:txPr/>
+    <dgm:style>
+      <a:lnRef idx="1">
+        <a:scrgbClr r="0" g="0" b="0"/>
+      </a:lnRef>
+      <a:fillRef idx="1">
+        <a:scrgbClr r="0" g="0" b="0"/>
+      </a:fillRef>
+      <a:effectRef idx="2">
+        <a:scrgbClr r="0" g="0" b="0"/>
+      </a:effectRef>
+      <a:fontRef idx="minor"/>
+    </dgm:style>
+  </dgm:styleLbl>
+  <dgm:styleLbl name="bgAcc1">
+    <dgm:scene3d>
+      <a:camera prst="orthographicFront"/>
+      <a:lightRig rig="flat" dir="t"/>
+    </dgm:scene3d>
+    <dgm:sp3d z="-190500" extrusionH="12700" prstMaterial="plastic">
+      <a:bevelT w="50800" h="50800"/>
+    </dgm:sp3d>
+    <dgm:txPr/>
+    <dgm:style>
+      <a:lnRef idx="1">
+        <a:scrgbClr r="0" g="0" b="0"/>
+      </a:lnRef>
+      <a:fillRef idx="1">
+        <a:scrgbClr r="0" g="0" b="0"/>
+      </a:fillRef>
+      <a:effectRef idx="2">
+        <a:scrgbClr r="0" g="0" b="0"/>
+      </a:effectRef>
+      <a:fontRef idx="minor"/>
+    </dgm:style>
+  </dgm:styleLbl>
+  <dgm:styleLbl name="solidFgAcc1">
+    <dgm:scene3d>
+      <a:camera prst="orthographicFront"/>
+      <a:lightRig rig="flat" dir="t"/>
+    </dgm:scene3d>
+    <dgm:sp3d z="190500" extrusionH="12700" prstMaterial="plastic">
+      <a:bevelT w="50800" h="50800"/>
+    </dgm:sp3d>
+    <dgm:txPr/>
+    <dgm:style>
+      <a:lnRef idx="1">
+        <a:scrgbClr r="0" g="0" b="0"/>
+      </a:lnRef>
+      <a:fillRef idx="1">
+        <a:scrgbClr r="0" g="0" b="0"/>
+      </a:fillRef>
+      <a:effectRef idx="2">
+        <a:scrgbClr r="0" g="0" b="0"/>
+      </a:effectRef>
+      <a:fontRef idx="minor"/>
+    </dgm:style>
+  </dgm:styleLbl>
+  <dgm:styleLbl name="solidAlignAcc1">
+    <dgm:scene3d>
+      <a:camera prst="orthographicFront"/>
+      <a:lightRig rig="flat" dir="t"/>
+    </dgm:scene3d>
+    <dgm:sp3d extrusionH="12700" prstMaterial="plastic">
+      <a:bevelT w="50800" h="50800"/>
+    </dgm:sp3d>
+    <dgm:txPr/>
+    <dgm:style>
+      <a:lnRef idx="1">
+        <a:scrgbClr r="0" g="0" b="0"/>
+      </a:lnRef>
+      <a:fillRef idx="1">
+        <a:scrgbClr r="0" g="0" b="0"/>
+      </a:fillRef>
+      <a:effectRef idx="2">
+        <a:scrgbClr r="0" g="0" b="0"/>
+      </a:effectRef>
+      <a:fontRef idx="minor"/>
+    </dgm:style>
+  </dgm:styleLbl>
+  <dgm:styleLbl name="solidBgAcc1">
+    <dgm:scene3d>
+      <a:camera prst="orthographicFront"/>
+      <a:lightRig rig="flat" dir="t"/>
+    </dgm:scene3d>
+    <dgm:sp3d z="-190500" extrusionH="12700" prstMaterial="plastic">
+      <a:bevelT w="50800" h="50800"/>
+    </dgm:sp3d>
+    <dgm:txPr/>
+    <dgm:style>
+      <a:lnRef idx="1">
+        <a:scrgbClr r="0" g="0" b="0"/>
+      </a:lnRef>
+      <a:fillRef idx="1">
+        <a:scrgbClr r="0" g="0" b="0"/>
+      </a:fillRef>
+      <a:effectRef idx="2">
+        <a:scrgbClr r="0" g="0" b="0"/>
+      </a:effectRef>
+      <a:fontRef idx="minor"/>
+    </dgm:style>
+  </dgm:styleLbl>
+  <dgm:styleLbl name="fgAccFollowNode1">
+    <dgm:scene3d>
+      <a:camera prst="orthographicFront"/>
+      <a:lightRig rig="flat" dir="t"/>
+    </dgm:scene3d>
+    <dgm:sp3d z="190500" extrusionH="12700" prstMaterial="plastic">
+      <a:bevelT w="50800" h="50800"/>
+    </dgm:sp3d>
+    <dgm:txPr/>
+    <dgm:style>
+      <a:lnRef idx="1">
+        <a:scrgbClr r="0" g="0" b="0"/>
+      </a:lnRef>
+      <a:fillRef idx="1">
+        <a:scrgbClr r="0" g="0" b="0"/>
+      </a:fillRef>
+      <a:effectRef idx="2">
+        <a:scrgbClr r="0" g="0" b="0"/>
+      </a:effectRef>
+      <a:fontRef idx="minor"/>
+    </dgm:style>
+  </dgm:styleLbl>
+  <dgm:styleLbl name="alignAccFollowNode1">
+    <dgm:scene3d>
+      <a:camera prst="orthographicFront"/>
+      <a:lightRig rig="flat" dir="t"/>
+    </dgm:scene3d>
+    <dgm:sp3d extrusionH="12700" prstMaterial="plastic">
+      <a:bevelT w="50800" h="50800"/>
+    </dgm:sp3d>
+    <dgm:txPr/>
+    <dgm:style>
+      <a:lnRef idx="1">
+        <a:scrgbClr r="0" g="0" b="0"/>
+      </a:lnRef>
+      <a:fillRef idx="1">
+        <a:scrgbClr r="0" g="0" b="0"/>
+      </a:fillRef>
+      <a:effectRef idx="2">
+        <a:scrgbClr r="0" g="0" b="0"/>
+      </a:effectRef>
+      <a:fontRef idx="minor"/>
+    </dgm:style>
+  </dgm:styleLbl>
+  <dgm:styleLbl name="bgAccFollowNode1">
+    <dgm:scene3d>
+      <a:camera prst="orthographicFront"/>
+      <a:lightRig rig="flat" dir="t"/>
+    </dgm:scene3d>
+    <dgm:sp3d z="-190500" extrusionH="12700" prstMaterial="plastic">
+      <a:bevelT w="50800" h="50800"/>
+    </dgm:sp3d>
+    <dgm:txPr/>
+    <dgm:style>
+      <a:lnRef idx="1">
+        <a:scrgbClr r="0" g="0" b="0"/>
+      </a:lnRef>
+      <a:fillRef idx="1">
+        <a:scrgbClr r="0" g="0" b="0"/>
+      </a:fillRef>
+      <a:effectRef idx="2">
+        <a:scrgbClr r="0" g="0" b="0"/>
+      </a:effectRef>
+      <a:fontRef idx="minor"/>
+    </dgm:style>
+  </dgm:styleLbl>
+  <dgm:styleLbl name="fgAcc0">
+    <dgm:scene3d>
+      <a:camera prst="orthographicFront"/>
+      <a:lightRig rig="flat" dir="t"/>
+    </dgm:scene3d>
+    <dgm:sp3d z="190500" extrusionH="12700" prstMaterial="plastic">
+      <a:bevelT w="50800" h="50800"/>
+    </dgm:sp3d>
+    <dgm:txPr/>
+    <dgm:style>
+      <a:lnRef idx="1">
+        <a:scrgbClr r="0" g="0" b="0"/>
+      </a:lnRef>
+      <a:fillRef idx="1">
+        <a:scrgbClr r="0" g="0" b="0"/>
+      </a:fillRef>
+      <a:effectRef idx="2">
+        <a:scrgbClr r="0" g="0" b="0"/>
+      </a:effectRef>
+      <a:fontRef idx="minor"/>
+    </dgm:style>
+  </dgm:styleLbl>
+  <dgm:styleLbl name="fgAcc2">
+    <dgm:scene3d>
+      <a:camera prst="orthographicFront"/>
+      <a:lightRig rig="flat" dir="t"/>
+    </dgm:scene3d>
+    <dgm:sp3d z="190500" extrusionH="12700" prstMaterial="plastic">
+      <a:bevelT w="50800" h="50800"/>
+    </dgm:sp3d>
+    <dgm:txPr/>
+    <dgm:style>
+      <a:lnRef idx="1">
+        <a:scrgbClr r="0" g="0" b="0"/>
+      </a:lnRef>
+      <a:fillRef idx="1">
+        <a:scrgbClr r="0" g="0" b="0"/>
+      </a:fillRef>
+      <a:effectRef idx="2">
+        <a:scrgbClr r="0" g="0" b="0"/>
+      </a:effectRef>
+      <a:fontRef idx="minor"/>
+    </dgm:style>
+  </dgm:styleLbl>
+  <dgm:styleLbl name="fgAcc3">
+    <dgm:scene3d>
+      <a:camera prst="orthographicFront"/>
+      <a:lightRig rig="flat" dir="t"/>
+    </dgm:scene3d>
+    <dgm:sp3d z="190500" extrusionH="12700" prstMaterial="plastic">
+      <a:bevelT w="50800" h="50800"/>
+    </dgm:sp3d>
+    <dgm:txPr/>
+    <dgm:style>
+      <a:lnRef idx="1">
+        <a:scrgbClr r="0" g="0" b="0"/>
+      </a:lnRef>
+      <a:fillRef idx="1">
+        <a:scrgbClr r="0" g="0" b="0"/>
+      </a:fillRef>
+      <a:effectRef idx="2">
+        <a:scrgbClr r="0" g="0" b="0"/>
+      </a:effectRef>
+      <a:fontRef idx="minor"/>
+    </dgm:style>
+  </dgm:styleLbl>
+  <dgm:styleLbl name="fgAcc4">
+    <dgm:scene3d>
+      <a:camera prst="orthographicFront"/>
+      <a:lightRig rig="flat" dir="t"/>
+    </dgm:scene3d>
+    <dgm:sp3d z="190500" extrusionH="12700" prstMaterial="plastic">
+      <a:bevelT w="50800" h="50800"/>
+    </dgm:sp3d>
+    <dgm:txPr/>
+    <dgm:style>
+      <a:lnRef idx="1">
+        <a:scrgbClr r="0" g="0" b="0"/>
+      </a:lnRef>
+      <a:fillRef idx="1">
+        <a:scrgbClr r="0" g="0" b="0"/>
+      </a:fillRef>
+      <a:effectRef idx="2">
+        <a:scrgbClr r="0" g="0" b="0"/>
+      </a:effectRef>
+      <a:fontRef idx="minor"/>
+    </dgm:style>
+  </dgm:styleLbl>
+  <dgm:styleLbl name="bgShp">
+    <dgm:scene3d>
+      <a:camera prst="orthographicFront"/>
+      <a:lightRig rig="flat" dir="t"/>
+    </dgm:scene3d>
+    <dgm:sp3d z="-190500" extrusionH="12700" prstMaterial="plastic">
+      <a:bevelT w="50800" h="50800"/>
+    </dgm:sp3d>
+    <dgm:txPr/>
+    <dgm:style>
+      <a:lnRef idx="0">
+        <a:scrgbClr r="0" g="0" b="0"/>
+      </a:lnRef>
+      <a:fillRef idx="3">
+        <a:scrgbClr r="0" g="0" b="0"/>
+      </a:fillRef>
+      <a:effectRef idx="0">
+        <a:scrgbClr r="0" g="0" b="0"/>
+      </a:effectRef>
+      <a:fontRef idx="minor"/>
+    </dgm:style>
+  </dgm:styleLbl>
+  <dgm:styleLbl name="dkBgShp">
+    <dgm:scene3d>
+      <a:camera prst="orthographicFront"/>
+      <a:lightRig rig="flat" dir="t"/>
+    </dgm:scene3d>
+    <dgm:sp3d z="-190500" extrusionH="12700" prstMaterial="plastic">
+      <a:bevelT w="50800" h="50800"/>
+    </dgm:sp3d>
+    <dgm:txPr/>
+    <dgm:style>
+      <a:lnRef idx="0">
+        <a:scrgbClr r="0" g="0" b="0"/>
+      </a:lnRef>
+      <a:fillRef idx="2">
+        <a:scrgbClr r="0" g="0" b="0"/>
+      </a:fillRef>
+      <a:effectRef idx="0">
+        <a:scrgbClr r="0" g="0" b="0"/>
+      </a:effectRef>
+      <a:fontRef idx="minor"/>
+    </dgm:style>
+  </dgm:styleLbl>
+  <dgm:styleLbl name="trBgShp">
+    <dgm:scene3d>
+      <a:camera prst="orthographicFront"/>
+      <a:lightRig rig="flat" dir="t"/>
+    </dgm:scene3d>
+    <dgm:sp3d z="-190500" extrusionH="12700" prstMaterial="matte"/>
+    <dgm:txPr/>
+    <dgm:style>
+      <a:lnRef idx="0">
+        <a:scrgbClr r="0" g="0" b="0"/>
+      </a:lnRef>
+      <a:fillRef idx="1">
+        <a:scrgbClr r="0" g="0" b="0"/>
+      </a:fillRef>
+      <a:effectRef idx="0">
+        <a:scrgbClr r="0" g="0" b="0"/>
+      </a:effectRef>
+      <a:fontRef idx="minor"/>
+    </dgm:style>
+  </dgm:styleLbl>
+  <dgm:styleLbl name="fgShp">
+    <dgm:scene3d>
+      <a:camera prst="orthographicFront"/>
+      <a:lightRig rig="flat" dir="t"/>
+    </dgm:scene3d>
+    <dgm:sp3d z="190500" prstMaterial="plastic">
+      <a:bevelT w="120900" h="88900"/>
+      <a:bevelB w="88900" h="31750" prst="angle"/>
+    </dgm:sp3d>
+    <dgm:txPr/>
+    <dgm:style>
+      <a:lnRef idx="0">
+        <a:scrgbClr r="0" g="0" b="0"/>
+      </a:lnRef>
+      <a:fillRef idx="1">
+        <a:scrgbClr r="0" g="0" b="0"/>
+      </a:fillRef>
+      <a:effectRef idx="3">
+        <a:scrgbClr r="0" g="0" b="0"/>
+      </a:effectRef>
+      <a:fontRef idx="minor">
+        <a:schemeClr val="lt1"/>
+      </a:fontRef>
+    </dgm:style>
+  </dgm:styleLbl>
+  <dgm:styleLbl name="revTx">
+    <dgm:scene3d>
+      <a:camera prst="orthographicFront"/>
+      <a:lightRig rig="threePt" dir="t"/>
+    </dgm:scene3d>
+    <dgm:sp3d/>
+    <dgm:txPr/>
+    <dgm:style>
+      <a:lnRef idx="0">
+        <a:scrgbClr r="0" g="0" b="0"/>
+      </a:lnRef>
+      <a:fillRef idx="0">
+        <a:scrgbClr r="0" g="0" b="0"/>
+      </a:fillRef>
+      <a:effectRef idx="0">
+        <a:scrgbClr r="0" g="0" b="0"/>
+      </a:effectRef>
+      <a:fontRef idx="minor"/>
+    </dgm:style>
+  </dgm:styleLbl>
+</dgm:styleDef>
+</file>
+
 <file path=ppt/notesMasters/notesMaster1.xml><?xml version="1.0" encoding="utf-8"?>
 <p:notesMaster xmlns:a="http://schemas.openxmlformats.org/drawingml/2006/main" xmlns:r="http://schemas.openxmlformats.org/officeDocument/2006/relationships" xmlns:p="http://schemas.openxmlformats.org/presentationml/2006/main">
   <p:cSld>
@@ -212,7 +5887,7 @@
             <a:fld id="{8DFEC6D3-3379-4086-875B-F0842929DB46}" type="datetimeFigureOut">
               <a:rPr lang="es-ES" smtClean="0"/>
               <a:pPr/>
-              <a:t>19/05/2017</a:t>
+              <a:t>25/05/2017</a:t>
             </a:fld>
             <a:endParaRPr lang="es-ES"/>
           </a:p>
@@ -546,7 +6221,7 @@
             <a:fld id="{0A74E5EB-2F6F-4E07-8581-69B91C686E22}" type="slidenum">
               <a:rPr lang="es-ES" smtClean="0"/>
               <a:pPr/>
-              <a:t>7</a:t>
+              <a:t>8</a:t>
             </a:fld>
             <a:endParaRPr lang="es-ES"/>
           </a:p>
@@ -628,7 +6303,7 @@
             <a:fld id="{0A74E5EB-2F6F-4E07-8581-69B91C686E22}" type="slidenum">
               <a:rPr lang="es-ES" smtClean="0"/>
               <a:pPr/>
-              <a:t>17</a:t>
+              <a:t>18</a:t>
             </a:fld>
             <a:endParaRPr lang="es-ES"/>
           </a:p>
@@ -710,7 +6385,7 @@
             <a:fld id="{0A74E5EB-2F6F-4E07-8581-69B91C686E22}" type="slidenum">
               <a:rPr lang="es-ES" smtClean="0"/>
               <a:pPr/>
-              <a:t>18</a:t>
+              <a:t>19</a:t>
             </a:fld>
             <a:endParaRPr lang="es-ES"/>
           </a:p>
@@ -792,7 +6467,7 @@
             <a:fld id="{0A74E5EB-2F6F-4E07-8581-69B91C686E22}" type="slidenum">
               <a:rPr lang="es-ES" smtClean="0"/>
               <a:pPr/>
-              <a:t>19</a:t>
+              <a:t>20</a:t>
             </a:fld>
             <a:endParaRPr lang="es-ES"/>
           </a:p>
@@ -874,7 +6549,7 @@
             <a:fld id="{0A74E5EB-2F6F-4E07-8581-69B91C686E22}" type="slidenum">
               <a:rPr lang="es-ES" smtClean="0"/>
               <a:pPr/>
-              <a:t>20</a:t>
+              <a:t>21</a:t>
             </a:fld>
             <a:endParaRPr lang="es-ES"/>
           </a:p>
@@ -956,7 +6631,7 @@
             <a:fld id="{0A74E5EB-2F6F-4E07-8581-69B91C686E22}" type="slidenum">
               <a:rPr lang="es-ES" smtClean="0"/>
               <a:pPr/>
-              <a:t>8</a:t>
+              <a:t>9</a:t>
             </a:fld>
             <a:endParaRPr lang="es-ES"/>
           </a:p>
@@ -1038,7 +6713,7 @@
             <a:fld id="{0A74E5EB-2F6F-4E07-8581-69B91C686E22}" type="slidenum">
               <a:rPr lang="es-ES" smtClean="0"/>
               <a:pPr/>
-              <a:t>9</a:t>
+              <a:t>10</a:t>
             </a:fld>
             <a:endParaRPr lang="es-ES"/>
           </a:p>
@@ -1120,7 +6795,7 @@
             <a:fld id="{0A74E5EB-2F6F-4E07-8581-69B91C686E22}" type="slidenum">
               <a:rPr lang="es-ES" smtClean="0"/>
               <a:pPr/>
-              <a:t>11</a:t>
+              <a:t>12</a:t>
             </a:fld>
             <a:endParaRPr lang="es-ES"/>
           </a:p>
@@ -1202,7 +6877,7 @@
             <a:fld id="{0A74E5EB-2F6F-4E07-8581-69B91C686E22}" type="slidenum">
               <a:rPr lang="es-ES" smtClean="0"/>
               <a:pPr/>
-              <a:t>12</a:t>
+              <a:t>13</a:t>
             </a:fld>
             <a:endParaRPr lang="es-ES"/>
           </a:p>
@@ -1284,7 +6959,7 @@
             <a:fld id="{0A74E5EB-2F6F-4E07-8581-69B91C686E22}" type="slidenum">
               <a:rPr lang="es-ES" smtClean="0"/>
               <a:pPr/>
-              <a:t>13</a:t>
+              <a:t>14</a:t>
             </a:fld>
             <a:endParaRPr lang="es-ES"/>
           </a:p>
@@ -1366,7 +7041,7 @@
             <a:fld id="{0A74E5EB-2F6F-4E07-8581-69B91C686E22}" type="slidenum">
               <a:rPr lang="es-ES" smtClean="0"/>
               <a:pPr/>
-              <a:t>14</a:t>
+              <a:t>15</a:t>
             </a:fld>
             <a:endParaRPr lang="es-ES"/>
           </a:p>
@@ -1448,7 +7123,7 @@
             <a:fld id="{0A74E5EB-2F6F-4E07-8581-69B91C686E22}" type="slidenum">
               <a:rPr lang="es-ES" smtClean="0"/>
               <a:pPr/>
-              <a:t>15</a:t>
+              <a:t>16</a:t>
             </a:fld>
             <a:endParaRPr lang="es-ES"/>
           </a:p>
@@ -1530,7 +7205,7 @@
             <a:fld id="{0A74E5EB-2F6F-4E07-8581-69B91C686E22}" type="slidenum">
               <a:rPr lang="es-ES" smtClean="0"/>
               <a:pPr/>
-              <a:t>16</a:t>
+              <a:t>17</a:t>
             </a:fld>
             <a:endParaRPr lang="es-ES"/>
           </a:p>
@@ -1726,7 +7401,7 @@
             <a:fld id="{68526588-4A2B-4CDD-83E6-C5A70C24DAB5}" type="datetimeFigureOut">
               <a:rPr lang="es-ES" smtClean="0"/>
               <a:pPr/>
-              <a:t>19/05/2017</a:t>
+              <a:t>25/05/2017</a:t>
             </a:fld>
             <a:endParaRPr lang="es-ES"/>
           </a:p>
@@ -1893,7 +7568,7 @@
             <a:fld id="{68526588-4A2B-4CDD-83E6-C5A70C24DAB5}" type="datetimeFigureOut">
               <a:rPr lang="es-ES" smtClean="0"/>
               <a:pPr/>
-              <a:t>19/05/2017</a:t>
+              <a:t>25/05/2017</a:t>
             </a:fld>
             <a:endParaRPr lang="es-ES"/>
           </a:p>
@@ -2070,7 +7745,7 @@
             <a:fld id="{68526588-4A2B-4CDD-83E6-C5A70C24DAB5}" type="datetimeFigureOut">
               <a:rPr lang="es-ES" smtClean="0"/>
               <a:pPr/>
-              <a:t>19/05/2017</a:t>
+              <a:t>25/05/2017</a:t>
             </a:fld>
             <a:endParaRPr lang="es-ES"/>
           </a:p>
@@ -2237,7 +7912,7 @@
             <a:fld id="{68526588-4A2B-4CDD-83E6-C5A70C24DAB5}" type="datetimeFigureOut">
               <a:rPr lang="es-ES" smtClean="0"/>
               <a:pPr/>
-              <a:t>19/05/2017</a:t>
+              <a:t>25/05/2017</a:t>
             </a:fld>
             <a:endParaRPr lang="es-ES"/>
           </a:p>
@@ -2480,7 +8155,7 @@
             <a:fld id="{68526588-4A2B-4CDD-83E6-C5A70C24DAB5}" type="datetimeFigureOut">
               <a:rPr lang="es-ES" smtClean="0"/>
               <a:pPr/>
-              <a:t>19/05/2017</a:t>
+              <a:t>25/05/2017</a:t>
             </a:fld>
             <a:endParaRPr lang="es-ES"/>
           </a:p>
@@ -2765,7 +8440,7 @@
             <a:fld id="{68526588-4A2B-4CDD-83E6-C5A70C24DAB5}" type="datetimeFigureOut">
               <a:rPr lang="es-ES" smtClean="0"/>
               <a:pPr/>
-              <a:t>19/05/2017</a:t>
+              <a:t>25/05/2017</a:t>
             </a:fld>
             <a:endParaRPr lang="es-ES"/>
           </a:p>
@@ -3184,7 +8859,7 @@
             <a:fld id="{68526588-4A2B-4CDD-83E6-C5A70C24DAB5}" type="datetimeFigureOut">
               <a:rPr lang="es-ES" smtClean="0"/>
               <a:pPr/>
-              <a:t>19/05/2017</a:t>
+              <a:t>25/05/2017</a:t>
             </a:fld>
             <a:endParaRPr lang="es-ES"/>
           </a:p>
@@ -3299,7 +8974,7 @@
             <a:fld id="{68526588-4A2B-4CDD-83E6-C5A70C24DAB5}" type="datetimeFigureOut">
               <a:rPr lang="es-ES" smtClean="0"/>
               <a:pPr/>
-              <a:t>19/05/2017</a:t>
+              <a:t>25/05/2017</a:t>
             </a:fld>
             <a:endParaRPr lang="es-ES"/>
           </a:p>
@@ -3391,7 +9066,7 @@
             <a:fld id="{68526588-4A2B-4CDD-83E6-C5A70C24DAB5}" type="datetimeFigureOut">
               <a:rPr lang="es-ES" smtClean="0"/>
               <a:pPr/>
-              <a:t>19/05/2017</a:t>
+              <a:t>25/05/2017</a:t>
             </a:fld>
             <a:endParaRPr lang="es-ES"/>
           </a:p>
@@ -3665,7 +9340,7 @@
             <a:fld id="{68526588-4A2B-4CDD-83E6-C5A70C24DAB5}" type="datetimeFigureOut">
               <a:rPr lang="es-ES" smtClean="0"/>
               <a:pPr/>
-              <a:t>19/05/2017</a:t>
+              <a:t>25/05/2017</a:t>
             </a:fld>
             <a:endParaRPr lang="es-ES"/>
           </a:p>
@@ -3915,7 +9590,7 @@
             <a:fld id="{68526588-4A2B-4CDD-83E6-C5A70C24DAB5}" type="datetimeFigureOut">
               <a:rPr lang="es-ES" smtClean="0"/>
               <a:pPr/>
-              <a:t>19/05/2017</a:t>
+              <a:t>25/05/2017</a:t>
             </a:fld>
             <a:endParaRPr lang="es-ES"/>
           </a:p>
@@ -4125,7 +9800,7 @@
             <a:fld id="{68526588-4A2B-4CDD-83E6-C5A70C24DAB5}" type="datetimeFigureOut">
               <a:rPr lang="es-ES" smtClean="0"/>
               <a:pPr/>
-              <a:t>19/05/2017</a:t>
+              <a:t>25/05/2017</a:t>
             </a:fld>
             <a:endParaRPr lang="es-ES"/>
           </a:p>
@@ -4775,6 +10450,295 @@
               <a:rPr lang="es-MX" b="1" dirty="0" smtClean="0">
                 <a:latin typeface="Agency FB" pitchFamily="34" charset="0"/>
               </a:rPr>
+              <a:t>Otras Mejoras</a:t>
+            </a:r>
+            <a:endParaRPr lang="es-ES" b="1" dirty="0">
+              <a:latin typeface="Agency FB" pitchFamily="34" charset="0"/>
+            </a:endParaRPr>
+          </a:p>
+        </p:txBody>
+      </p:sp>
+      <p:sp>
+        <p:nvSpPr>
+          <p:cNvPr id="3" name="2 Marcador de contenido"/>
+          <p:cNvSpPr>
+            <a:spLocks noGrp="1"/>
+          </p:cNvSpPr>
+          <p:nvPr>
+            <p:ph idx="1"/>
+          </p:nvPr>
+        </p:nvSpPr>
+        <p:spPr>
+          <a:xfrm>
+            <a:off x="428596" y="1714488"/>
+            <a:ext cx="8229600" cy="4525963"/>
+          </a:xfrm>
+        </p:spPr>
+        <p:txBody>
+          <a:bodyPr>
+            <a:normAutofit fontScale="92500"/>
+          </a:bodyPr>
+          <a:lstStyle/>
+          <a:p>
+            <a:pPr fontAlgn="base"/>
+            <a:r>
+              <a:rPr lang="en-US" sz="3100" dirty="0" err="1" smtClean="0">
+                <a:latin typeface="Agency FB" pitchFamily="34" charset="0"/>
+              </a:rPr>
+              <a:t>Nuevas</a:t>
+            </a:r>
+            <a:r>
+              <a:rPr lang="en-US" sz="3100" dirty="0" smtClean="0">
+                <a:latin typeface="Agency FB" pitchFamily="34" charset="0"/>
+              </a:rPr>
+              <a:t> </a:t>
+            </a:r>
+            <a:r>
+              <a:rPr lang="en-US" sz="3100" dirty="0" err="1" smtClean="0">
+                <a:latin typeface="Agency FB" pitchFamily="34" charset="0"/>
+              </a:rPr>
+              <a:t>Clases</a:t>
+            </a:r>
+            <a:r>
+              <a:rPr lang="en-US" sz="3100" dirty="0" smtClean="0">
+                <a:latin typeface="Agency FB" pitchFamily="34" charset="0"/>
+              </a:rPr>
+              <a:t> en el </a:t>
+            </a:r>
+            <a:r>
+              <a:rPr lang="en-US" sz="3100" dirty="0" err="1" smtClean="0">
+                <a:latin typeface="Agency FB" pitchFamily="34" charset="0"/>
+              </a:rPr>
+              <a:t>paquete</a:t>
+            </a:r>
+            <a:r>
+              <a:rPr lang="en-US" sz="3100" dirty="0" smtClean="0">
+                <a:latin typeface="Agency FB" pitchFamily="34" charset="0"/>
+              </a:rPr>
+              <a:t> </a:t>
+            </a:r>
+            <a:r>
+              <a:rPr lang="en-US" sz="3100" b="1" dirty="0" err="1" smtClean="0">
+                <a:latin typeface="Agency FB" pitchFamily="34" charset="0"/>
+              </a:rPr>
+              <a:t>java.util.stream</a:t>
+            </a:r>
+            <a:r>
+              <a:rPr lang="en-US" sz="3100" dirty="0" smtClean="0">
+                <a:latin typeface="Agency FB" pitchFamily="34" charset="0"/>
+              </a:rPr>
+              <a:t>, </a:t>
+            </a:r>
+            <a:r>
+              <a:rPr lang="en-US" sz="3100" dirty="0" err="1" smtClean="0">
+                <a:latin typeface="Agency FB" pitchFamily="34" charset="0"/>
+              </a:rPr>
+              <a:t>que</a:t>
+            </a:r>
+            <a:r>
+              <a:rPr lang="en-US" sz="3100" dirty="0" smtClean="0">
+                <a:latin typeface="Agency FB" pitchFamily="34" charset="0"/>
+              </a:rPr>
+              <a:t> pr</a:t>
+            </a:r>
+            <a:r>
+              <a:rPr lang="es-ES" sz="3100" dirty="0" err="1" smtClean="0">
+                <a:latin typeface="Agency FB" pitchFamily="34" charset="0"/>
+              </a:rPr>
+              <a:t>oporcionan</a:t>
+            </a:r>
+            <a:r>
+              <a:rPr lang="es-ES" sz="3100" dirty="0" smtClean="0">
+                <a:latin typeface="Agency FB" pitchFamily="34" charset="0"/>
+              </a:rPr>
+              <a:t> una API de </a:t>
+            </a:r>
+            <a:r>
+              <a:rPr lang="es-ES" sz="3100" dirty="0" err="1" smtClean="0">
+                <a:latin typeface="Agency FB" pitchFamily="34" charset="0"/>
+              </a:rPr>
+              <a:t>Streams</a:t>
+            </a:r>
+            <a:r>
+              <a:rPr lang="es-ES" sz="3100" dirty="0" smtClean="0">
+                <a:latin typeface="Agency FB" pitchFamily="34" charset="0"/>
+              </a:rPr>
+              <a:t> para admitir operaciones de estilo funcional. </a:t>
+            </a:r>
+          </a:p>
+          <a:p>
+            <a:pPr fontAlgn="base"/>
+            <a:r>
+              <a:rPr lang="es-MX" dirty="0" smtClean="0">
+                <a:latin typeface="Agency FB" pitchFamily="34" charset="0"/>
+              </a:rPr>
+              <a:t>Nuevas clases en el paquete </a:t>
+            </a:r>
+            <a:r>
+              <a:rPr lang="es-MX" b="1" dirty="0" err="1" smtClean="0">
+                <a:latin typeface="Agency FB" pitchFamily="34" charset="0"/>
+              </a:rPr>
+              <a:t>java.util.concurrent</a:t>
+            </a:r>
+            <a:r>
+              <a:rPr lang="es-MX" dirty="0" smtClean="0">
+                <a:latin typeface="Agency FB" pitchFamily="34" charset="0"/>
+              </a:rPr>
+              <a:t> para facilitar el uso de las expresiones Lambda, y pools comunes.</a:t>
+            </a:r>
+            <a:endParaRPr lang="es-ES" b="1" dirty="0" smtClean="0">
+              <a:latin typeface="Agency FB" pitchFamily="34" charset="0"/>
+            </a:endParaRPr>
+          </a:p>
+          <a:p>
+            <a:pPr fontAlgn="base"/>
+            <a:r>
+              <a:rPr lang="es-ES" b="1" dirty="0" smtClean="0">
+                <a:latin typeface="Agency FB" pitchFamily="34" charset="0"/>
+              </a:rPr>
+              <a:t>Internacionalización: </a:t>
+            </a:r>
+            <a:r>
+              <a:rPr lang="es-ES" dirty="0" smtClean="0">
+                <a:latin typeface="Agency FB" pitchFamily="34" charset="0"/>
+              </a:rPr>
+              <a:t>Mejoras Unicode, incluido el soporte para Unicode 6.2.0</a:t>
+            </a:r>
+          </a:p>
+          <a:p>
+            <a:pPr fontAlgn="base"/>
+            <a:r>
+              <a:rPr lang="es-MX" dirty="0" smtClean="0">
+                <a:latin typeface="Agency FB" pitchFamily="34" charset="0"/>
+              </a:rPr>
+              <a:t>Mejoras en la librería </a:t>
+            </a:r>
+            <a:r>
+              <a:rPr lang="es-MX" b="1" dirty="0" smtClean="0">
+                <a:latin typeface="Agency FB" pitchFamily="34" charset="0"/>
+              </a:rPr>
+              <a:t>JDBC</a:t>
+            </a:r>
+          </a:p>
+          <a:p>
+            <a:pPr fontAlgn="base"/>
+            <a:r>
+              <a:rPr lang="es-MX" dirty="0" smtClean="0">
+                <a:latin typeface="Agency FB" pitchFamily="34" charset="0"/>
+              </a:rPr>
+              <a:t>Mejoras de seguridad en la librería </a:t>
+            </a:r>
+            <a:r>
+              <a:rPr lang="es-MX" b="1" dirty="0" smtClean="0">
+                <a:latin typeface="Agency FB" pitchFamily="34" charset="0"/>
+              </a:rPr>
+              <a:t>java.net</a:t>
+            </a:r>
+          </a:p>
+        </p:txBody>
+      </p:sp>
+      <p:sp>
+        <p:nvSpPr>
+          <p:cNvPr id="4" name="3 CuadroTexto"/>
+          <p:cNvSpPr txBox="1"/>
+          <p:nvPr/>
+        </p:nvSpPr>
+        <p:spPr>
+          <a:xfrm>
+            <a:off x="642910" y="6500834"/>
+            <a:ext cx="5070619" cy="307777"/>
+          </a:xfrm>
+          <a:prstGeom prst="rect">
+            <a:avLst/>
+          </a:prstGeom>
+          <a:noFill/>
+        </p:spPr>
+        <p:txBody>
+          <a:bodyPr wrap="none" rtlCol="0">
+            <a:spAutoFit/>
+          </a:bodyPr>
+          <a:lstStyle/>
+          <a:p>
+            <a:r>
+              <a:rPr lang="es-ES" sz="1400" dirty="0" smtClean="0">
+                <a:latin typeface="Agency FB" pitchFamily="34" charset="0"/>
+                <a:cs typeface="Consolas" pitchFamily="49" charset="0"/>
+              </a:rPr>
+              <a:t>Fuente: </a:t>
+            </a:r>
+            <a:r>
+              <a:rPr lang="es-ES" sz="1400" dirty="0" smtClean="0">
+                <a:latin typeface="Agency FB" pitchFamily="34" charset="0"/>
+                <a:cs typeface="Consolas" pitchFamily="49" charset="0"/>
+                <a:hlinkClick r:id="rId3"/>
+              </a:rPr>
+              <a:t>http://www.oracle.com/technetwork/java/javase/8-whats-new-2157071.html</a:t>
+            </a:r>
+            <a:r>
+              <a:rPr lang="es-ES" sz="1400" dirty="0" smtClean="0">
+                <a:latin typeface="Agency FB" pitchFamily="34" charset="0"/>
+                <a:cs typeface="Consolas" pitchFamily="49" charset="0"/>
+              </a:rPr>
+              <a:t> </a:t>
+            </a:r>
+            <a:endParaRPr lang="es-ES" sz="1400" dirty="0">
+              <a:latin typeface="Agency FB" pitchFamily="34" charset="0"/>
+              <a:cs typeface="Consolas" pitchFamily="49" charset="0"/>
+            </a:endParaRPr>
+          </a:p>
+        </p:txBody>
+      </p:sp>
+    </p:spTree>
+  </p:cSld>
+  <p:clrMapOvr>
+    <a:masterClrMapping/>
+  </p:clrMapOvr>
+  <p:timing>
+    <p:tnLst>
+      <p:par>
+        <p:cTn id="1" dur="indefinite" restart="never" nodeType="tmRoot"/>
+      </p:par>
+    </p:tnLst>
+  </p:timing>
+</p:sld>
+</file>
+
+<file path=ppt/slides/slide11.xml><?xml version="1.0" encoding="utf-8"?>
+<p:sld xmlns:a="http://schemas.openxmlformats.org/drawingml/2006/main" xmlns:r="http://schemas.openxmlformats.org/officeDocument/2006/relationships" xmlns:p="http://schemas.openxmlformats.org/presentationml/2006/main">
+  <p:cSld>
+    <p:spTree>
+      <p:nvGrpSpPr>
+        <p:cNvPr id="1" name=""/>
+        <p:cNvGrpSpPr/>
+        <p:nvPr/>
+      </p:nvGrpSpPr>
+      <p:grpSpPr>
+        <a:xfrm>
+          <a:off x="0" y="0"/>
+          <a:ext cx="0" cy="0"/>
+          <a:chOff x="0" y="0"/>
+          <a:chExt cx="0" cy="0"/>
+        </a:xfrm>
+      </p:grpSpPr>
+      <p:sp>
+        <p:nvSpPr>
+          <p:cNvPr id="2" name="1 Título"/>
+          <p:cNvSpPr>
+            <a:spLocks noGrp="1"/>
+          </p:cNvSpPr>
+          <p:nvPr>
+            <p:ph type="title"/>
+          </p:nvPr>
+        </p:nvSpPr>
+        <p:spPr/>
+        <p:txBody>
+          <a:bodyPr/>
+          <a:lstStyle/>
+          <a:p>
+            <a:r>
+              <a:rPr lang="es-MX" b="1" dirty="0" smtClean="0">
+                <a:latin typeface="Agency FB" pitchFamily="34" charset="0"/>
+              </a:rPr>
               <a:t>Paradigmas de Programación</a:t>
             </a:r>
             <a:endParaRPr lang="es-ES" b="1" dirty="0">
@@ -4843,175 +10807,6 @@
 </p:sld>
 </file>
 
-<file path=ppt/slides/slide11.xml><?xml version="1.0" encoding="utf-8"?>
-<p:sld xmlns:a="http://schemas.openxmlformats.org/drawingml/2006/main" xmlns:r="http://schemas.openxmlformats.org/officeDocument/2006/relationships" xmlns:p="http://schemas.openxmlformats.org/presentationml/2006/main">
-  <p:cSld>
-    <p:spTree>
-      <p:nvGrpSpPr>
-        <p:cNvPr id="1" name=""/>
-        <p:cNvGrpSpPr/>
-        <p:nvPr/>
-      </p:nvGrpSpPr>
-      <p:grpSpPr>
-        <a:xfrm>
-          <a:off x="0" y="0"/>
-          <a:ext cx="0" cy="0"/>
-          <a:chOff x="0" y="0"/>
-          <a:chExt cx="0" cy="0"/>
-        </a:xfrm>
-      </p:grpSpPr>
-      <p:sp>
-        <p:nvSpPr>
-          <p:cNvPr id="2" name="1 Título"/>
-          <p:cNvSpPr>
-            <a:spLocks noGrp="1"/>
-          </p:cNvSpPr>
-          <p:nvPr>
-            <p:ph type="title"/>
-          </p:nvPr>
-        </p:nvSpPr>
-        <p:spPr/>
-        <p:txBody>
-          <a:bodyPr/>
-          <a:lstStyle/>
-          <a:p>
-            <a:r>
-              <a:rPr lang="es-MX" b="1" dirty="0" smtClean="0">
-                <a:latin typeface="Agency FB" pitchFamily="34" charset="0"/>
-              </a:rPr>
-              <a:t>Programación Funcional</a:t>
-            </a:r>
-            <a:endParaRPr lang="es-ES" b="1" dirty="0">
-              <a:latin typeface="Agency FB" pitchFamily="34" charset="0"/>
-            </a:endParaRPr>
-          </a:p>
-        </p:txBody>
-      </p:sp>
-      <p:sp>
-        <p:nvSpPr>
-          <p:cNvPr id="3" name="2 Marcador de contenido"/>
-          <p:cNvSpPr>
-            <a:spLocks noGrp="1"/>
-          </p:cNvSpPr>
-          <p:nvPr>
-            <p:ph idx="1"/>
-          </p:nvPr>
-        </p:nvSpPr>
-        <p:spPr>
-          <a:xfrm>
-            <a:off x="428596" y="1714488"/>
-            <a:ext cx="8229600" cy="4525963"/>
-          </a:xfrm>
-        </p:spPr>
-        <p:txBody>
-          <a:bodyPr>
-            <a:normAutofit fontScale="92500" lnSpcReduction="20000"/>
-          </a:bodyPr>
-          <a:lstStyle/>
-          <a:p>
-            <a:pPr fontAlgn="base"/>
-            <a:r>
-              <a:rPr lang="es-ES" sz="3100" dirty="0" smtClean="0">
-                <a:latin typeface="Agency FB" pitchFamily="34" charset="0"/>
-              </a:rPr>
-              <a:t>Es un paradigma de </a:t>
-            </a:r>
-            <a:r>
-              <a:rPr lang="es-ES" sz="3100" b="1" dirty="0" smtClean="0">
-                <a:latin typeface="Agency FB" pitchFamily="34" charset="0"/>
-              </a:rPr>
-              <a:t>programación declarativa </a:t>
-            </a:r>
-            <a:r>
-              <a:rPr lang="es-ES" sz="3100" dirty="0" smtClean="0">
-                <a:latin typeface="Agency FB" pitchFamily="34" charset="0"/>
-              </a:rPr>
-              <a:t>basado en el uso de funciones matemáticas.</a:t>
-            </a:r>
-          </a:p>
-          <a:p>
-            <a:pPr fontAlgn="base"/>
-            <a:endParaRPr lang="es-ES" sz="3100" dirty="0" smtClean="0">
-              <a:latin typeface="Agency FB" pitchFamily="34" charset="0"/>
-            </a:endParaRPr>
-          </a:p>
-          <a:p>
-            <a:pPr fontAlgn="base"/>
-            <a:r>
-              <a:rPr lang="es-ES" sz="3100" dirty="0" smtClean="0">
-                <a:latin typeface="Agency FB" pitchFamily="34" charset="0"/>
-              </a:rPr>
-              <a:t>En contraste con la </a:t>
-            </a:r>
-            <a:r>
-              <a:rPr lang="es-ES" sz="3100" b="1" dirty="0" smtClean="0">
-                <a:latin typeface="Agency FB" pitchFamily="34" charset="0"/>
-              </a:rPr>
-              <a:t>programación imperativa</a:t>
-            </a:r>
-            <a:r>
-              <a:rPr lang="es-ES" sz="3100" dirty="0" smtClean="0">
-                <a:latin typeface="Agency FB" pitchFamily="34" charset="0"/>
-              </a:rPr>
-              <a:t>, que enfatiza los cambios de estado mediante la mutación de variables. </a:t>
-            </a:r>
-          </a:p>
-          <a:p>
-            <a:pPr fontAlgn="base"/>
-            <a:endParaRPr lang="es-ES" sz="3100" dirty="0" smtClean="0">
-              <a:latin typeface="Agency FB" pitchFamily="34" charset="0"/>
-            </a:endParaRPr>
-          </a:p>
-          <a:p>
-            <a:pPr fontAlgn="base"/>
-            <a:r>
-              <a:rPr lang="es-ES" sz="3100" dirty="0" smtClean="0">
-                <a:latin typeface="Agency FB" pitchFamily="34" charset="0"/>
-              </a:rPr>
-              <a:t>La programación funcional tiene sus raíces en el </a:t>
-            </a:r>
-            <a:r>
-              <a:rPr lang="es-ES" sz="3100" b="1" dirty="0" smtClean="0">
-                <a:latin typeface="Agency FB" pitchFamily="34" charset="0"/>
-              </a:rPr>
-              <a:t>cálculo lambda.</a:t>
-            </a:r>
-          </a:p>
-          <a:p>
-            <a:pPr fontAlgn="base"/>
-            <a:endParaRPr lang="es-MX" sz="3100" b="1" dirty="0" smtClean="0">
-              <a:latin typeface="Agency FB" pitchFamily="34" charset="0"/>
-            </a:endParaRPr>
-          </a:p>
-          <a:p>
-            <a:pPr fontAlgn="base"/>
-            <a:r>
-              <a:rPr lang="es-ES" dirty="0" smtClean="0">
-                <a:latin typeface="Agency FB" pitchFamily="34" charset="0"/>
-              </a:rPr>
-              <a:t>La solución es obtenida mediante mecanismos internos de control, sin especificar exactamente cómo encontrarla.</a:t>
-            </a:r>
-            <a:endParaRPr lang="es-MX" dirty="0" smtClean="0">
-              <a:latin typeface="Agency FB" pitchFamily="34" charset="0"/>
-            </a:endParaRPr>
-          </a:p>
-        </p:txBody>
-      </p:sp>
-    </p:spTree>
-  </p:cSld>
-  <p:clrMapOvr>
-    <a:masterClrMapping/>
-  </p:clrMapOvr>
-  <p:timing>
-    <p:tnLst>
-      <p:par>
-        <p:cTn id="1" dur="indefinite" restart="never" nodeType="tmRoot"/>
-      </p:par>
-    </p:tnLst>
-  </p:timing>
-</p:sld>
-</file>
-
 <file path=ppt/slides/slide12.xml><?xml version="1.0" encoding="utf-8"?>
 <p:sld xmlns:a="http://schemas.openxmlformats.org/drawingml/2006/main" xmlns:r="http://schemas.openxmlformats.org/officeDocument/2006/relationships" xmlns:p="http://schemas.openxmlformats.org/presentationml/2006/main">
   <p:cSld>
@@ -5048,7 +10843,7 @@
               <a:rPr lang="es-MX" b="1" dirty="0" smtClean="0">
                 <a:latin typeface="Agency FB" pitchFamily="34" charset="0"/>
               </a:rPr>
-              <a:t>Diferencia entre Imperativa y Declarativa</a:t>
+              <a:t>Programación Funcional</a:t>
             </a:r>
             <a:endParaRPr lang="es-ES" b="1" dirty="0">
               <a:latin typeface="Agency FB" pitchFamily="34" charset="0"/>
@@ -5083,31 +10878,19 @@
               <a:rPr lang="es-ES" sz="3100" dirty="0" smtClean="0">
                 <a:latin typeface="Agency FB" pitchFamily="34" charset="0"/>
               </a:rPr>
-              <a:t>En </a:t>
+              <a:t>Es un paradigma de </a:t>
             </a:r>
             <a:r>
               <a:rPr lang="es-ES" sz="3100" b="1" dirty="0" smtClean="0">
                 <a:latin typeface="Agency FB" pitchFamily="34" charset="0"/>
               </a:rPr>
-              <a:t>la programación imperativa</a:t>
+              <a:t>programación declarativa </a:t>
             </a:r>
             <a:r>
               <a:rPr lang="es-ES" sz="3100" dirty="0" smtClean="0">
                 <a:latin typeface="Agency FB" pitchFamily="34" charset="0"/>
               </a:rPr>
-              <a:t> se describe paso a paso un conjunto de instrucciones que deben ejecutarse para variar el estado del programa y hallar la solución, es decir, </a:t>
-            </a:r>
-            <a:r>
-              <a:rPr lang="es-ES" sz="3100" b="1" dirty="0" smtClean="0">
-                <a:latin typeface="Agency FB" pitchFamily="34" charset="0"/>
-              </a:rPr>
-              <a:t>un algoritmo </a:t>
-            </a:r>
-            <a:r>
-              <a:rPr lang="es-ES" sz="3100" dirty="0" smtClean="0">
-                <a:latin typeface="Agency FB" pitchFamily="34" charset="0"/>
-              </a:rPr>
-              <a:t>en el que se describen los pasos necesarios para solucionar el problema.</a:t>
+              <a:t>basado en el uso de funciones matemáticas.</a:t>
             </a:r>
           </a:p>
           <a:p>
@@ -5122,31 +10905,55 @@
               <a:rPr lang="es-ES" sz="3100" dirty="0" smtClean="0">
                 <a:latin typeface="Agency FB" pitchFamily="34" charset="0"/>
               </a:rPr>
-              <a:t>En la </a:t>
+              <a:t>En contraste con la </a:t>
             </a:r>
             <a:r>
               <a:rPr lang="es-ES" sz="3100" b="1" dirty="0" smtClean="0">
                 <a:latin typeface="Agency FB" pitchFamily="34" charset="0"/>
               </a:rPr>
-              <a:t>programación declarativa </a:t>
+              <a:t>programación imperativa</a:t>
             </a:r>
             <a:r>
               <a:rPr lang="es-ES" sz="3100" dirty="0" smtClean="0">
                 <a:latin typeface="Agency FB" pitchFamily="34" charset="0"/>
               </a:rPr>
-              <a:t>las sentencias que se utilizan lo que hacen es describir el problema que se quiere solucionar; se programa diciendo lo que se quiere resolver a nivel de usuario, pero no las instrucciones necesarias para solucionarlo. Esto último se realizará mediante </a:t>
+              <a:t>, que enfatiza los cambios de estado mediante la mutación de variables. </a:t>
+            </a:r>
+          </a:p>
+          <a:p>
+            <a:pPr fontAlgn="base"/>
+            <a:endParaRPr lang="es-ES" sz="3100" dirty="0" smtClean="0">
+              <a:latin typeface="Agency FB" pitchFamily="34" charset="0"/>
+            </a:endParaRPr>
+          </a:p>
+          <a:p>
+            <a:pPr fontAlgn="base"/>
+            <a:r>
+              <a:rPr lang="es-ES" sz="3100" dirty="0" smtClean="0">
+                <a:latin typeface="Agency FB" pitchFamily="34" charset="0"/>
+              </a:rPr>
+              <a:t>La programación funcional tiene sus raíces en el </a:t>
             </a:r>
             <a:r>
               <a:rPr lang="es-ES" sz="3100" b="1" dirty="0" smtClean="0">
                 <a:latin typeface="Agency FB" pitchFamily="34" charset="0"/>
               </a:rPr>
-              <a:t>mecanismos internos de inferencia de información </a:t>
-            </a:r>
-            <a:r>
-              <a:rPr lang="es-ES" sz="3100" dirty="0" smtClean="0">
-                <a:latin typeface="Agency FB" pitchFamily="34" charset="0"/>
-              </a:rPr>
-              <a:t>a partir de la descripción realizada.</a:t>
+              <a:t>cálculo lambda.</a:t>
+            </a:r>
+          </a:p>
+          <a:p>
+            <a:pPr fontAlgn="base"/>
+            <a:endParaRPr lang="es-MX" sz="3100" b="1" dirty="0" smtClean="0">
+              <a:latin typeface="Agency FB" pitchFamily="34" charset="0"/>
+            </a:endParaRPr>
+          </a:p>
+          <a:p>
+            <a:pPr fontAlgn="base"/>
+            <a:r>
+              <a:rPr lang="es-ES" dirty="0" smtClean="0">
+                <a:latin typeface="Agency FB" pitchFamily="34" charset="0"/>
+              </a:rPr>
+              <a:t>La solución es obtenida mediante mecanismos internos de control, sin especificar exactamente cómo encontrarla.</a:t>
             </a:r>
             <a:endParaRPr lang="es-MX" dirty="0" smtClean="0">
               <a:latin typeface="Agency FB" pitchFamily="34" charset="0"/>
@@ -5205,7 +11012,7 @@
               <a:rPr lang="es-MX" b="1" dirty="0" smtClean="0">
                 <a:latin typeface="Agency FB" pitchFamily="34" charset="0"/>
               </a:rPr>
-              <a:t>Funciones Lambda</a:t>
+              <a:t>Diferencia entre Imperativa y Declarativa</a:t>
             </a:r>
             <a:endParaRPr lang="es-ES" b="1" dirty="0">
               <a:latin typeface="Agency FB" pitchFamily="34" charset="0"/>
@@ -5231,69 +11038,82 @@
         </p:spPr>
         <p:txBody>
           <a:bodyPr>
-            <a:normAutofit/>
+            <a:normAutofit fontScale="92500" lnSpcReduction="20000"/>
           </a:bodyPr>
           <a:lstStyle/>
           <a:p>
             <a:pPr fontAlgn="base"/>
             <a:r>
-              <a:rPr lang="es-MX" sz="3100" dirty="0" smtClean="0">
-                <a:latin typeface="Agency FB" pitchFamily="34" charset="0"/>
-              </a:rPr>
-              <a:t>Son funciones anónimas</a:t>
+              <a:rPr lang="es-ES" sz="3100" dirty="0" smtClean="0">
+                <a:latin typeface="Agency FB" pitchFamily="34" charset="0"/>
+              </a:rPr>
+              <a:t>En </a:t>
+            </a:r>
+            <a:r>
+              <a:rPr lang="es-ES" sz="3100" b="1" dirty="0" smtClean="0">
+                <a:latin typeface="Agency FB" pitchFamily="34" charset="0"/>
+              </a:rPr>
+              <a:t>la programación imperativa</a:t>
+            </a:r>
+            <a:r>
+              <a:rPr lang="es-ES" sz="3100" dirty="0" smtClean="0">
+                <a:latin typeface="Agency FB" pitchFamily="34" charset="0"/>
+              </a:rPr>
+              <a:t> se describe paso a paso un conjunto de instrucciones que deben ejecutarse para variar el estado del programa y hallar la solución, es decir, </a:t>
+            </a:r>
+            <a:r>
+              <a:rPr lang="es-ES" sz="3100" b="1" dirty="0" smtClean="0">
+                <a:latin typeface="Agency FB" pitchFamily="34" charset="0"/>
+              </a:rPr>
+              <a:t>un algoritmo </a:t>
+            </a:r>
+            <a:r>
+              <a:rPr lang="es-ES" sz="3100" dirty="0" smtClean="0">
+                <a:latin typeface="Agency FB" pitchFamily="34" charset="0"/>
+              </a:rPr>
+              <a:t>en el que se describen los pasos necesarios para solucionar el problema.</a:t>
             </a:r>
           </a:p>
           <a:p>
             <a:pPr fontAlgn="base"/>
-            <a:r>
-              <a:rPr lang="es-MX" sz="3100" dirty="0" smtClean="0">
-                <a:latin typeface="Agency FB" pitchFamily="34" charset="0"/>
-              </a:rPr>
-              <a:t>No necesita un método para ser invocada</a:t>
-            </a:r>
-          </a:p>
-          <a:p>
-            <a:pPr fontAlgn="base"/>
-            <a:r>
-              <a:rPr lang="es-MX" sz="3100" dirty="0" smtClean="0">
-                <a:latin typeface="Agency FB" pitchFamily="34" charset="0"/>
-              </a:rPr>
-              <a:t>Esenciales</a:t>
-            </a:r>
-            <a:r>
-              <a:rPr lang="es-MX" sz="3100" dirty="0" smtClean="0">
-                <a:latin typeface="Agency FB" pitchFamily="34" charset="0"/>
-              </a:rPr>
-              <a:t> para entender la Programación Declarativa</a:t>
-            </a:r>
-          </a:p>
-          <a:p>
-            <a:pPr fontAlgn="base"/>
-            <a:endParaRPr lang="es-MX" sz="3100" dirty="0" smtClean="0">
+            <a:endParaRPr lang="es-ES" sz="3100" dirty="0" smtClean="0">
               <a:latin typeface="Agency FB" pitchFamily="34" charset="0"/>
             </a:endParaRPr>
           </a:p>
           <a:p>
-            <a:pPr lvl="1" fontAlgn="base">
-              <a:buNone/>
-            </a:pPr>
-            <a:r>
-              <a:rPr lang="es-MX" sz="2700" smtClean="0">
-                <a:latin typeface="Consolas" pitchFamily="49" charset="0"/>
-                <a:cs typeface="Consolas" pitchFamily="49" charset="0"/>
-              </a:rPr>
-              <a:t>Parámetros -&gt; </a:t>
-            </a:r>
-            <a:r>
-              <a:rPr lang="es-MX" sz="2700" dirty="0" smtClean="0">
-                <a:latin typeface="Consolas" pitchFamily="49" charset="0"/>
-                <a:cs typeface="Consolas" pitchFamily="49" charset="0"/>
-              </a:rPr>
-              <a:t>expresión</a:t>
+            <a:pPr fontAlgn="base"/>
+            <a:r>
+              <a:rPr lang="es-ES" sz="3100" dirty="0" smtClean="0">
+                <a:latin typeface="Agency FB" pitchFamily="34" charset="0"/>
+              </a:rPr>
+              <a:t>En la </a:t>
+            </a:r>
+            <a:r>
+              <a:rPr lang="es-ES" sz="3100" b="1" dirty="0" smtClean="0">
+                <a:latin typeface="Agency FB" pitchFamily="34" charset="0"/>
+              </a:rPr>
+              <a:t>programación declarativa </a:t>
+            </a:r>
+            <a:r>
+              <a:rPr lang="es-ES" sz="3100" dirty="0" smtClean="0">
+                <a:latin typeface="Agency FB" pitchFamily="34" charset="0"/>
+              </a:rPr>
+              <a:t>las sentencias que se utilizan lo que hacen es describir el problema que se quiere solucionar; se programa diciendo lo que se quiere resolver a nivel de usuario, pero no las instrucciones necesarias para solucionarlo. Esto último se realizará mediante </a:t>
+            </a:r>
+            <a:r>
+              <a:rPr lang="es-ES" sz="3100" b="1" dirty="0" smtClean="0">
+                <a:latin typeface="Agency FB" pitchFamily="34" charset="0"/>
+              </a:rPr>
+              <a:t>mecanismos internos de inferencia de información </a:t>
+            </a:r>
+            <a:r>
+              <a:rPr lang="es-ES" sz="3100" dirty="0" smtClean="0">
+                <a:latin typeface="Agency FB" pitchFamily="34" charset="0"/>
+              </a:rPr>
+              <a:t>a partir de la descripción realizada.</a:t>
             </a:r>
             <a:endParaRPr lang="es-MX" dirty="0" smtClean="0">
-              <a:latin typeface="Consolas" pitchFamily="49" charset="0"/>
-              <a:cs typeface="Consolas" pitchFamily="49" charset="0"/>
+              <a:latin typeface="Agency FB" pitchFamily="34" charset="0"/>
             </a:endParaRPr>
           </a:p>
         </p:txBody>
@@ -5314,6 +11134,144 @@
 </file>
 
 <file path=ppt/slides/slide14.xml><?xml version="1.0" encoding="utf-8"?>
+<p:sld xmlns:a="http://schemas.openxmlformats.org/drawingml/2006/main" xmlns:r="http://schemas.openxmlformats.org/officeDocument/2006/relationships" xmlns:p="http://schemas.openxmlformats.org/presentationml/2006/main">
+  <p:cSld>
+    <p:spTree>
+      <p:nvGrpSpPr>
+        <p:cNvPr id="1" name=""/>
+        <p:cNvGrpSpPr/>
+        <p:nvPr/>
+      </p:nvGrpSpPr>
+      <p:grpSpPr>
+        <a:xfrm>
+          <a:off x="0" y="0"/>
+          <a:ext cx="0" cy="0"/>
+          <a:chOff x="0" y="0"/>
+          <a:chExt cx="0" cy="0"/>
+        </a:xfrm>
+      </p:grpSpPr>
+      <p:sp>
+        <p:nvSpPr>
+          <p:cNvPr id="2" name="1 Título"/>
+          <p:cNvSpPr>
+            <a:spLocks noGrp="1"/>
+          </p:cNvSpPr>
+          <p:nvPr>
+            <p:ph type="title"/>
+          </p:nvPr>
+        </p:nvSpPr>
+        <p:spPr/>
+        <p:txBody>
+          <a:bodyPr/>
+          <a:lstStyle/>
+          <a:p>
+            <a:r>
+              <a:rPr lang="es-MX" b="1" dirty="0" smtClean="0">
+                <a:latin typeface="Agency FB" pitchFamily="34" charset="0"/>
+              </a:rPr>
+              <a:t>Funciones Lambda</a:t>
+            </a:r>
+            <a:endParaRPr lang="es-ES" b="1" dirty="0">
+              <a:latin typeface="Agency FB" pitchFamily="34" charset="0"/>
+            </a:endParaRPr>
+          </a:p>
+        </p:txBody>
+      </p:sp>
+      <p:sp>
+        <p:nvSpPr>
+          <p:cNvPr id="3" name="2 Marcador de contenido"/>
+          <p:cNvSpPr>
+            <a:spLocks noGrp="1"/>
+          </p:cNvSpPr>
+          <p:nvPr>
+            <p:ph idx="1"/>
+          </p:nvPr>
+        </p:nvSpPr>
+        <p:spPr>
+          <a:xfrm>
+            <a:off x="428596" y="1714488"/>
+            <a:ext cx="8229600" cy="4525963"/>
+          </a:xfrm>
+        </p:spPr>
+        <p:txBody>
+          <a:bodyPr>
+            <a:normAutofit/>
+          </a:bodyPr>
+          <a:lstStyle/>
+          <a:p>
+            <a:pPr fontAlgn="base"/>
+            <a:r>
+              <a:rPr lang="es-MX" sz="3100" dirty="0" smtClean="0">
+                <a:latin typeface="Agency FB" pitchFamily="34" charset="0"/>
+              </a:rPr>
+              <a:t>Son funciones anónimas</a:t>
+            </a:r>
+          </a:p>
+          <a:p>
+            <a:pPr fontAlgn="base"/>
+            <a:r>
+              <a:rPr lang="es-MX" sz="3100" dirty="0" smtClean="0">
+                <a:latin typeface="Agency FB" pitchFamily="34" charset="0"/>
+              </a:rPr>
+              <a:t>No necesita un método para ser invocada</a:t>
+            </a:r>
+          </a:p>
+          <a:p>
+            <a:pPr fontAlgn="base"/>
+            <a:r>
+              <a:rPr lang="es-MX" sz="3100" dirty="0" smtClean="0">
+                <a:latin typeface="Agency FB" pitchFamily="34" charset="0"/>
+              </a:rPr>
+              <a:t>Esenciales para entender la Programación Declarativa</a:t>
+            </a:r>
+          </a:p>
+          <a:p>
+            <a:pPr fontAlgn="base"/>
+            <a:endParaRPr lang="es-MX" sz="3100" dirty="0" smtClean="0">
+              <a:latin typeface="Agency FB" pitchFamily="34" charset="0"/>
+            </a:endParaRPr>
+          </a:p>
+          <a:p>
+            <a:pPr lvl="1" fontAlgn="base">
+              <a:buNone/>
+            </a:pPr>
+            <a:r>
+              <a:rPr lang="es-MX" sz="2700" smtClean="0">
+                <a:latin typeface="Consolas" pitchFamily="49" charset="0"/>
+                <a:cs typeface="Consolas" pitchFamily="49" charset="0"/>
+              </a:rPr>
+              <a:t>Parámetros -&gt; </a:t>
+            </a:r>
+            <a:r>
+              <a:rPr lang="es-MX" sz="2700" dirty="0" smtClean="0">
+                <a:latin typeface="Consolas" pitchFamily="49" charset="0"/>
+                <a:cs typeface="Consolas" pitchFamily="49" charset="0"/>
+              </a:rPr>
+              <a:t>expresión</a:t>
+            </a:r>
+            <a:endParaRPr lang="es-MX" dirty="0" smtClean="0">
+              <a:latin typeface="Consolas" pitchFamily="49" charset="0"/>
+              <a:cs typeface="Consolas" pitchFamily="49" charset="0"/>
+            </a:endParaRPr>
+          </a:p>
+        </p:txBody>
+      </p:sp>
+    </p:spTree>
+  </p:cSld>
+  <p:clrMapOvr>
+    <a:masterClrMapping/>
+  </p:clrMapOvr>
+  <p:timing>
+    <p:tnLst>
+      <p:par>
+        <p:cTn id="1" dur="indefinite" restart="never" nodeType="tmRoot"/>
+      </p:par>
+    </p:tnLst>
+  </p:timing>
+</p:sld>
+</file>
+
+<file path=ppt/slides/slide15.xml><?xml version="1.0" encoding="utf-8"?>
 <p:sld xmlns:a="http://schemas.openxmlformats.org/drawingml/2006/main" xmlns:r="http://schemas.openxmlformats.org/officeDocument/2006/relationships" xmlns:p="http://schemas.openxmlformats.org/presentationml/2006/main">
   <p:cSld>
     <p:spTree>
@@ -5486,7 +11444,7 @@
 </p:sld>
 </file>
 
-<file path=ppt/slides/slide15.xml><?xml version="1.0" encoding="utf-8"?>
+<file path=ppt/slides/slide16.xml><?xml version="1.0" encoding="utf-8"?>
 <p:sld xmlns:a="http://schemas.openxmlformats.org/drawingml/2006/main" xmlns:r="http://schemas.openxmlformats.org/officeDocument/2006/relationships" xmlns:p="http://schemas.openxmlformats.org/presentationml/2006/main">
   <p:cSld>
     <p:spTree>
@@ -5571,7 +11529,7 @@
 </p:sld>
 </file>
 
-<file path=ppt/slides/slide16.xml><?xml version="1.0" encoding="utf-8"?>
+<file path=ppt/slides/slide17.xml><?xml version="1.0" encoding="utf-8"?>
 <p:sld xmlns:a="http://schemas.openxmlformats.org/drawingml/2006/main" xmlns:r="http://schemas.openxmlformats.org/officeDocument/2006/relationships" xmlns:p="http://schemas.openxmlformats.org/presentationml/2006/main">
   <p:cSld>
     <p:spTree>
@@ -5852,7 +11810,7 @@
 </p:sld>
 </file>
 
-<file path=ppt/slides/slide17.xml><?xml version="1.0" encoding="utf-8"?>
+<file path=ppt/slides/slide18.xml><?xml version="1.0" encoding="utf-8"?>
 <p:sld xmlns:a="http://schemas.openxmlformats.org/drawingml/2006/main" xmlns:r="http://schemas.openxmlformats.org/officeDocument/2006/relationships" xmlns:p="http://schemas.openxmlformats.org/presentationml/2006/main">
   <p:cSld>
     <p:spTree>
@@ -5937,7 +11895,7 @@
 </p:sld>
 </file>
 
-<file path=ppt/slides/slide18.xml><?xml version="1.0" encoding="utf-8"?>
+<file path=ppt/slides/slide19.xml><?xml version="1.0" encoding="utf-8"?>
 <p:sld xmlns:a="http://schemas.openxmlformats.org/drawingml/2006/main" xmlns:r="http://schemas.openxmlformats.org/officeDocument/2006/relationships" xmlns:p="http://schemas.openxmlformats.org/presentationml/2006/main">
   <p:cSld>
     <p:spTree>
@@ -6095,91 +12053,6 @@
             <a:tailEnd/>
           </a:ln>
           <a:effectLst/>
-        </p:spPr>
-      </p:pic>
-    </p:spTree>
-  </p:cSld>
-  <p:clrMapOvr>
-    <a:masterClrMapping/>
-  </p:clrMapOvr>
-  <p:timing>
-    <p:tnLst>
-      <p:par>
-        <p:cTn id="1" dur="indefinite" restart="never" nodeType="tmRoot"/>
-      </p:par>
-    </p:tnLst>
-  </p:timing>
-</p:sld>
-</file>
-
-<file path=ppt/slides/slide19.xml><?xml version="1.0" encoding="utf-8"?>
-<p:sld xmlns:a="http://schemas.openxmlformats.org/drawingml/2006/main" xmlns:r="http://schemas.openxmlformats.org/officeDocument/2006/relationships" xmlns:p="http://schemas.openxmlformats.org/presentationml/2006/main">
-  <p:cSld>
-    <p:spTree>
-      <p:nvGrpSpPr>
-        <p:cNvPr id="1" name=""/>
-        <p:cNvGrpSpPr/>
-        <p:nvPr/>
-      </p:nvGrpSpPr>
-      <p:grpSpPr>
-        <a:xfrm>
-          <a:off x="0" y="0"/>
-          <a:ext cx="0" cy="0"/>
-          <a:chOff x="0" y="0"/>
-          <a:chExt cx="0" cy="0"/>
-        </a:xfrm>
-      </p:grpSpPr>
-      <p:sp>
-        <p:nvSpPr>
-          <p:cNvPr id="2" name="1 Título"/>
-          <p:cNvSpPr>
-            <a:spLocks noGrp="1"/>
-          </p:cNvSpPr>
-          <p:nvPr>
-            <p:ph type="title"/>
-          </p:nvPr>
-        </p:nvSpPr>
-        <p:spPr/>
-        <p:txBody>
-          <a:bodyPr/>
-          <a:lstStyle/>
-          <a:p>
-            <a:r>
-              <a:rPr lang="es-MX" b="1" dirty="0" smtClean="0">
-                <a:latin typeface="Agency FB" pitchFamily="34" charset="0"/>
-              </a:rPr>
-              <a:t>Operaciones Realizadas</a:t>
-            </a:r>
-            <a:endParaRPr lang="es-ES" b="1" dirty="0">
-              <a:latin typeface="Agency FB" pitchFamily="34" charset="0"/>
-            </a:endParaRPr>
-          </a:p>
-        </p:txBody>
-      </p:sp>
-      <p:pic>
-        <p:nvPicPr>
-          <p:cNvPr id="41986" name="Picture 2" descr="map"/>
-          <p:cNvPicPr>
-            <a:picLocks noChangeAspect="1" noChangeArrowheads="1"/>
-          </p:cNvPicPr>
-          <p:nvPr/>
-        </p:nvPicPr>
-        <p:blipFill>
-          <a:blip r:embed="rId3"/>
-          <a:srcRect/>
-          <a:stretch>
-            <a:fillRect/>
-          </a:stretch>
-        </p:blipFill>
-        <p:spPr bwMode="auto">
-          <a:xfrm>
-            <a:off x="285720" y="1928802"/>
-            <a:ext cx="8516342" cy="3429024"/>
-          </a:xfrm>
-          <a:prstGeom prst="rect">
-            <a:avLst/>
-          </a:prstGeom>
-          <a:noFill/>
         </p:spPr>
       </p:pic>
     </p:spTree>
@@ -6319,6 +12192,91 @@
               <a:rPr lang="es-MX" b="1" dirty="0" smtClean="0">
                 <a:latin typeface="Agency FB" pitchFamily="34" charset="0"/>
               </a:rPr>
+              <a:t>Operaciones Realizadas</a:t>
+            </a:r>
+            <a:endParaRPr lang="es-ES" b="1" dirty="0">
+              <a:latin typeface="Agency FB" pitchFamily="34" charset="0"/>
+            </a:endParaRPr>
+          </a:p>
+        </p:txBody>
+      </p:sp>
+      <p:pic>
+        <p:nvPicPr>
+          <p:cNvPr id="41986" name="Picture 2" descr="map"/>
+          <p:cNvPicPr>
+            <a:picLocks noChangeAspect="1" noChangeArrowheads="1"/>
+          </p:cNvPicPr>
+          <p:nvPr/>
+        </p:nvPicPr>
+        <p:blipFill>
+          <a:blip r:embed="rId3"/>
+          <a:srcRect/>
+          <a:stretch>
+            <a:fillRect/>
+          </a:stretch>
+        </p:blipFill>
+        <p:spPr bwMode="auto">
+          <a:xfrm>
+            <a:off x="285720" y="1928802"/>
+            <a:ext cx="8516342" cy="3429024"/>
+          </a:xfrm>
+          <a:prstGeom prst="rect">
+            <a:avLst/>
+          </a:prstGeom>
+          <a:noFill/>
+        </p:spPr>
+      </p:pic>
+    </p:spTree>
+  </p:cSld>
+  <p:clrMapOvr>
+    <a:masterClrMapping/>
+  </p:clrMapOvr>
+  <p:timing>
+    <p:tnLst>
+      <p:par>
+        <p:cTn id="1" dur="indefinite" restart="never" nodeType="tmRoot"/>
+      </p:par>
+    </p:tnLst>
+  </p:timing>
+</p:sld>
+</file>
+
+<file path=ppt/slides/slide21.xml><?xml version="1.0" encoding="utf-8"?>
+<p:sld xmlns:a="http://schemas.openxmlformats.org/drawingml/2006/main" xmlns:r="http://schemas.openxmlformats.org/officeDocument/2006/relationships" xmlns:p="http://schemas.openxmlformats.org/presentationml/2006/main">
+  <p:cSld>
+    <p:spTree>
+      <p:nvGrpSpPr>
+        <p:cNvPr id="1" name=""/>
+        <p:cNvGrpSpPr/>
+        <p:nvPr/>
+      </p:nvGrpSpPr>
+      <p:grpSpPr>
+        <a:xfrm>
+          <a:off x="0" y="0"/>
+          <a:ext cx="0" cy="0"/>
+          <a:chOff x="0" y="0"/>
+          <a:chExt cx="0" cy="0"/>
+        </a:xfrm>
+      </p:grpSpPr>
+      <p:sp>
+        <p:nvSpPr>
+          <p:cNvPr id="2" name="1 Título"/>
+          <p:cNvSpPr>
+            <a:spLocks noGrp="1"/>
+          </p:cNvSpPr>
+          <p:nvPr>
+            <p:ph type="title"/>
+          </p:nvPr>
+        </p:nvSpPr>
+        <p:spPr/>
+        <p:txBody>
+          <a:bodyPr/>
+          <a:lstStyle/>
+          <a:p>
+            <a:r>
+              <a:rPr lang="es-MX" b="1" dirty="0" smtClean="0">
+                <a:latin typeface="Agency FB" pitchFamily="34" charset="0"/>
+              </a:rPr>
               <a:t>Conclusión de las Comparativas</a:t>
             </a:r>
             <a:endParaRPr lang="es-ES" b="1" dirty="0">
@@ -6459,6 +12417,101 @@
 </file>
 
 <file path=ppt/slides/slide3.xml><?xml version="1.0" encoding="utf-8"?>
+<p:sld xmlns:a="http://schemas.openxmlformats.org/drawingml/2006/main" xmlns:r="http://schemas.openxmlformats.org/officeDocument/2006/relationships" xmlns:p="http://schemas.openxmlformats.org/presentationml/2006/main">
+  <p:cSld>
+    <p:spTree>
+      <p:nvGrpSpPr>
+        <p:cNvPr id="1" name=""/>
+        <p:cNvGrpSpPr/>
+        <p:nvPr/>
+      </p:nvGrpSpPr>
+      <p:grpSpPr>
+        <a:xfrm>
+          <a:off x="0" y="0"/>
+          <a:ext cx="0" cy="0"/>
+          <a:chOff x="0" y="0"/>
+          <a:chExt cx="0" cy="0"/>
+        </a:xfrm>
+      </p:grpSpPr>
+      <p:sp>
+        <p:nvSpPr>
+          <p:cNvPr id="2" name="1 Título"/>
+          <p:cNvSpPr>
+            <a:spLocks noGrp="1"/>
+          </p:cNvSpPr>
+          <p:nvPr>
+            <p:ph type="title"/>
+          </p:nvPr>
+        </p:nvSpPr>
+        <p:spPr/>
+        <p:txBody>
+          <a:bodyPr/>
+          <a:lstStyle/>
+          <a:p>
+            <a:r>
+              <a:rPr lang="es-MX" b="1" dirty="0" smtClean="0">
+                <a:latin typeface="Agency FB" pitchFamily="34" charset="0"/>
+              </a:rPr>
+              <a:t>Contenido del Taller</a:t>
+            </a:r>
+            <a:endParaRPr lang="es-ES" b="1" dirty="0">
+              <a:latin typeface="Agency FB" pitchFamily="34" charset="0"/>
+            </a:endParaRPr>
+          </a:p>
+        </p:txBody>
+      </p:sp>
+      <p:graphicFrame>
+        <p:nvGraphicFramePr>
+          <p:cNvPr id="4" name="3 Marcador de contenido"/>
+          <p:cNvGraphicFramePr>
+            <a:graphicFrameLocks noGrp="1"/>
+          </p:cNvGraphicFramePr>
+          <p:nvPr>
+            <p:ph idx="1"/>
+          </p:nvPr>
+        </p:nvGraphicFramePr>
+        <p:xfrm>
+          <a:off x="914400" y="1760557"/>
+          <a:ext cx="8229600" cy="4525963"/>
+        </p:xfrm>
+        <a:graphic>
+          <a:graphicData uri="http://schemas.openxmlformats.org/drawingml/2006/diagram">
+            <dgm:relIds xmlns:dgm="http://schemas.openxmlformats.org/drawingml/2006/diagram" xmlns:r="http://schemas.openxmlformats.org/officeDocument/2006/relationships" r:dm="rId2" r:lo="rId3" r:qs="rId4" r:cs="rId5"/>
+          </a:graphicData>
+        </a:graphic>
+      </p:graphicFrame>
+      <p:graphicFrame>
+        <p:nvGraphicFramePr>
+          <p:cNvPr id="5" name="4 Diagrama"/>
+          <p:cNvGraphicFramePr/>
+          <p:nvPr/>
+        </p:nvGraphicFramePr>
+        <p:xfrm>
+          <a:off x="214282" y="5572140"/>
+          <a:ext cx="6096000" cy="2317752"/>
+        </p:xfrm>
+        <a:graphic>
+          <a:graphicData uri="http://schemas.openxmlformats.org/drawingml/2006/diagram">
+            <dgm:relIds xmlns:dgm="http://schemas.openxmlformats.org/drawingml/2006/diagram" xmlns:r="http://schemas.openxmlformats.org/officeDocument/2006/relationships" r:dm="rId6" r:lo="rId7" r:qs="rId8" r:cs="rId9"/>
+          </a:graphicData>
+        </a:graphic>
+      </p:graphicFrame>
+    </p:spTree>
+  </p:cSld>
+  <p:clrMapOvr>
+    <a:masterClrMapping/>
+  </p:clrMapOvr>
+  <p:timing>
+    <p:tnLst>
+      <p:par>
+        <p:cTn id="1" dur="indefinite" restart="never" nodeType="tmRoot"/>
+      </p:par>
+    </p:tnLst>
+  </p:timing>
+</p:sld>
+</file>
+
+<file path=ppt/slides/slide4.xml><?xml version="1.0" encoding="utf-8"?>
 <p:sld xmlns:a="http://schemas.openxmlformats.org/drawingml/2006/main" xmlns:r="http://schemas.openxmlformats.org/officeDocument/2006/relationships" xmlns:p="http://schemas.openxmlformats.org/presentationml/2006/main">
   <p:cSld>
     <p:spTree>
@@ -6596,221 +12649,6 @@
 </p:sld>
 </file>
 
-<file path=ppt/slides/slide4.xml><?xml version="1.0" encoding="utf-8"?>
-<p:sld xmlns:a="http://schemas.openxmlformats.org/drawingml/2006/main" xmlns:r="http://schemas.openxmlformats.org/officeDocument/2006/relationships" xmlns:p="http://schemas.openxmlformats.org/presentationml/2006/main">
-  <p:cSld>
-    <p:spTree>
-      <p:nvGrpSpPr>
-        <p:cNvPr id="1" name=""/>
-        <p:cNvGrpSpPr/>
-        <p:nvPr/>
-      </p:nvGrpSpPr>
-      <p:grpSpPr>
-        <a:xfrm>
-          <a:off x="0" y="0"/>
-          <a:ext cx="0" cy="0"/>
-          <a:chOff x="0" y="0"/>
-          <a:chExt cx="0" cy="0"/>
-        </a:xfrm>
-      </p:grpSpPr>
-      <p:sp>
-        <p:nvSpPr>
-          <p:cNvPr id="2" name="1 Título"/>
-          <p:cNvSpPr>
-            <a:spLocks noGrp="1"/>
-          </p:cNvSpPr>
-          <p:nvPr>
-            <p:ph type="title"/>
-          </p:nvPr>
-        </p:nvSpPr>
-        <p:spPr/>
-        <p:txBody>
-          <a:bodyPr/>
-          <a:lstStyle/>
-          <a:p>
-            <a:r>
-              <a:rPr lang="es-MX" b="1" dirty="0" smtClean="0">
-                <a:latin typeface="Agency FB" pitchFamily="34" charset="0"/>
-              </a:rPr>
-              <a:t>Lanzamiento Java 8</a:t>
-            </a:r>
-            <a:endParaRPr lang="es-ES" b="1" dirty="0">
-              <a:latin typeface="Agency FB" pitchFamily="34" charset="0"/>
-            </a:endParaRPr>
-          </a:p>
-        </p:txBody>
-      </p:sp>
-      <p:sp>
-        <p:nvSpPr>
-          <p:cNvPr id="3" name="2 Marcador de contenido"/>
-          <p:cNvSpPr>
-            <a:spLocks noGrp="1"/>
-          </p:cNvSpPr>
-          <p:nvPr>
-            <p:ph idx="1"/>
-          </p:nvPr>
-        </p:nvSpPr>
-        <p:spPr/>
-        <p:txBody>
-          <a:bodyPr>
-            <a:normAutofit fontScale="92500" lnSpcReduction="20000"/>
-          </a:bodyPr>
-          <a:lstStyle/>
-          <a:p>
-            <a:r>
-              <a:rPr lang="es-MX" dirty="0" smtClean="0">
-                <a:latin typeface="Agency FB" pitchFamily="34" charset="0"/>
-              </a:rPr>
-              <a:t>Lanzada oficialmente en Marzo del 2014</a:t>
-            </a:r>
-          </a:p>
-          <a:p>
-            <a:r>
-              <a:rPr lang="es-ES" dirty="0" smtClean="0">
-                <a:latin typeface="Agency FB" pitchFamily="34" charset="0"/>
-              </a:rPr>
-              <a:t>Incorpora de </a:t>
-            </a:r>
-            <a:r>
-              <a:rPr lang="es-ES" dirty="0">
-                <a:latin typeface="Agency FB" pitchFamily="34" charset="0"/>
-              </a:rPr>
-              <a:t>forma completa la librería </a:t>
-            </a:r>
-            <a:r>
-              <a:rPr lang="es-ES" dirty="0" err="1">
-                <a:latin typeface="Agency FB" pitchFamily="34" charset="0"/>
-              </a:rPr>
-              <a:t>JavaFX</a:t>
-            </a:r>
-            <a:r>
-              <a:rPr lang="es-ES" dirty="0">
-                <a:latin typeface="Agency FB" pitchFamily="34" charset="0"/>
-              </a:rPr>
-              <a:t> (Para creación de  </a:t>
-            </a:r>
-            <a:r>
-              <a:rPr lang="es-ES" dirty="0" err="1">
-                <a:latin typeface="Agency FB" pitchFamily="34" charset="0"/>
-              </a:rPr>
-              <a:t>Rich</a:t>
-            </a:r>
-            <a:r>
-              <a:rPr lang="es-ES" dirty="0">
-                <a:latin typeface="Agency FB" pitchFamily="34" charset="0"/>
-              </a:rPr>
-              <a:t> Internet </a:t>
-            </a:r>
-            <a:r>
-              <a:rPr lang="es-ES" dirty="0" err="1">
-                <a:latin typeface="Agency FB" pitchFamily="34" charset="0"/>
-              </a:rPr>
-              <a:t>Applications</a:t>
-            </a:r>
-            <a:r>
-              <a:rPr lang="es-ES" dirty="0">
-                <a:latin typeface="Agency FB" pitchFamily="34" charset="0"/>
-              </a:rPr>
-              <a:t> </a:t>
-            </a:r>
-            <a:r>
-              <a:rPr lang="es-ES" dirty="0" smtClean="0">
-                <a:latin typeface="Agency FB" pitchFamily="34" charset="0"/>
-              </a:rPr>
-              <a:t> - RIA).</a:t>
-            </a:r>
-            <a:endParaRPr lang="es-ES" dirty="0">
-              <a:latin typeface="Agency FB" pitchFamily="34" charset="0"/>
-            </a:endParaRPr>
-          </a:p>
-          <a:p>
-            <a:r>
-              <a:rPr lang="es-ES" dirty="0">
-                <a:latin typeface="Agency FB" pitchFamily="34" charset="0"/>
-              </a:rPr>
-              <a:t>Diferentes mejoras en seguridad.</a:t>
-            </a:r>
-          </a:p>
-          <a:p>
-            <a:r>
-              <a:rPr lang="es-ES" dirty="0">
-                <a:latin typeface="Agency FB" pitchFamily="34" charset="0"/>
-              </a:rPr>
-              <a:t>Diferentes mejoras en </a:t>
-            </a:r>
-            <a:r>
-              <a:rPr lang="es-ES" dirty="0" smtClean="0">
-                <a:latin typeface="Agency FB" pitchFamily="34" charset="0"/>
-              </a:rPr>
-              <a:t>concurrencia.</a:t>
-            </a:r>
-          </a:p>
-          <a:p>
-            <a:r>
-              <a:rPr lang="es-MX" dirty="0" smtClean="0">
-                <a:latin typeface="Agency FB" pitchFamily="34" charset="0"/>
-              </a:rPr>
-              <a:t>Interfaces Funcionales</a:t>
-            </a:r>
-            <a:endParaRPr lang="es-ES" dirty="0">
-              <a:latin typeface="Agency FB" pitchFamily="34" charset="0"/>
-            </a:endParaRPr>
-          </a:p>
-          <a:p>
-            <a:r>
-              <a:rPr lang="es-ES" dirty="0">
-                <a:latin typeface="Agency FB" pitchFamily="34" charset="0"/>
-              </a:rPr>
-              <a:t>Añade funcionalidad para programación </a:t>
-            </a:r>
-            <a:r>
-              <a:rPr lang="es-ES" dirty="0" smtClean="0">
-                <a:latin typeface="Agency FB" pitchFamily="34" charset="0"/>
-              </a:rPr>
-              <a:t>funcional mediante expresiones Lambda.</a:t>
-            </a:r>
-          </a:p>
-          <a:p>
-            <a:r>
-              <a:rPr lang="es-ES" dirty="0" smtClean="0">
-                <a:latin typeface="Agency FB" pitchFamily="34" charset="0"/>
-              </a:rPr>
-              <a:t>Mejora la integración de </a:t>
-            </a:r>
-            <a:r>
-              <a:rPr lang="es-ES" dirty="0" err="1" smtClean="0">
-                <a:latin typeface="Agency FB" pitchFamily="34" charset="0"/>
-              </a:rPr>
-              <a:t>JavaScript</a:t>
-            </a:r>
-            <a:r>
-              <a:rPr lang="es-ES" dirty="0" smtClean="0">
-                <a:latin typeface="Agency FB" pitchFamily="34" charset="0"/>
-              </a:rPr>
-              <a:t>.</a:t>
-            </a:r>
-          </a:p>
-          <a:p>
-            <a:r>
-              <a:rPr lang="es-ES" dirty="0" smtClean="0">
-                <a:latin typeface="Agency FB" pitchFamily="34" charset="0"/>
-              </a:rPr>
-              <a:t>Nuevas API para manejo de fechas y tiempo (Date - Time).</a:t>
-            </a:r>
-            <a:endParaRPr lang="es-ES" dirty="0">
-              <a:latin typeface="Agency FB" pitchFamily="34" charset="0"/>
-            </a:endParaRPr>
-          </a:p>
-        </p:txBody>
-      </p:sp>
-    </p:spTree>
-  </p:cSld>
-  <p:clrMapOvr>
-    <a:masterClrMapping/>
-  </p:clrMapOvr>
-</p:sld>
-</file>
-
 <file path=ppt/slides/slide5.xml><?xml version="1.0" encoding="utf-8"?>
 <p:sld xmlns:a="http://schemas.openxmlformats.org/drawingml/2006/main" xmlns:r="http://schemas.openxmlformats.org/officeDocument/2006/relationships" xmlns:p="http://schemas.openxmlformats.org/presentationml/2006/main">
   <p:cSld>
@@ -6847,7 +12685,7 @@
               <a:rPr lang="es-MX" b="1" dirty="0" smtClean="0">
                 <a:latin typeface="Agency FB" pitchFamily="34" charset="0"/>
               </a:rPr>
-              <a:t>Descripción Java 8</a:t>
+              <a:t>Lanzamiento Java 8</a:t>
             </a:r>
             <a:endParaRPr lang="es-ES" b="1" dirty="0">
               <a:latin typeface="Agency FB" pitchFamily="34" charset="0"/>
@@ -6873,90 +12711,147 @@
           <a:lstStyle/>
           <a:p>
             <a:r>
+              <a:rPr lang="es-MX" dirty="0" smtClean="0">
+                <a:latin typeface="Agency FB" pitchFamily="34" charset="0"/>
+              </a:rPr>
+              <a:t>Lanzada oficialmente en Marzo del 2014</a:t>
+            </a:r>
+          </a:p>
+          <a:p>
+            <a:r>
               <a:rPr lang="es-ES" dirty="0" smtClean="0">
                 <a:latin typeface="Agency FB" pitchFamily="34" charset="0"/>
               </a:rPr>
-              <a:t>Java 8 es un revolucionario lanzamiento de la plataforma de desarrollo # 1 del mundo. </a:t>
-            </a:r>
-          </a:p>
-          <a:p>
-            <a:endParaRPr lang="es-ES" dirty="0" smtClean="0">
-              <a:latin typeface="Agency FB" pitchFamily="34" charset="0"/>
-            </a:endParaRPr>
-          </a:p>
-          <a:p>
+              <a:t>Incorpora de </a:t>
+            </a:r>
+            <a:r>
+              <a:rPr lang="es-ES" dirty="0">
+                <a:latin typeface="Agency FB" pitchFamily="34" charset="0"/>
+              </a:rPr>
+              <a:t>forma completa la librería </a:t>
+            </a:r>
+            <a:r>
+              <a:rPr lang="es-ES" dirty="0" err="1">
+                <a:latin typeface="Agency FB" pitchFamily="34" charset="0"/>
+              </a:rPr>
+              <a:t>JavaFX</a:t>
+            </a:r>
+            <a:r>
+              <a:rPr lang="es-ES" dirty="0">
+                <a:latin typeface="Agency FB" pitchFamily="34" charset="0"/>
+              </a:rPr>
+              <a:t> (Para creación de  </a:t>
+            </a:r>
+            <a:r>
+              <a:rPr lang="es-ES" dirty="0" err="1">
+                <a:latin typeface="Agency FB" pitchFamily="34" charset="0"/>
+              </a:rPr>
+              <a:t>Rich</a:t>
+            </a:r>
+            <a:r>
+              <a:rPr lang="es-ES" dirty="0">
+                <a:latin typeface="Agency FB" pitchFamily="34" charset="0"/>
+              </a:rPr>
+              <a:t> Internet </a:t>
+            </a:r>
+            <a:r>
+              <a:rPr lang="es-ES" dirty="0" err="1">
+                <a:latin typeface="Agency FB" pitchFamily="34" charset="0"/>
+              </a:rPr>
+              <a:t>Applications</a:t>
+            </a:r>
+            <a:r>
+              <a:rPr lang="es-ES" dirty="0">
+                <a:latin typeface="Agency FB" pitchFamily="34" charset="0"/>
+              </a:rPr>
+              <a:t> </a:t>
+            </a:r>
             <a:r>
               <a:rPr lang="es-ES" dirty="0" smtClean="0">
                 <a:latin typeface="Agency FB" pitchFamily="34" charset="0"/>
               </a:rPr>
-              <a:t>Incluye una enorme actualización del modelo de programación Java y una evolución coordinada de la JVM, el lenguaje Java y las bibliotecas. </a:t>
-            </a:r>
-          </a:p>
-          <a:p>
-            <a:endParaRPr lang="es-ES" dirty="0" smtClean="0">
-              <a:latin typeface="Agency FB" pitchFamily="34" charset="0"/>
-            </a:endParaRPr>
-          </a:p>
-          <a:p>
-            <a:r>
-              <a:rPr lang="es-ES" dirty="0" smtClean="0">
-                <a:latin typeface="Agency FB" pitchFamily="34" charset="0"/>
-              </a:rPr>
-              <a:t>Incluye características de productividad, facilidad de uso, programación políglota mejorada, seguridad y rendimiento mejorado.</a:t>
+              <a:t> - RIA).</a:t>
             </a:r>
             <a:endParaRPr lang="es-ES" dirty="0">
               <a:latin typeface="Agency FB" pitchFamily="34" charset="0"/>
             </a:endParaRPr>
           </a:p>
-        </p:txBody>
-      </p:sp>
-      <p:sp>
-        <p:nvSpPr>
-          <p:cNvPr id="4" name="3 CuadroTexto"/>
-          <p:cNvSpPr txBox="1"/>
-          <p:nvPr/>
-        </p:nvSpPr>
-        <p:spPr>
-          <a:xfrm>
-            <a:off x="642910" y="6500834"/>
-            <a:ext cx="5238935" cy="307777"/>
-          </a:xfrm>
-          <a:prstGeom prst="rect">
-            <a:avLst/>
-          </a:prstGeom>
-          <a:noFill/>
-        </p:spPr>
-        <p:txBody>
-          <a:bodyPr wrap="none" rtlCol="0">
-            <a:spAutoFit/>
-          </a:bodyPr>
-          <a:lstStyle/>
-          <a:p>
-            <a:r>
-              <a:rPr lang="es-ES" sz="1400" dirty="0" smtClean="0">
-                <a:latin typeface="Agency FB" pitchFamily="34" charset="0"/>
-                <a:cs typeface="Consolas" pitchFamily="49" charset="0"/>
-              </a:rPr>
-              <a:t>Fuente: </a:t>
-            </a:r>
-            <a:r>
-              <a:rPr lang="es-ES" sz="1400" dirty="0" smtClean="0">
-                <a:latin typeface="Agency FB" pitchFamily="34" charset="0"/>
-                <a:cs typeface="Consolas" pitchFamily="49" charset="0"/>
-                <a:hlinkClick r:id="rId2"/>
-              </a:rPr>
-              <a:t>http://www.oracle.com/technetwork/java/javase/overview/java8-2100321.html</a:t>
-            </a:r>
-            <a:r>
-              <a:rPr lang="es-ES" sz="1400" dirty="0" smtClean="0">
-                <a:latin typeface="Agency FB" pitchFamily="34" charset="0"/>
-                <a:cs typeface="Consolas" pitchFamily="49" charset="0"/>
-              </a:rPr>
-              <a:t> </a:t>
-            </a:r>
-            <a:endParaRPr lang="es-ES" sz="1400" dirty="0">
+          <a:p>
+            <a:r>
+              <a:rPr lang="es-ES" dirty="0">
+                <a:latin typeface="Agency FB" pitchFamily="34" charset="0"/>
+              </a:rPr>
+              <a:t>Diferentes mejoras en seguridad.</a:t>
+            </a:r>
+          </a:p>
+          <a:p>
+            <a:r>
+              <a:rPr lang="es-ES" dirty="0">
+                <a:latin typeface="Agency FB" pitchFamily="34" charset="0"/>
+              </a:rPr>
+              <a:t>Diferentes mejoras en </a:t>
+            </a:r>
+            <a:r>
+              <a:rPr lang="es-ES" dirty="0" smtClean="0">
+                <a:latin typeface="Agency FB" pitchFamily="34" charset="0"/>
+              </a:rPr>
+              <a:t>concurrencia.</a:t>
+            </a:r>
+          </a:p>
+          <a:p>
+            <a:r>
+              <a:rPr lang="es-MX" dirty="0" smtClean="0">
+                <a:latin typeface="Agency FB" pitchFamily="34" charset="0"/>
+              </a:rPr>
+              <a:t>Interfaces Funcionales</a:t>
+            </a:r>
+            <a:endParaRPr lang="es-ES" dirty="0">
               <a:latin typeface="Agency FB" pitchFamily="34" charset="0"/>
-              <a:cs typeface="Consolas" pitchFamily="49" charset="0"/>
+            </a:endParaRPr>
+          </a:p>
+          <a:p>
+            <a:r>
+              <a:rPr lang="es-ES" dirty="0">
+                <a:latin typeface="Agency FB" pitchFamily="34" charset="0"/>
+              </a:rPr>
+              <a:t>Añade funcionalidad para programación </a:t>
+            </a:r>
+            <a:r>
+              <a:rPr lang="es-ES" dirty="0" smtClean="0">
+                <a:latin typeface="Agency FB" pitchFamily="34" charset="0"/>
+              </a:rPr>
+              <a:t>funcional mediante expresiones Lambda.</a:t>
+            </a:r>
+          </a:p>
+          <a:p>
+            <a:r>
+              <a:rPr lang="es-ES" dirty="0" smtClean="0">
+                <a:latin typeface="Agency FB" pitchFamily="34" charset="0"/>
+              </a:rPr>
+              <a:t>Mejora la integración de </a:t>
+            </a:r>
+            <a:r>
+              <a:rPr lang="es-ES" dirty="0" err="1" smtClean="0">
+                <a:latin typeface="Agency FB" pitchFamily="34" charset="0"/>
+              </a:rPr>
+              <a:t>JavaScript</a:t>
+            </a:r>
+            <a:r>
+              <a:rPr lang="es-ES" dirty="0" smtClean="0">
+                <a:latin typeface="Agency FB" pitchFamily="34" charset="0"/>
+              </a:rPr>
+              <a:t>.</a:t>
+            </a:r>
+          </a:p>
+          <a:p>
+            <a:r>
+              <a:rPr lang="es-ES" dirty="0" smtClean="0">
+                <a:latin typeface="Agency FB" pitchFamily="34" charset="0"/>
+              </a:rPr>
+              <a:t>Nuevas API para manejo de fechas y tiempo (Date - Time).</a:t>
+            </a:r>
+            <a:endParaRPr lang="es-ES" dirty="0">
+              <a:latin typeface="Agency FB" pitchFamily="34" charset="0"/>
             </a:endParaRPr>
           </a:p>
         </p:txBody>
@@ -6996,26 +12891,125 @@
             <p:ph type="title"/>
           </p:nvPr>
         </p:nvSpPr>
+        <p:spPr/>
+        <p:txBody>
+          <a:bodyPr/>
+          <a:lstStyle/>
+          <a:p>
+            <a:r>
+              <a:rPr lang="es-MX" b="1" dirty="0" smtClean="0">
+                <a:latin typeface="Agency FB" pitchFamily="34" charset="0"/>
+              </a:rPr>
+              <a:t>Descripción Java 8</a:t>
+            </a:r>
+            <a:endParaRPr lang="es-ES" b="1" dirty="0">
+              <a:latin typeface="Agency FB" pitchFamily="34" charset="0"/>
+            </a:endParaRPr>
+          </a:p>
+        </p:txBody>
+      </p:sp>
+      <p:sp>
+        <p:nvSpPr>
+          <p:cNvPr id="3" name="2 Marcador de contenido"/>
+          <p:cNvSpPr>
+            <a:spLocks noGrp="1"/>
+          </p:cNvSpPr>
+          <p:nvPr>
+            <p:ph idx="1"/>
+          </p:nvPr>
+        </p:nvSpPr>
+        <p:spPr/>
+        <p:txBody>
+          <a:bodyPr>
+            <a:normAutofit fontScale="92500" lnSpcReduction="20000"/>
+          </a:bodyPr>
+          <a:lstStyle/>
+          <a:p>
+            <a:r>
+              <a:rPr lang="es-ES" dirty="0" smtClean="0">
+                <a:latin typeface="Agency FB" pitchFamily="34" charset="0"/>
+              </a:rPr>
+              <a:t>Java 8 es un revolucionario lanzamiento de la plataforma de desarrollo # 1 del mundo. </a:t>
+            </a:r>
+          </a:p>
+          <a:p>
+            <a:endParaRPr lang="es-ES" dirty="0" smtClean="0">
+              <a:latin typeface="Agency FB" pitchFamily="34" charset="0"/>
+            </a:endParaRPr>
+          </a:p>
+          <a:p>
+            <a:r>
+              <a:rPr lang="es-ES" dirty="0" smtClean="0">
+                <a:latin typeface="Agency FB" pitchFamily="34" charset="0"/>
+              </a:rPr>
+              <a:t>Incluye una enorme actualización del modelo de programación Java y una evolución coordinada de la JVM, el lenguaje Java y las bibliotecas. </a:t>
+            </a:r>
+          </a:p>
+          <a:p>
+            <a:endParaRPr lang="es-ES" dirty="0" smtClean="0">
+              <a:latin typeface="Agency FB" pitchFamily="34" charset="0"/>
+            </a:endParaRPr>
+          </a:p>
+          <a:p>
+            <a:r>
+              <a:rPr lang="es-ES" dirty="0" smtClean="0">
+                <a:latin typeface="Agency FB" pitchFamily="34" charset="0"/>
+              </a:rPr>
+              <a:t>Incluye características de productividad, facilidad de uso, programación políglota mejorada, seguridad y rendimiento mejorado.</a:t>
+            </a:r>
+            <a:endParaRPr lang="es-ES" dirty="0">
+              <a:latin typeface="Agency FB" pitchFamily="34" charset="0"/>
+            </a:endParaRPr>
+          </a:p>
+        </p:txBody>
+      </p:sp>
+      <p:sp>
+        <p:nvSpPr>
+          <p:cNvPr id="4" name="3 CuadroTexto"/>
+          <p:cNvSpPr txBox="1"/>
+          <p:nvPr/>
+        </p:nvSpPr>
         <p:spPr>
           <a:xfrm>
-            <a:off x="500034" y="2643182"/>
-            <a:ext cx="8229600" cy="1143000"/>
+            <a:off x="642910" y="6500834"/>
+            <a:ext cx="5238935" cy="307777"/>
           </a:xfrm>
+          <a:prstGeom prst="rect">
+            <a:avLst/>
+          </a:prstGeom>
+          <a:noFill/>
         </p:spPr>
         <p:txBody>
-          <a:bodyPr>
-            <a:noAutofit/>
+          <a:bodyPr wrap="none" rtlCol="0">
+            <a:spAutoFit/>
           </a:bodyPr>
           <a:lstStyle/>
           <a:p>
             <a:r>
-              <a:rPr lang="es-MX" sz="8800" b="1" dirty="0" smtClean="0">
-                <a:latin typeface="Agency FB" pitchFamily="34" charset="0"/>
-              </a:rPr>
-              <a:t>Novedades</a:t>
-            </a:r>
-            <a:endParaRPr lang="es-ES" sz="5400" b="1" dirty="0">
+              <a:rPr lang="es-ES" sz="1400" dirty="0" smtClean="0">
+                <a:latin typeface="Agency FB" pitchFamily="34" charset="0"/>
+                <a:cs typeface="Consolas" pitchFamily="49" charset="0"/>
+              </a:rPr>
+              <a:t>Fuente: </a:t>
+            </a:r>
+            <a:r>
+              <a:rPr lang="es-ES" sz="1400" dirty="0" smtClean="0">
+                <a:latin typeface="Agency FB" pitchFamily="34" charset="0"/>
+                <a:cs typeface="Consolas" pitchFamily="49" charset="0"/>
+                <a:hlinkClick r:id="rId2"/>
+              </a:rPr>
+              <a:t>http://www.oracle.com/technetwork/java/javase/overview/java8-2100321.html</a:t>
+            </a:r>
+            <a:r>
+              <a:rPr lang="es-ES" sz="1400" dirty="0" smtClean="0">
+                <a:latin typeface="Agency FB" pitchFamily="34" charset="0"/>
+                <a:cs typeface="Consolas" pitchFamily="49" charset="0"/>
+              </a:rPr>
+              <a:t> </a:t>
+            </a:r>
+            <a:endParaRPr lang="es-ES" sz="1400" dirty="0">
               <a:latin typeface="Agency FB" pitchFamily="34" charset="0"/>
+              <a:cs typeface="Consolas" pitchFamily="49" charset="0"/>
             </a:endParaRPr>
           </a:p>
         </p:txBody>
@@ -7055,286 +13049,26 @@
             <p:ph type="title"/>
           </p:nvPr>
         </p:nvSpPr>
-        <p:spPr/>
-        <p:txBody>
-          <a:bodyPr/>
-          <a:lstStyle/>
-          <a:p>
-            <a:r>
-              <a:rPr lang="es-MX" b="1" dirty="0" smtClean="0">
-                <a:latin typeface="Agency FB" pitchFamily="34" charset="0"/>
-              </a:rPr>
-              <a:t>Lenguaje de Programación Java</a:t>
-            </a:r>
-            <a:endParaRPr lang="es-ES" b="1" dirty="0">
-              <a:latin typeface="Agency FB" pitchFamily="34" charset="0"/>
-            </a:endParaRPr>
-          </a:p>
-        </p:txBody>
-      </p:sp>
-      <p:sp>
-        <p:nvSpPr>
-          <p:cNvPr id="3" name="2 Marcador de contenido"/>
-          <p:cNvSpPr>
-            <a:spLocks noGrp="1"/>
-          </p:cNvSpPr>
-          <p:nvPr>
-            <p:ph idx="1"/>
-          </p:nvPr>
-        </p:nvSpPr>
         <p:spPr>
           <a:xfrm>
-            <a:off x="428596" y="1714488"/>
-            <a:ext cx="8229600" cy="4525963"/>
+            <a:off x="500034" y="2643182"/>
+            <a:ext cx="8229600" cy="1143000"/>
           </a:xfrm>
         </p:spPr>
         <p:txBody>
           <a:bodyPr>
-            <a:normAutofit fontScale="55000" lnSpcReduction="20000"/>
+            <a:noAutofit/>
           </a:bodyPr>
           <a:lstStyle/>
           <a:p>
             <a:r>
-              <a:rPr lang="es-ES" b="1" dirty="0" smtClean="0">
-                <a:latin typeface="Agency FB" pitchFamily="34" charset="0"/>
-              </a:rPr>
-              <a:t>Expresiones Lambda</a:t>
-            </a:r>
-            <a:r>
-              <a:rPr lang="es-ES" dirty="0" smtClean="0">
-                <a:latin typeface="Agency FB" pitchFamily="34" charset="0"/>
-              </a:rPr>
-              <a:t>, una nueva característica del lenguaje se ha introducido en esta versión. </a:t>
-            </a:r>
-            <a:r>
-              <a:rPr lang="es-ES" dirty="0">
-                <a:latin typeface="Agency FB" pitchFamily="34" charset="0"/>
-              </a:rPr>
-              <a:t>P</a:t>
-            </a:r>
-            <a:r>
-              <a:rPr lang="es-ES" dirty="0" smtClean="0">
-                <a:latin typeface="Agency FB" pitchFamily="34" charset="0"/>
-              </a:rPr>
-              <a:t>ermiten tratar la funcionalidad como un argumento de método o código como datos. Permiten expresar de manera más compacta instancias de interfaces de un solo método (</a:t>
-            </a:r>
-            <a:r>
-              <a:rPr lang="es-ES" dirty="0">
-                <a:latin typeface="Agency FB" pitchFamily="34" charset="0"/>
-              </a:rPr>
-              <a:t>I</a:t>
-            </a:r>
-            <a:r>
-              <a:rPr lang="es-ES" dirty="0" smtClean="0">
-                <a:latin typeface="Agency FB" pitchFamily="34" charset="0"/>
-              </a:rPr>
-              <a:t>nterfaces Funcionales).</a:t>
-            </a:r>
-          </a:p>
-          <a:p>
-            <a:pPr>
-              <a:buNone/>
-            </a:pPr>
-            <a:endParaRPr lang="es-ES" dirty="0" smtClean="0">
+              <a:rPr lang="es-MX" sz="8800" b="1" dirty="0" smtClean="0">
+                <a:latin typeface="Agency FB" pitchFamily="34" charset="0"/>
+              </a:rPr>
+              <a:t>Novedades</a:t>
+            </a:r>
+            <a:endParaRPr lang="es-ES" sz="5400" b="1" dirty="0">
               <a:latin typeface="Agency FB" pitchFamily="34" charset="0"/>
-            </a:endParaRPr>
-          </a:p>
-          <a:p>
-            <a:r>
-              <a:rPr lang="es-ES" dirty="0" smtClean="0">
-                <a:latin typeface="Agency FB" pitchFamily="34" charset="0"/>
-              </a:rPr>
-              <a:t>Los </a:t>
-            </a:r>
-            <a:r>
-              <a:rPr lang="es-ES" b="1" dirty="0">
-                <a:latin typeface="Agency FB" pitchFamily="34" charset="0"/>
-              </a:rPr>
-              <a:t>M</a:t>
-            </a:r>
-            <a:r>
-              <a:rPr lang="es-ES" b="1" dirty="0" smtClean="0">
-                <a:latin typeface="Agency FB" pitchFamily="34" charset="0"/>
-              </a:rPr>
-              <a:t>étodos </a:t>
-            </a:r>
-            <a:r>
-              <a:rPr lang="es-ES" b="1" dirty="0">
-                <a:latin typeface="Agency FB" pitchFamily="34" charset="0"/>
-              </a:rPr>
-              <a:t>D</a:t>
-            </a:r>
-            <a:r>
-              <a:rPr lang="es-ES" b="1" dirty="0" smtClean="0">
-                <a:latin typeface="Agency FB" pitchFamily="34" charset="0"/>
-              </a:rPr>
-              <a:t>efault </a:t>
-            </a:r>
-            <a:r>
-              <a:rPr lang="es-ES" dirty="0" smtClean="0">
-                <a:latin typeface="Agency FB" pitchFamily="34" charset="0"/>
-              </a:rPr>
-              <a:t>permiten agregar nueva funcionalidad a las interfaces de las bibliotecas y garantizar la compatibilidad binaria con el código escrito para versiones anteriores de esas interfaces.</a:t>
-            </a:r>
-          </a:p>
-          <a:p>
-            <a:endParaRPr lang="es-ES" dirty="0" smtClean="0">
-              <a:latin typeface="Agency FB" pitchFamily="34" charset="0"/>
-            </a:endParaRPr>
-          </a:p>
-          <a:p>
-            <a:r>
-              <a:rPr lang="es-ES" dirty="0" smtClean="0">
-                <a:latin typeface="Agency FB" pitchFamily="34" charset="0"/>
-              </a:rPr>
-              <a:t>Las </a:t>
-            </a:r>
-            <a:r>
-              <a:rPr lang="es-ES" b="1" dirty="0" smtClean="0">
-                <a:latin typeface="Agency FB" pitchFamily="34" charset="0"/>
-              </a:rPr>
-              <a:t>Anotaciones Repetidas</a:t>
-            </a:r>
-            <a:r>
-              <a:rPr lang="es-ES" dirty="0" smtClean="0">
-                <a:latin typeface="Agency FB" pitchFamily="34" charset="0"/>
-              </a:rPr>
-              <a:t> proporcionan la capacidad de aplicar el mismo tipo de anotación más de una vez a la misma declaración o tipo de uso.</a:t>
-            </a:r>
-          </a:p>
-          <a:p>
-            <a:endParaRPr lang="es-ES" dirty="0" smtClean="0">
-              <a:latin typeface="Agency FB" pitchFamily="34" charset="0"/>
-            </a:endParaRPr>
-          </a:p>
-          <a:p>
-            <a:r>
-              <a:rPr lang="es-ES" dirty="0" smtClean="0">
-                <a:latin typeface="Agency FB" pitchFamily="34" charset="0"/>
-              </a:rPr>
-              <a:t>Las </a:t>
-            </a:r>
-            <a:r>
-              <a:rPr lang="es-ES" b="1" dirty="0" smtClean="0">
-                <a:latin typeface="Agency FB" pitchFamily="34" charset="0"/>
-              </a:rPr>
-              <a:t>Anotaciones de Tipo</a:t>
-            </a:r>
-            <a:r>
-              <a:rPr lang="es-ES" dirty="0" smtClean="0">
-                <a:latin typeface="Agency FB" pitchFamily="34" charset="0"/>
-              </a:rPr>
-              <a:t> proporcionan la capacidad de aplicar una anotación en cualquier lugar en que se utilice un tipo, no sólo en una declaración. Utilizado con un sistema de tipo “</a:t>
-            </a:r>
-            <a:r>
-              <a:rPr lang="es-ES" i="1" dirty="0" err="1" smtClean="0">
-                <a:latin typeface="Agency FB" pitchFamily="34" charset="0"/>
-              </a:rPr>
-              <a:t>pluggable</a:t>
-            </a:r>
-            <a:r>
-              <a:rPr lang="es-ES" i="1" dirty="0" smtClean="0">
-                <a:latin typeface="Agency FB" pitchFamily="34" charset="0"/>
-              </a:rPr>
-              <a:t>”</a:t>
-            </a:r>
-            <a:r>
-              <a:rPr lang="es-ES" dirty="0" smtClean="0">
-                <a:latin typeface="Agency FB" pitchFamily="34" charset="0"/>
-              </a:rPr>
-              <a:t>, esta característica permite una mejor comprobación de tipo de su código.</a:t>
-            </a:r>
-          </a:p>
-          <a:p>
-            <a:endParaRPr lang="es-ES" dirty="0" smtClean="0">
-              <a:latin typeface="Agency FB" pitchFamily="34" charset="0"/>
-            </a:endParaRPr>
-          </a:p>
-          <a:p>
-            <a:r>
-              <a:rPr lang="es-ES" b="1" dirty="0" smtClean="0">
-                <a:latin typeface="Agency FB" pitchFamily="34" charset="0"/>
-              </a:rPr>
-              <a:t>Inferencia de Tipo</a:t>
-            </a:r>
-            <a:r>
-              <a:rPr lang="es-ES" dirty="0" smtClean="0">
-                <a:latin typeface="Agency FB" pitchFamily="34" charset="0"/>
-              </a:rPr>
-              <a:t> mejorada.</a:t>
-            </a:r>
-          </a:p>
-          <a:p>
-            <a:endParaRPr lang="es-ES" dirty="0" smtClean="0">
-              <a:latin typeface="Agency FB" pitchFamily="34" charset="0"/>
-            </a:endParaRPr>
-          </a:p>
-          <a:p>
-            <a:r>
-              <a:rPr lang="es-ES" b="1" dirty="0" smtClean="0">
-                <a:latin typeface="Agency FB" pitchFamily="34" charset="0"/>
-              </a:rPr>
-              <a:t>Reflexión de parámetro de método</a:t>
-            </a:r>
-            <a:r>
-              <a:rPr lang="es-ES" dirty="0" smtClean="0">
-                <a:latin typeface="Agency FB" pitchFamily="34" charset="0"/>
-              </a:rPr>
-              <a:t>.</a:t>
-            </a:r>
-            <a:endParaRPr lang="es-ES" dirty="0">
-              <a:latin typeface="Agency FB" pitchFamily="34" charset="0"/>
-            </a:endParaRPr>
-          </a:p>
-        </p:txBody>
-      </p:sp>
-      <p:sp>
-        <p:nvSpPr>
-          <p:cNvPr id="4" name="3 CuadroTexto"/>
-          <p:cNvSpPr txBox="1"/>
-          <p:nvPr/>
-        </p:nvSpPr>
-        <p:spPr>
-          <a:xfrm>
-            <a:off x="642910" y="6500834"/>
-            <a:ext cx="5070619" cy="307777"/>
-          </a:xfrm>
-          <a:prstGeom prst="rect">
-            <a:avLst/>
-          </a:prstGeom>
-          <a:noFill/>
-        </p:spPr>
-        <p:txBody>
-          <a:bodyPr wrap="none" rtlCol="0">
-            <a:spAutoFit/>
-          </a:bodyPr>
-          <a:lstStyle/>
-          <a:p>
-            <a:r>
-              <a:rPr lang="es-ES" sz="1400" dirty="0" smtClean="0">
-                <a:latin typeface="Agency FB" pitchFamily="34" charset="0"/>
-                <a:cs typeface="Consolas" pitchFamily="49" charset="0"/>
-              </a:rPr>
-              <a:t>Fuente: </a:t>
-            </a:r>
-            <a:r>
-              <a:rPr lang="es-ES" sz="1400" dirty="0" smtClean="0">
-                <a:latin typeface="Agency FB" pitchFamily="34" charset="0"/>
-                <a:cs typeface="Consolas" pitchFamily="49" charset="0"/>
-                <a:hlinkClick r:id="rId3"/>
-              </a:rPr>
-              <a:t>http://www.oracle.com/technetwork/java/javase/8-whats-new-2157071.html</a:t>
-            </a:r>
-            <a:r>
-              <a:rPr lang="es-ES" sz="1400" dirty="0" smtClean="0">
-                <a:latin typeface="Agency FB" pitchFamily="34" charset="0"/>
-                <a:cs typeface="Consolas" pitchFamily="49" charset="0"/>
-              </a:rPr>
-              <a:t> </a:t>
-            </a:r>
-            <a:endParaRPr lang="es-ES" sz="1400" dirty="0">
-              <a:latin typeface="Agency FB" pitchFamily="34" charset="0"/>
-              <a:cs typeface="Consolas" pitchFamily="49" charset="0"/>
             </a:endParaRPr>
           </a:p>
         </p:txBody>
@@ -7344,13 +13078,6 @@
   <p:clrMapOvr>
     <a:masterClrMapping/>
   </p:clrMapOvr>
-  <p:timing>
-    <p:tnLst>
-      <p:par>
-        <p:cTn id="1" dur="indefinite" restart="never" nodeType="tmRoot"/>
-      </p:par>
-    </p:tnLst>
-  </p:timing>
 </p:sld>
 </file>
 
@@ -7390,7 +13117,7 @@
               <a:rPr lang="es-MX" b="1" dirty="0" smtClean="0">
                 <a:latin typeface="Agency FB" pitchFamily="34" charset="0"/>
               </a:rPr>
-              <a:t>Mejoras</a:t>
+              <a:t>Lenguaje de Programación Java</a:t>
             </a:r>
             <a:endParaRPr lang="es-ES" b="1" dirty="0">
               <a:latin typeface="Agency FB" pitchFamily="34" charset="0"/>
@@ -7416,152 +13143,197 @@
         </p:spPr>
         <p:txBody>
           <a:bodyPr>
-            <a:normAutofit fontScale="70000" lnSpcReduction="20000"/>
+            <a:normAutofit fontScale="55000" lnSpcReduction="20000"/>
           </a:bodyPr>
           <a:lstStyle/>
           <a:p>
-            <a:pPr fontAlgn="base"/>
-            <a:r>
-              <a:rPr lang="es-ES" sz="3100" b="1" dirty="0" smtClean="0">
-                <a:latin typeface="Agency FB" pitchFamily="34" charset="0"/>
-              </a:rPr>
-              <a:t>Métodos de extensión virtual </a:t>
-            </a:r>
-            <a:r>
-              <a:rPr lang="es-ES" sz="3100" dirty="0" smtClean="0">
-                <a:latin typeface="Agency FB" pitchFamily="34" charset="0"/>
-              </a:rPr>
-              <a:t>(implantación de expresiones Lambda y funciones adyacentes a la plataforma y el lenguaje de programación Java.)</a:t>
-            </a:r>
-            <a:br>
-              <a:rPr lang="es-ES" sz="3100" dirty="0" smtClean="0">
-                <a:latin typeface="Agency FB" pitchFamily="34" charset="0"/>
-              </a:rPr>
-            </a:br>
-            <a:endParaRPr lang="es-ES" sz="3100" dirty="0" smtClean="0">
-              <a:latin typeface="Agency FB" pitchFamily="34" charset="0"/>
-            </a:endParaRPr>
-          </a:p>
-          <a:p>
-            <a:pPr fontAlgn="base"/>
             <a:r>
               <a:rPr lang="es-ES" b="1" dirty="0" smtClean="0">
                 <a:latin typeface="Agency FB" pitchFamily="34" charset="0"/>
               </a:rPr>
-              <a:t>API de fecha y hora</a:t>
+              <a:t>Expresiones Lambda</a:t>
             </a:r>
             <a:r>
               <a:rPr lang="es-ES" dirty="0" smtClean="0">
                 <a:latin typeface="Agency FB" pitchFamily="34" charset="0"/>
               </a:rPr>
-              <a:t/>
-            </a:r>
-            <a:br>
+              <a:t>, una nueva característica del lenguaje se ha introducido en esta versión. </a:t>
+            </a:r>
+            <a:r>
+              <a:rPr lang="es-ES" dirty="0">
+                <a:latin typeface="Agency FB" pitchFamily="34" charset="0"/>
+              </a:rPr>
+              <a:t>P</a:t>
+            </a:r>
+            <a:r>
               <a:rPr lang="es-ES" dirty="0" smtClean="0">
                 <a:latin typeface="Agency FB" pitchFamily="34" charset="0"/>
               </a:rPr>
-            </a:br>
+              <a:t>ermiten tratar la funcionalidad como un argumento de método o código como datos. Permiten expresar de manera más compacta instancias de interfaces de un solo método (</a:t>
+            </a:r>
+            <a:r>
+              <a:rPr lang="es-ES" dirty="0">
+                <a:latin typeface="Agency FB" pitchFamily="34" charset="0"/>
+              </a:rPr>
+              <a:t>I</a:t>
+            </a:r>
             <a:r>
               <a:rPr lang="es-ES" dirty="0" smtClean="0">
                 <a:latin typeface="Agency FB" pitchFamily="34" charset="0"/>
               </a:rPr>
-              <a:t>Permite gestionar datos de fecha y hora de forma mucho más natural.</a:t>
-            </a:r>
-          </a:p>
-          <a:p>
-            <a:pPr fontAlgn="base"/>
+              <a:t>nterfaces Funcionales).</a:t>
+            </a:r>
+          </a:p>
+          <a:p>
+            <a:pPr>
+              <a:buNone/>
+            </a:pPr>
             <a:endParaRPr lang="es-ES" dirty="0" smtClean="0">
               <a:latin typeface="Agency FB" pitchFamily="34" charset="0"/>
             </a:endParaRPr>
           </a:p>
           <a:p>
-            <a:pPr fontAlgn="base"/>
+            <a:r>
+              <a:rPr lang="es-ES" dirty="0" smtClean="0">
+                <a:latin typeface="Agency FB" pitchFamily="34" charset="0"/>
+              </a:rPr>
+              <a:t>Los </a:t>
+            </a:r>
+            <a:r>
+              <a:rPr lang="es-ES" b="1" dirty="0">
+                <a:latin typeface="Agency FB" pitchFamily="34" charset="0"/>
+              </a:rPr>
+              <a:t>M</a:t>
+            </a:r>
             <a:r>
               <a:rPr lang="es-ES" b="1" dirty="0" smtClean="0">
                 <a:latin typeface="Agency FB" pitchFamily="34" charset="0"/>
               </a:rPr>
-              <a:t>Motor de </a:t>
-            </a:r>
-            <a:r>
-              <a:rPr lang="es-ES" b="1" dirty="0" err="1" smtClean="0">
-                <a:latin typeface="Agency FB" pitchFamily="34" charset="0"/>
-              </a:rPr>
-              <a:t>JavaScript</a:t>
+              <a:t>étodos </a:t>
+            </a:r>
+            <a:r>
+              <a:rPr lang="es-ES" b="1" dirty="0">
+                <a:latin typeface="Agency FB" pitchFamily="34" charset="0"/>
+              </a:rPr>
+              <a:t>D</a:t>
             </a:r>
             <a:r>
               <a:rPr lang="es-ES" b="1" dirty="0" smtClean="0">
                 <a:latin typeface="Agency FB" pitchFamily="34" charset="0"/>
               </a:rPr>
-              <a:t> </a:t>
-            </a:r>
-            <a:r>
-              <a:rPr lang="es-ES" b="1" dirty="0" err="1" smtClean="0">
-                <a:latin typeface="Agency FB" pitchFamily="34" charset="0"/>
-              </a:rPr>
-              <a:t>Nashhorn</a:t>
+              <a:t>efault </a:t>
             </a:r>
             <a:r>
               <a:rPr lang="es-ES" dirty="0" smtClean="0">
                 <a:latin typeface="Agency FB" pitchFamily="34" charset="0"/>
               </a:rPr>
-              <a:t/>
-            </a:r>
-            <a:br>
-              <a:rPr lang="es-ES" dirty="0" smtClean="0">
-                <a:latin typeface="Agency FB" pitchFamily="34" charset="0"/>
-              </a:rPr>
-            </a:br>
-            <a:r>
-              <a:rPr lang="es-ES" dirty="0" smtClean="0">
-                <a:latin typeface="Agency FB" pitchFamily="34" charset="0"/>
-              </a:rPr>
-              <a:t>Nueva implantación ligera de alto rendimiento del motor de </a:t>
-            </a:r>
-            <a:r>
-              <a:rPr lang="es-ES" dirty="0" err="1" smtClean="0">
-                <a:latin typeface="Agency FB" pitchFamily="34" charset="0"/>
-              </a:rPr>
-              <a:t>JavaScript</a:t>
-            </a:r>
-            <a:r>
-              <a:rPr lang="es-ES" dirty="0" smtClean="0">
-                <a:latin typeface="Agency FB" pitchFamily="34" charset="0"/>
-              </a:rPr>
-              <a:t> integrada en el JDK y disponible mediante las API existentes.</a:t>
-            </a:r>
-            <a:br>
-              <a:rPr lang="es-ES" dirty="0" smtClean="0">
-                <a:latin typeface="Agency FB" pitchFamily="34" charset="0"/>
-              </a:rPr>
-            </a:br>
+              <a:t>permiten agregar nueva funcionalidad a las interfaces de las bibliotecas y garantizar la compatibilidad binaria con el código escrito para versiones anteriores de esas interfaces.</a:t>
+            </a:r>
+          </a:p>
+          <a:p>
             <a:endParaRPr lang="es-ES" dirty="0" smtClean="0">
               <a:latin typeface="Agency FB" pitchFamily="34" charset="0"/>
             </a:endParaRPr>
           </a:p>
           <a:p>
-            <a:pPr fontAlgn="base"/>
+            <a:r>
+              <a:rPr lang="es-ES" dirty="0" smtClean="0">
+                <a:latin typeface="Agency FB" pitchFamily="34" charset="0"/>
+              </a:rPr>
+              <a:t>Las </a:t>
+            </a:r>
             <a:r>
               <a:rPr lang="es-ES" b="1" dirty="0" smtClean="0">
                 <a:latin typeface="Agency FB" pitchFamily="34" charset="0"/>
               </a:rPr>
-              <a:t>Seguridad mejorada</a:t>
+              <a:t>Anotaciones Repetidas</a:t>
             </a:r>
             <a:r>
               <a:rPr lang="es-ES" dirty="0" smtClean="0">
                 <a:latin typeface="Agency FB" pitchFamily="34" charset="0"/>
               </a:rPr>
-              <a:t/>
-            </a:r>
-            <a:br>
+              <a:t> proporcionan la capacidad de aplicar el mismo tipo de anotación más de una vez a la misma declaración o tipo de uso.</a:t>
+            </a:r>
+          </a:p>
+          <a:p>
+            <a:endParaRPr lang="es-ES" dirty="0" smtClean="0">
+              <a:latin typeface="Agency FB" pitchFamily="34" charset="0"/>
+            </a:endParaRPr>
+          </a:p>
+          <a:p>
+            <a:r>
               <a:rPr lang="es-ES" dirty="0" smtClean="0">
                 <a:latin typeface="Agency FB" pitchFamily="34" charset="0"/>
               </a:rPr>
-            </a:br>
+              <a:t>Las </a:t>
+            </a:r>
+            <a:r>
+              <a:rPr lang="es-ES" b="1" dirty="0" smtClean="0">
+                <a:latin typeface="Agency FB" pitchFamily="34" charset="0"/>
+              </a:rPr>
+              <a:t>Anotaciones de Tipo</a:t>
+            </a:r>
             <a:r>
               <a:rPr lang="es-ES" dirty="0" smtClean="0">
                 <a:latin typeface="Agency FB" pitchFamily="34" charset="0"/>
               </a:rPr>
-              <a:t>Sustitución de la lista de métodos sensibles al emisor mantenida a mano existente por un mecanismo que identifica con mayor precisión dichos métodos y permite detectar a los emisores de forma fiable.</a:t>
+              <a:t> proporcionan la capacidad de aplicar una anotación en cualquier lugar en que se utilice un tipo, no sólo en una declaración. Utilizado con un sistema de tipo “</a:t>
+            </a:r>
+            <a:r>
+              <a:rPr lang="es-ES" i="1" dirty="0" err="1" smtClean="0">
+                <a:latin typeface="Agency FB" pitchFamily="34" charset="0"/>
+              </a:rPr>
+              <a:t>pluggable</a:t>
+            </a:r>
+            <a:r>
+              <a:rPr lang="es-ES" i="1" dirty="0" smtClean="0">
+                <a:latin typeface="Agency FB" pitchFamily="34" charset="0"/>
+              </a:rPr>
+              <a:t>”</a:t>
+            </a:r>
+            <a:r>
+              <a:rPr lang="es-ES" dirty="0" smtClean="0">
+                <a:latin typeface="Agency FB" pitchFamily="34" charset="0"/>
+              </a:rPr>
+              <a:t>, esta característica permite una mejor comprobación de tipo de su código.</a:t>
+            </a:r>
+          </a:p>
+          <a:p>
+            <a:endParaRPr lang="es-ES" dirty="0" smtClean="0">
+              <a:latin typeface="Agency FB" pitchFamily="34" charset="0"/>
+            </a:endParaRPr>
+          </a:p>
+          <a:p>
+            <a:r>
+              <a:rPr lang="es-ES" b="1" dirty="0" smtClean="0">
+                <a:latin typeface="Agency FB" pitchFamily="34" charset="0"/>
+              </a:rPr>
+              <a:t>Inferencia de Tipo</a:t>
+            </a:r>
+            <a:r>
+              <a:rPr lang="es-ES" dirty="0" smtClean="0">
+                <a:latin typeface="Agency FB" pitchFamily="34" charset="0"/>
+              </a:rPr>
+              <a:t> mejorada.</a:t>
+            </a:r>
+          </a:p>
+          <a:p>
+            <a:endParaRPr lang="es-ES" dirty="0" smtClean="0">
+              <a:latin typeface="Agency FB" pitchFamily="34" charset="0"/>
+            </a:endParaRPr>
+          </a:p>
+          <a:p>
+            <a:r>
+              <a:rPr lang="es-ES" b="1" dirty="0" smtClean="0">
+                <a:latin typeface="Agency FB" pitchFamily="34" charset="0"/>
+              </a:rPr>
+              <a:t>Reflexión de parámetro de método</a:t>
+            </a:r>
+            <a:r>
+              <a:rPr lang="es-ES" dirty="0" smtClean="0">
+                <a:latin typeface="Agency FB" pitchFamily="34" charset="0"/>
+              </a:rPr>
+              <a:t>.</a:t>
             </a:r>
             <a:endParaRPr lang="es-ES" dirty="0">
               <a:latin typeface="Agency FB" pitchFamily="34" charset="0"/>
@@ -7671,7 +13443,7 @@
               <a:rPr lang="es-MX" b="1" dirty="0" smtClean="0">
                 <a:latin typeface="Agency FB" pitchFamily="34" charset="0"/>
               </a:rPr>
-              <a:t>Otras Mejoras</a:t>
+              <a:t>Mejoras</a:t>
             </a:r>
             <a:endParaRPr lang="es-ES" b="1" dirty="0">
               <a:latin typeface="Agency FB" pitchFamily="34" charset="0"/>
@@ -7697,117 +13469,29 @@
         </p:spPr>
         <p:txBody>
           <a:bodyPr>
-            <a:normAutofit fontScale="92500"/>
+            <a:normAutofit fontScale="70000" lnSpcReduction="20000"/>
           </a:bodyPr>
           <a:lstStyle/>
           <a:p>
             <a:pPr fontAlgn="base"/>
             <a:r>
-              <a:rPr lang="en-US" sz="3100" dirty="0" err="1" smtClean="0">
-                <a:latin typeface="Agency FB" pitchFamily="34" charset="0"/>
-              </a:rPr>
-              <a:t>Nuevas</a:t>
-            </a:r>
-            <a:r>
-              <a:rPr lang="en-US" sz="3100" dirty="0" smtClean="0">
-                <a:latin typeface="Agency FB" pitchFamily="34" charset="0"/>
-              </a:rPr>
-              <a:t> </a:t>
-            </a:r>
-            <a:r>
-              <a:rPr lang="en-US" sz="3100" dirty="0" err="1" smtClean="0">
-                <a:latin typeface="Agency FB" pitchFamily="34" charset="0"/>
-              </a:rPr>
-              <a:t>Clases</a:t>
-            </a:r>
-            <a:r>
-              <a:rPr lang="en-US" sz="3100" dirty="0" smtClean="0">
-                <a:latin typeface="Agency FB" pitchFamily="34" charset="0"/>
-              </a:rPr>
-              <a:t> en el </a:t>
-            </a:r>
-            <a:r>
-              <a:rPr lang="en-US" sz="3100" dirty="0" err="1" smtClean="0">
-                <a:latin typeface="Agency FB" pitchFamily="34" charset="0"/>
-              </a:rPr>
-              <a:t>paquete</a:t>
-            </a:r>
-            <a:r>
-              <a:rPr lang="en-US" sz="3100" dirty="0" smtClean="0">
-                <a:latin typeface="Agency FB" pitchFamily="34" charset="0"/>
-              </a:rPr>
-              <a:t> </a:t>
-            </a:r>
-            <a:r>
-              <a:rPr lang="en-US" sz="3100" b="1" dirty="0" err="1" smtClean="0">
-                <a:latin typeface="Agency FB" pitchFamily="34" charset="0"/>
-              </a:rPr>
-              <a:t>java.util.stream</a:t>
-            </a:r>
-            <a:r>
-              <a:rPr lang="en-US" sz="3100" dirty="0" smtClean="0">
-                <a:latin typeface="Agency FB" pitchFamily="34" charset="0"/>
-              </a:rPr>
-              <a:t>, </a:t>
-            </a:r>
-            <a:r>
-              <a:rPr lang="en-US" sz="3100" dirty="0" err="1" smtClean="0">
-                <a:latin typeface="Agency FB" pitchFamily="34" charset="0"/>
-              </a:rPr>
-              <a:t>que</a:t>
-            </a:r>
-            <a:r>
-              <a:rPr lang="en-US" sz="3100" dirty="0" smtClean="0">
-                <a:latin typeface="Agency FB" pitchFamily="34" charset="0"/>
-              </a:rPr>
-              <a:t> pr</a:t>
-            </a:r>
-            <a:r>
-              <a:rPr lang="es-ES" sz="3100" dirty="0" err="1" smtClean="0">
-                <a:latin typeface="Agency FB" pitchFamily="34" charset="0"/>
-              </a:rPr>
-              <a:t>oporcionan</a:t>
+              <a:rPr lang="es-ES" sz="3100" b="1" dirty="0" smtClean="0">
+                <a:latin typeface="Agency FB" pitchFamily="34" charset="0"/>
+              </a:rPr>
+              <a:t>Métodos de extensión virtual </a:t>
             </a:r>
             <a:r>
               <a:rPr lang="es-ES" sz="3100" dirty="0" smtClean="0">
                 <a:latin typeface="Agency FB" pitchFamily="34" charset="0"/>
               </a:rPr>
-              <a:t> una API de </a:t>
-            </a:r>
-            <a:r>
-              <a:rPr lang="es-ES" sz="3100" dirty="0" err="1" smtClean="0">
-                <a:latin typeface="Agency FB" pitchFamily="34" charset="0"/>
-              </a:rPr>
-              <a:t>Streams</a:t>
-            </a:r>
-            <a:r>
+              <a:t>(implantación de expresiones Lambda y funciones adyacentes a la plataforma y el lenguaje de programación Java.)</a:t>
+            </a:r>
+            <a:br>
               <a:rPr lang="es-ES" sz="3100" dirty="0" smtClean="0">
                 <a:latin typeface="Agency FB" pitchFamily="34" charset="0"/>
               </a:rPr>
-              <a:t> para admitir operaciones de estilo funcional. </a:t>
-            </a:r>
-          </a:p>
-          <a:p>
-            <a:pPr fontAlgn="base"/>
-            <a:r>
-              <a:rPr lang="es-MX" dirty="0" smtClean="0">
-                <a:latin typeface="Agency FB" pitchFamily="34" charset="0"/>
-              </a:rPr>
-              <a:t>Nuevas clases en el paquete </a:t>
-            </a:r>
-            <a:r>
-              <a:rPr lang="es-MX" b="1" dirty="0" err="1" smtClean="0">
-                <a:latin typeface="Agency FB" pitchFamily="34" charset="0"/>
-              </a:rPr>
-              <a:t>java.util.concurrent</a:t>
-            </a:r>
-            <a:r>
-              <a:rPr lang="es-MX" dirty="0" smtClean="0">
-                <a:latin typeface="Agency FB" pitchFamily="34" charset="0"/>
-              </a:rPr>
-              <a:t> para facilitar el uso de las expresiones Lambda, y pools comunes.</a:t>
-            </a:r>
-            <a:endParaRPr lang="es-ES" b="1" dirty="0" smtClean="0">
+            </a:br>
+            <a:endParaRPr lang="es-ES" sz="3100" dirty="0" smtClean="0">
               <a:latin typeface="Agency FB" pitchFamily="34" charset="0"/>
             </a:endParaRPr>
           </a:p>
@@ -7817,44 +13501,124 @@
               <a:rPr lang="es-ES" b="1" dirty="0" smtClean="0">
                 <a:latin typeface="Agency FB" pitchFamily="34" charset="0"/>
               </a:rPr>
-              <a:t>Internacionalización: </a:t>
+              <a:t>API de fecha y hora</a:t>
             </a:r>
             <a:r>
               <a:rPr lang="es-ES" dirty="0" smtClean="0">
                 <a:latin typeface="Agency FB" pitchFamily="34" charset="0"/>
               </a:rPr>
-              <a:t>Mejoras Unicode, incluido el soporte para Unicode 6.2.0</a:t>
+              <a:t/>
+            </a:r>
+            <a:br>
+              <a:rPr lang="es-ES" dirty="0" smtClean="0">
+                <a:latin typeface="Agency FB" pitchFamily="34" charset="0"/>
+              </a:rPr>
+            </a:br>
+            <a:r>
+              <a:rPr lang="es-ES" dirty="0" smtClean="0">
+                <a:latin typeface="Agency FB" pitchFamily="34" charset="0"/>
+              </a:rPr>
+              <a:t>Permite gestionar datos de fecha y hora de forma mucho más natural.</a:t>
             </a:r>
           </a:p>
           <a:p>
             <a:pPr fontAlgn="base"/>
-            <a:r>
-              <a:rPr lang="es-MX" dirty="0" smtClean="0">
-                <a:latin typeface="Agency FB" pitchFamily="34" charset="0"/>
-              </a:rPr>
-              <a:t>Mejoras en la librería </a:t>
-            </a:r>
-            <a:r>
-              <a:rPr lang="es-MX" b="1" dirty="0" smtClean="0">
-                <a:latin typeface="Agency FB" pitchFamily="34" charset="0"/>
-              </a:rPr>
-              <a:t>JDBC</a:t>
-            </a:r>
+            <a:endParaRPr lang="es-ES" dirty="0" smtClean="0">
+              <a:latin typeface="Agency FB" pitchFamily="34" charset="0"/>
+            </a:endParaRPr>
           </a:p>
           <a:p>
             <a:pPr fontAlgn="base"/>
             <a:r>
-              <a:rPr lang="es-MX" dirty="0" smtClean="0">
-                <a:latin typeface="Agency FB" pitchFamily="34" charset="0"/>
-              </a:rPr>
-              <a:t>Mejoras de seguridad en la librería </a:t>
-            </a:r>
-            <a:r>
-              <a:rPr lang="es-MX" b="1" dirty="0" smtClean="0">
-                <a:latin typeface="Agency FB" pitchFamily="34" charset="0"/>
-              </a:rPr>
-              <a:t>java.net</a:t>
-            </a:r>
+              <a:rPr lang="es-ES" b="1" dirty="0" smtClean="0">
+                <a:latin typeface="Agency FB" pitchFamily="34" charset="0"/>
+              </a:rPr>
+              <a:t>Motor de </a:t>
+            </a:r>
+            <a:r>
+              <a:rPr lang="es-ES" b="1" dirty="0" err="1" smtClean="0">
+                <a:latin typeface="Agency FB" pitchFamily="34" charset="0"/>
+              </a:rPr>
+              <a:t>JavaScript</a:t>
+            </a:r>
+            <a:r>
+              <a:rPr lang="es-ES" b="1" dirty="0" smtClean="0">
+                <a:latin typeface="Agency FB" pitchFamily="34" charset="0"/>
+              </a:rPr>
+              <a:t> </a:t>
+            </a:r>
+            <a:r>
+              <a:rPr lang="es-ES" b="1" dirty="0" err="1" smtClean="0">
+                <a:latin typeface="Agency FB" pitchFamily="34" charset="0"/>
+              </a:rPr>
+              <a:t>Nashhorn</a:t>
+            </a:r>
+            <a:r>
+              <a:rPr lang="es-ES" dirty="0" smtClean="0">
+                <a:latin typeface="Agency FB" pitchFamily="34" charset="0"/>
+              </a:rPr>
+              <a:t/>
+            </a:r>
+            <a:br>
+              <a:rPr lang="es-ES" dirty="0" smtClean="0">
+                <a:latin typeface="Agency FB" pitchFamily="34" charset="0"/>
+              </a:rPr>
+            </a:br>
+            <a:r>
+              <a:rPr lang="es-ES" dirty="0" smtClean="0">
+                <a:latin typeface="Agency FB" pitchFamily="34" charset="0"/>
+              </a:rPr>
+              <a:t>Nueva implantación ligera de alto rendimiento del motor de </a:t>
+            </a:r>
+            <a:r>
+              <a:rPr lang="es-ES" dirty="0" err="1" smtClean="0">
+                <a:latin typeface="Agency FB" pitchFamily="34" charset="0"/>
+              </a:rPr>
+              <a:t>JavaScript</a:t>
+            </a:r>
+            <a:r>
+              <a:rPr lang="es-ES" dirty="0" smtClean="0">
+                <a:latin typeface="Agency FB" pitchFamily="34" charset="0"/>
+              </a:rPr>
+              <a:t> integrada en el JDK y disponible mediante las API existentes.</a:t>
+            </a:r>
+            <a:br>
+              <a:rPr lang="es-ES" dirty="0" smtClean="0">
+                <a:latin typeface="Agency FB" pitchFamily="34" charset="0"/>
+              </a:rPr>
+            </a:br>
+            <a:endParaRPr lang="es-ES" dirty="0" smtClean="0">
+              <a:latin typeface="Agency FB" pitchFamily="34" charset="0"/>
+            </a:endParaRPr>
+          </a:p>
+          <a:p>
+            <a:pPr fontAlgn="base"/>
+            <a:r>
+              <a:rPr lang="es-ES" b="1" dirty="0" smtClean="0">
+                <a:latin typeface="Agency FB" pitchFamily="34" charset="0"/>
+              </a:rPr>
+              <a:t>Seguridad mejorada</a:t>
+            </a:r>
+            <a:r>
+              <a:rPr lang="es-ES" dirty="0" smtClean="0">
+                <a:latin typeface="Agency FB" pitchFamily="34" charset="0"/>
+              </a:rPr>
+              <a:t/>
+            </a:r>
+            <a:br>
+              <a:rPr lang="es-ES" dirty="0" smtClean="0">
+                <a:latin typeface="Agency FB" pitchFamily="34" charset="0"/>
+              </a:rPr>
+            </a:br>
+            <a:r>
+              <a:rPr lang="es-ES" dirty="0" smtClean="0">
+                <a:latin typeface="Agency FB" pitchFamily="34" charset="0"/>
+              </a:rPr>
+              <a:t>Sustitución de la lista de métodos sensibles al emisor mantenida a mano existente por un mecanismo que identifica con mayor precisión dichos métodos y permite detectar a los emisores de forma fiable.</a:t>
+            </a:r>
+            <a:endParaRPr lang="es-ES" dirty="0">
+              <a:latin typeface="Agency FB" pitchFamily="34" charset="0"/>
+            </a:endParaRPr>
           </a:p>
         </p:txBody>
       </p:sp>
